--- a/documents/Clothes Detection 모델 보고서.pptx
+++ b/documents/Clothes Detection 모델 보고서.pptx
@@ -10,15 +10,18 @@
     <p:sldId id="266" r:id="rId4"/>
     <p:sldId id="267" r:id="rId5"/>
     <p:sldId id="258" r:id="rId6"/>
-    <p:sldId id="263" r:id="rId7"/>
-    <p:sldId id="269" r:id="rId8"/>
-    <p:sldId id="265" r:id="rId9"/>
-    <p:sldId id="259" r:id="rId10"/>
-    <p:sldId id="268" r:id="rId11"/>
-    <p:sldId id="264" r:id="rId12"/>
-    <p:sldId id="260" r:id="rId13"/>
-    <p:sldId id="261" r:id="rId14"/>
-    <p:sldId id="262" r:id="rId15"/>
+    <p:sldId id="269" r:id="rId7"/>
+    <p:sldId id="259" r:id="rId8"/>
+    <p:sldId id="271" r:id="rId9"/>
+    <p:sldId id="268" r:id="rId10"/>
+    <p:sldId id="264" r:id="rId11"/>
+    <p:sldId id="274" r:id="rId12"/>
+    <p:sldId id="265" r:id="rId13"/>
+    <p:sldId id="260" r:id="rId14"/>
+    <p:sldId id="273" r:id="rId15"/>
+    <p:sldId id="272" r:id="rId16"/>
+    <p:sldId id="261" r:id="rId17"/>
+    <p:sldId id="262" r:id="rId18"/>
   </p:sldIdLst>
   <p:sldSz cx="12192000" cy="6858000"/>
   <p:notesSz cx="6858000" cy="9144000"/>
@@ -272,7 +275,7 @@
           <a:p>
             <a:fld id="{CFD80467-1010-4076-ABF9-783396D94407}" type="datetimeFigureOut">
               <a:rPr lang="ko-KR" altLang="en-US" smtClean="0"/>
-              <a:t>2024-08-25</a:t>
+              <a:t>2024-08-26</a:t>
             </a:fld>
             <a:endParaRPr lang="ko-KR" altLang="en-US"/>
           </a:p>
@@ -470,7 +473,7 @@
           <a:p>
             <a:fld id="{CFD80467-1010-4076-ABF9-783396D94407}" type="datetimeFigureOut">
               <a:rPr lang="ko-KR" altLang="en-US" smtClean="0"/>
-              <a:t>2024-08-25</a:t>
+              <a:t>2024-08-26</a:t>
             </a:fld>
             <a:endParaRPr lang="ko-KR" altLang="en-US"/>
           </a:p>
@@ -678,7 +681,7 @@
           <a:p>
             <a:fld id="{CFD80467-1010-4076-ABF9-783396D94407}" type="datetimeFigureOut">
               <a:rPr lang="ko-KR" altLang="en-US" smtClean="0"/>
-              <a:t>2024-08-25</a:t>
+              <a:t>2024-08-26</a:t>
             </a:fld>
             <a:endParaRPr lang="ko-KR" altLang="en-US"/>
           </a:p>
@@ -876,7 +879,7 @@
           <a:p>
             <a:fld id="{CFD80467-1010-4076-ABF9-783396D94407}" type="datetimeFigureOut">
               <a:rPr lang="ko-KR" altLang="en-US" smtClean="0"/>
-              <a:t>2024-08-25</a:t>
+              <a:t>2024-08-26</a:t>
             </a:fld>
             <a:endParaRPr lang="ko-KR" altLang="en-US"/>
           </a:p>
@@ -1151,7 +1154,7 @@
           <a:p>
             <a:fld id="{CFD80467-1010-4076-ABF9-783396D94407}" type="datetimeFigureOut">
               <a:rPr lang="ko-KR" altLang="en-US" smtClean="0"/>
-              <a:t>2024-08-25</a:t>
+              <a:t>2024-08-26</a:t>
             </a:fld>
             <a:endParaRPr lang="ko-KR" altLang="en-US"/>
           </a:p>
@@ -1416,7 +1419,7 @@
           <a:p>
             <a:fld id="{CFD80467-1010-4076-ABF9-783396D94407}" type="datetimeFigureOut">
               <a:rPr lang="ko-KR" altLang="en-US" smtClean="0"/>
-              <a:t>2024-08-25</a:t>
+              <a:t>2024-08-26</a:t>
             </a:fld>
             <a:endParaRPr lang="ko-KR" altLang="en-US"/>
           </a:p>
@@ -1828,7 +1831,7 @@
           <a:p>
             <a:fld id="{CFD80467-1010-4076-ABF9-783396D94407}" type="datetimeFigureOut">
               <a:rPr lang="ko-KR" altLang="en-US" smtClean="0"/>
-              <a:t>2024-08-25</a:t>
+              <a:t>2024-08-26</a:t>
             </a:fld>
             <a:endParaRPr lang="ko-KR" altLang="en-US"/>
           </a:p>
@@ -1969,7 +1972,7 @@
           <a:p>
             <a:fld id="{CFD80467-1010-4076-ABF9-783396D94407}" type="datetimeFigureOut">
               <a:rPr lang="ko-KR" altLang="en-US" smtClean="0"/>
-              <a:t>2024-08-25</a:t>
+              <a:t>2024-08-26</a:t>
             </a:fld>
             <a:endParaRPr lang="ko-KR" altLang="en-US"/>
           </a:p>
@@ -2082,7 +2085,7 @@
           <a:p>
             <a:fld id="{CFD80467-1010-4076-ABF9-783396D94407}" type="datetimeFigureOut">
               <a:rPr lang="ko-KR" altLang="en-US" smtClean="0"/>
-              <a:t>2024-08-25</a:t>
+              <a:t>2024-08-26</a:t>
             </a:fld>
             <a:endParaRPr lang="ko-KR" altLang="en-US"/>
           </a:p>
@@ -2393,7 +2396,7 @@
           <a:p>
             <a:fld id="{CFD80467-1010-4076-ABF9-783396D94407}" type="datetimeFigureOut">
               <a:rPr lang="ko-KR" altLang="en-US" smtClean="0"/>
-              <a:t>2024-08-25</a:t>
+              <a:t>2024-08-26</a:t>
             </a:fld>
             <a:endParaRPr lang="ko-KR" altLang="en-US"/>
           </a:p>
@@ -2681,7 +2684,7 @@
           <a:p>
             <a:fld id="{CFD80467-1010-4076-ABF9-783396D94407}" type="datetimeFigureOut">
               <a:rPr lang="ko-KR" altLang="en-US" smtClean="0"/>
-              <a:t>2024-08-25</a:t>
+              <a:t>2024-08-26</a:t>
             </a:fld>
             <a:endParaRPr lang="ko-KR" altLang="en-US"/>
           </a:p>
@@ -2922,7 +2925,7 @@
           <a:p>
             <a:fld id="{CFD80467-1010-4076-ABF9-783396D94407}" type="datetimeFigureOut">
               <a:rPr lang="ko-KR" altLang="en-US" smtClean="0"/>
-              <a:t>2024-08-25</a:t>
+              <a:t>2024-08-26</a:t>
             </a:fld>
             <a:endParaRPr lang="ko-KR" altLang="en-US"/>
           </a:p>
@@ -3369,7 +3372,7 @@
             </a:br>
             <a:r>
               <a:rPr lang="ko-KR" altLang="en-US" dirty="0"/>
-              <a:t>모델 선정 과정</a:t>
+              <a:t>모델 결과 보고서</a:t>
             </a:r>
           </a:p>
         </p:txBody>
@@ -3434,7 +3437,7 @@
           <p:cNvPr id="2" name="제목 1">
             <a:extLst>
               <a:ext uri="{FF2B5EF4-FFF2-40B4-BE49-F238E27FC236}">
-                <a16:creationId xmlns:a16="http://schemas.microsoft.com/office/drawing/2014/main" id="{54F328E3-AC92-8A0D-02C5-68CFD3DC600E}"/>
+                <a16:creationId xmlns:a16="http://schemas.microsoft.com/office/drawing/2014/main" id="{D6707639-1E60-52B8-7DA3-8146677FD833}"/>
               </a:ext>
             </a:extLst>
           </p:cNvPr>
@@ -3452,12 +3455,9 @@
           <a:p>
             <a:r>
               <a:rPr lang="en-US" altLang="ko-KR" dirty="0"/>
-              <a:t>Model1 </a:t>
-            </a:r>
-            <a:r>
-              <a:rPr lang="ko-KR" altLang="en-US" dirty="0"/>
-              <a:t>학습 결과</a:t>
-            </a:r>
+              <a:t>Confidence Threshold</a:t>
+            </a:r>
+            <a:endParaRPr lang="ko-KR" altLang="en-US" dirty="0"/>
           </a:p>
         </p:txBody>
       </p:sp>
@@ -3466,7 +3466,7 @@
           <p:cNvPr id="3" name="내용 개체 틀 2">
             <a:extLst>
               <a:ext uri="{FF2B5EF4-FFF2-40B4-BE49-F238E27FC236}">
-                <a16:creationId xmlns:a16="http://schemas.microsoft.com/office/drawing/2014/main" id="{9A069B31-CF4B-3476-CC22-FF2ABA9822DE}"/>
+                <a16:creationId xmlns:a16="http://schemas.microsoft.com/office/drawing/2014/main" id="{FE7E838A-1AD5-6485-9027-A594BA528717}"/>
               </a:ext>
             </a:extLst>
           </p:cNvPr>
@@ -3482,14 +3482,14 @@
           <a:bodyPr/>
           <a:lstStyle/>
           <a:p>
-            <a:endParaRPr lang="ko-KR" altLang="en-US" dirty="0"/>
+            <a:endParaRPr lang="ko-KR" altLang="en-US"/>
           </a:p>
         </p:txBody>
       </p:sp>
     </p:spTree>
     <p:extLst>
       <p:ext uri="{BB962C8B-B14F-4D97-AF65-F5344CB8AC3E}">
-        <p14:creationId xmlns:p14="http://schemas.microsoft.com/office/powerpoint/2010/main" val="1094572235"/>
+        <p14:creationId xmlns:p14="http://schemas.microsoft.com/office/powerpoint/2010/main" val="1773995270"/>
       </p:ext>
     </p:extLst>
   </p:cSld>
@@ -3521,7 +3521,7 @@
           <p:cNvPr id="2" name="제목 1">
             <a:extLst>
               <a:ext uri="{FF2B5EF4-FFF2-40B4-BE49-F238E27FC236}">
-                <a16:creationId xmlns:a16="http://schemas.microsoft.com/office/drawing/2014/main" id="{D6707639-1E60-52B8-7DA3-8146677FD833}"/>
+                <a16:creationId xmlns:a16="http://schemas.microsoft.com/office/drawing/2014/main" id="{7C65A2F1-62E6-16CE-D995-BB09DFCD3F5E}"/>
               </a:ext>
             </a:extLst>
           </p:cNvPr>
@@ -3539,18 +3539,21 @@
           <a:p>
             <a:r>
               <a:rPr lang="en-US" altLang="ko-KR" dirty="0"/>
-              <a:t>Confidence Threshold</a:t>
-            </a:r>
-            <a:endParaRPr lang="ko-KR" altLang="en-US" dirty="0"/>
+              <a:t>Confusion matrix </a:t>
+            </a:r>
+            <a:r>
+              <a:rPr lang="ko-KR" altLang="en-US" dirty="0"/>
+              <a:t>비교</a:t>
+            </a:r>
           </a:p>
         </p:txBody>
       </p:sp>
       <p:sp>
         <p:nvSpPr>
-          <p:cNvPr id="3" name="내용 개체 틀 2">
+          <p:cNvPr id="7" name="내용 개체 틀 6">
             <a:extLst>
               <a:ext uri="{FF2B5EF4-FFF2-40B4-BE49-F238E27FC236}">
-                <a16:creationId xmlns:a16="http://schemas.microsoft.com/office/drawing/2014/main" id="{FE7E838A-1AD5-6485-9027-A594BA528717}"/>
+                <a16:creationId xmlns:a16="http://schemas.microsoft.com/office/drawing/2014/main" id="{F5D60CC1-FE9F-873C-B574-3D5F47505B9A}"/>
               </a:ext>
             </a:extLst>
           </p:cNvPr>
@@ -3573,7 +3576,7 @@
     </p:spTree>
     <p:extLst>
       <p:ext uri="{BB962C8B-B14F-4D97-AF65-F5344CB8AC3E}">
-        <p14:creationId xmlns:p14="http://schemas.microsoft.com/office/powerpoint/2010/main" val="1773995270"/>
+        <p14:creationId xmlns:p14="http://schemas.microsoft.com/office/powerpoint/2010/main" val="475336094"/>
       </p:ext>
     </p:extLst>
   </p:cSld>
@@ -3584,6 +3587,1514 @@
 </file>
 
 <file path=ppt/slides/slide12.xml><?xml version="1.0" encoding="utf-8"?>
+<p:sld xmlns:a="http://schemas.openxmlformats.org/drawingml/2006/main" xmlns:r="http://schemas.openxmlformats.org/officeDocument/2006/relationships" xmlns:p="http://schemas.openxmlformats.org/presentationml/2006/main">
+  <p:cSld>
+    <p:spTree>
+      <p:nvGrpSpPr>
+        <p:cNvPr id="1" name=""/>
+        <p:cNvGrpSpPr/>
+        <p:nvPr/>
+      </p:nvGrpSpPr>
+      <p:grpSpPr>
+        <a:xfrm>
+          <a:off x="0" y="0"/>
+          <a:ext cx="0" cy="0"/>
+          <a:chOff x="0" y="0"/>
+          <a:chExt cx="0" cy="0"/>
+        </a:xfrm>
+      </p:grpSpPr>
+      <p:sp>
+        <p:nvSpPr>
+          <p:cNvPr id="2" name="제목 1">
+            <a:extLst>
+              <a:ext uri="{FF2B5EF4-FFF2-40B4-BE49-F238E27FC236}">
+                <a16:creationId xmlns:a16="http://schemas.microsoft.com/office/drawing/2014/main" id="{F378FA14-A79C-3954-4948-BC513F375E21}"/>
+              </a:ext>
+            </a:extLst>
+          </p:cNvPr>
+          <p:cNvSpPr>
+            <a:spLocks noGrp="1"/>
+          </p:cNvSpPr>
+          <p:nvPr>
+            <p:ph type="title"/>
+          </p:nvPr>
+        </p:nvSpPr>
+        <p:spPr/>
+        <p:txBody>
+          <a:bodyPr/>
+          <a:lstStyle/>
+          <a:p>
+            <a:r>
+              <a:rPr lang="en-US" altLang="ko-KR" dirty="0"/>
+              <a:t>Test set</a:t>
+            </a:r>
+            <a:endParaRPr lang="ko-KR" altLang="en-US" dirty="0"/>
+          </a:p>
+        </p:txBody>
+      </p:sp>
+      <p:sp>
+        <p:nvSpPr>
+          <p:cNvPr id="3" name="내용 개체 틀 2">
+            <a:extLst>
+              <a:ext uri="{FF2B5EF4-FFF2-40B4-BE49-F238E27FC236}">
+                <a16:creationId xmlns:a16="http://schemas.microsoft.com/office/drawing/2014/main" id="{C1B77F40-F836-8FD5-A90C-488403ED00E2}"/>
+              </a:ext>
+            </a:extLst>
+          </p:cNvPr>
+          <p:cNvSpPr>
+            <a:spLocks noGrp="1"/>
+          </p:cNvSpPr>
+          <p:nvPr>
+            <p:ph idx="1"/>
+          </p:nvPr>
+        </p:nvSpPr>
+        <p:spPr/>
+        <p:txBody>
+          <a:bodyPr/>
+          <a:lstStyle/>
+          <a:p>
+            <a:r>
+              <a:rPr lang="ko-KR" altLang="en-US" dirty="0" err="1"/>
+              <a:t>무신사</a:t>
+            </a:r>
+            <a:r>
+              <a:rPr lang="ko-KR" altLang="en-US" dirty="0"/>
+              <a:t> </a:t>
+            </a:r>
+            <a:r>
+              <a:rPr lang="ko-KR" altLang="en-US" dirty="0" err="1"/>
+              <a:t>크롤링</a:t>
+            </a:r>
+            <a:r>
+              <a:rPr lang="ko-KR" altLang="en-US" dirty="0"/>
+              <a:t> </a:t>
+            </a:r>
+            <a:r>
+              <a:rPr lang="en-US" altLang="ko-KR" dirty="0"/>
+              <a:t>Dataset</a:t>
+            </a:r>
+            <a:r>
+              <a:rPr lang="ko-KR" altLang="en-US" dirty="0"/>
+              <a:t>중 </a:t>
+            </a:r>
+            <a:r>
+              <a:rPr lang="en-US" altLang="ko-KR" dirty="0"/>
+              <a:t>1000</a:t>
+            </a:r>
+            <a:r>
+              <a:rPr lang="ko-KR" altLang="en-US" dirty="0"/>
+              <a:t>장을 테스트셋으로 구성</a:t>
+            </a:r>
+            <a:endParaRPr lang="en-US" altLang="ko-KR" dirty="0"/>
+          </a:p>
+          <a:p>
+            <a:pPr lvl="1"/>
+            <a:r>
+              <a:rPr lang="ko-KR" altLang="en-US" dirty="0"/>
+              <a:t>상의 </a:t>
+            </a:r>
+            <a:r>
+              <a:rPr lang="en-US" altLang="ko-KR" dirty="0"/>
+              <a:t>: 420</a:t>
+            </a:r>
+            <a:r>
+              <a:rPr lang="ko-KR" altLang="en-US" dirty="0"/>
+              <a:t>장</a:t>
+            </a:r>
+            <a:r>
+              <a:rPr lang="en-US" altLang="ko-KR" dirty="0"/>
+              <a:t>, </a:t>
+            </a:r>
+            <a:r>
+              <a:rPr lang="ko-KR" altLang="en-US" dirty="0"/>
+              <a:t>하의 </a:t>
+            </a:r>
+            <a:r>
+              <a:rPr lang="en-US" altLang="ko-KR" dirty="0"/>
+              <a:t>: 420</a:t>
+            </a:r>
+            <a:r>
+              <a:rPr lang="ko-KR" altLang="en-US" dirty="0"/>
+              <a:t>장</a:t>
+            </a:r>
+            <a:r>
+              <a:rPr lang="en-US" altLang="ko-KR" dirty="0"/>
+              <a:t>, </a:t>
+            </a:r>
+            <a:r>
+              <a:rPr lang="ko-KR" altLang="en-US" dirty="0"/>
+              <a:t>원피스 </a:t>
+            </a:r>
+            <a:r>
+              <a:rPr lang="en-US" altLang="ko-KR" dirty="0"/>
+              <a:t>: 160</a:t>
+            </a:r>
+            <a:r>
+              <a:rPr lang="ko-KR" altLang="en-US" dirty="0"/>
+              <a:t>장</a:t>
+            </a:r>
+          </a:p>
+        </p:txBody>
+      </p:sp>
+      <p:graphicFrame>
+        <p:nvGraphicFramePr>
+          <p:cNvPr id="5" name="표 4">
+            <a:extLst>
+              <a:ext uri="{FF2B5EF4-FFF2-40B4-BE49-F238E27FC236}">
+                <a16:creationId xmlns:a16="http://schemas.microsoft.com/office/drawing/2014/main" id="{7531C64C-BCFB-F983-C0D8-B766A81BCF67}"/>
+              </a:ext>
+            </a:extLst>
+          </p:cNvPr>
+          <p:cNvGraphicFramePr>
+            <a:graphicFrameLocks noGrp="1"/>
+          </p:cNvGraphicFramePr>
+          <p:nvPr>
+            <p:extLst>
+              <p:ext uri="{D42A27DB-BD31-4B8C-83A1-F6EECF244321}">
+                <p14:modId xmlns:p14="http://schemas.microsoft.com/office/powerpoint/2010/main" val="20403683"/>
+              </p:ext>
+            </p:extLst>
+          </p:nvPr>
+        </p:nvGraphicFramePr>
+        <p:xfrm>
+          <a:off x="1094134" y="3269200"/>
+          <a:ext cx="2819979" cy="3117450"/>
+        </p:xfrm>
+        <a:graphic>
+          <a:graphicData uri="http://schemas.openxmlformats.org/drawingml/2006/table">
+            <a:tbl>
+              <a:tblPr firstRow="1" bandRow="1">
+                <a:tableStyleId>{5C22544A-7EE6-4342-B048-85BDC9FD1C3A}</a:tableStyleId>
+              </a:tblPr>
+              <a:tblGrid>
+                <a:gridCol w="1471514">
+                  <a:extLst>
+                    <a:ext uri="{9D8B030D-6E8A-4147-A177-3AD203B41FA5}">
+                      <a16:colId xmlns:a16="http://schemas.microsoft.com/office/drawing/2014/main" val="140004327"/>
+                    </a:ext>
+                  </a:extLst>
+                </a:gridCol>
+                <a:gridCol w="701336">
+                  <a:extLst>
+                    <a:ext uri="{9D8B030D-6E8A-4147-A177-3AD203B41FA5}">
+                      <a16:colId xmlns:a16="http://schemas.microsoft.com/office/drawing/2014/main" val="2101237556"/>
+                    </a:ext>
+                  </a:extLst>
+                </a:gridCol>
+                <a:gridCol w="647129">
+                  <a:extLst>
+                    <a:ext uri="{9D8B030D-6E8A-4147-A177-3AD203B41FA5}">
+                      <a16:colId xmlns:a16="http://schemas.microsoft.com/office/drawing/2014/main" val="92448449"/>
+                    </a:ext>
+                  </a:extLst>
+                </a:gridCol>
+              </a:tblGrid>
+              <a:tr h="559406">
+                <a:tc>
+                  <a:txBody>
+                    <a:bodyPr/>
+                    <a:lstStyle/>
+                    <a:p>
+                      <a:pPr algn="l" latinLnBrk="1"/>
+                      <a:r>
+                        <a:rPr lang="ko-KR" altLang="en-US" sz="1600" dirty="0">
+                          <a:solidFill>
+                            <a:schemeClr val="tx1"/>
+                          </a:solidFill>
+                        </a:rPr>
+                        <a:t>품목</a:t>
+                      </a:r>
+                    </a:p>
+                  </a:txBody>
+                  <a:tcPr anchor="ctr"/>
+                </a:tc>
+                <a:tc>
+                  <a:txBody>
+                    <a:bodyPr/>
+                    <a:lstStyle/>
+                    <a:p>
+                      <a:pPr algn="l" latinLnBrk="1"/>
+                      <a:r>
+                        <a:rPr lang="ko-KR" altLang="en-US" sz="1600" dirty="0">
+                          <a:solidFill>
+                            <a:schemeClr val="tx1"/>
+                          </a:solidFill>
+                        </a:rPr>
+                        <a:t>착용 사진</a:t>
+                      </a:r>
+                    </a:p>
+                  </a:txBody>
+                  <a:tcPr anchor="ctr"/>
+                </a:tc>
+                <a:tc>
+                  <a:txBody>
+                    <a:bodyPr/>
+                    <a:lstStyle/>
+                    <a:p>
+                      <a:pPr algn="l" latinLnBrk="1"/>
+                      <a:r>
+                        <a:rPr lang="ko-KR" altLang="en-US" sz="1600" dirty="0">
+                          <a:solidFill>
+                            <a:schemeClr val="tx1"/>
+                          </a:solidFill>
+                        </a:rPr>
+                        <a:t>제품 사진</a:t>
+                      </a:r>
+                    </a:p>
+                  </a:txBody>
+                  <a:tcPr anchor="ctr"/>
+                </a:tc>
+                <a:extLst>
+                  <a:ext uri="{0D108BD9-81ED-4DB2-BD59-A6C34878D82A}">
+                    <a16:rowId xmlns:a16="http://schemas.microsoft.com/office/drawing/2014/main" val="1816367046"/>
+                  </a:ext>
+                </a:extLst>
+              </a:tr>
+              <a:tr h="503001">
+                <a:tc>
+                  <a:txBody>
+                    <a:bodyPr/>
+                    <a:lstStyle/>
+                    <a:p>
+                      <a:pPr algn="l" latinLnBrk="1"/>
+                      <a:r>
+                        <a:rPr lang="ko-KR" altLang="en-US" sz="1400" dirty="0" err="1">
+                          <a:solidFill>
+                            <a:schemeClr val="tx1"/>
+                          </a:solidFill>
+                        </a:rPr>
+                        <a:t>긴소매</a:t>
+                      </a:r>
+                      <a:endParaRPr lang="ko-KR" altLang="en-US" sz="1400" dirty="0">
+                        <a:solidFill>
+                          <a:schemeClr val="tx1"/>
+                        </a:solidFill>
+                      </a:endParaRPr>
+                    </a:p>
+                  </a:txBody>
+                  <a:tcPr anchor="ctr"/>
+                </a:tc>
+                <a:tc>
+                  <a:txBody>
+                    <a:bodyPr/>
+                    <a:lstStyle/>
+                    <a:p>
+                      <a:pPr algn="ctr" latinLnBrk="1"/>
+                      <a:r>
+                        <a:rPr lang="en-US" altLang="ko-KR" sz="1400" dirty="0">
+                          <a:solidFill>
+                            <a:schemeClr val="tx1"/>
+                          </a:solidFill>
+                        </a:rPr>
+                        <a:t>90</a:t>
+                      </a:r>
+                      <a:endParaRPr lang="ko-KR" altLang="en-US" sz="1400" dirty="0">
+                        <a:solidFill>
+                          <a:schemeClr val="tx1"/>
+                        </a:solidFill>
+                      </a:endParaRPr>
+                    </a:p>
+                  </a:txBody>
+                  <a:tcPr anchor="ctr"/>
+                </a:tc>
+                <a:tc>
+                  <a:txBody>
+                    <a:bodyPr/>
+                    <a:lstStyle/>
+                    <a:p>
+                      <a:pPr algn="ctr" latinLnBrk="1"/>
+                      <a:r>
+                        <a:rPr lang="en-US" altLang="ko-KR" sz="1400" dirty="0">
+                          <a:solidFill>
+                            <a:schemeClr val="tx1"/>
+                          </a:solidFill>
+                        </a:rPr>
+                        <a:t>90</a:t>
+                      </a:r>
+                      <a:endParaRPr lang="ko-KR" altLang="en-US" sz="1400" dirty="0">
+                        <a:solidFill>
+                          <a:schemeClr val="tx1"/>
+                        </a:solidFill>
+                      </a:endParaRPr>
+                    </a:p>
+                  </a:txBody>
+                  <a:tcPr anchor="ctr"/>
+                </a:tc>
+                <a:extLst>
+                  <a:ext uri="{0D108BD9-81ED-4DB2-BD59-A6C34878D82A}">
+                    <a16:rowId xmlns:a16="http://schemas.microsoft.com/office/drawing/2014/main" val="1030267779"/>
+                  </a:ext>
+                </a:extLst>
+              </a:tr>
+              <a:tr h="526326">
+                <a:tc>
+                  <a:txBody>
+                    <a:bodyPr/>
+                    <a:lstStyle/>
+                    <a:p>
+                      <a:pPr algn="l" latinLnBrk="1"/>
+                      <a:r>
+                        <a:rPr lang="ko-KR" altLang="en-US" sz="1400" dirty="0">
+                          <a:solidFill>
+                            <a:schemeClr val="tx1"/>
+                          </a:solidFill>
+                        </a:rPr>
+                        <a:t>셔츠</a:t>
+                      </a:r>
+                      <a:r>
+                        <a:rPr lang="en-US" altLang="ko-KR" sz="1400" dirty="0">
+                          <a:solidFill>
+                            <a:schemeClr val="tx1"/>
+                          </a:solidFill>
+                        </a:rPr>
+                        <a:t>&amp;</a:t>
+                      </a:r>
+                      <a:r>
+                        <a:rPr lang="ko-KR" altLang="en-US" sz="1400" dirty="0">
+                          <a:solidFill>
+                            <a:schemeClr val="tx1"/>
+                          </a:solidFill>
+                        </a:rPr>
+                        <a:t>블라우스</a:t>
+                      </a:r>
+                    </a:p>
+                  </a:txBody>
+                  <a:tcPr anchor="ctr"/>
+                </a:tc>
+                <a:tc>
+                  <a:txBody>
+                    <a:bodyPr/>
+                    <a:lstStyle/>
+                    <a:p>
+                      <a:pPr algn="ctr" latinLnBrk="1"/>
+                      <a:r>
+                        <a:rPr lang="en-US" altLang="ko-KR" sz="1400" dirty="0">
+                          <a:solidFill>
+                            <a:schemeClr val="tx1"/>
+                          </a:solidFill>
+                        </a:rPr>
+                        <a:t>30</a:t>
+                      </a:r>
+                      <a:endParaRPr lang="ko-KR" altLang="en-US" sz="1400" dirty="0">
+                        <a:solidFill>
+                          <a:schemeClr val="tx1"/>
+                        </a:solidFill>
+                      </a:endParaRPr>
+                    </a:p>
+                  </a:txBody>
+                  <a:tcPr anchor="ctr"/>
+                </a:tc>
+                <a:tc>
+                  <a:txBody>
+                    <a:bodyPr/>
+                    <a:lstStyle/>
+                    <a:p>
+                      <a:pPr algn="ctr" latinLnBrk="1"/>
+                      <a:r>
+                        <a:rPr lang="en-US" altLang="ko-KR" sz="1400" dirty="0">
+                          <a:solidFill>
+                            <a:schemeClr val="tx1"/>
+                          </a:solidFill>
+                        </a:rPr>
+                        <a:t>30</a:t>
+                      </a:r>
+                      <a:endParaRPr lang="ko-KR" altLang="en-US" sz="1400" dirty="0">
+                        <a:solidFill>
+                          <a:schemeClr val="tx1"/>
+                        </a:solidFill>
+                      </a:endParaRPr>
+                    </a:p>
+                  </a:txBody>
+                  <a:tcPr anchor="ctr"/>
+                </a:tc>
+                <a:extLst>
+                  <a:ext uri="{0D108BD9-81ED-4DB2-BD59-A6C34878D82A}">
+                    <a16:rowId xmlns:a16="http://schemas.microsoft.com/office/drawing/2014/main" val="1989455618"/>
+                  </a:ext>
+                </a:extLst>
+              </a:tr>
+              <a:tr h="503001">
+                <a:tc>
+                  <a:txBody>
+                    <a:bodyPr/>
+                    <a:lstStyle/>
+                    <a:p>
+                      <a:pPr algn="l" latinLnBrk="1"/>
+                      <a:r>
+                        <a:rPr lang="ko-KR" altLang="en-US" sz="1400" dirty="0">
+                          <a:solidFill>
+                            <a:schemeClr val="tx1"/>
+                          </a:solidFill>
+                        </a:rPr>
+                        <a:t>반소매</a:t>
+                      </a:r>
+                    </a:p>
+                  </a:txBody>
+                  <a:tcPr anchor="ctr"/>
+                </a:tc>
+                <a:tc>
+                  <a:txBody>
+                    <a:bodyPr/>
+                    <a:lstStyle/>
+                    <a:p>
+                      <a:pPr algn="ctr" latinLnBrk="1"/>
+                      <a:r>
+                        <a:rPr lang="en-US" altLang="ko-KR" sz="1400" dirty="0">
+                          <a:solidFill>
+                            <a:schemeClr val="tx1"/>
+                          </a:solidFill>
+                        </a:rPr>
+                        <a:t>30</a:t>
+                      </a:r>
+                      <a:endParaRPr lang="ko-KR" altLang="en-US" sz="1400" dirty="0">
+                        <a:solidFill>
+                          <a:schemeClr val="tx1"/>
+                        </a:solidFill>
+                      </a:endParaRPr>
+                    </a:p>
+                  </a:txBody>
+                  <a:tcPr anchor="ctr"/>
+                </a:tc>
+                <a:tc>
+                  <a:txBody>
+                    <a:bodyPr/>
+                    <a:lstStyle/>
+                    <a:p>
+                      <a:pPr algn="ctr" latinLnBrk="1"/>
+                      <a:r>
+                        <a:rPr lang="en-US" altLang="ko-KR" sz="1400" dirty="0">
+                          <a:solidFill>
+                            <a:schemeClr val="tx1"/>
+                          </a:solidFill>
+                        </a:rPr>
+                        <a:t>30</a:t>
+                      </a:r>
+                      <a:endParaRPr lang="ko-KR" altLang="en-US" sz="1400" dirty="0">
+                        <a:solidFill>
+                          <a:schemeClr val="tx1"/>
+                        </a:solidFill>
+                      </a:endParaRPr>
+                    </a:p>
+                  </a:txBody>
+                  <a:tcPr anchor="ctr"/>
+                </a:tc>
+                <a:extLst>
+                  <a:ext uri="{0D108BD9-81ED-4DB2-BD59-A6C34878D82A}">
+                    <a16:rowId xmlns:a16="http://schemas.microsoft.com/office/drawing/2014/main" val="688975556"/>
+                  </a:ext>
+                </a:extLst>
+              </a:tr>
+              <a:tr h="503001">
+                <a:tc>
+                  <a:txBody>
+                    <a:bodyPr/>
+                    <a:lstStyle/>
+                    <a:p>
+                      <a:pPr algn="l" latinLnBrk="1"/>
+                      <a:r>
+                        <a:rPr lang="ko-KR" altLang="en-US" sz="1400" dirty="0">
+                          <a:solidFill>
+                            <a:schemeClr val="tx1"/>
+                          </a:solidFill>
+                        </a:rPr>
+                        <a:t>민소매</a:t>
+                      </a:r>
+                    </a:p>
+                  </a:txBody>
+                  <a:tcPr anchor="ctr"/>
+                </a:tc>
+                <a:tc>
+                  <a:txBody>
+                    <a:bodyPr/>
+                    <a:lstStyle/>
+                    <a:p>
+                      <a:pPr algn="ctr" latinLnBrk="1"/>
+                      <a:r>
+                        <a:rPr lang="en-US" altLang="ko-KR" sz="1400" dirty="0">
+                          <a:solidFill>
+                            <a:schemeClr val="tx1"/>
+                          </a:solidFill>
+                        </a:rPr>
+                        <a:t>30</a:t>
+                      </a:r>
+                      <a:endParaRPr lang="ko-KR" altLang="en-US" sz="1400" dirty="0">
+                        <a:solidFill>
+                          <a:schemeClr val="tx1"/>
+                        </a:solidFill>
+                      </a:endParaRPr>
+                    </a:p>
+                  </a:txBody>
+                  <a:tcPr anchor="ctr"/>
+                </a:tc>
+                <a:tc>
+                  <a:txBody>
+                    <a:bodyPr/>
+                    <a:lstStyle/>
+                    <a:p>
+                      <a:pPr algn="ctr" latinLnBrk="1"/>
+                      <a:r>
+                        <a:rPr lang="en-US" altLang="ko-KR" sz="1400" dirty="0">
+                          <a:solidFill>
+                            <a:schemeClr val="tx1"/>
+                          </a:solidFill>
+                        </a:rPr>
+                        <a:t>30</a:t>
+                      </a:r>
+                      <a:endParaRPr lang="ko-KR" altLang="en-US" sz="1400" dirty="0">
+                        <a:solidFill>
+                          <a:schemeClr val="tx1"/>
+                        </a:solidFill>
+                      </a:endParaRPr>
+                    </a:p>
+                  </a:txBody>
+                  <a:tcPr anchor="ctr"/>
+                </a:tc>
+                <a:extLst>
+                  <a:ext uri="{0D108BD9-81ED-4DB2-BD59-A6C34878D82A}">
+                    <a16:rowId xmlns:a16="http://schemas.microsoft.com/office/drawing/2014/main" val="3916408024"/>
+                  </a:ext>
+                </a:extLst>
+              </a:tr>
+              <a:tr h="503001">
+                <a:tc>
+                  <a:txBody>
+                    <a:bodyPr/>
+                    <a:lstStyle/>
+                    <a:p>
+                      <a:pPr algn="l" latinLnBrk="1"/>
+                      <a:r>
+                        <a:rPr lang="ko-KR" altLang="en-US" sz="1400" dirty="0">
+                          <a:solidFill>
+                            <a:schemeClr val="tx1"/>
+                          </a:solidFill>
+                        </a:rPr>
+                        <a:t>니트</a:t>
+                      </a:r>
+                      <a:r>
+                        <a:rPr lang="en-US" altLang="ko-KR" sz="1400" dirty="0">
+                          <a:solidFill>
+                            <a:schemeClr val="tx1"/>
+                          </a:solidFill>
+                        </a:rPr>
+                        <a:t>&amp;</a:t>
+                      </a:r>
+                      <a:r>
+                        <a:rPr lang="ko-KR" altLang="en-US" sz="1400" dirty="0">
+                          <a:solidFill>
+                            <a:schemeClr val="tx1"/>
+                          </a:solidFill>
+                        </a:rPr>
+                        <a:t>스웨터</a:t>
+                      </a:r>
+                    </a:p>
+                  </a:txBody>
+                  <a:tcPr anchor="ctr"/>
+                </a:tc>
+                <a:tc>
+                  <a:txBody>
+                    <a:bodyPr/>
+                    <a:lstStyle/>
+                    <a:p>
+                      <a:pPr algn="ctr" latinLnBrk="1"/>
+                      <a:r>
+                        <a:rPr lang="en-US" altLang="ko-KR" sz="1400" dirty="0">
+                          <a:solidFill>
+                            <a:schemeClr val="tx1"/>
+                          </a:solidFill>
+                        </a:rPr>
+                        <a:t>30</a:t>
+                      </a:r>
+                      <a:endParaRPr lang="ko-KR" altLang="en-US" sz="1400" dirty="0">
+                        <a:solidFill>
+                          <a:schemeClr val="tx1"/>
+                        </a:solidFill>
+                      </a:endParaRPr>
+                    </a:p>
+                  </a:txBody>
+                  <a:tcPr anchor="ctr"/>
+                </a:tc>
+                <a:tc>
+                  <a:txBody>
+                    <a:bodyPr/>
+                    <a:lstStyle/>
+                    <a:p>
+                      <a:pPr algn="ctr" latinLnBrk="1"/>
+                      <a:r>
+                        <a:rPr lang="en-US" altLang="ko-KR" sz="1400" dirty="0">
+                          <a:solidFill>
+                            <a:schemeClr val="tx1"/>
+                          </a:solidFill>
+                        </a:rPr>
+                        <a:t>30</a:t>
+                      </a:r>
+                      <a:endParaRPr lang="ko-KR" altLang="en-US" sz="1400" dirty="0">
+                        <a:solidFill>
+                          <a:schemeClr val="tx1"/>
+                        </a:solidFill>
+                      </a:endParaRPr>
+                    </a:p>
+                  </a:txBody>
+                  <a:tcPr anchor="ctr"/>
+                </a:tc>
+                <a:extLst>
+                  <a:ext uri="{0D108BD9-81ED-4DB2-BD59-A6C34878D82A}">
+                    <a16:rowId xmlns:a16="http://schemas.microsoft.com/office/drawing/2014/main" val="1995027558"/>
+                  </a:ext>
+                </a:extLst>
+              </a:tr>
+            </a:tbl>
+          </a:graphicData>
+        </a:graphic>
+      </p:graphicFrame>
+      <p:graphicFrame>
+        <p:nvGraphicFramePr>
+          <p:cNvPr id="6" name="표 5">
+            <a:extLst>
+              <a:ext uri="{FF2B5EF4-FFF2-40B4-BE49-F238E27FC236}">
+                <a16:creationId xmlns:a16="http://schemas.microsoft.com/office/drawing/2014/main" id="{E022739B-6CF6-4D06-63D0-84E4A1D57CC3}"/>
+              </a:ext>
+            </a:extLst>
+          </p:cNvPr>
+          <p:cNvGraphicFramePr>
+            <a:graphicFrameLocks noGrp="1"/>
+          </p:cNvGraphicFramePr>
+          <p:nvPr>
+            <p:extLst>
+              <p:ext uri="{D42A27DB-BD31-4B8C-83A1-F6EECF244321}">
+                <p14:modId xmlns:p14="http://schemas.microsoft.com/office/powerpoint/2010/main" val="3555865556"/>
+              </p:ext>
+            </p:extLst>
+          </p:nvPr>
+        </p:nvGraphicFramePr>
+        <p:xfrm>
+          <a:off x="4607942" y="3271418"/>
+          <a:ext cx="2090915" cy="2111448"/>
+        </p:xfrm>
+        <a:graphic>
+          <a:graphicData uri="http://schemas.openxmlformats.org/drawingml/2006/table">
+            <a:tbl>
+              <a:tblPr firstRow="1" bandRow="1">
+                <a:tableStyleId>{5C22544A-7EE6-4342-B048-85BDC9FD1C3A}</a:tableStyleId>
+              </a:tblPr>
+              <a:tblGrid>
+                <a:gridCol w="770757">
+                  <a:extLst>
+                    <a:ext uri="{9D8B030D-6E8A-4147-A177-3AD203B41FA5}">
+                      <a16:colId xmlns:a16="http://schemas.microsoft.com/office/drawing/2014/main" val="140004327"/>
+                    </a:ext>
+                  </a:extLst>
+                </a:gridCol>
+                <a:gridCol w="656948">
+                  <a:extLst>
+                    <a:ext uri="{9D8B030D-6E8A-4147-A177-3AD203B41FA5}">
+                      <a16:colId xmlns:a16="http://schemas.microsoft.com/office/drawing/2014/main" val="2101237556"/>
+                    </a:ext>
+                  </a:extLst>
+                </a:gridCol>
+                <a:gridCol w="663210">
+                  <a:extLst>
+                    <a:ext uri="{9D8B030D-6E8A-4147-A177-3AD203B41FA5}">
+                      <a16:colId xmlns:a16="http://schemas.microsoft.com/office/drawing/2014/main" val="4001694859"/>
+                    </a:ext>
+                  </a:extLst>
+                </a:gridCol>
+              </a:tblGrid>
+              <a:tr h="559406">
+                <a:tc>
+                  <a:txBody>
+                    <a:bodyPr/>
+                    <a:lstStyle/>
+                    <a:p>
+                      <a:pPr algn="l" latinLnBrk="1"/>
+                      <a:r>
+                        <a:rPr lang="ko-KR" altLang="en-US" sz="1600" dirty="0">
+                          <a:solidFill>
+                            <a:schemeClr val="tx1"/>
+                          </a:solidFill>
+                        </a:rPr>
+                        <a:t>품목</a:t>
+                      </a:r>
+                    </a:p>
+                  </a:txBody>
+                  <a:tcPr anchor="ctr"/>
+                </a:tc>
+                <a:tc>
+                  <a:txBody>
+                    <a:bodyPr/>
+                    <a:lstStyle/>
+                    <a:p>
+                      <a:pPr algn="l" latinLnBrk="1"/>
+                      <a:r>
+                        <a:rPr lang="ko-KR" altLang="en-US" sz="1600" dirty="0">
+                          <a:solidFill>
+                            <a:schemeClr val="tx1"/>
+                          </a:solidFill>
+                        </a:rPr>
+                        <a:t>착용 사진</a:t>
+                      </a:r>
+                    </a:p>
+                  </a:txBody>
+                  <a:tcPr anchor="ctr"/>
+                </a:tc>
+                <a:tc>
+                  <a:txBody>
+                    <a:bodyPr/>
+                    <a:lstStyle/>
+                    <a:p>
+                      <a:pPr algn="l" latinLnBrk="1"/>
+                      <a:r>
+                        <a:rPr lang="ko-KR" altLang="en-US" sz="1600" dirty="0">
+                          <a:solidFill>
+                            <a:schemeClr val="tx1"/>
+                          </a:solidFill>
+                        </a:rPr>
+                        <a:t>제품 사진</a:t>
+                      </a:r>
+                    </a:p>
+                  </a:txBody>
+                  <a:tcPr anchor="ctr"/>
+                </a:tc>
+                <a:extLst>
+                  <a:ext uri="{0D108BD9-81ED-4DB2-BD59-A6C34878D82A}">
+                    <a16:rowId xmlns:a16="http://schemas.microsoft.com/office/drawing/2014/main" val="1816367046"/>
+                  </a:ext>
+                </a:extLst>
+              </a:tr>
+              <a:tr h="503001">
+                <a:tc>
+                  <a:txBody>
+                    <a:bodyPr/>
+                    <a:lstStyle/>
+                    <a:p>
+                      <a:pPr algn="l" latinLnBrk="1"/>
+                      <a:r>
+                        <a:rPr lang="ko-KR" altLang="en-US" sz="1400" dirty="0" err="1">
+                          <a:solidFill>
+                            <a:schemeClr val="tx1"/>
+                          </a:solidFill>
+                        </a:rPr>
+                        <a:t>긴바지</a:t>
+                      </a:r>
+                      <a:endParaRPr lang="ko-KR" altLang="en-US" sz="1400" dirty="0">
+                        <a:solidFill>
+                          <a:schemeClr val="tx1"/>
+                        </a:solidFill>
+                      </a:endParaRPr>
+                    </a:p>
+                  </a:txBody>
+                  <a:tcPr anchor="ctr"/>
+                </a:tc>
+                <a:tc>
+                  <a:txBody>
+                    <a:bodyPr/>
+                    <a:lstStyle/>
+                    <a:p>
+                      <a:pPr algn="ctr" latinLnBrk="1"/>
+                      <a:r>
+                        <a:rPr lang="en-US" altLang="ko-KR" sz="1400" dirty="0">
+                          <a:solidFill>
+                            <a:schemeClr val="tx1"/>
+                          </a:solidFill>
+                        </a:rPr>
+                        <a:t>90</a:t>
+                      </a:r>
+                      <a:endParaRPr lang="ko-KR" altLang="en-US" sz="1400" dirty="0">
+                        <a:solidFill>
+                          <a:schemeClr val="tx1"/>
+                        </a:solidFill>
+                      </a:endParaRPr>
+                    </a:p>
+                  </a:txBody>
+                  <a:tcPr anchor="ctr"/>
+                </a:tc>
+                <a:tc>
+                  <a:txBody>
+                    <a:bodyPr/>
+                    <a:lstStyle/>
+                    <a:p>
+                      <a:pPr algn="ctr" latinLnBrk="1"/>
+                      <a:r>
+                        <a:rPr lang="en-US" altLang="ko-KR" sz="1400" dirty="0">
+                          <a:solidFill>
+                            <a:schemeClr val="tx1"/>
+                          </a:solidFill>
+                        </a:rPr>
+                        <a:t>90</a:t>
+                      </a:r>
+                      <a:endParaRPr lang="ko-KR" altLang="en-US" sz="1400" dirty="0">
+                        <a:solidFill>
+                          <a:schemeClr val="tx1"/>
+                        </a:solidFill>
+                      </a:endParaRPr>
+                    </a:p>
+                  </a:txBody>
+                  <a:tcPr anchor="ctr"/>
+                </a:tc>
+                <a:extLst>
+                  <a:ext uri="{0D108BD9-81ED-4DB2-BD59-A6C34878D82A}">
+                    <a16:rowId xmlns:a16="http://schemas.microsoft.com/office/drawing/2014/main" val="1030267779"/>
+                  </a:ext>
+                </a:extLst>
+              </a:tr>
+              <a:tr h="526326">
+                <a:tc>
+                  <a:txBody>
+                    <a:bodyPr/>
+                    <a:lstStyle/>
+                    <a:p>
+                      <a:pPr algn="l" latinLnBrk="1"/>
+                      <a:r>
+                        <a:rPr lang="ko-KR" altLang="en-US" sz="1400" dirty="0">
+                          <a:solidFill>
+                            <a:schemeClr val="tx1"/>
+                          </a:solidFill>
+                        </a:rPr>
+                        <a:t>반바지</a:t>
+                      </a:r>
+                    </a:p>
+                  </a:txBody>
+                  <a:tcPr anchor="ctr"/>
+                </a:tc>
+                <a:tc>
+                  <a:txBody>
+                    <a:bodyPr/>
+                    <a:lstStyle/>
+                    <a:p>
+                      <a:pPr algn="ctr" latinLnBrk="1"/>
+                      <a:r>
+                        <a:rPr lang="en-US" altLang="ko-KR" sz="1400" dirty="0">
+                          <a:solidFill>
+                            <a:schemeClr val="tx1"/>
+                          </a:solidFill>
+                        </a:rPr>
+                        <a:t>30</a:t>
+                      </a:r>
+                      <a:endParaRPr lang="ko-KR" altLang="en-US" sz="1400" dirty="0">
+                        <a:solidFill>
+                          <a:schemeClr val="tx1"/>
+                        </a:solidFill>
+                      </a:endParaRPr>
+                    </a:p>
+                  </a:txBody>
+                  <a:tcPr anchor="ctr"/>
+                </a:tc>
+                <a:tc>
+                  <a:txBody>
+                    <a:bodyPr/>
+                    <a:lstStyle/>
+                    <a:p>
+                      <a:pPr algn="ctr" latinLnBrk="1"/>
+                      <a:r>
+                        <a:rPr lang="en-US" altLang="ko-KR" sz="1400" dirty="0">
+                          <a:solidFill>
+                            <a:schemeClr val="tx1"/>
+                          </a:solidFill>
+                        </a:rPr>
+                        <a:t>30</a:t>
+                      </a:r>
+                      <a:endParaRPr lang="ko-KR" altLang="en-US" sz="1400" dirty="0">
+                        <a:solidFill>
+                          <a:schemeClr val="tx1"/>
+                        </a:solidFill>
+                      </a:endParaRPr>
+                    </a:p>
+                  </a:txBody>
+                  <a:tcPr anchor="ctr"/>
+                </a:tc>
+                <a:extLst>
+                  <a:ext uri="{0D108BD9-81ED-4DB2-BD59-A6C34878D82A}">
+                    <a16:rowId xmlns:a16="http://schemas.microsoft.com/office/drawing/2014/main" val="1989455618"/>
+                  </a:ext>
+                </a:extLst>
+              </a:tr>
+              <a:tr h="503001">
+                <a:tc>
+                  <a:txBody>
+                    <a:bodyPr/>
+                    <a:lstStyle/>
+                    <a:p>
+                      <a:pPr algn="l" latinLnBrk="1"/>
+                      <a:r>
+                        <a:rPr lang="ko-KR" altLang="en-US" sz="1400" dirty="0">
+                          <a:solidFill>
+                            <a:schemeClr val="tx1"/>
+                          </a:solidFill>
+                        </a:rPr>
+                        <a:t>스커트</a:t>
+                      </a:r>
+                    </a:p>
+                  </a:txBody>
+                  <a:tcPr anchor="ctr"/>
+                </a:tc>
+                <a:tc>
+                  <a:txBody>
+                    <a:bodyPr/>
+                    <a:lstStyle/>
+                    <a:p>
+                      <a:pPr algn="ctr" latinLnBrk="1"/>
+                      <a:r>
+                        <a:rPr lang="en-US" altLang="ko-KR" sz="1400" dirty="0">
+                          <a:solidFill>
+                            <a:schemeClr val="tx1"/>
+                          </a:solidFill>
+                        </a:rPr>
+                        <a:t>90</a:t>
+                      </a:r>
+                      <a:endParaRPr lang="ko-KR" altLang="en-US" sz="1400" dirty="0">
+                        <a:solidFill>
+                          <a:schemeClr val="tx1"/>
+                        </a:solidFill>
+                      </a:endParaRPr>
+                    </a:p>
+                  </a:txBody>
+                  <a:tcPr anchor="ctr"/>
+                </a:tc>
+                <a:tc>
+                  <a:txBody>
+                    <a:bodyPr/>
+                    <a:lstStyle/>
+                    <a:p>
+                      <a:pPr algn="ctr" latinLnBrk="1"/>
+                      <a:r>
+                        <a:rPr lang="en-US" altLang="ko-KR" sz="1400" dirty="0">
+                          <a:solidFill>
+                            <a:schemeClr val="tx1"/>
+                          </a:solidFill>
+                        </a:rPr>
+                        <a:t>90</a:t>
+                      </a:r>
+                      <a:endParaRPr lang="ko-KR" altLang="en-US" sz="1400" dirty="0">
+                        <a:solidFill>
+                          <a:schemeClr val="tx1"/>
+                        </a:solidFill>
+                      </a:endParaRPr>
+                    </a:p>
+                  </a:txBody>
+                  <a:tcPr anchor="ctr"/>
+                </a:tc>
+                <a:extLst>
+                  <a:ext uri="{0D108BD9-81ED-4DB2-BD59-A6C34878D82A}">
+                    <a16:rowId xmlns:a16="http://schemas.microsoft.com/office/drawing/2014/main" val="688975556"/>
+                  </a:ext>
+                </a:extLst>
+              </a:tr>
+            </a:tbl>
+          </a:graphicData>
+        </a:graphic>
+      </p:graphicFrame>
+      <p:graphicFrame>
+        <p:nvGraphicFramePr>
+          <p:cNvPr id="7" name="표 6">
+            <a:extLst>
+              <a:ext uri="{FF2B5EF4-FFF2-40B4-BE49-F238E27FC236}">
+                <a16:creationId xmlns:a16="http://schemas.microsoft.com/office/drawing/2014/main" id="{D2EB6F0C-0CA8-301E-F72F-1592EE8169ED}"/>
+              </a:ext>
+            </a:extLst>
+          </p:cNvPr>
+          <p:cNvGraphicFramePr>
+            <a:graphicFrameLocks noGrp="1"/>
+          </p:cNvGraphicFramePr>
+          <p:nvPr>
+            <p:extLst>
+              <p:ext uri="{D42A27DB-BD31-4B8C-83A1-F6EECF244321}">
+                <p14:modId xmlns:p14="http://schemas.microsoft.com/office/powerpoint/2010/main" val="4021965973"/>
+              </p:ext>
+            </p:extLst>
+          </p:nvPr>
+        </p:nvGraphicFramePr>
+        <p:xfrm>
+          <a:off x="7392685" y="3269200"/>
+          <a:ext cx="2303983" cy="1608447"/>
+        </p:xfrm>
+        <a:graphic>
+          <a:graphicData uri="http://schemas.openxmlformats.org/drawingml/2006/table">
+            <a:tbl>
+              <a:tblPr firstRow="1" bandRow="1">
+                <a:tableStyleId>{5C22544A-7EE6-4342-B048-85BDC9FD1C3A}</a:tableStyleId>
+              </a:tblPr>
+              <a:tblGrid>
+                <a:gridCol w="896718">
+                  <a:extLst>
+                    <a:ext uri="{9D8B030D-6E8A-4147-A177-3AD203B41FA5}">
+                      <a16:colId xmlns:a16="http://schemas.microsoft.com/office/drawing/2014/main" val="140004327"/>
+                    </a:ext>
+                  </a:extLst>
+                </a:gridCol>
+                <a:gridCol w="630315">
+                  <a:extLst>
+                    <a:ext uri="{9D8B030D-6E8A-4147-A177-3AD203B41FA5}">
+                      <a16:colId xmlns:a16="http://schemas.microsoft.com/office/drawing/2014/main" val="2101237556"/>
+                    </a:ext>
+                  </a:extLst>
+                </a:gridCol>
+                <a:gridCol w="776950">
+                  <a:extLst>
+                    <a:ext uri="{9D8B030D-6E8A-4147-A177-3AD203B41FA5}">
+                      <a16:colId xmlns:a16="http://schemas.microsoft.com/office/drawing/2014/main" val="3722193491"/>
+                    </a:ext>
+                  </a:extLst>
+                </a:gridCol>
+              </a:tblGrid>
+              <a:tr h="559406">
+                <a:tc>
+                  <a:txBody>
+                    <a:bodyPr/>
+                    <a:lstStyle/>
+                    <a:p>
+                      <a:pPr algn="l" latinLnBrk="1"/>
+                      <a:r>
+                        <a:rPr lang="ko-KR" altLang="en-US" sz="1600" dirty="0">
+                          <a:solidFill>
+                            <a:schemeClr val="tx1"/>
+                          </a:solidFill>
+                        </a:rPr>
+                        <a:t>품목</a:t>
+                      </a:r>
+                    </a:p>
+                  </a:txBody>
+                  <a:tcPr anchor="ctr"/>
+                </a:tc>
+                <a:tc>
+                  <a:txBody>
+                    <a:bodyPr/>
+                    <a:lstStyle/>
+                    <a:p>
+                      <a:pPr algn="l" latinLnBrk="1"/>
+                      <a:r>
+                        <a:rPr lang="ko-KR" altLang="en-US" sz="1600" dirty="0">
+                          <a:solidFill>
+                            <a:schemeClr val="tx1"/>
+                          </a:solidFill>
+                        </a:rPr>
+                        <a:t>착용 사진</a:t>
+                      </a:r>
+                    </a:p>
+                  </a:txBody>
+                  <a:tcPr anchor="ctr"/>
+                </a:tc>
+                <a:tc>
+                  <a:txBody>
+                    <a:bodyPr/>
+                    <a:lstStyle/>
+                    <a:p>
+                      <a:pPr algn="l" latinLnBrk="1"/>
+                      <a:r>
+                        <a:rPr lang="ko-KR" altLang="en-US" sz="1600" dirty="0">
+                          <a:solidFill>
+                            <a:schemeClr val="tx1"/>
+                          </a:solidFill>
+                        </a:rPr>
+                        <a:t>제품 사진</a:t>
+                      </a:r>
+                    </a:p>
+                  </a:txBody>
+                  <a:tcPr anchor="ctr"/>
+                </a:tc>
+                <a:extLst>
+                  <a:ext uri="{0D108BD9-81ED-4DB2-BD59-A6C34878D82A}">
+                    <a16:rowId xmlns:a16="http://schemas.microsoft.com/office/drawing/2014/main" val="1816367046"/>
+                  </a:ext>
+                </a:extLst>
+              </a:tr>
+              <a:tr h="503001">
+                <a:tc>
+                  <a:txBody>
+                    <a:bodyPr/>
+                    <a:lstStyle/>
+                    <a:p>
+                      <a:pPr algn="l" latinLnBrk="1"/>
+                      <a:r>
+                        <a:rPr lang="ko-KR" altLang="en-US" sz="1400" dirty="0">
+                          <a:solidFill>
+                            <a:schemeClr val="tx1"/>
+                          </a:solidFill>
+                        </a:rPr>
+                        <a:t>원피스</a:t>
+                      </a:r>
+                    </a:p>
+                  </a:txBody>
+                  <a:tcPr anchor="ctr"/>
+                </a:tc>
+                <a:tc>
+                  <a:txBody>
+                    <a:bodyPr/>
+                    <a:lstStyle/>
+                    <a:p>
+                      <a:pPr algn="ctr" latinLnBrk="1"/>
+                      <a:r>
+                        <a:rPr lang="en-US" altLang="ko-KR" sz="1400" dirty="0">
+                          <a:solidFill>
+                            <a:schemeClr val="tx1"/>
+                          </a:solidFill>
+                        </a:rPr>
+                        <a:t>60</a:t>
+                      </a:r>
+                      <a:endParaRPr lang="ko-KR" altLang="en-US" sz="1400" dirty="0">
+                        <a:solidFill>
+                          <a:schemeClr val="tx1"/>
+                        </a:solidFill>
+                      </a:endParaRPr>
+                    </a:p>
+                  </a:txBody>
+                  <a:tcPr anchor="ctr"/>
+                </a:tc>
+                <a:tc>
+                  <a:txBody>
+                    <a:bodyPr/>
+                    <a:lstStyle/>
+                    <a:p>
+                      <a:pPr algn="ctr" latinLnBrk="1"/>
+                      <a:r>
+                        <a:rPr lang="en-US" altLang="ko-KR" sz="1400" dirty="0">
+                          <a:solidFill>
+                            <a:schemeClr val="tx1"/>
+                          </a:solidFill>
+                        </a:rPr>
+                        <a:t>60</a:t>
+                      </a:r>
+                      <a:endParaRPr lang="ko-KR" altLang="en-US" sz="1400" dirty="0">
+                        <a:solidFill>
+                          <a:schemeClr val="tx1"/>
+                        </a:solidFill>
+                      </a:endParaRPr>
+                    </a:p>
+                  </a:txBody>
+                  <a:tcPr anchor="ctr"/>
+                </a:tc>
+                <a:extLst>
+                  <a:ext uri="{0D108BD9-81ED-4DB2-BD59-A6C34878D82A}">
+                    <a16:rowId xmlns:a16="http://schemas.microsoft.com/office/drawing/2014/main" val="1030267779"/>
+                  </a:ext>
+                </a:extLst>
+              </a:tr>
+              <a:tr h="526326">
+                <a:tc>
+                  <a:txBody>
+                    <a:bodyPr/>
+                    <a:lstStyle/>
+                    <a:p>
+                      <a:pPr algn="l" latinLnBrk="1"/>
+                      <a:r>
+                        <a:rPr lang="ko-KR" altLang="en-US" sz="1400" dirty="0" err="1">
+                          <a:solidFill>
+                            <a:schemeClr val="tx1"/>
+                          </a:solidFill>
+                        </a:rPr>
+                        <a:t>점프슈트</a:t>
+                      </a:r>
+                      <a:endParaRPr lang="ko-KR" altLang="en-US" sz="1400" dirty="0">
+                        <a:solidFill>
+                          <a:schemeClr val="tx1"/>
+                        </a:solidFill>
+                      </a:endParaRPr>
+                    </a:p>
+                  </a:txBody>
+                  <a:tcPr anchor="ctr"/>
+                </a:tc>
+                <a:tc>
+                  <a:txBody>
+                    <a:bodyPr/>
+                    <a:lstStyle/>
+                    <a:p>
+                      <a:pPr algn="ctr" latinLnBrk="1"/>
+                      <a:r>
+                        <a:rPr lang="en-US" altLang="ko-KR" sz="1400" dirty="0">
+                          <a:solidFill>
+                            <a:schemeClr val="tx1"/>
+                          </a:solidFill>
+                        </a:rPr>
+                        <a:t>20</a:t>
+                      </a:r>
+                      <a:endParaRPr lang="ko-KR" altLang="en-US" sz="1400" dirty="0">
+                        <a:solidFill>
+                          <a:schemeClr val="tx1"/>
+                        </a:solidFill>
+                      </a:endParaRPr>
+                    </a:p>
+                  </a:txBody>
+                  <a:tcPr anchor="ctr"/>
+                </a:tc>
+                <a:tc>
+                  <a:txBody>
+                    <a:bodyPr/>
+                    <a:lstStyle/>
+                    <a:p>
+                      <a:pPr algn="ctr" latinLnBrk="1"/>
+                      <a:r>
+                        <a:rPr lang="en-US" altLang="ko-KR" sz="1400" dirty="0">
+                          <a:solidFill>
+                            <a:schemeClr val="tx1"/>
+                          </a:solidFill>
+                        </a:rPr>
+                        <a:t>20</a:t>
+                      </a:r>
+                      <a:endParaRPr lang="ko-KR" altLang="en-US" sz="1400" dirty="0">
+                        <a:solidFill>
+                          <a:schemeClr val="tx1"/>
+                        </a:solidFill>
+                      </a:endParaRPr>
+                    </a:p>
+                  </a:txBody>
+                  <a:tcPr anchor="ctr"/>
+                </a:tc>
+                <a:extLst>
+                  <a:ext uri="{0D108BD9-81ED-4DB2-BD59-A6C34878D82A}">
+                    <a16:rowId xmlns:a16="http://schemas.microsoft.com/office/drawing/2014/main" val="1989455618"/>
+                  </a:ext>
+                </a:extLst>
+              </a:tr>
+            </a:tbl>
+          </a:graphicData>
+        </a:graphic>
+      </p:graphicFrame>
+      <p:sp>
+        <p:nvSpPr>
+          <p:cNvPr id="8" name="직사각형 7">
+            <a:extLst>
+              <a:ext uri="{FF2B5EF4-FFF2-40B4-BE49-F238E27FC236}">
+                <a16:creationId xmlns:a16="http://schemas.microsoft.com/office/drawing/2014/main" id="{86009A31-45C3-4C9A-E1AC-0B5BC6E76B97}"/>
+              </a:ext>
+            </a:extLst>
+          </p:cNvPr>
+          <p:cNvSpPr/>
+          <p:nvPr/>
+        </p:nvSpPr>
+        <p:spPr>
+          <a:xfrm>
+            <a:off x="1895652" y="2880011"/>
+            <a:ext cx="1216942" cy="309291"/>
+          </a:xfrm>
+          <a:prstGeom prst="rect">
+            <a:avLst/>
+          </a:prstGeom>
+          <a:noFill/>
+          <a:ln>
+            <a:noFill/>
+          </a:ln>
+        </p:spPr>
+        <p:style>
+          <a:lnRef idx="2">
+            <a:schemeClr val="accent1">
+              <a:shade val="15000"/>
+            </a:schemeClr>
+          </a:lnRef>
+          <a:fillRef idx="1">
+            <a:schemeClr val="accent1"/>
+          </a:fillRef>
+          <a:effectRef idx="0">
+            <a:schemeClr val="accent1"/>
+          </a:effectRef>
+          <a:fontRef idx="minor">
+            <a:schemeClr val="lt1"/>
+          </a:fontRef>
+        </p:style>
+        <p:txBody>
+          <a:bodyPr rtlCol="0" anchor="ctr"/>
+          <a:lstStyle/>
+          <a:p>
+            <a:pPr algn="ctr"/>
+            <a:r>
+              <a:rPr lang="en-US" altLang="ko-KR" sz="1400" dirty="0">
+                <a:solidFill>
+                  <a:schemeClr val="tx1"/>
+                </a:solidFill>
+              </a:rPr>
+              <a:t>[</a:t>
+            </a:r>
+            <a:r>
+              <a:rPr lang="ko-KR" altLang="en-US" sz="1400" dirty="0">
+                <a:solidFill>
+                  <a:schemeClr val="tx1"/>
+                </a:solidFill>
+              </a:rPr>
+              <a:t>상의</a:t>
+            </a:r>
+            <a:r>
+              <a:rPr lang="en-US" altLang="ko-KR" sz="1400" dirty="0">
+                <a:solidFill>
+                  <a:schemeClr val="tx1"/>
+                </a:solidFill>
+              </a:rPr>
+              <a:t>]</a:t>
+            </a:r>
+            <a:endParaRPr lang="ko-KR" altLang="en-US" sz="1400" dirty="0">
+              <a:solidFill>
+                <a:schemeClr val="tx1"/>
+              </a:solidFill>
+            </a:endParaRPr>
+          </a:p>
+        </p:txBody>
+      </p:sp>
+      <p:sp>
+        <p:nvSpPr>
+          <p:cNvPr id="9" name="직사각형 8">
+            <a:extLst>
+              <a:ext uri="{FF2B5EF4-FFF2-40B4-BE49-F238E27FC236}">
+                <a16:creationId xmlns:a16="http://schemas.microsoft.com/office/drawing/2014/main" id="{C265E369-F7E3-F068-21F9-54471F02EF84}"/>
+              </a:ext>
+            </a:extLst>
+          </p:cNvPr>
+          <p:cNvSpPr/>
+          <p:nvPr/>
+        </p:nvSpPr>
+        <p:spPr>
+          <a:xfrm>
+            <a:off x="5091359" y="2880010"/>
+            <a:ext cx="1124080" cy="309291"/>
+          </a:xfrm>
+          <a:prstGeom prst="rect">
+            <a:avLst/>
+          </a:prstGeom>
+          <a:noFill/>
+          <a:ln>
+            <a:noFill/>
+          </a:ln>
+        </p:spPr>
+        <p:style>
+          <a:lnRef idx="2">
+            <a:schemeClr val="accent1">
+              <a:shade val="15000"/>
+            </a:schemeClr>
+          </a:lnRef>
+          <a:fillRef idx="1">
+            <a:schemeClr val="accent1"/>
+          </a:fillRef>
+          <a:effectRef idx="0">
+            <a:schemeClr val="accent1"/>
+          </a:effectRef>
+          <a:fontRef idx="minor">
+            <a:schemeClr val="lt1"/>
+          </a:fontRef>
+        </p:style>
+        <p:txBody>
+          <a:bodyPr rtlCol="0" anchor="ctr"/>
+          <a:lstStyle/>
+          <a:p>
+            <a:pPr algn="ctr"/>
+            <a:r>
+              <a:rPr lang="en-US" altLang="ko-KR" sz="1400" dirty="0">
+                <a:solidFill>
+                  <a:schemeClr val="tx1"/>
+                </a:solidFill>
+              </a:rPr>
+              <a:t>[</a:t>
+            </a:r>
+            <a:r>
+              <a:rPr lang="ko-KR" altLang="en-US" sz="1400" dirty="0">
+                <a:solidFill>
+                  <a:schemeClr val="tx1"/>
+                </a:solidFill>
+              </a:rPr>
+              <a:t>하의</a:t>
+            </a:r>
+            <a:r>
+              <a:rPr lang="en-US" altLang="ko-KR" sz="1400" dirty="0">
+                <a:solidFill>
+                  <a:schemeClr val="tx1"/>
+                </a:solidFill>
+              </a:rPr>
+              <a:t>]</a:t>
+            </a:r>
+            <a:endParaRPr lang="ko-KR" altLang="en-US" sz="1400" dirty="0">
+              <a:solidFill>
+                <a:schemeClr val="tx1"/>
+              </a:solidFill>
+            </a:endParaRPr>
+          </a:p>
+        </p:txBody>
+      </p:sp>
+      <p:sp>
+        <p:nvSpPr>
+          <p:cNvPr id="10" name="직사각형 9">
+            <a:extLst>
+              <a:ext uri="{FF2B5EF4-FFF2-40B4-BE49-F238E27FC236}">
+                <a16:creationId xmlns:a16="http://schemas.microsoft.com/office/drawing/2014/main" id="{8EF761B5-96B7-D868-0AD0-9D787FF92C8E}"/>
+              </a:ext>
+            </a:extLst>
+          </p:cNvPr>
+          <p:cNvSpPr/>
+          <p:nvPr/>
+        </p:nvSpPr>
+        <p:spPr>
+          <a:xfrm>
+            <a:off x="8007333" y="2880010"/>
+            <a:ext cx="1074685" cy="309291"/>
+          </a:xfrm>
+          <a:prstGeom prst="rect">
+            <a:avLst/>
+          </a:prstGeom>
+          <a:noFill/>
+          <a:ln>
+            <a:noFill/>
+          </a:ln>
+        </p:spPr>
+        <p:style>
+          <a:lnRef idx="2">
+            <a:schemeClr val="accent1">
+              <a:shade val="15000"/>
+            </a:schemeClr>
+          </a:lnRef>
+          <a:fillRef idx="1">
+            <a:schemeClr val="accent1"/>
+          </a:fillRef>
+          <a:effectRef idx="0">
+            <a:schemeClr val="accent1"/>
+          </a:effectRef>
+          <a:fontRef idx="minor">
+            <a:schemeClr val="lt1"/>
+          </a:fontRef>
+        </p:style>
+        <p:txBody>
+          <a:bodyPr rtlCol="0" anchor="ctr"/>
+          <a:lstStyle/>
+          <a:p>
+            <a:pPr algn="ctr"/>
+            <a:r>
+              <a:rPr lang="en-US" altLang="ko-KR" sz="1400" dirty="0">
+                <a:solidFill>
+                  <a:schemeClr val="tx1"/>
+                </a:solidFill>
+              </a:rPr>
+              <a:t>[</a:t>
+            </a:r>
+            <a:r>
+              <a:rPr lang="ko-KR" altLang="en-US" sz="1400" dirty="0">
+                <a:solidFill>
+                  <a:schemeClr val="tx1"/>
+                </a:solidFill>
+              </a:rPr>
+              <a:t>원피스</a:t>
+            </a:r>
+            <a:r>
+              <a:rPr lang="en-US" altLang="ko-KR" sz="1400" dirty="0">
+                <a:solidFill>
+                  <a:schemeClr val="tx1"/>
+                </a:solidFill>
+              </a:rPr>
+              <a:t>]</a:t>
+            </a:r>
+            <a:endParaRPr lang="ko-KR" altLang="en-US" sz="1400" dirty="0">
+              <a:solidFill>
+                <a:schemeClr val="tx1"/>
+              </a:solidFill>
+            </a:endParaRPr>
+          </a:p>
+        </p:txBody>
+      </p:sp>
+    </p:spTree>
+    <p:extLst>
+      <p:ext uri="{BB962C8B-B14F-4D97-AF65-F5344CB8AC3E}">
+        <p14:creationId xmlns:p14="http://schemas.microsoft.com/office/powerpoint/2010/main" val="4247345445"/>
+      </p:ext>
+    </p:extLst>
+  </p:cSld>
+  <p:clrMapOvr>
+    <a:masterClrMapping/>
+  </p:clrMapOvr>
+</p:sld>
+</file>
+
+<file path=ppt/slides/slide13.xml><?xml version="1.0" encoding="utf-8"?>
 <p:sld xmlns:a="http://schemas.openxmlformats.org/drawingml/2006/main" xmlns:r="http://schemas.openxmlformats.org/officeDocument/2006/relationships" xmlns:p="http://schemas.openxmlformats.org/presentationml/2006/main">
   <p:cSld>
     <p:spTree>
@@ -3803,7 +5314,7 @@
                     <a:p>
                       <a:pPr algn="ctr" fontAlgn="ctr"/>
                       <a:r>
-                        <a:rPr lang="en-US" altLang="ko-KR" sz="1100" b="0" i="0" u="none" strike="noStrike">
+                        <a:rPr lang="en-US" altLang="ko-KR" sz="1100" b="0" i="0" u="none" strike="noStrike" dirty="0">
                           <a:solidFill>
                             <a:srgbClr val="000000"/>
                           </a:solidFill>
@@ -6080,7 +7591,2031 @@
 </p:sld>
 </file>
 
-<file path=ppt/slides/slide13.xml><?xml version="1.0" encoding="utf-8"?>
+<file path=ppt/slides/slide14.xml><?xml version="1.0" encoding="utf-8"?>
+<p:sld xmlns:a="http://schemas.openxmlformats.org/drawingml/2006/main" xmlns:r="http://schemas.openxmlformats.org/officeDocument/2006/relationships" xmlns:p="http://schemas.openxmlformats.org/presentationml/2006/main">
+  <p:cSld>
+    <p:spTree>
+      <p:nvGrpSpPr>
+        <p:cNvPr id="1" name=""/>
+        <p:cNvGrpSpPr/>
+        <p:nvPr/>
+      </p:nvGrpSpPr>
+      <p:grpSpPr>
+        <a:xfrm>
+          <a:off x="0" y="0"/>
+          <a:ext cx="0" cy="0"/>
+          <a:chOff x="0" y="0"/>
+          <a:chExt cx="0" cy="0"/>
+        </a:xfrm>
+      </p:grpSpPr>
+      <p:sp>
+        <p:nvSpPr>
+          <p:cNvPr id="2" name="제목 1">
+            <a:extLst>
+              <a:ext uri="{FF2B5EF4-FFF2-40B4-BE49-F238E27FC236}">
+                <a16:creationId xmlns:a16="http://schemas.microsoft.com/office/drawing/2014/main" id="{B46EA120-9656-4D4D-C019-681F0A2CCE25}"/>
+              </a:ext>
+            </a:extLst>
+          </p:cNvPr>
+          <p:cNvSpPr>
+            <a:spLocks noGrp="1"/>
+          </p:cNvSpPr>
+          <p:nvPr>
+            <p:ph type="title"/>
+          </p:nvPr>
+        </p:nvSpPr>
+        <p:spPr/>
+        <p:txBody>
+          <a:bodyPr/>
+          <a:lstStyle/>
+          <a:p>
+            <a:r>
+              <a:rPr lang="ko-KR" altLang="en-US" dirty="0" err="1"/>
+              <a:t>검출율</a:t>
+            </a:r>
+            <a:r>
+              <a:rPr lang="ko-KR" altLang="en-US" dirty="0"/>
+              <a:t> 비교</a:t>
+            </a:r>
+          </a:p>
+        </p:txBody>
+      </p:sp>
+      <p:graphicFrame>
+        <p:nvGraphicFramePr>
+          <p:cNvPr id="4" name="내용 개체 틀 3">
+            <a:extLst>
+              <a:ext uri="{FF2B5EF4-FFF2-40B4-BE49-F238E27FC236}">
+                <a16:creationId xmlns:a16="http://schemas.microsoft.com/office/drawing/2014/main" id="{E53C606D-E5BF-0561-DE68-A2CDBFE2FF9F}"/>
+              </a:ext>
+            </a:extLst>
+          </p:cNvPr>
+          <p:cNvGraphicFramePr>
+            <a:graphicFrameLocks noGrp="1"/>
+          </p:cNvGraphicFramePr>
+          <p:nvPr>
+            <p:ph idx="1"/>
+            <p:extLst>
+              <p:ext uri="{D42A27DB-BD31-4B8C-83A1-F6EECF244321}">
+                <p14:modId xmlns:p14="http://schemas.microsoft.com/office/powerpoint/2010/main" val="1524974774"/>
+              </p:ext>
+            </p:extLst>
+          </p:nvPr>
+        </p:nvGraphicFramePr>
+        <p:xfrm>
+          <a:off x="838200" y="1825625"/>
+          <a:ext cx="10515601" cy="3337560"/>
+        </p:xfrm>
+        <a:graphic>
+          <a:graphicData uri="http://schemas.openxmlformats.org/drawingml/2006/table">
+            <a:tbl>
+              <a:tblPr firstRow="1" firstCol="1" bandRow="1">
+                <a:tableStyleId>{5C22544A-7EE6-4342-B048-85BDC9FD1C3A}</a:tableStyleId>
+              </a:tblPr>
+              <a:tblGrid>
+                <a:gridCol w="1418617">
+                  <a:extLst>
+                    <a:ext uri="{9D8B030D-6E8A-4147-A177-3AD203B41FA5}">
+                      <a16:colId xmlns:a16="http://schemas.microsoft.com/office/drawing/2014/main" val="611139066"/>
+                    </a:ext>
+                  </a:extLst>
+                </a:gridCol>
+                <a:gridCol w="1010776">
+                  <a:extLst>
+                    <a:ext uri="{9D8B030D-6E8A-4147-A177-3AD203B41FA5}">
+                      <a16:colId xmlns:a16="http://schemas.microsoft.com/office/drawing/2014/main" val="1512761869"/>
+                    </a:ext>
+                  </a:extLst>
+                </a:gridCol>
+                <a:gridCol w="1010776">
+                  <a:extLst>
+                    <a:ext uri="{9D8B030D-6E8A-4147-A177-3AD203B41FA5}">
+                      <a16:colId xmlns:a16="http://schemas.microsoft.com/office/drawing/2014/main" val="1808995010"/>
+                    </a:ext>
+                  </a:extLst>
+                </a:gridCol>
+                <a:gridCol w="1010776">
+                  <a:extLst>
+                    <a:ext uri="{9D8B030D-6E8A-4147-A177-3AD203B41FA5}">
+                      <a16:colId xmlns:a16="http://schemas.microsoft.com/office/drawing/2014/main" val="4207620354"/>
+                    </a:ext>
+                  </a:extLst>
+                </a:gridCol>
+                <a:gridCol w="1010776">
+                  <a:extLst>
+                    <a:ext uri="{9D8B030D-6E8A-4147-A177-3AD203B41FA5}">
+                      <a16:colId xmlns:a16="http://schemas.microsoft.com/office/drawing/2014/main" val="2440549283"/>
+                    </a:ext>
+                  </a:extLst>
+                </a:gridCol>
+                <a:gridCol w="1010776">
+                  <a:extLst>
+                    <a:ext uri="{9D8B030D-6E8A-4147-A177-3AD203B41FA5}">
+                      <a16:colId xmlns:a16="http://schemas.microsoft.com/office/drawing/2014/main" val="3040188706"/>
+                    </a:ext>
+                  </a:extLst>
+                </a:gridCol>
+                <a:gridCol w="1010776">
+                  <a:extLst>
+                    <a:ext uri="{9D8B030D-6E8A-4147-A177-3AD203B41FA5}">
+                      <a16:colId xmlns:a16="http://schemas.microsoft.com/office/drawing/2014/main" val="4228448470"/>
+                    </a:ext>
+                  </a:extLst>
+                </a:gridCol>
+                <a:gridCol w="1010776">
+                  <a:extLst>
+                    <a:ext uri="{9D8B030D-6E8A-4147-A177-3AD203B41FA5}">
+                      <a16:colId xmlns:a16="http://schemas.microsoft.com/office/drawing/2014/main" val="1749658262"/>
+                    </a:ext>
+                  </a:extLst>
+                </a:gridCol>
+                <a:gridCol w="1010776">
+                  <a:extLst>
+                    <a:ext uri="{9D8B030D-6E8A-4147-A177-3AD203B41FA5}">
+                      <a16:colId xmlns:a16="http://schemas.microsoft.com/office/drawing/2014/main" val="2557370828"/>
+                    </a:ext>
+                  </a:extLst>
+                </a:gridCol>
+                <a:gridCol w="1010776">
+                  <a:extLst>
+                    <a:ext uri="{9D8B030D-6E8A-4147-A177-3AD203B41FA5}">
+                      <a16:colId xmlns:a16="http://schemas.microsoft.com/office/drawing/2014/main" val="3372762286"/>
+                    </a:ext>
+                  </a:extLst>
+                </a:gridCol>
+              </a:tblGrid>
+              <a:tr h="370840">
+                <a:tc>
+                  <a:txBody>
+                    <a:bodyPr/>
+                    <a:lstStyle/>
+                    <a:p>
+                      <a:pPr latinLnBrk="1"/>
+                      <a:r>
+                        <a:rPr lang="en-US" altLang="ko-KR" dirty="0">
+                          <a:solidFill>
+                            <a:schemeClr val="tx1"/>
+                          </a:solidFill>
+                        </a:rPr>
+                        <a:t>Confidence</a:t>
+                      </a:r>
+                      <a:endParaRPr lang="ko-KR" altLang="en-US" dirty="0">
+                        <a:solidFill>
+                          <a:schemeClr val="tx1"/>
+                        </a:solidFill>
+                      </a:endParaRPr>
+                    </a:p>
+                  </a:txBody>
+                  <a:tcPr/>
+                </a:tc>
+                <a:tc gridSpan="3">
+                  <a:txBody>
+                    <a:bodyPr/>
+                    <a:lstStyle/>
+                    <a:p>
+                      <a:pPr algn="ctr" latinLnBrk="1"/>
+                      <a:r>
+                        <a:rPr lang="en-US" altLang="ko-KR" dirty="0">
+                          <a:solidFill>
+                            <a:schemeClr val="tx1"/>
+                          </a:solidFill>
+                        </a:rPr>
+                        <a:t>Model1</a:t>
+                      </a:r>
+                      <a:endParaRPr lang="ko-KR" altLang="en-US" dirty="0">
+                        <a:solidFill>
+                          <a:schemeClr val="tx1"/>
+                        </a:solidFill>
+                      </a:endParaRPr>
+                    </a:p>
+                  </a:txBody>
+                  <a:tcPr/>
+                </a:tc>
+                <a:tc hMerge="1">
+                  <a:txBody>
+                    <a:bodyPr/>
+                    <a:lstStyle/>
+                    <a:p>
+                      <a:pPr latinLnBrk="1"/>
+                      <a:endParaRPr lang="ko-KR" altLang="en-US" dirty="0"/>
+                    </a:p>
+                  </a:txBody>
+                  <a:tcPr/>
+                </a:tc>
+                <a:tc hMerge="1">
+                  <a:txBody>
+                    <a:bodyPr/>
+                    <a:lstStyle/>
+                    <a:p>
+                      <a:pPr latinLnBrk="1"/>
+                      <a:endParaRPr lang="ko-KR" altLang="en-US" dirty="0"/>
+                    </a:p>
+                  </a:txBody>
+                  <a:tcPr/>
+                </a:tc>
+                <a:tc gridSpan="3">
+                  <a:txBody>
+                    <a:bodyPr/>
+                    <a:lstStyle/>
+                    <a:p>
+                      <a:pPr algn="ctr" latinLnBrk="1"/>
+                      <a:r>
+                        <a:rPr lang="en-US" altLang="ko-KR" dirty="0">
+                          <a:solidFill>
+                            <a:schemeClr val="tx1"/>
+                          </a:solidFill>
+                        </a:rPr>
+                        <a:t>Model2</a:t>
+                      </a:r>
+                      <a:endParaRPr lang="ko-KR" altLang="en-US" dirty="0">
+                        <a:solidFill>
+                          <a:schemeClr val="tx1"/>
+                        </a:solidFill>
+                      </a:endParaRPr>
+                    </a:p>
+                  </a:txBody>
+                  <a:tcPr/>
+                </a:tc>
+                <a:tc hMerge="1">
+                  <a:txBody>
+                    <a:bodyPr/>
+                    <a:lstStyle/>
+                    <a:p>
+                      <a:pPr latinLnBrk="1"/>
+                      <a:endParaRPr lang="ko-KR" altLang="en-US" dirty="0"/>
+                    </a:p>
+                  </a:txBody>
+                  <a:tcPr/>
+                </a:tc>
+                <a:tc hMerge="1">
+                  <a:txBody>
+                    <a:bodyPr/>
+                    <a:lstStyle/>
+                    <a:p>
+                      <a:pPr latinLnBrk="1"/>
+                      <a:endParaRPr lang="ko-KR" altLang="en-US" dirty="0"/>
+                    </a:p>
+                  </a:txBody>
+                  <a:tcPr/>
+                </a:tc>
+                <a:tc gridSpan="3">
+                  <a:txBody>
+                    <a:bodyPr/>
+                    <a:lstStyle/>
+                    <a:p>
+                      <a:pPr algn="ctr" latinLnBrk="1"/>
+                      <a:r>
+                        <a:rPr lang="en-US" altLang="ko-KR" dirty="0">
+                          <a:solidFill>
+                            <a:schemeClr val="tx1"/>
+                          </a:solidFill>
+                        </a:rPr>
+                        <a:t>Model3</a:t>
+                      </a:r>
+                      <a:endParaRPr lang="ko-KR" altLang="en-US" dirty="0">
+                        <a:solidFill>
+                          <a:schemeClr val="tx1"/>
+                        </a:solidFill>
+                      </a:endParaRPr>
+                    </a:p>
+                  </a:txBody>
+                  <a:tcPr/>
+                </a:tc>
+                <a:tc hMerge="1">
+                  <a:txBody>
+                    <a:bodyPr/>
+                    <a:lstStyle/>
+                    <a:p>
+                      <a:pPr latinLnBrk="1"/>
+                      <a:endParaRPr lang="ko-KR" altLang="en-US"/>
+                    </a:p>
+                  </a:txBody>
+                  <a:tcPr/>
+                </a:tc>
+                <a:tc hMerge="1">
+                  <a:txBody>
+                    <a:bodyPr/>
+                    <a:lstStyle/>
+                    <a:p>
+                      <a:pPr latinLnBrk="1"/>
+                      <a:endParaRPr lang="ko-KR" altLang="en-US" dirty="0"/>
+                    </a:p>
+                  </a:txBody>
+                  <a:tcPr/>
+                </a:tc>
+                <a:extLst>
+                  <a:ext uri="{0D108BD9-81ED-4DB2-BD59-A6C34878D82A}">
+                    <a16:rowId xmlns:a16="http://schemas.microsoft.com/office/drawing/2014/main" val="3813111750"/>
+                  </a:ext>
+                </a:extLst>
+              </a:tr>
+              <a:tr h="370840">
+                <a:tc>
+                  <a:txBody>
+                    <a:bodyPr/>
+                    <a:lstStyle/>
+                    <a:p>
+                      <a:pPr latinLnBrk="1"/>
+                      <a:endParaRPr lang="ko-KR" altLang="en-US" dirty="0">
+                        <a:solidFill>
+                          <a:schemeClr val="tx1"/>
+                        </a:solidFill>
+                      </a:endParaRPr>
+                    </a:p>
+                  </a:txBody>
+                  <a:tcPr/>
+                </a:tc>
+                <a:tc gridSpan="3">
+                  <a:txBody>
+                    <a:bodyPr/>
+                    <a:lstStyle/>
+                    <a:p>
+                      <a:pPr algn="ctr" latinLnBrk="1"/>
+                      <a:r>
+                        <a:rPr lang="ko-KR" altLang="en-US" dirty="0" err="1">
+                          <a:solidFill>
+                            <a:schemeClr val="tx1"/>
+                          </a:solidFill>
+                        </a:rPr>
+                        <a:t>검출율</a:t>
+                      </a:r>
+                      <a:endParaRPr lang="ko-KR" altLang="en-US" dirty="0">
+                        <a:solidFill>
+                          <a:schemeClr val="tx1"/>
+                        </a:solidFill>
+                      </a:endParaRPr>
+                    </a:p>
+                  </a:txBody>
+                  <a:tcPr/>
+                </a:tc>
+                <a:tc hMerge="1">
+                  <a:txBody>
+                    <a:bodyPr/>
+                    <a:lstStyle/>
+                    <a:p>
+                      <a:pPr latinLnBrk="1"/>
+                      <a:endParaRPr lang="ko-KR" altLang="en-US"/>
+                    </a:p>
+                  </a:txBody>
+                  <a:tcPr/>
+                </a:tc>
+                <a:tc hMerge="1">
+                  <a:txBody>
+                    <a:bodyPr/>
+                    <a:lstStyle/>
+                    <a:p>
+                      <a:pPr latinLnBrk="1"/>
+                      <a:endParaRPr lang="ko-KR" altLang="en-US"/>
+                    </a:p>
+                  </a:txBody>
+                  <a:tcPr/>
+                </a:tc>
+                <a:tc gridSpan="3">
+                  <a:txBody>
+                    <a:bodyPr/>
+                    <a:lstStyle/>
+                    <a:p>
+                      <a:pPr algn="ctr" latinLnBrk="1"/>
+                      <a:r>
+                        <a:rPr lang="ko-KR" altLang="en-US" dirty="0" err="1">
+                          <a:solidFill>
+                            <a:schemeClr val="tx1"/>
+                          </a:solidFill>
+                        </a:rPr>
+                        <a:t>검출율</a:t>
+                      </a:r>
+                      <a:endParaRPr lang="ko-KR" altLang="en-US" dirty="0">
+                        <a:solidFill>
+                          <a:schemeClr val="tx1"/>
+                        </a:solidFill>
+                      </a:endParaRPr>
+                    </a:p>
+                  </a:txBody>
+                  <a:tcPr/>
+                </a:tc>
+                <a:tc hMerge="1">
+                  <a:txBody>
+                    <a:bodyPr/>
+                    <a:lstStyle/>
+                    <a:p>
+                      <a:pPr latinLnBrk="1"/>
+                      <a:endParaRPr lang="ko-KR" altLang="en-US"/>
+                    </a:p>
+                  </a:txBody>
+                  <a:tcPr/>
+                </a:tc>
+                <a:tc hMerge="1">
+                  <a:txBody>
+                    <a:bodyPr/>
+                    <a:lstStyle/>
+                    <a:p>
+                      <a:pPr latinLnBrk="1"/>
+                      <a:endParaRPr lang="ko-KR" altLang="en-US"/>
+                    </a:p>
+                  </a:txBody>
+                  <a:tcPr/>
+                </a:tc>
+                <a:tc gridSpan="3">
+                  <a:txBody>
+                    <a:bodyPr/>
+                    <a:lstStyle/>
+                    <a:p>
+                      <a:pPr algn="ctr" latinLnBrk="1"/>
+                      <a:r>
+                        <a:rPr lang="ko-KR" altLang="en-US" dirty="0" err="1">
+                          <a:solidFill>
+                            <a:schemeClr val="tx1"/>
+                          </a:solidFill>
+                        </a:rPr>
+                        <a:t>검출율</a:t>
+                      </a:r>
+                      <a:endParaRPr lang="ko-KR" altLang="en-US" dirty="0">
+                        <a:solidFill>
+                          <a:schemeClr val="tx1"/>
+                        </a:solidFill>
+                      </a:endParaRPr>
+                    </a:p>
+                  </a:txBody>
+                  <a:tcPr/>
+                </a:tc>
+                <a:tc hMerge="1">
+                  <a:txBody>
+                    <a:bodyPr/>
+                    <a:lstStyle/>
+                    <a:p>
+                      <a:pPr latinLnBrk="1"/>
+                      <a:endParaRPr lang="ko-KR" altLang="en-US"/>
+                    </a:p>
+                  </a:txBody>
+                  <a:tcPr/>
+                </a:tc>
+                <a:tc hMerge="1">
+                  <a:txBody>
+                    <a:bodyPr/>
+                    <a:lstStyle/>
+                    <a:p>
+                      <a:pPr latinLnBrk="1"/>
+                      <a:endParaRPr lang="ko-KR" altLang="en-US"/>
+                    </a:p>
+                  </a:txBody>
+                  <a:tcPr/>
+                </a:tc>
+                <a:extLst>
+                  <a:ext uri="{0D108BD9-81ED-4DB2-BD59-A6C34878D82A}">
+                    <a16:rowId xmlns:a16="http://schemas.microsoft.com/office/drawing/2014/main" val="3041866576"/>
+                  </a:ext>
+                </a:extLst>
+              </a:tr>
+              <a:tr h="370840">
+                <a:tc>
+                  <a:txBody>
+                    <a:bodyPr/>
+                    <a:lstStyle/>
+                    <a:p>
+                      <a:pPr algn="ctr" latinLnBrk="1"/>
+                      <a:r>
+                        <a:rPr lang="en-US" altLang="ko-KR" dirty="0">
+                          <a:solidFill>
+                            <a:schemeClr val="tx1"/>
+                          </a:solidFill>
+                        </a:rPr>
+                        <a:t>0.1</a:t>
+                      </a:r>
+                      <a:endParaRPr lang="ko-KR" altLang="en-US" dirty="0">
+                        <a:solidFill>
+                          <a:schemeClr val="tx1"/>
+                        </a:solidFill>
+                      </a:endParaRPr>
+                    </a:p>
+                  </a:txBody>
+                  <a:tcPr anchor="ctr"/>
+                </a:tc>
+                <a:tc>
+                  <a:txBody>
+                    <a:bodyPr/>
+                    <a:lstStyle/>
+                    <a:p>
+                      <a:pPr algn="ctr" fontAlgn="ctr"/>
+                      <a:r>
+                        <a:rPr lang="en-US" altLang="ko-KR" sz="1100" b="0" i="0" u="none" strike="noStrike" dirty="0">
+                          <a:solidFill>
+                            <a:schemeClr val="tx1"/>
+                          </a:solidFill>
+                          <a:effectLst/>
+                          <a:latin typeface="맑은 고딕" panose="020B0503020000020004" pitchFamily="50" charset="-127"/>
+                          <a:ea typeface="맑은 고딕" panose="020B0503020000020004" pitchFamily="50" charset="-127"/>
+                        </a:rPr>
+                        <a:t>91.3</a:t>
+                      </a:r>
+                    </a:p>
+                  </a:txBody>
+                  <a:tcPr marL="7620" marR="7620" marT="7620" marB="0" anchor="ctr"/>
+                </a:tc>
+                <a:tc>
+                  <a:txBody>
+                    <a:bodyPr/>
+                    <a:lstStyle/>
+                    <a:p>
+                      <a:pPr algn="ctr" fontAlgn="ctr"/>
+                      <a:r>
+                        <a:rPr lang="en-US" altLang="ko-KR" sz="1100" b="0" i="0" u="none" strike="noStrike">
+                          <a:solidFill>
+                            <a:schemeClr val="tx1"/>
+                          </a:solidFill>
+                          <a:effectLst/>
+                          <a:latin typeface="맑은 고딕" panose="020B0503020000020004" pitchFamily="50" charset="-127"/>
+                          <a:ea typeface="맑은 고딕" panose="020B0503020000020004" pitchFamily="50" charset="-127"/>
+                        </a:rPr>
+                        <a:t>99</a:t>
+                      </a:r>
+                    </a:p>
+                  </a:txBody>
+                  <a:tcPr marL="7620" marR="7620" marT="7620" marB="0" anchor="ctr"/>
+                </a:tc>
+                <a:tc>
+                  <a:txBody>
+                    <a:bodyPr/>
+                    <a:lstStyle/>
+                    <a:p>
+                      <a:pPr algn="ctr" fontAlgn="ctr"/>
+                      <a:r>
+                        <a:rPr lang="en-US" altLang="ko-KR" sz="1100" b="0" i="0" u="none" strike="noStrike">
+                          <a:solidFill>
+                            <a:schemeClr val="tx1"/>
+                          </a:solidFill>
+                          <a:effectLst/>
+                          <a:latin typeface="맑은 고딕" panose="020B0503020000020004" pitchFamily="50" charset="-127"/>
+                          <a:ea typeface="맑은 고딕" panose="020B0503020000020004" pitchFamily="50" charset="-127"/>
+                        </a:rPr>
+                        <a:t>83.6</a:t>
+                      </a:r>
+                    </a:p>
+                  </a:txBody>
+                  <a:tcPr marL="7620" marR="7620" marT="7620" marB="0" anchor="ctr"/>
+                </a:tc>
+                <a:tc>
+                  <a:txBody>
+                    <a:bodyPr/>
+                    <a:lstStyle/>
+                    <a:p>
+                      <a:pPr algn="ctr" fontAlgn="ctr"/>
+                      <a:r>
+                        <a:rPr lang="en-US" altLang="ko-KR" sz="1100" b="0" i="0" u="none" strike="noStrike" dirty="0">
+                          <a:solidFill>
+                            <a:schemeClr val="tx1"/>
+                          </a:solidFill>
+                          <a:effectLst/>
+                          <a:latin typeface="맑은 고딕" panose="020B0503020000020004" pitchFamily="50" charset="-127"/>
+                          <a:ea typeface="맑은 고딕" panose="020B0503020000020004" pitchFamily="50" charset="-127"/>
+                        </a:rPr>
+                        <a:t>92.7</a:t>
+                      </a:r>
+                    </a:p>
+                  </a:txBody>
+                  <a:tcPr marL="7620" marR="7620" marT="7620" marB="0" anchor="ctr"/>
+                </a:tc>
+                <a:tc>
+                  <a:txBody>
+                    <a:bodyPr/>
+                    <a:lstStyle/>
+                    <a:p>
+                      <a:pPr algn="ctr" fontAlgn="ctr"/>
+                      <a:r>
+                        <a:rPr lang="en-US" altLang="ko-KR" sz="1100" b="0" i="0" u="none" strike="noStrike">
+                          <a:solidFill>
+                            <a:schemeClr val="tx1"/>
+                          </a:solidFill>
+                          <a:effectLst/>
+                          <a:latin typeface="맑은 고딕" panose="020B0503020000020004" pitchFamily="50" charset="-127"/>
+                          <a:ea typeface="맑은 고딕" panose="020B0503020000020004" pitchFamily="50" charset="-127"/>
+                        </a:rPr>
+                        <a:t>99.2</a:t>
+                      </a:r>
+                    </a:p>
+                  </a:txBody>
+                  <a:tcPr marL="7620" marR="7620" marT="7620" marB="0" anchor="ctr"/>
+                </a:tc>
+                <a:tc>
+                  <a:txBody>
+                    <a:bodyPr/>
+                    <a:lstStyle/>
+                    <a:p>
+                      <a:pPr algn="ctr" fontAlgn="ctr"/>
+                      <a:r>
+                        <a:rPr lang="en-US" altLang="ko-KR" sz="1100" b="0" i="0" u="none" strike="noStrike">
+                          <a:solidFill>
+                            <a:schemeClr val="tx1"/>
+                          </a:solidFill>
+                          <a:effectLst/>
+                          <a:latin typeface="맑은 고딕" panose="020B0503020000020004" pitchFamily="50" charset="-127"/>
+                          <a:ea typeface="맑은 고딕" panose="020B0503020000020004" pitchFamily="50" charset="-127"/>
+                        </a:rPr>
+                        <a:t>86.2</a:t>
+                      </a:r>
+                    </a:p>
+                  </a:txBody>
+                  <a:tcPr marL="7620" marR="7620" marT="7620" marB="0" anchor="ctr"/>
+                </a:tc>
+                <a:tc>
+                  <a:txBody>
+                    <a:bodyPr/>
+                    <a:lstStyle/>
+                    <a:p>
+                      <a:pPr algn="ctr" fontAlgn="ctr"/>
+                      <a:r>
+                        <a:rPr lang="en-US" altLang="ko-KR" sz="1100" b="0" i="0" u="none" strike="noStrike" dirty="0">
+                          <a:solidFill>
+                            <a:schemeClr val="tx1"/>
+                          </a:solidFill>
+                          <a:effectLst/>
+                          <a:latin typeface="맑은 고딕" panose="020B0503020000020004" pitchFamily="50" charset="-127"/>
+                          <a:ea typeface="맑은 고딕" panose="020B0503020000020004" pitchFamily="50" charset="-127"/>
+                        </a:rPr>
+                        <a:t>93.5</a:t>
+                      </a:r>
+                    </a:p>
+                  </a:txBody>
+                  <a:tcPr marL="7620" marR="7620" marT="7620" marB="0" anchor="ctr"/>
+                </a:tc>
+                <a:tc>
+                  <a:txBody>
+                    <a:bodyPr/>
+                    <a:lstStyle/>
+                    <a:p>
+                      <a:pPr algn="ctr" fontAlgn="ctr"/>
+                      <a:r>
+                        <a:rPr lang="en-US" altLang="ko-KR" sz="1100" b="0" i="0" u="none" strike="noStrike" dirty="0">
+                          <a:solidFill>
+                            <a:schemeClr val="tx1"/>
+                          </a:solidFill>
+                          <a:effectLst/>
+                          <a:latin typeface="맑은 고딕" panose="020B0503020000020004" pitchFamily="50" charset="-127"/>
+                          <a:ea typeface="맑은 고딕" panose="020B0503020000020004" pitchFamily="50" charset="-127"/>
+                        </a:rPr>
+                        <a:t>100.0</a:t>
+                      </a:r>
+                    </a:p>
+                  </a:txBody>
+                  <a:tcPr marL="7620" marR="7620" marT="7620" marB="0" anchor="ctr"/>
+                </a:tc>
+                <a:tc>
+                  <a:txBody>
+                    <a:bodyPr/>
+                    <a:lstStyle/>
+                    <a:p>
+                      <a:pPr algn="ctr" fontAlgn="ctr"/>
+                      <a:r>
+                        <a:rPr lang="en-US" altLang="ko-KR" sz="1100" b="0" i="0" u="none" strike="noStrike">
+                          <a:solidFill>
+                            <a:schemeClr val="tx1"/>
+                          </a:solidFill>
+                          <a:effectLst/>
+                          <a:latin typeface="맑은 고딕" panose="020B0503020000020004" pitchFamily="50" charset="-127"/>
+                          <a:ea typeface="맑은 고딕" panose="020B0503020000020004" pitchFamily="50" charset="-127"/>
+                        </a:rPr>
+                        <a:t>86.8</a:t>
+                      </a:r>
+                    </a:p>
+                  </a:txBody>
+                  <a:tcPr marL="7620" marR="7620" marT="7620" marB="0" anchor="ctr"/>
+                </a:tc>
+                <a:extLst>
+                  <a:ext uri="{0D108BD9-81ED-4DB2-BD59-A6C34878D82A}">
+                    <a16:rowId xmlns:a16="http://schemas.microsoft.com/office/drawing/2014/main" val="1935280053"/>
+                  </a:ext>
+                </a:extLst>
+              </a:tr>
+              <a:tr h="370840">
+                <a:tc>
+                  <a:txBody>
+                    <a:bodyPr/>
+                    <a:lstStyle/>
+                    <a:p>
+                      <a:pPr algn="ctr" latinLnBrk="1"/>
+                      <a:r>
+                        <a:rPr lang="en-US" altLang="ko-KR" dirty="0">
+                          <a:solidFill>
+                            <a:schemeClr val="tx1"/>
+                          </a:solidFill>
+                        </a:rPr>
+                        <a:t>0.2</a:t>
+                      </a:r>
+                      <a:endParaRPr lang="ko-KR" altLang="en-US" dirty="0">
+                        <a:solidFill>
+                          <a:schemeClr val="tx1"/>
+                        </a:solidFill>
+                      </a:endParaRPr>
+                    </a:p>
+                  </a:txBody>
+                  <a:tcPr anchor="ctr"/>
+                </a:tc>
+                <a:tc>
+                  <a:txBody>
+                    <a:bodyPr/>
+                    <a:lstStyle/>
+                    <a:p>
+                      <a:pPr algn="ctr" fontAlgn="ctr"/>
+                      <a:r>
+                        <a:rPr lang="en-US" altLang="ko-KR" sz="1100" b="0" i="0" u="none" strike="noStrike" dirty="0">
+                          <a:solidFill>
+                            <a:schemeClr val="tx1"/>
+                          </a:solidFill>
+                          <a:effectLst/>
+                          <a:latin typeface="맑은 고딕" panose="020B0503020000020004" pitchFamily="50" charset="-127"/>
+                          <a:ea typeface="맑은 고딕" panose="020B0503020000020004" pitchFamily="50" charset="-127"/>
+                        </a:rPr>
+                        <a:t>87.8</a:t>
+                      </a:r>
+                    </a:p>
+                  </a:txBody>
+                  <a:tcPr marL="7620" marR="7620" marT="7620" marB="0" anchor="ctr"/>
+                </a:tc>
+                <a:tc>
+                  <a:txBody>
+                    <a:bodyPr/>
+                    <a:lstStyle/>
+                    <a:p>
+                      <a:pPr algn="ctr" fontAlgn="ctr"/>
+                      <a:r>
+                        <a:rPr lang="en-US" altLang="ko-KR" sz="1100" b="0" i="0" u="none" strike="noStrike" dirty="0">
+                          <a:solidFill>
+                            <a:schemeClr val="tx1"/>
+                          </a:solidFill>
+                          <a:effectLst/>
+                          <a:latin typeface="맑은 고딕" panose="020B0503020000020004" pitchFamily="50" charset="-127"/>
+                          <a:ea typeface="맑은 고딕" panose="020B0503020000020004" pitchFamily="50" charset="-127"/>
+                        </a:rPr>
+                        <a:t>95.9</a:t>
+                      </a:r>
+                    </a:p>
+                  </a:txBody>
+                  <a:tcPr marL="7620" marR="7620" marT="7620" marB="0" anchor="ctr"/>
+                </a:tc>
+                <a:tc>
+                  <a:txBody>
+                    <a:bodyPr/>
+                    <a:lstStyle/>
+                    <a:p>
+                      <a:pPr algn="ctr" fontAlgn="ctr"/>
+                      <a:r>
+                        <a:rPr lang="en-US" altLang="ko-KR" sz="1100" b="0" i="0" u="none" strike="noStrike">
+                          <a:solidFill>
+                            <a:schemeClr val="tx1"/>
+                          </a:solidFill>
+                          <a:effectLst/>
+                          <a:latin typeface="맑은 고딕" panose="020B0503020000020004" pitchFamily="50" charset="-127"/>
+                          <a:ea typeface="맑은 고딕" panose="020B0503020000020004" pitchFamily="50" charset="-127"/>
+                        </a:rPr>
+                        <a:t>79.8</a:t>
+                      </a:r>
+                    </a:p>
+                  </a:txBody>
+                  <a:tcPr marL="7620" marR="7620" marT="7620" marB="0" anchor="ctr"/>
+                </a:tc>
+                <a:tc>
+                  <a:txBody>
+                    <a:bodyPr/>
+                    <a:lstStyle/>
+                    <a:p>
+                      <a:pPr algn="ctr" fontAlgn="ctr"/>
+                      <a:r>
+                        <a:rPr lang="en-US" altLang="ko-KR" sz="1100" b="0" i="0" u="none" strike="noStrike">
+                          <a:solidFill>
+                            <a:schemeClr val="tx1"/>
+                          </a:solidFill>
+                          <a:effectLst/>
+                          <a:latin typeface="맑은 고딕" panose="020B0503020000020004" pitchFamily="50" charset="-127"/>
+                          <a:ea typeface="맑은 고딕" panose="020B0503020000020004" pitchFamily="50" charset="-127"/>
+                        </a:rPr>
+                        <a:t>89.1</a:t>
+                      </a:r>
+                    </a:p>
+                  </a:txBody>
+                  <a:tcPr marL="7620" marR="7620" marT="7620" marB="0" anchor="ctr"/>
+                </a:tc>
+                <a:tc>
+                  <a:txBody>
+                    <a:bodyPr/>
+                    <a:lstStyle/>
+                    <a:p>
+                      <a:pPr algn="ctr" fontAlgn="ctr"/>
+                      <a:r>
+                        <a:rPr lang="en-US" altLang="ko-KR" sz="1100" b="0" i="0" u="none" strike="noStrike">
+                          <a:solidFill>
+                            <a:schemeClr val="tx1"/>
+                          </a:solidFill>
+                          <a:effectLst/>
+                          <a:latin typeface="맑은 고딕" panose="020B0503020000020004" pitchFamily="50" charset="-127"/>
+                          <a:ea typeface="맑은 고딕" panose="020B0503020000020004" pitchFamily="50" charset="-127"/>
+                        </a:rPr>
+                        <a:t>96.8</a:t>
+                      </a:r>
+                    </a:p>
+                  </a:txBody>
+                  <a:tcPr marL="7620" marR="7620" marT="7620" marB="0" anchor="ctr"/>
+                </a:tc>
+                <a:tc>
+                  <a:txBody>
+                    <a:bodyPr/>
+                    <a:lstStyle/>
+                    <a:p>
+                      <a:pPr algn="ctr" fontAlgn="ctr"/>
+                      <a:r>
+                        <a:rPr lang="en-US" altLang="ko-KR" sz="1100" b="0" i="0" u="none" strike="noStrike">
+                          <a:solidFill>
+                            <a:schemeClr val="tx1"/>
+                          </a:solidFill>
+                          <a:effectLst/>
+                          <a:latin typeface="맑은 고딕" panose="020B0503020000020004" pitchFamily="50" charset="-127"/>
+                          <a:ea typeface="맑은 고딕" panose="020B0503020000020004" pitchFamily="50" charset="-127"/>
+                        </a:rPr>
+                        <a:t>81.4</a:t>
+                      </a:r>
+                    </a:p>
+                  </a:txBody>
+                  <a:tcPr marL="7620" marR="7620" marT="7620" marB="0" anchor="ctr"/>
+                </a:tc>
+                <a:tc>
+                  <a:txBody>
+                    <a:bodyPr/>
+                    <a:lstStyle/>
+                    <a:p>
+                      <a:pPr algn="ctr" fontAlgn="ctr"/>
+                      <a:r>
+                        <a:rPr lang="en-US" altLang="ko-KR" sz="1100" b="0" i="0" u="none" strike="noStrike">
+                          <a:solidFill>
+                            <a:schemeClr val="tx1"/>
+                          </a:solidFill>
+                          <a:effectLst/>
+                          <a:latin typeface="맑은 고딕" panose="020B0503020000020004" pitchFamily="50" charset="-127"/>
+                          <a:ea typeface="맑은 고딕" panose="020B0503020000020004" pitchFamily="50" charset="-127"/>
+                        </a:rPr>
+                        <a:t>89.3</a:t>
+                      </a:r>
+                    </a:p>
+                  </a:txBody>
+                  <a:tcPr marL="7620" marR="7620" marT="7620" marB="0" anchor="ctr"/>
+                </a:tc>
+                <a:tc>
+                  <a:txBody>
+                    <a:bodyPr/>
+                    <a:lstStyle/>
+                    <a:p>
+                      <a:pPr algn="ctr" fontAlgn="ctr"/>
+                      <a:r>
+                        <a:rPr lang="en-US" altLang="ko-KR" sz="1100" b="0" i="0" u="none" strike="noStrike">
+                          <a:solidFill>
+                            <a:schemeClr val="tx1"/>
+                          </a:solidFill>
+                          <a:effectLst/>
+                          <a:latin typeface="맑은 고딕" panose="020B0503020000020004" pitchFamily="50" charset="-127"/>
+                          <a:ea typeface="맑은 고딕" panose="020B0503020000020004" pitchFamily="50" charset="-127"/>
+                        </a:rPr>
+                        <a:t>95.8</a:t>
+                      </a:r>
+                    </a:p>
+                  </a:txBody>
+                  <a:tcPr marL="7620" marR="7620" marT="7620" marB="0" anchor="ctr"/>
+                </a:tc>
+                <a:tc>
+                  <a:txBody>
+                    <a:bodyPr/>
+                    <a:lstStyle/>
+                    <a:p>
+                      <a:pPr algn="ctr" fontAlgn="ctr"/>
+                      <a:r>
+                        <a:rPr lang="en-US" altLang="ko-KR" sz="1100" b="0" i="0" u="none" strike="noStrike">
+                          <a:solidFill>
+                            <a:schemeClr val="tx1"/>
+                          </a:solidFill>
+                          <a:effectLst/>
+                          <a:latin typeface="맑은 고딕" panose="020B0503020000020004" pitchFamily="50" charset="-127"/>
+                          <a:ea typeface="맑은 고딕" panose="020B0503020000020004" pitchFamily="50" charset="-127"/>
+                        </a:rPr>
+                        <a:t>82.8</a:t>
+                      </a:r>
+                    </a:p>
+                  </a:txBody>
+                  <a:tcPr marL="7620" marR="7620" marT="7620" marB="0" anchor="ctr"/>
+                </a:tc>
+                <a:extLst>
+                  <a:ext uri="{0D108BD9-81ED-4DB2-BD59-A6C34878D82A}">
+                    <a16:rowId xmlns:a16="http://schemas.microsoft.com/office/drawing/2014/main" val="3095363289"/>
+                  </a:ext>
+                </a:extLst>
+              </a:tr>
+              <a:tr h="370840">
+                <a:tc>
+                  <a:txBody>
+                    <a:bodyPr/>
+                    <a:lstStyle/>
+                    <a:p>
+                      <a:pPr algn="ctr" latinLnBrk="1"/>
+                      <a:r>
+                        <a:rPr lang="en-US" altLang="ko-KR" dirty="0">
+                          <a:solidFill>
+                            <a:schemeClr val="tx1"/>
+                          </a:solidFill>
+                        </a:rPr>
+                        <a:t>0.3</a:t>
+                      </a:r>
+                      <a:endParaRPr lang="ko-KR" altLang="en-US" dirty="0">
+                        <a:solidFill>
+                          <a:schemeClr val="tx1"/>
+                        </a:solidFill>
+                      </a:endParaRPr>
+                    </a:p>
+                  </a:txBody>
+                  <a:tcPr anchor="ctr"/>
+                </a:tc>
+                <a:tc>
+                  <a:txBody>
+                    <a:bodyPr/>
+                    <a:lstStyle/>
+                    <a:p>
+                      <a:pPr algn="ctr" fontAlgn="ctr"/>
+                      <a:r>
+                        <a:rPr lang="en-US" altLang="ko-KR" sz="1100" b="0" i="0" u="none" strike="noStrike">
+                          <a:solidFill>
+                            <a:schemeClr val="tx1"/>
+                          </a:solidFill>
+                          <a:effectLst/>
+                          <a:latin typeface="맑은 고딕" panose="020B0503020000020004" pitchFamily="50" charset="-127"/>
+                          <a:ea typeface="맑은 고딕" panose="020B0503020000020004" pitchFamily="50" charset="-127"/>
+                        </a:rPr>
+                        <a:t>83.7</a:t>
+                      </a:r>
+                    </a:p>
+                  </a:txBody>
+                  <a:tcPr marL="7620" marR="7620" marT="7620" marB="0" anchor="ctr"/>
+                </a:tc>
+                <a:tc>
+                  <a:txBody>
+                    <a:bodyPr/>
+                    <a:lstStyle/>
+                    <a:p>
+                      <a:pPr algn="ctr" fontAlgn="ctr"/>
+                      <a:r>
+                        <a:rPr lang="en-US" altLang="ko-KR" sz="1100" b="0" i="0" u="none" strike="noStrike">
+                          <a:solidFill>
+                            <a:schemeClr val="tx1"/>
+                          </a:solidFill>
+                          <a:effectLst/>
+                          <a:latin typeface="맑은 고딕" panose="020B0503020000020004" pitchFamily="50" charset="-127"/>
+                          <a:ea typeface="맑은 고딕" panose="020B0503020000020004" pitchFamily="50" charset="-127"/>
+                        </a:rPr>
+                        <a:t>92.8</a:t>
+                      </a:r>
+                    </a:p>
+                  </a:txBody>
+                  <a:tcPr marL="7620" marR="7620" marT="7620" marB="0" anchor="ctr"/>
+                </a:tc>
+                <a:tc>
+                  <a:txBody>
+                    <a:bodyPr/>
+                    <a:lstStyle/>
+                    <a:p>
+                      <a:pPr algn="ctr" fontAlgn="ctr"/>
+                      <a:r>
+                        <a:rPr lang="en-US" altLang="ko-KR" sz="1100" b="0" i="0" u="none" strike="noStrike">
+                          <a:solidFill>
+                            <a:schemeClr val="tx1"/>
+                          </a:solidFill>
+                          <a:effectLst/>
+                          <a:latin typeface="맑은 고딕" panose="020B0503020000020004" pitchFamily="50" charset="-127"/>
+                          <a:ea typeface="맑은 고딕" panose="020B0503020000020004" pitchFamily="50" charset="-127"/>
+                        </a:rPr>
+                        <a:t>74.6</a:t>
+                      </a:r>
+                    </a:p>
+                  </a:txBody>
+                  <a:tcPr marL="7620" marR="7620" marT="7620" marB="0" anchor="ctr"/>
+                </a:tc>
+                <a:tc>
+                  <a:txBody>
+                    <a:bodyPr/>
+                    <a:lstStyle/>
+                    <a:p>
+                      <a:pPr algn="ctr" fontAlgn="ctr"/>
+                      <a:r>
+                        <a:rPr lang="en-US" altLang="ko-KR" sz="1100" b="0" i="0" u="none" strike="noStrike">
+                          <a:solidFill>
+                            <a:schemeClr val="tx1"/>
+                          </a:solidFill>
+                          <a:effectLst/>
+                          <a:latin typeface="맑은 고딕" panose="020B0503020000020004" pitchFamily="50" charset="-127"/>
+                          <a:ea typeface="맑은 고딕" panose="020B0503020000020004" pitchFamily="50" charset="-127"/>
+                        </a:rPr>
+                        <a:t>85.5</a:t>
+                      </a:r>
+                    </a:p>
+                  </a:txBody>
+                  <a:tcPr marL="7620" marR="7620" marT="7620" marB="0" anchor="ctr"/>
+                </a:tc>
+                <a:tc>
+                  <a:txBody>
+                    <a:bodyPr/>
+                    <a:lstStyle/>
+                    <a:p>
+                      <a:pPr algn="ctr" fontAlgn="ctr"/>
+                      <a:r>
+                        <a:rPr lang="en-US" altLang="ko-KR" sz="1100" b="0" i="0" u="none" strike="noStrike">
+                          <a:solidFill>
+                            <a:schemeClr val="tx1"/>
+                          </a:solidFill>
+                          <a:effectLst/>
+                          <a:latin typeface="맑은 고딕" panose="020B0503020000020004" pitchFamily="50" charset="-127"/>
+                          <a:ea typeface="맑은 고딕" panose="020B0503020000020004" pitchFamily="50" charset="-127"/>
+                        </a:rPr>
+                        <a:t>94.8</a:t>
+                      </a:r>
+                    </a:p>
+                  </a:txBody>
+                  <a:tcPr marL="7620" marR="7620" marT="7620" marB="0" anchor="ctr"/>
+                </a:tc>
+                <a:tc>
+                  <a:txBody>
+                    <a:bodyPr/>
+                    <a:lstStyle/>
+                    <a:p>
+                      <a:pPr algn="ctr" fontAlgn="ctr"/>
+                      <a:r>
+                        <a:rPr lang="en-US" altLang="ko-KR" sz="1100" b="0" i="0" u="none" strike="noStrike">
+                          <a:solidFill>
+                            <a:schemeClr val="tx1"/>
+                          </a:solidFill>
+                          <a:effectLst/>
+                          <a:latin typeface="맑은 고딕" panose="020B0503020000020004" pitchFamily="50" charset="-127"/>
+                          <a:ea typeface="맑은 고딕" panose="020B0503020000020004" pitchFamily="50" charset="-127"/>
+                        </a:rPr>
+                        <a:t>76.2</a:t>
+                      </a:r>
+                    </a:p>
+                  </a:txBody>
+                  <a:tcPr marL="7620" marR="7620" marT="7620" marB="0" anchor="ctr"/>
+                </a:tc>
+                <a:tc>
+                  <a:txBody>
+                    <a:bodyPr/>
+                    <a:lstStyle/>
+                    <a:p>
+                      <a:pPr algn="ctr" fontAlgn="ctr"/>
+                      <a:r>
+                        <a:rPr lang="en-US" altLang="ko-KR" sz="1100" b="0" i="0" u="none" strike="noStrike">
+                          <a:solidFill>
+                            <a:schemeClr val="tx1"/>
+                          </a:solidFill>
+                          <a:effectLst/>
+                          <a:latin typeface="맑은 고딕" panose="020B0503020000020004" pitchFamily="50" charset="-127"/>
+                          <a:ea typeface="맑은 고딕" panose="020B0503020000020004" pitchFamily="50" charset="-127"/>
+                        </a:rPr>
+                        <a:t>86.1</a:t>
+                      </a:r>
+                    </a:p>
+                  </a:txBody>
+                  <a:tcPr marL="7620" marR="7620" marT="7620" marB="0" anchor="ctr"/>
+                </a:tc>
+                <a:tc>
+                  <a:txBody>
+                    <a:bodyPr/>
+                    <a:lstStyle/>
+                    <a:p>
+                      <a:pPr algn="ctr" fontAlgn="ctr"/>
+                      <a:r>
+                        <a:rPr lang="en-US" altLang="ko-KR" sz="1100" b="0" i="0" u="none" strike="noStrike" dirty="0">
+                          <a:solidFill>
+                            <a:schemeClr val="tx1"/>
+                          </a:solidFill>
+                          <a:effectLst/>
+                          <a:latin typeface="맑은 고딕" panose="020B0503020000020004" pitchFamily="50" charset="-127"/>
+                          <a:ea typeface="맑은 고딕" panose="020B0503020000020004" pitchFamily="50" charset="-127"/>
+                        </a:rPr>
+                        <a:t>94.0</a:t>
+                      </a:r>
+                    </a:p>
+                  </a:txBody>
+                  <a:tcPr marL="7620" marR="7620" marT="7620" marB="0" anchor="ctr"/>
+                </a:tc>
+                <a:tc>
+                  <a:txBody>
+                    <a:bodyPr/>
+                    <a:lstStyle/>
+                    <a:p>
+                      <a:pPr algn="ctr" fontAlgn="ctr"/>
+                      <a:r>
+                        <a:rPr lang="en-US" altLang="ko-KR" sz="1100" b="0" i="0" u="none" strike="noStrike">
+                          <a:solidFill>
+                            <a:schemeClr val="tx1"/>
+                          </a:solidFill>
+                          <a:effectLst/>
+                          <a:latin typeface="맑은 고딕" panose="020B0503020000020004" pitchFamily="50" charset="-127"/>
+                          <a:ea typeface="맑은 고딕" panose="020B0503020000020004" pitchFamily="50" charset="-127"/>
+                        </a:rPr>
+                        <a:t>78.2</a:t>
+                      </a:r>
+                    </a:p>
+                  </a:txBody>
+                  <a:tcPr marL="7620" marR="7620" marT="7620" marB="0" anchor="ctr"/>
+                </a:tc>
+                <a:extLst>
+                  <a:ext uri="{0D108BD9-81ED-4DB2-BD59-A6C34878D82A}">
+                    <a16:rowId xmlns:a16="http://schemas.microsoft.com/office/drawing/2014/main" val="1783719655"/>
+                  </a:ext>
+                </a:extLst>
+              </a:tr>
+              <a:tr h="370840">
+                <a:tc>
+                  <a:txBody>
+                    <a:bodyPr/>
+                    <a:lstStyle/>
+                    <a:p>
+                      <a:pPr algn="ctr" latinLnBrk="1"/>
+                      <a:r>
+                        <a:rPr lang="en-US" altLang="ko-KR" dirty="0">
+                          <a:solidFill>
+                            <a:schemeClr val="tx1"/>
+                          </a:solidFill>
+                        </a:rPr>
+                        <a:t>0.4</a:t>
+                      </a:r>
+                      <a:endParaRPr lang="ko-KR" altLang="en-US" dirty="0">
+                        <a:solidFill>
+                          <a:schemeClr val="tx1"/>
+                        </a:solidFill>
+                      </a:endParaRPr>
+                    </a:p>
+                  </a:txBody>
+                  <a:tcPr anchor="ctr"/>
+                </a:tc>
+                <a:tc>
+                  <a:txBody>
+                    <a:bodyPr/>
+                    <a:lstStyle/>
+                    <a:p>
+                      <a:pPr algn="ctr" fontAlgn="ctr"/>
+                      <a:r>
+                        <a:rPr lang="en-US" altLang="ko-KR" sz="1100" b="0" i="0" u="none" strike="noStrike">
+                          <a:solidFill>
+                            <a:schemeClr val="tx1"/>
+                          </a:solidFill>
+                          <a:effectLst/>
+                          <a:latin typeface="맑은 고딕" panose="020B0503020000020004" pitchFamily="50" charset="-127"/>
+                          <a:ea typeface="맑은 고딕" panose="020B0503020000020004" pitchFamily="50" charset="-127"/>
+                        </a:rPr>
+                        <a:t>80.7</a:t>
+                      </a:r>
+                    </a:p>
+                  </a:txBody>
+                  <a:tcPr marL="7620" marR="7620" marT="7620" marB="0" anchor="ctr"/>
+                </a:tc>
+                <a:tc>
+                  <a:txBody>
+                    <a:bodyPr/>
+                    <a:lstStyle/>
+                    <a:p>
+                      <a:pPr algn="ctr" fontAlgn="ctr"/>
+                      <a:r>
+                        <a:rPr lang="en-US" altLang="ko-KR" sz="1100" b="0" i="0" u="none" strike="noStrike">
+                          <a:solidFill>
+                            <a:schemeClr val="tx1"/>
+                          </a:solidFill>
+                          <a:effectLst/>
+                          <a:latin typeface="맑은 고딕" panose="020B0503020000020004" pitchFamily="50" charset="-127"/>
+                          <a:ea typeface="맑은 고딕" panose="020B0503020000020004" pitchFamily="50" charset="-127"/>
+                        </a:rPr>
+                        <a:t>90.2</a:t>
+                      </a:r>
+                    </a:p>
+                  </a:txBody>
+                  <a:tcPr marL="7620" marR="7620" marT="7620" marB="0" anchor="ctr"/>
+                </a:tc>
+                <a:tc>
+                  <a:txBody>
+                    <a:bodyPr/>
+                    <a:lstStyle/>
+                    <a:p>
+                      <a:pPr algn="ctr" fontAlgn="ctr"/>
+                      <a:r>
+                        <a:rPr lang="en-US" altLang="ko-KR" sz="1100" b="0" i="0" u="none" strike="noStrike">
+                          <a:solidFill>
+                            <a:schemeClr val="tx1"/>
+                          </a:solidFill>
+                          <a:effectLst/>
+                          <a:latin typeface="맑은 고딕" panose="020B0503020000020004" pitchFamily="50" charset="-127"/>
+                          <a:ea typeface="맑은 고딕" panose="020B0503020000020004" pitchFamily="50" charset="-127"/>
+                        </a:rPr>
+                        <a:t>71.2</a:t>
+                      </a:r>
+                    </a:p>
+                  </a:txBody>
+                  <a:tcPr marL="7620" marR="7620" marT="7620" marB="0" anchor="ctr"/>
+                </a:tc>
+                <a:tc>
+                  <a:txBody>
+                    <a:bodyPr/>
+                    <a:lstStyle/>
+                    <a:p>
+                      <a:pPr algn="ctr" fontAlgn="ctr"/>
+                      <a:r>
+                        <a:rPr lang="en-US" altLang="ko-KR" sz="1100" b="0" i="0" u="none" strike="noStrike">
+                          <a:solidFill>
+                            <a:schemeClr val="tx1"/>
+                          </a:solidFill>
+                          <a:effectLst/>
+                          <a:latin typeface="맑은 고딕" panose="020B0503020000020004" pitchFamily="50" charset="-127"/>
+                          <a:ea typeface="맑은 고딕" panose="020B0503020000020004" pitchFamily="50" charset="-127"/>
+                        </a:rPr>
+                        <a:t>82.3</a:t>
+                      </a:r>
+                    </a:p>
+                  </a:txBody>
+                  <a:tcPr marL="7620" marR="7620" marT="7620" marB="0" anchor="ctr"/>
+                </a:tc>
+                <a:tc>
+                  <a:txBody>
+                    <a:bodyPr/>
+                    <a:lstStyle/>
+                    <a:p>
+                      <a:pPr algn="ctr" fontAlgn="ctr"/>
+                      <a:r>
+                        <a:rPr lang="en-US" altLang="ko-KR" sz="1100" b="0" i="0" u="none" strike="noStrike">
+                          <a:solidFill>
+                            <a:schemeClr val="tx1"/>
+                          </a:solidFill>
+                          <a:effectLst/>
+                          <a:latin typeface="맑은 고딕" panose="020B0503020000020004" pitchFamily="50" charset="-127"/>
+                          <a:ea typeface="맑은 고딕" panose="020B0503020000020004" pitchFamily="50" charset="-127"/>
+                        </a:rPr>
+                        <a:t>92.8</a:t>
+                      </a:r>
+                    </a:p>
+                  </a:txBody>
+                  <a:tcPr marL="7620" marR="7620" marT="7620" marB="0" anchor="ctr"/>
+                </a:tc>
+                <a:tc>
+                  <a:txBody>
+                    <a:bodyPr/>
+                    <a:lstStyle/>
+                    <a:p>
+                      <a:pPr algn="ctr" fontAlgn="ctr"/>
+                      <a:r>
+                        <a:rPr lang="en-US" altLang="ko-KR" sz="1100" b="0" i="0" u="none" strike="noStrike">
+                          <a:solidFill>
+                            <a:schemeClr val="tx1"/>
+                          </a:solidFill>
+                          <a:effectLst/>
+                          <a:latin typeface="맑은 고딕" panose="020B0503020000020004" pitchFamily="50" charset="-127"/>
+                          <a:ea typeface="맑은 고딕" panose="020B0503020000020004" pitchFamily="50" charset="-127"/>
+                        </a:rPr>
+                        <a:t>71.8</a:t>
+                      </a:r>
+                    </a:p>
+                  </a:txBody>
+                  <a:tcPr marL="7620" marR="7620" marT="7620" marB="0" anchor="ctr"/>
+                </a:tc>
+                <a:tc>
+                  <a:txBody>
+                    <a:bodyPr/>
+                    <a:lstStyle/>
+                    <a:p>
+                      <a:pPr algn="ctr" fontAlgn="ctr"/>
+                      <a:r>
+                        <a:rPr lang="en-US" altLang="ko-KR" sz="1100" b="0" i="0" u="none" strike="noStrike">
+                          <a:solidFill>
+                            <a:schemeClr val="tx1"/>
+                          </a:solidFill>
+                          <a:effectLst/>
+                          <a:latin typeface="맑은 고딕" panose="020B0503020000020004" pitchFamily="50" charset="-127"/>
+                          <a:ea typeface="맑은 고딕" panose="020B0503020000020004" pitchFamily="50" charset="-127"/>
+                        </a:rPr>
+                        <a:t>82.6</a:t>
+                      </a:r>
+                    </a:p>
+                  </a:txBody>
+                  <a:tcPr marL="7620" marR="7620" marT="7620" marB="0" anchor="ctr"/>
+                </a:tc>
+                <a:tc>
+                  <a:txBody>
+                    <a:bodyPr/>
+                    <a:lstStyle/>
+                    <a:p>
+                      <a:pPr algn="ctr" fontAlgn="ctr"/>
+                      <a:r>
+                        <a:rPr lang="en-US" altLang="ko-KR" sz="1100" b="0" i="0" u="none" strike="noStrike">
+                          <a:solidFill>
+                            <a:schemeClr val="tx1"/>
+                          </a:solidFill>
+                          <a:effectLst/>
+                          <a:latin typeface="맑은 고딕" panose="020B0503020000020004" pitchFamily="50" charset="-127"/>
+                          <a:ea typeface="맑은 고딕" panose="020B0503020000020004" pitchFamily="50" charset="-127"/>
+                        </a:rPr>
+                        <a:t>92.8</a:t>
+                      </a:r>
+                    </a:p>
+                  </a:txBody>
+                  <a:tcPr marL="7620" marR="7620" marT="7620" marB="0" anchor="ctr"/>
+                </a:tc>
+                <a:tc>
+                  <a:txBody>
+                    <a:bodyPr/>
+                    <a:lstStyle/>
+                    <a:p>
+                      <a:pPr algn="ctr" fontAlgn="ctr"/>
+                      <a:r>
+                        <a:rPr lang="en-US" altLang="ko-KR" sz="1100" b="0" i="0" u="none" strike="noStrike">
+                          <a:solidFill>
+                            <a:schemeClr val="tx1"/>
+                          </a:solidFill>
+                          <a:effectLst/>
+                          <a:latin typeface="맑은 고딕" panose="020B0503020000020004" pitchFamily="50" charset="-127"/>
+                          <a:ea typeface="맑은 고딕" panose="020B0503020000020004" pitchFamily="50" charset="-127"/>
+                        </a:rPr>
+                        <a:t>72.4</a:t>
+                      </a:r>
+                    </a:p>
+                  </a:txBody>
+                  <a:tcPr marL="7620" marR="7620" marT="7620" marB="0" anchor="ctr"/>
+                </a:tc>
+                <a:extLst>
+                  <a:ext uri="{0D108BD9-81ED-4DB2-BD59-A6C34878D82A}">
+                    <a16:rowId xmlns:a16="http://schemas.microsoft.com/office/drawing/2014/main" val="1031056084"/>
+                  </a:ext>
+                </a:extLst>
+              </a:tr>
+              <a:tr h="370840">
+                <a:tc>
+                  <a:txBody>
+                    <a:bodyPr/>
+                    <a:lstStyle/>
+                    <a:p>
+                      <a:pPr algn="ctr" latinLnBrk="1"/>
+                      <a:r>
+                        <a:rPr lang="en-US" altLang="ko-KR" dirty="0">
+                          <a:solidFill>
+                            <a:schemeClr val="tx1"/>
+                          </a:solidFill>
+                        </a:rPr>
+                        <a:t>0.5</a:t>
+                      </a:r>
+                      <a:endParaRPr lang="ko-KR" altLang="en-US" dirty="0">
+                        <a:solidFill>
+                          <a:schemeClr val="tx1"/>
+                        </a:solidFill>
+                      </a:endParaRPr>
+                    </a:p>
+                  </a:txBody>
+                  <a:tcPr anchor="ctr"/>
+                </a:tc>
+                <a:tc>
+                  <a:txBody>
+                    <a:bodyPr/>
+                    <a:lstStyle/>
+                    <a:p>
+                      <a:pPr algn="ctr" fontAlgn="ctr"/>
+                      <a:r>
+                        <a:rPr lang="en-US" altLang="ko-KR" sz="1100" b="0" i="0" u="none" strike="noStrike">
+                          <a:solidFill>
+                            <a:schemeClr val="tx1"/>
+                          </a:solidFill>
+                          <a:effectLst/>
+                          <a:latin typeface="맑은 고딕" panose="020B0503020000020004" pitchFamily="50" charset="-127"/>
+                          <a:ea typeface="맑은 고딕" panose="020B0503020000020004" pitchFamily="50" charset="-127"/>
+                        </a:rPr>
+                        <a:t>76</a:t>
+                      </a:r>
+                    </a:p>
+                  </a:txBody>
+                  <a:tcPr marL="7620" marR="7620" marT="7620" marB="0" anchor="ctr"/>
+                </a:tc>
+                <a:tc>
+                  <a:txBody>
+                    <a:bodyPr/>
+                    <a:lstStyle/>
+                    <a:p>
+                      <a:pPr algn="ctr" fontAlgn="ctr"/>
+                      <a:r>
+                        <a:rPr lang="en-US" altLang="ko-KR" sz="1100" b="0" i="0" u="none" strike="noStrike" dirty="0">
+                          <a:solidFill>
+                            <a:schemeClr val="tx1"/>
+                          </a:solidFill>
+                          <a:effectLst/>
+                          <a:latin typeface="맑은 고딕" panose="020B0503020000020004" pitchFamily="50" charset="-127"/>
+                          <a:ea typeface="맑은 고딕" panose="020B0503020000020004" pitchFamily="50" charset="-127"/>
+                        </a:rPr>
+                        <a:t>87.0</a:t>
+                      </a:r>
+                    </a:p>
+                  </a:txBody>
+                  <a:tcPr marL="7620" marR="7620" marT="7620" marB="0" anchor="ctr"/>
+                </a:tc>
+                <a:tc>
+                  <a:txBody>
+                    <a:bodyPr/>
+                    <a:lstStyle/>
+                    <a:p>
+                      <a:pPr algn="ctr" fontAlgn="ctr"/>
+                      <a:r>
+                        <a:rPr lang="en-US" altLang="ko-KR" sz="1100" b="0" i="0" u="none" strike="noStrike" dirty="0">
+                          <a:solidFill>
+                            <a:schemeClr val="tx1"/>
+                          </a:solidFill>
+                          <a:effectLst/>
+                          <a:latin typeface="맑은 고딕" panose="020B0503020000020004" pitchFamily="50" charset="-127"/>
+                          <a:ea typeface="맑은 고딕" panose="020B0503020000020004" pitchFamily="50" charset="-127"/>
+                        </a:rPr>
+                        <a:t>65.0</a:t>
+                      </a:r>
+                    </a:p>
+                  </a:txBody>
+                  <a:tcPr marL="7620" marR="7620" marT="7620" marB="0" anchor="ctr"/>
+                </a:tc>
+                <a:tc>
+                  <a:txBody>
+                    <a:bodyPr/>
+                    <a:lstStyle/>
+                    <a:p>
+                      <a:pPr algn="ctr" fontAlgn="ctr"/>
+                      <a:r>
+                        <a:rPr lang="en-US" altLang="ko-KR" sz="1100" b="0" i="0" u="none" strike="noStrike">
+                          <a:solidFill>
+                            <a:schemeClr val="tx1"/>
+                          </a:solidFill>
+                          <a:effectLst/>
+                          <a:latin typeface="맑은 고딕" panose="020B0503020000020004" pitchFamily="50" charset="-127"/>
+                          <a:ea typeface="맑은 고딕" panose="020B0503020000020004" pitchFamily="50" charset="-127"/>
+                        </a:rPr>
+                        <a:t>78.2</a:t>
+                      </a:r>
+                    </a:p>
+                  </a:txBody>
+                  <a:tcPr marL="7620" marR="7620" marT="7620" marB="0" anchor="ctr"/>
+                </a:tc>
+                <a:tc>
+                  <a:txBody>
+                    <a:bodyPr/>
+                    <a:lstStyle/>
+                    <a:p>
+                      <a:pPr algn="ctr" fontAlgn="ctr"/>
+                      <a:r>
+                        <a:rPr lang="en-US" altLang="ko-KR" sz="1100" b="0" i="0" u="none" strike="noStrike">
+                          <a:solidFill>
+                            <a:schemeClr val="tx1"/>
+                          </a:solidFill>
+                          <a:effectLst/>
+                          <a:latin typeface="맑은 고딕" panose="020B0503020000020004" pitchFamily="50" charset="-127"/>
+                          <a:ea typeface="맑은 고딕" panose="020B0503020000020004" pitchFamily="50" charset="-127"/>
+                        </a:rPr>
+                        <a:t>89.4</a:t>
+                      </a:r>
+                    </a:p>
+                  </a:txBody>
+                  <a:tcPr marL="7620" marR="7620" marT="7620" marB="0" anchor="ctr"/>
+                </a:tc>
+                <a:tc>
+                  <a:txBody>
+                    <a:bodyPr/>
+                    <a:lstStyle/>
+                    <a:p>
+                      <a:pPr algn="ctr" fontAlgn="ctr"/>
+                      <a:r>
+                        <a:rPr lang="en-US" altLang="ko-KR" sz="1100" b="0" i="0" u="none" strike="noStrike" dirty="0">
+                          <a:solidFill>
+                            <a:schemeClr val="tx1"/>
+                          </a:solidFill>
+                          <a:effectLst/>
+                          <a:latin typeface="맑은 고딕" panose="020B0503020000020004" pitchFamily="50" charset="-127"/>
+                          <a:ea typeface="맑은 고딕" panose="020B0503020000020004" pitchFamily="50" charset="-127"/>
+                        </a:rPr>
+                        <a:t>67.0</a:t>
+                      </a:r>
+                    </a:p>
+                  </a:txBody>
+                  <a:tcPr marL="7620" marR="7620" marT="7620" marB="0" anchor="ctr"/>
+                </a:tc>
+                <a:tc>
+                  <a:txBody>
+                    <a:bodyPr/>
+                    <a:lstStyle/>
+                    <a:p>
+                      <a:pPr algn="ctr" fontAlgn="ctr"/>
+                      <a:r>
+                        <a:rPr lang="en-US" altLang="ko-KR" sz="1100" b="0" i="0" u="none" strike="noStrike">
+                          <a:solidFill>
+                            <a:schemeClr val="tx1"/>
+                          </a:solidFill>
+                          <a:effectLst/>
+                          <a:latin typeface="맑은 고딕" panose="020B0503020000020004" pitchFamily="50" charset="-127"/>
+                          <a:ea typeface="맑은 고딕" panose="020B0503020000020004" pitchFamily="50" charset="-127"/>
+                        </a:rPr>
+                        <a:t>78.6</a:t>
+                      </a:r>
+                    </a:p>
+                  </a:txBody>
+                  <a:tcPr marL="7620" marR="7620" marT="7620" marB="0" anchor="ctr"/>
+                </a:tc>
+                <a:tc>
+                  <a:txBody>
+                    <a:bodyPr/>
+                    <a:lstStyle/>
+                    <a:p>
+                      <a:pPr algn="ctr" fontAlgn="ctr"/>
+                      <a:r>
+                        <a:rPr lang="en-US" altLang="ko-KR" sz="1100" b="0" i="0" u="none" strike="noStrike">
+                          <a:solidFill>
+                            <a:schemeClr val="tx1"/>
+                          </a:solidFill>
+                          <a:effectLst/>
+                          <a:latin typeface="맑은 고딕" panose="020B0503020000020004" pitchFamily="50" charset="-127"/>
+                          <a:ea typeface="맑은 고딕" panose="020B0503020000020004" pitchFamily="50" charset="-127"/>
+                        </a:rPr>
+                        <a:t>90.6</a:t>
+                      </a:r>
+                    </a:p>
+                  </a:txBody>
+                  <a:tcPr marL="7620" marR="7620" marT="7620" marB="0" anchor="ctr"/>
+                </a:tc>
+                <a:tc>
+                  <a:txBody>
+                    <a:bodyPr/>
+                    <a:lstStyle/>
+                    <a:p>
+                      <a:pPr algn="ctr" fontAlgn="ctr"/>
+                      <a:r>
+                        <a:rPr lang="en-US" altLang="ko-KR" sz="1100" b="0" i="0" u="none" strike="noStrike">
+                          <a:solidFill>
+                            <a:schemeClr val="tx1"/>
+                          </a:solidFill>
+                          <a:effectLst/>
+                          <a:latin typeface="맑은 고딕" panose="020B0503020000020004" pitchFamily="50" charset="-127"/>
+                          <a:ea typeface="맑은 고딕" panose="020B0503020000020004" pitchFamily="50" charset="-127"/>
+                        </a:rPr>
+                        <a:t>66.6</a:t>
+                      </a:r>
+                    </a:p>
+                  </a:txBody>
+                  <a:tcPr marL="7620" marR="7620" marT="7620" marB="0" anchor="ctr"/>
+                </a:tc>
+                <a:extLst>
+                  <a:ext uri="{0D108BD9-81ED-4DB2-BD59-A6C34878D82A}">
+                    <a16:rowId xmlns:a16="http://schemas.microsoft.com/office/drawing/2014/main" val="2589032844"/>
+                  </a:ext>
+                </a:extLst>
+              </a:tr>
+              <a:tr h="370840">
+                <a:tc>
+                  <a:txBody>
+                    <a:bodyPr/>
+                    <a:lstStyle/>
+                    <a:p>
+                      <a:pPr algn="ctr" latinLnBrk="1"/>
+                      <a:r>
+                        <a:rPr lang="en-US" altLang="ko-KR" dirty="0">
+                          <a:solidFill>
+                            <a:schemeClr val="tx1"/>
+                          </a:solidFill>
+                        </a:rPr>
+                        <a:t>0.6</a:t>
+                      </a:r>
+                      <a:endParaRPr lang="ko-KR" altLang="en-US" dirty="0">
+                        <a:solidFill>
+                          <a:schemeClr val="tx1"/>
+                        </a:solidFill>
+                      </a:endParaRPr>
+                    </a:p>
+                  </a:txBody>
+                  <a:tcPr anchor="ctr"/>
+                </a:tc>
+                <a:tc>
+                  <a:txBody>
+                    <a:bodyPr/>
+                    <a:lstStyle/>
+                    <a:p>
+                      <a:pPr algn="ctr" fontAlgn="ctr"/>
+                      <a:r>
+                        <a:rPr lang="en-US" altLang="ko-KR" sz="1100" b="0" i="0" u="none" strike="noStrike">
+                          <a:solidFill>
+                            <a:schemeClr val="tx1"/>
+                          </a:solidFill>
+                          <a:effectLst/>
+                          <a:latin typeface="맑은 고딕" panose="020B0503020000020004" pitchFamily="50" charset="-127"/>
+                          <a:ea typeface="맑은 고딕" panose="020B0503020000020004" pitchFamily="50" charset="-127"/>
+                        </a:rPr>
+                        <a:t>69.9</a:t>
+                      </a:r>
+                    </a:p>
+                  </a:txBody>
+                  <a:tcPr marL="7620" marR="7620" marT="7620" marB="0" anchor="ctr"/>
+                </a:tc>
+                <a:tc>
+                  <a:txBody>
+                    <a:bodyPr/>
+                    <a:lstStyle/>
+                    <a:p>
+                      <a:pPr algn="ctr" fontAlgn="ctr"/>
+                      <a:r>
+                        <a:rPr lang="en-US" altLang="ko-KR" sz="1100" b="0" i="0" u="none" strike="noStrike" dirty="0">
+                          <a:solidFill>
+                            <a:schemeClr val="tx1"/>
+                          </a:solidFill>
+                          <a:effectLst/>
+                          <a:latin typeface="맑은 고딕" panose="020B0503020000020004" pitchFamily="50" charset="-127"/>
+                          <a:ea typeface="맑은 고딕" panose="020B0503020000020004" pitchFamily="50" charset="-127"/>
+                        </a:rPr>
+                        <a:t>82.0</a:t>
+                      </a:r>
+                    </a:p>
+                  </a:txBody>
+                  <a:tcPr marL="7620" marR="7620" marT="7620" marB="0" anchor="ctr"/>
+                </a:tc>
+                <a:tc>
+                  <a:txBody>
+                    <a:bodyPr/>
+                    <a:lstStyle/>
+                    <a:p>
+                      <a:pPr algn="ctr" fontAlgn="ctr"/>
+                      <a:r>
+                        <a:rPr lang="en-US" altLang="ko-KR" sz="1100" b="0" i="0" u="none" strike="noStrike" dirty="0">
+                          <a:solidFill>
+                            <a:schemeClr val="tx1"/>
+                          </a:solidFill>
+                          <a:effectLst/>
+                          <a:latin typeface="맑은 고딕" panose="020B0503020000020004" pitchFamily="50" charset="-127"/>
+                          <a:ea typeface="맑은 고딕" panose="020B0503020000020004" pitchFamily="50" charset="-127"/>
+                        </a:rPr>
+                        <a:t>57.8</a:t>
+                      </a:r>
+                    </a:p>
+                  </a:txBody>
+                  <a:tcPr marL="7620" marR="7620" marT="7620" marB="0" anchor="ctr"/>
+                </a:tc>
+                <a:tc>
+                  <a:txBody>
+                    <a:bodyPr/>
+                    <a:lstStyle/>
+                    <a:p>
+                      <a:pPr algn="ctr" fontAlgn="ctr"/>
+                      <a:r>
+                        <a:rPr lang="en-US" altLang="ko-KR" sz="1100" b="0" i="0" u="none" strike="noStrike">
+                          <a:solidFill>
+                            <a:schemeClr val="tx1"/>
+                          </a:solidFill>
+                          <a:effectLst/>
+                          <a:latin typeface="맑은 고딕" panose="020B0503020000020004" pitchFamily="50" charset="-127"/>
+                          <a:ea typeface="맑은 고딕" panose="020B0503020000020004" pitchFamily="50" charset="-127"/>
+                        </a:rPr>
+                        <a:t>72.9</a:t>
+                      </a:r>
+                    </a:p>
+                  </a:txBody>
+                  <a:tcPr marL="7620" marR="7620" marT="7620" marB="0" anchor="ctr"/>
+                </a:tc>
+                <a:tc>
+                  <a:txBody>
+                    <a:bodyPr/>
+                    <a:lstStyle/>
+                    <a:p>
+                      <a:pPr algn="ctr" fontAlgn="ctr"/>
+                      <a:r>
+                        <a:rPr lang="en-US" altLang="ko-KR" sz="1100" b="0" i="0" u="none" strike="noStrike">
+                          <a:solidFill>
+                            <a:schemeClr val="tx1"/>
+                          </a:solidFill>
+                          <a:effectLst/>
+                          <a:latin typeface="맑은 고딕" panose="020B0503020000020004" pitchFamily="50" charset="-127"/>
+                          <a:ea typeface="맑은 고딕" panose="020B0503020000020004" pitchFamily="50" charset="-127"/>
+                        </a:rPr>
+                        <a:t>85.8</a:t>
+                      </a:r>
+                    </a:p>
+                  </a:txBody>
+                  <a:tcPr marL="7620" marR="7620" marT="7620" marB="0" anchor="ctr"/>
+                </a:tc>
+                <a:tc>
+                  <a:txBody>
+                    <a:bodyPr/>
+                    <a:lstStyle/>
+                    <a:p>
+                      <a:pPr algn="ctr" fontAlgn="ctr"/>
+                      <a:r>
+                        <a:rPr lang="en-US" altLang="ko-KR" sz="1100" b="0" i="0" u="none" strike="noStrike" dirty="0">
+                          <a:solidFill>
+                            <a:schemeClr val="tx1"/>
+                          </a:solidFill>
+                          <a:effectLst/>
+                          <a:latin typeface="맑은 고딕" panose="020B0503020000020004" pitchFamily="50" charset="-127"/>
+                          <a:ea typeface="맑은 고딕" panose="020B0503020000020004" pitchFamily="50" charset="-127"/>
+                        </a:rPr>
+                        <a:t>60.0</a:t>
+                      </a:r>
+                    </a:p>
+                  </a:txBody>
+                  <a:tcPr marL="7620" marR="7620" marT="7620" marB="0" anchor="ctr"/>
+                </a:tc>
+                <a:tc>
+                  <a:txBody>
+                    <a:bodyPr/>
+                    <a:lstStyle/>
+                    <a:p>
+                      <a:pPr algn="ctr" fontAlgn="ctr"/>
+                      <a:r>
+                        <a:rPr lang="en-US" altLang="ko-KR" sz="1100" b="0" i="0" u="none" strike="noStrike">
+                          <a:solidFill>
+                            <a:schemeClr val="tx1"/>
+                          </a:solidFill>
+                          <a:effectLst/>
+                          <a:latin typeface="맑은 고딕" panose="020B0503020000020004" pitchFamily="50" charset="-127"/>
+                          <a:ea typeface="맑은 고딕" panose="020B0503020000020004" pitchFamily="50" charset="-127"/>
+                        </a:rPr>
+                        <a:t>73.1</a:t>
+                      </a:r>
+                    </a:p>
+                  </a:txBody>
+                  <a:tcPr marL="7620" marR="7620" marT="7620" marB="0" anchor="ctr"/>
+                </a:tc>
+                <a:tc>
+                  <a:txBody>
+                    <a:bodyPr/>
+                    <a:lstStyle/>
+                    <a:p>
+                      <a:pPr algn="ctr" fontAlgn="ctr"/>
+                      <a:r>
+                        <a:rPr lang="en-US" altLang="ko-KR" sz="1100" b="0" i="0" u="none" strike="noStrike">
+                          <a:solidFill>
+                            <a:schemeClr val="tx1"/>
+                          </a:solidFill>
+                          <a:effectLst/>
+                          <a:latin typeface="맑은 고딕" panose="020B0503020000020004" pitchFamily="50" charset="-127"/>
+                          <a:ea typeface="맑은 고딕" panose="020B0503020000020004" pitchFamily="50" charset="-127"/>
+                        </a:rPr>
+                        <a:t>86.4</a:t>
+                      </a:r>
+                    </a:p>
+                  </a:txBody>
+                  <a:tcPr marL="7620" marR="7620" marT="7620" marB="0" anchor="ctr"/>
+                </a:tc>
+                <a:tc>
+                  <a:txBody>
+                    <a:bodyPr/>
+                    <a:lstStyle/>
+                    <a:p>
+                      <a:pPr algn="ctr" fontAlgn="ctr"/>
+                      <a:r>
+                        <a:rPr lang="en-US" altLang="ko-KR" sz="1100" b="0" i="0" u="none" strike="noStrike">
+                          <a:solidFill>
+                            <a:schemeClr val="tx1"/>
+                          </a:solidFill>
+                          <a:effectLst/>
+                          <a:latin typeface="맑은 고딕" panose="020B0503020000020004" pitchFamily="50" charset="-127"/>
+                          <a:ea typeface="맑은 고딕" panose="020B0503020000020004" pitchFamily="50" charset="-127"/>
+                        </a:rPr>
+                        <a:t>59.8</a:t>
+                      </a:r>
+                    </a:p>
+                  </a:txBody>
+                  <a:tcPr marL="7620" marR="7620" marT="7620" marB="0" anchor="ctr"/>
+                </a:tc>
+                <a:extLst>
+                  <a:ext uri="{0D108BD9-81ED-4DB2-BD59-A6C34878D82A}">
+                    <a16:rowId xmlns:a16="http://schemas.microsoft.com/office/drawing/2014/main" val="3422342004"/>
+                  </a:ext>
+                </a:extLst>
+              </a:tr>
+              <a:tr h="370840">
+                <a:tc>
+                  <a:txBody>
+                    <a:bodyPr/>
+                    <a:lstStyle/>
+                    <a:p>
+                      <a:pPr algn="ctr" latinLnBrk="1"/>
+                      <a:r>
+                        <a:rPr lang="en-US" altLang="ko-KR" dirty="0">
+                          <a:solidFill>
+                            <a:schemeClr val="tx1"/>
+                          </a:solidFill>
+                        </a:rPr>
+                        <a:t>0.7</a:t>
+                      </a:r>
+                      <a:endParaRPr lang="ko-KR" altLang="en-US" dirty="0">
+                        <a:solidFill>
+                          <a:schemeClr val="tx1"/>
+                        </a:solidFill>
+                      </a:endParaRPr>
+                    </a:p>
+                  </a:txBody>
+                  <a:tcPr anchor="ctr"/>
+                </a:tc>
+                <a:tc>
+                  <a:txBody>
+                    <a:bodyPr/>
+                    <a:lstStyle/>
+                    <a:p>
+                      <a:pPr algn="ctr" fontAlgn="ctr"/>
+                      <a:r>
+                        <a:rPr lang="en-US" altLang="ko-KR" sz="1100" b="0" i="0" u="none" strike="noStrike" dirty="0">
+                          <a:solidFill>
+                            <a:schemeClr val="tx1"/>
+                          </a:solidFill>
+                          <a:effectLst/>
+                          <a:latin typeface="맑은 고딕" panose="020B0503020000020004" pitchFamily="50" charset="-127"/>
+                          <a:ea typeface="맑은 고딕" panose="020B0503020000020004" pitchFamily="50" charset="-127"/>
+                        </a:rPr>
+                        <a:t>63.8</a:t>
+                      </a:r>
+                    </a:p>
+                  </a:txBody>
+                  <a:tcPr marL="7620" marR="7620" marT="7620" marB="0" anchor="ctr"/>
+                </a:tc>
+                <a:tc>
+                  <a:txBody>
+                    <a:bodyPr/>
+                    <a:lstStyle/>
+                    <a:p>
+                      <a:pPr algn="ctr" fontAlgn="ctr"/>
+                      <a:r>
+                        <a:rPr lang="en-US" altLang="ko-KR" sz="1100" b="0" i="0" u="none" strike="noStrike">
+                          <a:solidFill>
+                            <a:schemeClr val="tx1"/>
+                          </a:solidFill>
+                          <a:effectLst/>
+                          <a:latin typeface="맑은 고딕" panose="020B0503020000020004" pitchFamily="50" charset="-127"/>
+                          <a:ea typeface="맑은 고딕" panose="020B0503020000020004" pitchFamily="50" charset="-127"/>
+                        </a:rPr>
+                        <a:t>77.6</a:t>
+                      </a:r>
+                    </a:p>
+                  </a:txBody>
+                  <a:tcPr marL="7620" marR="7620" marT="7620" marB="0" anchor="ctr"/>
+                </a:tc>
+                <a:tc>
+                  <a:txBody>
+                    <a:bodyPr/>
+                    <a:lstStyle/>
+                    <a:p>
+                      <a:pPr algn="ctr" fontAlgn="ctr"/>
+                      <a:r>
+                        <a:rPr lang="en-US" altLang="ko-KR" sz="1100" b="0" i="0" u="none" strike="noStrike" dirty="0">
+                          <a:solidFill>
+                            <a:schemeClr val="tx1"/>
+                          </a:solidFill>
+                          <a:effectLst/>
+                          <a:latin typeface="맑은 고딕" panose="020B0503020000020004" pitchFamily="50" charset="-127"/>
+                          <a:ea typeface="맑은 고딕" panose="020B0503020000020004" pitchFamily="50" charset="-127"/>
+                        </a:rPr>
+                        <a:t>49.9</a:t>
+                      </a:r>
+                    </a:p>
+                  </a:txBody>
+                  <a:tcPr marL="7620" marR="7620" marT="7620" marB="0" anchor="ctr"/>
+                </a:tc>
+                <a:tc>
+                  <a:txBody>
+                    <a:bodyPr/>
+                    <a:lstStyle/>
+                    <a:p>
+                      <a:pPr algn="ctr" fontAlgn="ctr"/>
+                      <a:r>
+                        <a:rPr lang="en-US" altLang="ko-KR" sz="1100" b="0" i="0" u="none" strike="noStrike">
+                          <a:solidFill>
+                            <a:schemeClr val="tx1"/>
+                          </a:solidFill>
+                          <a:effectLst/>
+                          <a:latin typeface="맑은 고딕" panose="020B0503020000020004" pitchFamily="50" charset="-127"/>
+                          <a:ea typeface="맑은 고딕" panose="020B0503020000020004" pitchFamily="50" charset="-127"/>
+                        </a:rPr>
+                        <a:t>65.6</a:t>
+                      </a:r>
+                    </a:p>
+                  </a:txBody>
+                  <a:tcPr marL="7620" marR="7620" marT="7620" marB="0" anchor="ctr"/>
+                </a:tc>
+                <a:tc>
+                  <a:txBody>
+                    <a:bodyPr/>
+                    <a:lstStyle/>
+                    <a:p>
+                      <a:pPr algn="ctr" fontAlgn="ctr"/>
+                      <a:r>
+                        <a:rPr lang="en-US" altLang="ko-KR" sz="1100" b="0" i="0" u="none" strike="noStrike">
+                          <a:solidFill>
+                            <a:schemeClr val="tx1"/>
+                          </a:solidFill>
+                          <a:effectLst/>
+                          <a:latin typeface="맑은 고딕" panose="020B0503020000020004" pitchFamily="50" charset="-127"/>
+                          <a:ea typeface="맑은 고딕" panose="020B0503020000020004" pitchFamily="50" charset="-127"/>
+                        </a:rPr>
+                        <a:t>80.6</a:t>
+                      </a:r>
+                    </a:p>
+                  </a:txBody>
+                  <a:tcPr marL="7620" marR="7620" marT="7620" marB="0" anchor="ctr"/>
+                </a:tc>
+                <a:tc>
+                  <a:txBody>
+                    <a:bodyPr/>
+                    <a:lstStyle/>
+                    <a:p>
+                      <a:pPr algn="ctr" fontAlgn="ctr"/>
+                      <a:r>
+                        <a:rPr lang="en-US" altLang="ko-KR" sz="1100" b="0" i="0" u="none" strike="noStrike" dirty="0">
+                          <a:solidFill>
+                            <a:schemeClr val="tx1"/>
+                          </a:solidFill>
+                          <a:effectLst/>
+                          <a:latin typeface="맑은 고딕" panose="020B0503020000020004" pitchFamily="50" charset="-127"/>
+                          <a:ea typeface="맑은 고딕" panose="020B0503020000020004" pitchFamily="50" charset="-127"/>
+                        </a:rPr>
+                        <a:t>50.6</a:t>
+                      </a:r>
+                    </a:p>
+                  </a:txBody>
+                  <a:tcPr marL="7620" marR="7620" marT="7620" marB="0" anchor="ctr"/>
+                </a:tc>
+                <a:tc>
+                  <a:txBody>
+                    <a:bodyPr/>
+                    <a:lstStyle/>
+                    <a:p>
+                      <a:pPr algn="ctr" fontAlgn="ctr"/>
+                      <a:r>
+                        <a:rPr lang="en-US" altLang="ko-KR" sz="1100" b="0" i="0" u="none" strike="noStrike">
+                          <a:solidFill>
+                            <a:schemeClr val="tx1"/>
+                          </a:solidFill>
+                          <a:effectLst/>
+                          <a:latin typeface="맑은 고딕" panose="020B0503020000020004" pitchFamily="50" charset="-127"/>
+                          <a:ea typeface="맑은 고딕" panose="020B0503020000020004" pitchFamily="50" charset="-127"/>
+                        </a:rPr>
+                        <a:t>64.4</a:t>
+                      </a:r>
+                    </a:p>
+                  </a:txBody>
+                  <a:tcPr marL="7620" marR="7620" marT="7620" marB="0" anchor="ctr"/>
+                </a:tc>
+                <a:tc>
+                  <a:txBody>
+                    <a:bodyPr/>
+                    <a:lstStyle/>
+                    <a:p>
+                      <a:pPr algn="ctr" fontAlgn="ctr"/>
+                      <a:r>
+                        <a:rPr lang="en-US" altLang="ko-KR" sz="1100" b="0" i="0" u="none" strike="noStrike">
+                          <a:solidFill>
+                            <a:schemeClr val="tx1"/>
+                          </a:solidFill>
+                          <a:effectLst/>
+                          <a:latin typeface="맑은 고딕" panose="020B0503020000020004" pitchFamily="50" charset="-127"/>
+                          <a:ea typeface="맑은 고딕" panose="020B0503020000020004" pitchFamily="50" charset="-127"/>
+                        </a:rPr>
+                        <a:t>78.8</a:t>
+                      </a:r>
+                    </a:p>
+                  </a:txBody>
+                  <a:tcPr marL="7620" marR="7620" marT="7620" marB="0" anchor="ctr"/>
+                </a:tc>
+                <a:tc>
+                  <a:txBody>
+                    <a:bodyPr/>
+                    <a:lstStyle/>
+                    <a:p>
+                      <a:pPr algn="ctr" fontAlgn="ctr"/>
+                      <a:r>
+                        <a:rPr lang="en-US" altLang="ko-KR" sz="1100" b="0" i="0" u="none" strike="noStrike" dirty="0">
+                          <a:solidFill>
+                            <a:schemeClr val="tx1"/>
+                          </a:solidFill>
+                          <a:effectLst/>
+                          <a:latin typeface="맑은 고딕" panose="020B0503020000020004" pitchFamily="50" charset="-127"/>
+                          <a:ea typeface="맑은 고딕" panose="020B0503020000020004" pitchFamily="50" charset="-127"/>
+                        </a:rPr>
+                        <a:t>50.0</a:t>
+                      </a:r>
+                    </a:p>
+                  </a:txBody>
+                  <a:tcPr marL="7620" marR="7620" marT="7620" marB="0" anchor="ctr"/>
+                </a:tc>
+                <a:extLst>
+                  <a:ext uri="{0D108BD9-81ED-4DB2-BD59-A6C34878D82A}">
+                    <a16:rowId xmlns:a16="http://schemas.microsoft.com/office/drawing/2014/main" val="3820500537"/>
+                  </a:ext>
+                </a:extLst>
+              </a:tr>
+            </a:tbl>
+          </a:graphicData>
+        </a:graphic>
+      </p:graphicFrame>
+    </p:spTree>
+    <p:extLst>
+      <p:ext uri="{BB962C8B-B14F-4D97-AF65-F5344CB8AC3E}">
+        <p14:creationId xmlns:p14="http://schemas.microsoft.com/office/powerpoint/2010/main" val="3939004410"/>
+      </p:ext>
+    </p:extLst>
+  </p:cSld>
+  <p:clrMapOvr>
+    <a:masterClrMapping/>
+  </p:clrMapOvr>
+</p:sld>
+</file>
+
+<file path=ppt/slides/slide15.xml><?xml version="1.0" encoding="utf-8"?>
 <p:sld xmlns:a="http://schemas.openxmlformats.org/drawingml/2006/main" xmlns:r="http://schemas.openxmlformats.org/officeDocument/2006/relationships" xmlns:p="http://schemas.openxmlformats.org/presentationml/2006/main">
   <p:cSld>
     <p:spTree>
@@ -6167,39 +9702,500 @@
             </a:r>
             <a:endParaRPr lang="en-US" altLang="ko-KR" dirty="0"/>
           </a:p>
-          <a:p>
+        </p:txBody>
+      </p:sp>
+      <p:sp>
+        <p:nvSpPr>
+          <p:cNvPr id="4" name="직사각형 3">
+            <a:extLst>
+              <a:ext uri="{FF2B5EF4-FFF2-40B4-BE49-F238E27FC236}">
+                <a16:creationId xmlns:a16="http://schemas.microsoft.com/office/drawing/2014/main" id="{3F933F21-3BDF-6CAB-8945-5A0E04A0DBC8}"/>
+              </a:ext>
+            </a:extLst>
+          </p:cNvPr>
+          <p:cNvSpPr/>
+          <p:nvPr/>
+        </p:nvSpPr>
+        <p:spPr>
+          <a:xfrm>
+            <a:off x="909222" y="6120015"/>
+            <a:ext cx="2038165" cy="319596"/>
+          </a:xfrm>
+          <a:prstGeom prst="rect">
+            <a:avLst/>
+          </a:prstGeom>
+          <a:noFill/>
+          <a:ln>
+            <a:noFill/>
+          </a:ln>
+        </p:spPr>
+        <p:style>
+          <a:lnRef idx="2">
+            <a:schemeClr val="accent1">
+              <a:shade val="15000"/>
+            </a:schemeClr>
+          </a:lnRef>
+          <a:fillRef idx="1">
+            <a:schemeClr val="accent1"/>
+          </a:fillRef>
+          <a:effectRef idx="0">
+            <a:schemeClr val="accent1"/>
+          </a:effectRef>
+          <a:fontRef idx="minor">
+            <a:schemeClr val="lt1"/>
+          </a:fontRef>
+        </p:style>
+        <p:txBody>
+          <a:bodyPr rtlCol="0" anchor="ctr"/>
+          <a:lstStyle/>
+          <a:p>
+            <a:pPr algn="ctr"/>
+            <a:r>
+              <a:rPr lang="en-US" altLang="ko-KR" dirty="0">
+                <a:solidFill>
+                  <a:schemeClr val="tx1"/>
+                </a:solidFill>
+              </a:rPr>
+              <a:t>[</a:t>
+            </a:r>
+            <a:r>
+              <a:rPr lang="ko-KR" altLang="en-US" dirty="0">
+                <a:solidFill>
+                  <a:schemeClr val="tx1"/>
+                </a:solidFill>
+              </a:rPr>
+              <a:t>대충 특정부분 성능 </a:t>
+            </a:r>
+            <a:r>
+              <a:rPr lang="ko-KR" altLang="en-US" dirty="0" err="1">
+                <a:solidFill>
+                  <a:schemeClr val="tx1"/>
+                </a:solidFill>
+              </a:rPr>
+              <a:t>안좋은</a:t>
+            </a:r>
+            <a:r>
+              <a:rPr lang="ko-KR" altLang="en-US" dirty="0">
+                <a:solidFill>
+                  <a:schemeClr val="tx1"/>
+                </a:solidFill>
+              </a:rPr>
+              <a:t> 그래프</a:t>
+            </a:r>
+            <a:r>
+              <a:rPr lang="en-US" altLang="ko-KR" dirty="0">
+                <a:solidFill>
+                  <a:schemeClr val="tx1"/>
+                </a:solidFill>
+              </a:rPr>
+              <a:t>]</a:t>
+            </a:r>
+            <a:endParaRPr lang="ko-KR" altLang="en-US" dirty="0">
+              <a:solidFill>
+                <a:schemeClr val="tx1"/>
+              </a:solidFill>
+            </a:endParaRPr>
+          </a:p>
+        </p:txBody>
+      </p:sp>
+      <p:sp>
+        <p:nvSpPr>
+          <p:cNvPr id="5" name="직사각형 4">
+            <a:extLst>
+              <a:ext uri="{FF2B5EF4-FFF2-40B4-BE49-F238E27FC236}">
+                <a16:creationId xmlns:a16="http://schemas.microsoft.com/office/drawing/2014/main" id="{6E856E4C-2AA2-63B7-0647-13CE922B803C}"/>
+              </a:ext>
+            </a:extLst>
+          </p:cNvPr>
+          <p:cNvSpPr/>
+          <p:nvPr/>
+        </p:nvSpPr>
+        <p:spPr>
+          <a:xfrm>
+            <a:off x="6516939" y="6315176"/>
+            <a:ext cx="2038165" cy="319596"/>
+          </a:xfrm>
+          <a:prstGeom prst="rect">
+            <a:avLst/>
+          </a:prstGeom>
+          <a:noFill/>
+          <a:ln>
+            <a:noFill/>
+          </a:ln>
+        </p:spPr>
+        <p:style>
+          <a:lnRef idx="2">
+            <a:schemeClr val="accent1">
+              <a:shade val="15000"/>
+            </a:schemeClr>
+          </a:lnRef>
+          <a:fillRef idx="1">
+            <a:schemeClr val="accent1"/>
+          </a:fillRef>
+          <a:effectRef idx="0">
+            <a:schemeClr val="accent1"/>
+          </a:effectRef>
+          <a:fontRef idx="minor">
+            <a:schemeClr val="lt1"/>
+          </a:fontRef>
+        </p:style>
+        <p:txBody>
+          <a:bodyPr rtlCol="0" anchor="ctr"/>
+          <a:lstStyle/>
+          <a:p>
+            <a:pPr algn="ctr"/>
+            <a:r>
+              <a:rPr lang="en-US" altLang="ko-KR" dirty="0">
+                <a:solidFill>
+                  <a:schemeClr val="tx1"/>
+                </a:solidFill>
+              </a:rPr>
+              <a:t>[</a:t>
+            </a:r>
+            <a:r>
+              <a:rPr lang="ko-KR" altLang="en-US" dirty="0">
+                <a:solidFill>
+                  <a:schemeClr val="tx1"/>
+                </a:solidFill>
+              </a:rPr>
+              <a:t>착용 사진 예시</a:t>
+            </a:r>
+            <a:r>
+              <a:rPr lang="en-US" altLang="ko-KR" dirty="0">
+                <a:solidFill>
+                  <a:schemeClr val="tx1"/>
+                </a:solidFill>
+              </a:rPr>
+              <a:t>]</a:t>
+            </a:r>
+            <a:endParaRPr lang="ko-KR" altLang="en-US" dirty="0">
+              <a:solidFill>
+                <a:schemeClr val="tx1"/>
+              </a:solidFill>
+            </a:endParaRPr>
+          </a:p>
+        </p:txBody>
+      </p:sp>
+      <p:sp>
+        <p:nvSpPr>
+          <p:cNvPr id="6" name="직사각형 5">
+            <a:extLst>
+              <a:ext uri="{FF2B5EF4-FFF2-40B4-BE49-F238E27FC236}">
+                <a16:creationId xmlns:a16="http://schemas.microsoft.com/office/drawing/2014/main" id="{D36E485A-52C6-A9FD-4A5D-7D0698B2132C}"/>
+              </a:ext>
+            </a:extLst>
+          </p:cNvPr>
+          <p:cNvSpPr/>
+          <p:nvPr/>
+        </p:nvSpPr>
+        <p:spPr>
+          <a:xfrm>
+            <a:off x="9618909" y="6324194"/>
+            <a:ext cx="2038165" cy="319596"/>
+          </a:xfrm>
+          <a:prstGeom prst="rect">
+            <a:avLst/>
+          </a:prstGeom>
+          <a:noFill/>
+          <a:ln>
+            <a:noFill/>
+          </a:ln>
+        </p:spPr>
+        <p:style>
+          <a:lnRef idx="2">
+            <a:schemeClr val="accent1">
+              <a:shade val="15000"/>
+            </a:schemeClr>
+          </a:lnRef>
+          <a:fillRef idx="1">
+            <a:schemeClr val="accent1"/>
+          </a:fillRef>
+          <a:effectRef idx="0">
+            <a:schemeClr val="accent1"/>
+          </a:effectRef>
+          <a:fontRef idx="minor">
+            <a:schemeClr val="lt1"/>
+          </a:fontRef>
+        </p:style>
+        <p:txBody>
+          <a:bodyPr rtlCol="0" anchor="ctr"/>
+          <a:lstStyle/>
+          <a:p>
+            <a:pPr algn="ctr"/>
+            <a:r>
+              <a:rPr lang="en-US" altLang="ko-KR" dirty="0">
+                <a:solidFill>
+                  <a:schemeClr val="tx1"/>
+                </a:solidFill>
+              </a:rPr>
+              <a:t>[</a:t>
+            </a:r>
+            <a:r>
+              <a:rPr lang="ko-KR" altLang="en-US" dirty="0">
+                <a:solidFill>
+                  <a:schemeClr val="tx1"/>
+                </a:solidFill>
+              </a:rPr>
+              <a:t>제품 사진 예시</a:t>
+            </a:r>
+            <a:r>
+              <a:rPr lang="en-US" altLang="ko-KR" dirty="0">
+                <a:solidFill>
+                  <a:schemeClr val="tx1"/>
+                </a:solidFill>
+              </a:rPr>
+              <a:t>]</a:t>
+            </a:r>
+            <a:endParaRPr lang="ko-KR" altLang="en-US" dirty="0">
+              <a:solidFill>
+                <a:schemeClr val="tx1"/>
+              </a:solidFill>
+            </a:endParaRPr>
+          </a:p>
+        </p:txBody>
+      </p:sp>
+      <p:pic>
+        <p:nvPicPr>
+          <p:cNvPr id="8" name="그림 7">
+            <a:extLst>
+              <a:ext uri="{FF2B5EF4-FFF2-40B4-BE49-F238E27FC236}">
+                <a16:creationId xmlns:a16="http://schemas.microsoft.com/office/drawing/2014/main" id="{C2D7FC58-0551-B3FC-3F58-724F2235F7C3}"/>
+              </a:ext>
+            </a:extLst>
+          </p:cNvPr>
+          <p:cNvPicPr>
+            <a:picLocks noChangeAspect="1"/>
+          </p:cNvPicPr>
+          <p:nvPr/>
+        </p:nvPicPr>
+        <p:blipFill>
+          <a:blip r:embed="rId2">
+            <a:extLst>
+              <a:ext uri="{28A0092B-C50C-407E-A947-70E740481C1C}">
+                <a14:useLocalDpi xmlns:a14="http://schemas.microsoft.com/office/drawing/2010/main" val="0"/>
+              </a:ext>
+            </a:extLst>
+          </a:blip>
+          <a:stretch>
+            <a:fillRect/>
+          </a:stretch>
+        </p:blipFill>
+        <p:spPr>
+          <a:xfrm>
+            <a:off x="6516939" y="3366070"/>
+            <a:ext cx="2400000" cy="2880000"/>
+          </a:xfrm>
+          <a:prstGeom prst="rect">
+            <a:avLst/>
+          </a:prstGeom>
+        </p:spPr>
+      </p:pic>
+      <p:pic>
+        <p:nvPicPr>
+          <p:cNvPr id="10" name="그림 9">
+            <a:extLst>
+              <a:ext uri="{FF2B5EF4-FFF2-40B4-BE49-F238E27FC236}">
+                <a16:creationId xmlns:a16="http://schemas.microsoft.com/office/drawing/2014/main" id="{C4E7D970-27A2-31C5-44A2-3E7F801B80FA}"/>
+              </a:ext>
+            </a:extLst>
+          </p:cNvPr>
+          <p:cNvPicPr>
+            <a:picLocks noChangeAspect="1"/>
+          </p:cNvPicPr>
+          <p:nvPr/>
+        </p:nvPicPr>
+        <p:blipFill>
+          <a:blip r:embed="rId3">
+            <a:extLst>
+              <a:ext uri="{28A0092B-C50C-407E-A947-70E740481C1C}">
+                <a14:useLocalDpi xmlns:a14="http://schemas.microsoft.com/office/drawing/2010/main" val="0"/>
+              </a:ext>
+            </a:extLst>
+          </a:blip>
+          <a:stretch>
+            <a:fillRect/>
+          </a:stretch>
+        </p:blipFill>
+        <p:spPr>
+          <a:xfrm>
+            <a:off x="9257074" y="3370527"/>
+            <a:ext cx="2400000" cy="2880000"/>
+          </a:xfrm>
+          <a:prstGeom prst="rect">
+            <a:avLst/>
+          </a:prstGeom>
+        </p:spPr>
+      </p:pic>
+    </p:spTree>
+    <p:extLst>
+      <p:ext uri="{BB962C8B-B14F-4D97-AF65-F5344CB8AC3E}">
+        <p14:creationId xmlns:p14="http://schemas.microsoft.com/office/powerpoint/2010/main" val="3733746935"/>
+      </p:ext>
+    </p:extLst>
+  </p:cSld>
+  <p:clrMapOvr>
+    <a:masterClrMapping/>
+  </p:clrMapOvr>
+</p:sld>
+</file>
+
+<file path=ppt/slides/slide16.xml><?xml version="1.0" encoding="utf-8"?>
+<p:sld xmlns:a="http://schemas.openxmlformats.org/drawingml/2006/main" xmlns:r="http://schemas.openxmlformats.org/officeDocument/2006/relationships" xmlns:p="http://schemas.openxmlformats.org/presentationml/2006/main">
+  <p:cSld>
+    <p:spTree>
+      <p:nvGrpSpPr>
+        <p:cNvPr id="1" name=""/>
+        <p:cNvGrpSpPr/>
+        <p:nvPr/>
+      </p:nvGrpSpPr>
+      <p:grpSpPr>
+        <a:xfrm>
+          <a:off x="0" y="0"/>
+          <a:ext cx="0" cy="0"/>
+          <a:chOff x="0" y="0"/>
+          <a:chExt cx="0" cy="0"/>
+        </a:xfrm>
+      </p:grpSpPr>
+      <p:sp>
+        <p:nvSpPr>
+          <p:cNvPr id="2" name="제목 1">
+            <a:extLst>
+              <a:ext uri="{FF2B5EF4-FFF2-40B4-BE49-F238E27FC236}">
+                <a16:creationId xmlns:a16="http://schemas.microsoft.com/office/drawing/2014/main" id="{3AC59D96-2DCC-A6F4-32DD-B48B360A6692}"/>
+              </a:ext>
+            </a:extLst>
+          </p:cNvPr>
+          <p:cNvSpPr>
+            <a:spLocks noGrp="1"/>
+          </p:cNvSpPr>
+          <p:nvPr>
+            <p:ph type="title"/>
+          </p:nvPr>
+        </p:nvSpPr>
+        <p:spPr/>
+        <p:txBody>
+          <a:bodyPr/>
+          <a:lstStyle/>
+          <a:p>
+            <a:r>
+              <a:rPr lang="ko-KR" altLang="en-US" dirty="0"/>
+              <a:t>추가 데이터셋 가공 과정</a:t>
+            </a:r>
+          </a:p>
+        </p:txBody>
+      </p:sp>
+      <p:sp>
+        <p:nvSpPr>
+          <p:cNvPr id="3" name="내용 개체 틀 2">
+            <a:extLst>
+              <a:ext uri="{FF2B5EF4-FFF2-40B4-BE49-F238E27FC236}">
+                <a16:creationId xmlns:a16="http://schemas.microsoft.com/office/drawing/2014/main" id="{413853E4-9393-2EAD-6190-7D01FBF3BACD}"/>
+              </a:ext>
+            </a:extLst>
+          </p:cNvPr>
+          <p:cNvSpPr>
+            <a:spLocks noGrp="1"/>
+          </p:cNvSpPr>
+          <p:nvPr>
+            <p:ph idx="1"/>
+          </p:nvPr>
+        </p:nvSpPr>
+        <p:spPr/>
+        <p:txBody>
+          <a:bodyPr/>
+          <a:lstStyle/>
+          <a:p>
+            <a:r>
+              <a:rPr lang="ko-KR" altLang="en-US" dirty="0" err="1"/>
+              <a:t>무신사</a:t>
+            </a:r>
+            <a:r>
+              <a:rPr lang="ko-KR" altLang="en-US" dirty="0"/>
+              <a:t> </a:t>
+            </a:r>
+            <a:r>
+              <a:rPr lang="ko-KR" altLang="en-US" dirty="0" err="1"/>
+              <a:t>크롤링</a:t>
+            </a:r>
+            <a:r>
+              <a:rPr lang="ko-KR" altLang="en-US" dirty="0"/>
+              <a:t> 데이터에는 제품 사진과 착용 사진이 섞여 있음</a:t>
+            </a:r>
+            <a:endParaRPr lang="en-US" altLang="ko-KR" dirty="0"/>
+          </a:p>
+          <a:p>
+            <a:r>
+              <a:rPr lang="ko-KR" altLang="en-US" dirty="0" err="1"/>
+              <a:t>무신사</a:t>
+            </a:r>
+            <a:r>
+              <a:rPr lang="ko-KR" altLang="en-US" dirty="0"/>
+              <a:t> </a:t>
+            </a:r>
+            <a:r>
+              <a:rPr lang="ko-KR" altLang="en-US" dirty="0" err="1"/>
+              <a:t>크롤링</a:t>
+            </a:r>
+            <a:r>
+              <a:rPr lang="ko-KR" altLang="en-US" dirty="0"/>
+              <a:t> </a:t>
+            </a:r>
+            <a:r>
+              <a:rPr lang="ko-KR" altLang="en-US" dirty="0" err="1"/>
+              <a:t>데이터중</a:t>
+            </a:r>
+            <a:r>
+              <a:rPr lang="ko-KR" altLang="en-US" dirty="0"/>
+              <a:t> </a:t>
+            </a:r>
             <a:r>
               <a:rPr lang="en-US" altLang="ko-KR" dirty="0"/>
-              <a:t>Model4 : </a:t>
+              <a:t>yolov5 </a:t>
             </a:r>
             <a:r>
               <a:rPr lang="ko-KR" altLang="en-US" dirty="0"/>
-              <a:t>기존의 착용 사진 </a:t>
+              <a:t>기본 모델을 사용해 </a:t>
             </a:r>
             <a:r>
               <a:rPr lang="en-US" altLang="ko-KR" dirty="0"/>
-              <a:t>4</a:t>
+              <a:t>person</a:t>
             </a:r>
             <a:r>
               <a:rPr lang="ko-KR" altLang="en-US" dirty="0"/>
-              <a:t>만장 </a:t>
+              <a:t>이 검출되지 않은 사진만 </a:t>
+            </a:r>
+            <a:r>
+              <a:rPr lang="ko-KR" altLang="en-US" dirty="0" err="1"/>
+              <a:t>골라냄</a:t>
+            </a:r>
+            <a:endParaRPr lang="en-US" altLang="ko-KR" dirty="0"/>
+          </a:p>
+          <a:p>
+            <a:r>
+              <a:rPr lang="ko-KR" altLang="en-US" dirty="0"/>
+              <a:t>골라낸 데이터에서 </a:t>
+            </a:r>
+            <a:r>
+              <a:rPr lang="en-US" altLang="ko-KR" dirty="0" err="1"/>
+              <a:t>opencv</a:t>
+            </a:r>
+            <a:r>
+              <a:rPr lang="ko-KR" altLang="en-US" dirty="0"/>
+              <a:t>를 활용해 </a:t>
+            </a:r>
+            <a:r>
+              <a:rPr lang="en-US" altLang="ko-KR" dirty="0" err="1"/>
+              <a:t>bbox</a:t>
             </a:r>
             <a:r>
               <a:rPr lang="en-US" altLang="ko-KR" dirty="0"/>
-              <a:t>+ </a:t>
-            </a:r>
-            <a:r>
-              <a:rPr lang="ko-KR" altLang="en-US" dirty="0"/>
-              <a:t>제품 사진 </a:t>
-            </a:r>
-            <a:r>
-              <a:rPr lang="en-US" altLang="ko-KR" dirty="0"/>
-              <a:t>5</a:t>
-            </a:r>
-            <a:r>
-              <a:rPr lang="ko-KR" altLang="en-US" dirty="0"/>
-              <a:t>천장</a:t>
-            </a:r>
+              <a:t> </a:t>
+            </a:r>
+            <a:r>
+              <a:rPr lang="ko-KR" altLang="en-US" dirty="0" err="1"/>
+              <a:t>라벨링</a:t>
+            </a:r>
+            <a:endParaRPr lang="en-US" altLang="ko-KR" dirty="0"/>
           </a:p>
         </p:txBody>
       </p:sp>
@@ -6216,7 +10212,7 @@
 </p:sld>
 </file>
 
-<file path=ppt/slides/slide14.xml><?xml version="1.0" encoding="utf-8"?>
+<file path=ppt/slides/slide17.xml><?xml version="1.0" encoding="utf-8"?>
 <p:sld xmlns:a="http://schemas.openxmlformats.org/drawingml/2006/main" xmlns:r="http://schemas.openxmlformats.org/officeDocument/2006/relationships" xmlns:p="http://schemas.openxmlformats.org/presentationml/2006/main">
   <p:cSld>
     <p:spTree>
@@ -6276,7 +10272,7 @@
           <p:nvPr>
             <p:extLst>
               <p:ext uri="{D42A27DB-BD31-4B8C-83A1-F6EECF244321}">
-                <p14:modId xmlns:p14="http://schemas.microsoft.com/office/powerpoint/2010/main" val="2399280900"/>
+                <p14:modId xmlns:p14="http://schemas.microsoft.com/office/powerpoint/2010/main" val="1459008993"/>
               </p:ext>
             </p:extLst>
           </p:nvPr>
@@ -6405,7 +10401,17 @@
                       <a:endParaRPr lang="ko-KR" altLang="en-US" dirty="0"/>
                     </a:p>
                   </a:txBody>
-                  <a:tcPr anchor="ctr"/>
+                  <a:tcPr anchor="ctr">
+                    <a:lnB w="12700" cap="flat" cmpd="sng" algn="ctr">
+                      <a:solidFill>
+                        <a:schemeClr val="tx1"/>
+                      </a:solidFill>
+                      <a:prstDash val="solid"/>
+                      <a:round/>
+                      <a:headEnd type="none" w="med" len="med"/>
+                      <a:tailEnd type="none" w="med" len="med"/>
+                    </a:lnB>
+                  </a:tcPr>
                 </a:tc>
                 <a:extLst>
                   <a:ext uri="{0D108BD9-81ED-4DB2-BD59-A6C34878D82A}">
@@ -6469,16 +10475,26 @@
                       </a:r>
                     </a:p>
                   </a:txBody>
-                  <a:tcPr marL="7620" marR="7620" marT="7620" marB="0" anchor="ctr"/>
-                </a:tc>
-                <a:tc>
-                  <a:txBody>
-                    <a:bodyPr/>
-                    <a:lstStyle/>
-                    <a:p>
-                      <a:pPr algn="ctr" fontAlgn="ctr"/>
-                      <a:r>
-                        <a:rPr lang="en-US" altLang="ko-KR" sz="1100" b="0" i="0" u="none" strike="noStrike">
+                  <a:tcPr marL="7620" marR="7620" marT="7620" marB="0" anchor="ctr">
+                    <a:lnR w="12700" cap="flat" cmpd="sng" algn="ctr">
+                      <a:solidFill>
+                        <a:schemeClr val="tx1"/>
+                      </a:solidFill>
+                      <a:prstDash val="solid"/>
+                      <a:round/>
+                      <a:headEnd type="none" w="med" len="med"/>
+                      <a:tailEnd type="none" w="med" len="med"/>
+                    </a:lnR>
+                  </a:tcPr>
+                </a:tc>
+                <a:tc>
+                  <a:txBody>
+                    <a:bodyPr/>
+                    <a:lstStyle/>
+                    <a:p>
+                      <a:pPr algn="ctr" fontAlgn="ctr"/>
+                      <a:r>
+                        <a:rPr lang="en-US" altLang="ko-KR" sz="1100" b="0" i="0" u="none" strike="noStrike" dirty="0">
                           <a:solidFill>
                             <a:srgbClr val="000000"/>
                           </a:solidFill>
@@ -6490,7 +10506,50 @@
                       </a:r>
                     </a:p>
                   </a:txBody>
-                  <a:tcPr marL="7620" marR="7620" marT="7620" marB="0" anchor="ctr"/>
+                  <a:tcPr marL="7620" marR="7620" marT="7620" marB="0" anchor="ctr">
+                    <a:lnL w="12700" cap="flat" cmpd="sng" algn="ctr">
+                      <a:solidFill>
+                        <a:schemeClr val="tx1"/>
+                      </a:solidFill>
+                      <a:prstDash val="solid"/>
+                      <a:round/>
+                      <a:headEnd type="none" w="med" len="med"/>
+                      <a:tailEnd type="none" w="med" len="med"/>
+                    </a:lnL>
+                    <a:lnR w="12700" cap="flat" cmpd="sng" algn="ctr">
+                      <a:solidFill>
+                        <a:schemeClr val="tx1"/>
+                      </a:solidFill>
+                      <a:prstDash val="solid"/>
+                      <a:round/>
+                      <a:headEnd type="none" w="med" len="med"/>
+                      <a:tailEnd type="none" w="med" len="med"/>
+                    </a:lnR>
+                    <a:lnT w="12700" cap="flat" cmpd="sng" algn="ctr">
+                      <a:solidFill>
+                        <a:schemeClr val="tx1"/>
+                      </a:solidFill>
+                      <a:prstDash val="solid"/>
+                      <a:round/>
+                      <a:headEnd type="none" w="med" len="med"/>
+                      <a:tailEnd type="none" w="med" len="med"/>
+                    </a:lnT>
+                    <a:lnB w="12700" cap="flat" cmpd="sng" algn="ctr">
+                      <a:solidFill>
+                        <a:schemeClr val="tx1"/>
+                      </a:solidFill>
+                      <a:prstDash val="solid"/>
+                      <a:round/>
+                      <a:headEnd type="none" w="med" len="med"/>
+                      <a:tailEnd type="none" w="med" len="med"/>
+                    </a:lnB>
+                    <a:solidFill>
+                      <a:schemeClr val="accent4">
+                        <a:lumMod val="60000"/>
+                        <a:lumOff val="40000"/>
+                      </a:schemeClr>
+                    </a:solidFill>
+                  </a:tcPr>
                 </a:tc>
                 <a:extLst>
                   <a:ext uri="{0D108BD9-81ED-4DB2-BD59-A6C34878D82A}">
@@ -6554,7 +10613,17 @@
                       </a:r>
                     </a:p>
                   </a:txBody>
-                  <a:tcPr marL="7620" marR="7620" marT="7620" marB="0" anchor="ctr"/>
+                  <a:tcPr marL="7620" marR="7620" marT="7620" marB="0" anchor="ctr">
+                    <a:lnR w="12700" cap="flat" cmpd="sng" algn="ctr">
+                      <a:solidFill>
+                        <a:schemeClr val="tx1"/>
+                      </a:solidFill>
+                      <a:prstDash val="solid"/>
+                      <a:round/>
+                      <a:headEnd type="none" w="med" len="med"/>
+                      <a:tailEnd type="none" w="med" len="med"/>
+                    </a:lnR>
+                  </a:tcPr>
                 </a:tc>
                 <a:tc>
                   <a:txBody>
@@ -6575,7 +10644,50 @@
                       </a:r>
                     </a:p>
                   </a:txBody>
-                  <a:tcPr marL="7620" marR="7620" marT="7620" marB="0" anchor="ctr"/>
+                  <a:tcPr marL="7620" marR="7620" marT="7620" marB="0" anchor="ctr">
+                    <a:lnL w="12700" cap="flat" cmpd="sng" algn="ctr">
+                      <a:solidFill>
+                        <a:schemeClr val="tx1"/>
+                      </a:solidFill>
+                      <a:prstDash val="solid"/>
+                      <a:round/>
+                      <a:headEnd type="none" w="med" len="med"/>
+                      <a:tailEnd type="none" w="med" len="med"/>
+                    </a:lnL>
+                    <a:lnR w="12700" cap="flat" cmpd="sng" algn="ctr">
+                      <a:solidFill>
+                        <a:schemeClr val="tx1"/>
+                      </a:solidFill>
+                      <a:prstDash val="solid"/>
+                      <a:round/>
+                      <a:headEnd type="none" w="med" len="med"/>
+                      <a:tailEnd type="none" w="med" len="med"/>
+                    </a:lnR>
+                    <a:lnT w="12700" cap="flat" cmpd="sng" algn="ctr">
+                      <a:solidFill>
+                        <a:schemeClr val="tx1"/>
+                      </a:solidFill>
+                      <a:prstDash val="solid"/>
+                      <a:round/>
+                      <a:headEnd type="none" w="med" len="med"/>
+                      <a:tailEnd type="none" w="med" len="med"/>
+                    </a:lnT>
+                    <a:lnB w="12700" cap="flat" cmpd="sng" algn="ctr">
+                      <a:solidFill>
+                        <a:schemeClr val="tx1"/>
+                      </a:solidFill>
+                      <a:prstDash val="solid"/>
+                      <a:round/>
+                      <a:headEnd type="none" w="med" len="med"/>
+                      <a:tailEnd type="none" w="med" len="med"/>
+                    </a:lnB>
+                    <a:solidFill>
+                      <a:schemeClr val="accent4">
+                        <a:lumMod val="60000"/>
+                        <a:lumOff val="40000"/>
+                      </a:schemeClr>
+                    </a:solidFill>
+                  </a:tcPr>
                 </a:tc>
                 <a:extLst>
                   <a:ext uri="{0D108BD9-81ED-4DB2-BD59-A6C34878D82A}">
@@ -6639,7 +10751,17 @@
                       </a:r>
                     </a:p>
                   </a:txBody>
-                  <a:tcPr marL="7620" marR="7620" marT="7620" marB="0" anchor="ctr"/>
+                  <a:tcPr marL="7620" marR="7620" marT="7620" marB="0" anchor="ctr">
+                    <a:lnR w="12700" cap="flat" cmpd="sng" algn="ctr">
+                      <a:solidFill>
+                        <a:schemeClr val="tx1"/>
+                      </a:solidFill>
+                      <a:prstDash val="solid"/>
+                      <a:round/>
+                      <a:headEnd type="none" w="med" len="med"/>
+                      <a:tailEnd type="none" w="med" len="med"/>
+                    </a:lnR>
+                  </a:tcPr>
                 </a:tc>
                 <a:tc>
                   <a:txBody>
@@ -6660,7 +10782,50 @@
                       </a:r>
                     </a:p>
                   </a:txBody>
-                  <a:tcPr marL="7620" marR="7620" marT="7620" marB="0" anchor="ctr"/>
+                  <a:tcPr marL="7620" marR="7620" marT="7620" marB="0" anchor="ctr">
+                    <a:lnL w="12700" cap="flat" cmpd="sng" algn="ctr">
+                      <a:solidFill>
+                        <a:schemeClr val="tx1"/>
+                      </a:solidFill>
+                      <a:prstDash val="solid"/>
+                      <a:round/>
+                      <a:headEnd type="none" w="med" len="med"/>
+                      <a:tailEnd type="none" w="med" len="med"/>
+                    </a:lnL>
+                    <a:lnR w="12700" cap="flat" cmpd="sng" algn="ctr">
+                      <a:solidFill>
+                        <a:schemeClr val="tx1"/>
+                      </a:solidFill>
+                      <a:prstDash val="solid"/>
+                      <a:round/>
+                      <a:headEnd type="none" w="med" len="med"/>
+                      <a:tailEnd type="none" w="med" len="med"/>
+                    </a:lnR>
+                    <a:lnT w="12700" cap="flat" cmpd="sng" algn="ctr">
+                      <a:solidFill>
+                        <a:schemeClr val="tx1"/>
+                      </a:solidFill>
+                      <a:prstDash val="solid"/>
+                      <a:round/>
+                      <a:headEnd type="none" w="med" len="med"/>
+                      <a:tailEnd type="none" w="med" len="med"/>
+                    </a:lnT>
+                    <a:lnB w="12700" cap="flat" cmpd="sng" algn="ctr">
+                      <a:solidFill>
+                        <a:schemeClr val="tx1"/>
+                      </a:solidFill>
+                      <a:prstDash val="solid"/>
+                      <a:round/>
+                      <a:headEnd type="none" w="med" len="med"/>
+                      <a:tailEnd type="none" w="med" len="med"/>
+                    </a:lnB>
+                    <a:solidFill>
+                      <a:schemeClr val="accent4">
+                        <a:lumMod val="60000"/>
+                        <a:lumOff val="40000"/>
+                      </a:schemeClr>
+                    </a:solidFill>
+                  </a:tcPr>
                 </a:tc>
                 <a:extLst>
                   <a:ext uri="{0D108BD9-81ED-4DB2-BD59-A6C34878D82A}">
@@ -6724,7 +10889,17 @@
                       </a:r>
                     </a:p>
                   </a:txBody>
-                  <a:tcPr marL="7620" marR="7620" marT="7620" marB="0" anchor="ctr"/>
+                  <a:tcPr marL="7620" marR="7620" marT="7620" marB="0" anchor="ctr">
+                    <a:lnR w="12700" cap="flat" cmpd="sng" algn="ctr">
+                      <a:solidFill>
+                        <a:schemeClr val="tx1"/>
+                      </a:solidFill>
+                      <a:prstDash val="solid"/>
+                      <a:round/>
+                      <a:headEnd type="none" w="med" len="med"/>
+                      <a:tailEnd type="none" w="med" len="med"/>
+                    </a:lnR>
+                  </a:tcPr>
                 </a:tc>
                 <a:tc>
                   <a:txBody>
@@ -6745,7 +10920,50 @@
                       </a:r>
                     </a:p>
                   </a:txBody>
-                  <a:tcPr marL="7620" marR="7620" marT="7620" marB="0" anchor="ctr"/>
+                  <a:tcPr marL="7620" marR="7620" marT="7620" marB="0" anchor="ctr">
+                    <a:lnL w="12700" cap="flat" cmpd="sng" algn="ctr">
+                      <a:solidFill>
+                        <a:schemeClr val="tx1"/>
+                      </a:solidFill>
+                      <a:prstDash val="solid"/>
+                      <a:round/>
+                      <a:headEnd type="none" w="med" len="med"/>
+                      <a:tailEnd type="none" w="med" len="med"/>
+                    </a:lnL>
+                    <a:lnR w="12700" cap="flat" cmpd="sng" algn="ctr">
+                      <a:solidFill>
+                        <a:schemeClr val="tx1"/>
+                      </a:solidFill>
+                      <a:prstDash val="solid"/>
+                      <a:round/>
+                      <a:headEnd type="none" w="med" len="med"/>
+                      <a:tailEnd type="none" w="med" len="med"/>
+                    </a:lnR>
+                    <a:lnT w="12700" cap="flat" cmpd="sng" algn="ctr">
+                      <a:solidFill>
+                        <a:schemeClr val="tx1"/>
+                      </a:solidFill>
+                      <a:prstDash val="solid"/>
+                      <a:round/>
+                      <a:headEnd type="none" w="med" len="med"/>
+                      <a:tailEnd type="none" w="med" len="med"/>
+                    </a:lnT>
+                    <a:lnB w="12700" cap="flat" cmpd="sng" algn="ctr">
+                      <a:solidFill>
+                        <a:schemeClr val="tx1"/>
+                      </a:solidFill>
+                      <a:prstDash val="solid"/>
+                      <a:round/>
+                      <a:headEnd type="none" w="med" len="med"/>
+                      <a:tailEnd type="none" w="med" len="med"/>
+                    </a:lnB>
+                    <a:solidFill>
+                      <a:schemeClr val="accent4">
+                        <a:lumMod val="60000"/>
+                        <a:lumOff val="40000"/>
+                      </a:schemeClr>
+                    </a:solidFill>
+                  </a:tcPr>
                 </a:tc>
                 <a:extLst>
                   <a:ext uri="{0D108BD9-81ED-4DB2-BD59-A6C34878D82A}">
@@ -6809,7 +11027,17 @@
                       </a:r>
                     </a:p>
                   </a:txBody>
-                  <a:tcPr marL="7620" marR="7620" marT="7620" marB="0" anchor="ctr"/>
+                  <a:tcPr marL="7620" marR="7620" marT="7620" marB="0" anchor="ctr">
+                    <a:lnR w="12700" cap="flat" cmpd="sng" algn="ctr">
+                      <a:solidFill>
+                        <a:schemeClr val="tx1"/>
+                      </a:solidFill>
+                      <a:prstDash val="solid"/>
+                      <a:round/>
+                      <a:headEnd type="none" w="med" len="med"/>
+                      <a:tailEnd type="none" w="med" len="med"/>
+                    </a:lnR>
+                  </a:tcPr>
                 </a:tc>
                 <a:tc>
                   <a:txBody>
@@ -6830,7 +11058,50 @@
                       </a:r>
                     </a:p>
                   </a:txBody>
-                  <a:tcPr marL="7620" marR="7620" marT="7620" marB="0" anchor="ctr"/>
+                  <a:tcPr marL="7620" marR="7620" marT="7620" marB="0" anchor="ctr">
+                    <a:lnL w="12700" cap="flat" cmpd="sng" algn="ctr">
+                      <a:solidFill>
+                        <a:schemeClr val="tx1"/>
+                      </a:solidFill>
+                      <a:prstDash val="solid"/>
+                      <a:round/>
+                      <a:headEnd type="none" w="med" len="med"/>
+                      <a:tailEnd type="none" w="med" len="med"/>
+                    </a:lnL>
+                    <a:lnR w="12700" cap="flat" cmpd="sng" algn="ctr">
+                      <a:solidFill>
+                        <a:schemeClr val="tx1"/>
+                      </a:solidFill>
+                      <a:prstDash val="solid"/>
+                      <a:round/>
+                      <a:headEnd type="none" w="med" len="med"/>
+                      <a:tailEnd type="none" w="med" len="med"/>
+                    </a:lnR>
+                    <a:lnT w="12700" cap="flat" cmpd="sng" algn="ctr">
+                      <a:solidFill>
+                        <a:schemeClr val="tx1"/>
+                      </a:solidFill>
+                      <a:prstDash val="solid"/>
+                      <a:round/>
+                      <a:headEnd type="none" w="med" len="med"/>
+                      <a:tailEnd type="none" w="med" len="med"/>
+                    </a:lnT>
+                    <a:lnB w="12700" cap="flat" cmpd="sng" algn="ctr">
+                      <a:solidFill>
+                        <a:schemeClr val="tx1"/>
+                      </a:solidFill>
+                      <a:prstDash val="solid"/>
+                      <a:round/>
+                      <a:headEnd type="none" w="med" len="med"/>
+                      <a:tailEnd type="none" w="med" len="med"/>
+                    </a:lnB>
+                    <a:solidFill>
+                      <a:schemeClr val="accent4">
+                        <a:lumMod val="60000"/>
+                        <a:lumOff val="40000"/>
+                      </a:schemeClr>
+                    </a:solidFill>
+                  </a:tcPr>
                 </a:tc>
                 <a:extLst>
                   <a:ext uri="{0D108BD9-81ED-4DB2-BD59-A6C34878D82A}">
@@ -6894,7 +11165,17 @@
                       </a:r>
                     </a:p>
                   </a:txBody>
-                  <a:tcPr marL="7620" marR="7620" marT="7620" marB="0" anchor="ctr"/>
+                  <a:tcPr marL="7620" marR="7620" marT="7620" marB="0" anchor="ctr">
+                    <a:lnR w="12700" cap="flat" cmpd="sng" algn="ctr">
+                      <a:solidFill>
+                        <a:schemeClr val="tx1"/>
+                      </a:solidFill>
+                      <a:prstDash val="solid"/>
+                      <a:round/>
+                      <a:headEnd type="none" w="med" len="med"/>
+                      <a:tailEnd type="none" w="med" len="med"/>
+                    </a:lnR>
+                  </a:tcPr>
                 </a:tc>
                 <a:tc>
                   <a:txBody>
@@ -6915,7 +11196,50 @@
                       </a:r>
                     </a:p>
                   </a:txBody>
-                  <a:tcPr marL="7620" marR="7620" marT="7620" marB="0" anchor="ctr"/>
+                  <a:tcPr marL="7620" marR="7620" marT="7620" marB="0" anchor="ctr">
+                    <a:lnL w="12700" cap="flat" cmpd="sng" algn="ctr">
+                      <a:solidFill>
+                        <a:schemeClr val="tx1"/>
+                      </a:solidFill>
+                      <a:prstDash val="solid"/>
+                      <a:round/>
+                      <a:headEnd type="none" w="med" len="med"/>
+                      <a:tailEnd type="none" w="med" len="med"/>
+                    </a:lnL>
+                    <a:lnR w="12700" cap="flat" cmpd="sng" algn="ctr">
+                      <a:solidFill>
+                        <a:schemeClr val="tx1"/>
+                      </a:solidFill>
+                      <a:prstDash val="solid"/>
+                      <a:round/>
+                      <a:headEnd type="none" w="med" len="med"/>
+                      <a:tailEnd type="none" w="med" len="med"/>
+                    </a:lnR>
+                    <a:lnT w="12700" cap="flat" cmpd="sng" algn="ctr">
+                      <a:solidFill>
+                        <a:schemeClr val="tx1"/>
+                      </a:solidFill>
+                      <a:prstDash val="solid"/>
+                      <a:round/>
+                      <a:headEnd type="none" w="med" len="med"/>
+                      <a:tailEnd type="none" w="med" len="med"/>
+                    </a:lnT>
+                    <a:lnB w="12700" cap="flat" cmpd="sng" algn="ctr">
+                      <a:solidFill>
+                        <a:schemeClr val="tx1"/>
+                      </a:solidFill>
+                      <a:prstDash val="solid"/>
+                      <a:round/>
+                      <a:headEnd type="none" w="med" len="med"/>
+                      <a:tailEnd type="none" w="med" len="med"/>
+                    </a:lnB>
+                    <a:solidFill>
+                      <a:schemeClr val="accent4">
+                        <a:lumMod val="60000"/>
+                        <a:lumOff val="40000"/>
+                      </a:schemeClr>
+                    </a:solidFill>
+                  </a:tcPr>
                 </a:tc>
                 <a:extLst>
                   <a:ext uri="{0D108BD9-81ED-4DB2-BD59-A6C34878D82A}">
@@ -6979,7 +11303,17 @@
                       </a:r>
                     </a:p>
                   </a:txBody>
-                  <a:tcPr marL="7620" marR="7620" marT="7620" marB="0" anchor="ctr"/>
+                  <a:tcPr marL="7620" marR="7620" marT="7620" marB="0" anchor="ctr">
+                    <a:lnR w="12700" cap="flat" cmpd="sng" algn="ctr">
+                      <a:solidFill>
+                        <a:schemeClr val="tx1"/>
+                      </a:solidFill>
+                      <a:prstDash val="solid"/>
+                      <a:round/>
+                      <a:headEnd type="none" w="med" len="med"/>
+                      <a:tailEnd type="none" w="med" len="med"/>
+                    </a:lnR>
+                  </a:tcPr>
                 </a:tc>
                 <a:tc>
                   <a:txBody>
@@ -7000,7 +11334,50 @@
                       </a:r>
                     </a:p>
                   </a:txBody>
-                  <a:tcPr marL="7620" marR="7620" marT="7620" marB="0" anchor="ctr"/>
+                  <a:tcPr marL="7620" marR="7620" marT="7620" marB="0" anchor="ctr">
+                    <a:lnL w="12700" cap="flat" cmpd="sng" algn="ctr">
+                      <a:solidFill>
+                        <a:schemeClr val="tx1"/>
+                      </a:solidFill>
+                      <a:prstDash val="solid"/>
+                      <a:round/>
+                      <a:headEnd type="none" w="med" len="med"/>
+                      <a:tailEnd type="none" w="med" len="med"/>
+                    </a:lnL>
+                    <a:lnR w="12700" cap="flat" cmpd="sng" algn="ctr">
+                      <a:solidFill>
+                        <a:schemeClr val="tx1"/>
+                      </a:solidFill>
+                      <a:prstDash val="solid"/>
+                      <a:round/>
+                      <a:headEnd type="none" w="med" len="med"/>
+                      <a:tailEnd type="none" w="med" len="med"/>
+                    </a:lnR>
+                    <a:lnT w="12700" cap="flat" cmpd="sng" algn="ctr">
+                      <a:solidFill>
+                        <a:schemeClr val="tx1"/>
+                      </a:solidFill>
+                      <a:prstDash val="solid"/>
+                      <a:round/>
+                      <a:headEnd type="none" w="med" len="med"/>
+                      <a:tailEnd type="none" w="med" len="med"/>
+                    </a:lnT>
+                    <a:lnB w="12700" cap="flat" cmpd="sng" algn="ctr">
+                      <a:solidFill>
+                        <a:schemeClr val="tx1"/>
+                      </a:solidFill>
+                      <a:prstDash val="solid"/>
+                      <a:round/>
+                      <a:headEnd type="none" w="med" len="med"/>
+                      <a:tailEnd type="none" w="med" len="med"/>
+                    </a:lnB>
+                    <a:solidFill>
+                      <a:schemeClr val="accent4">
+                        <a:lumMod val="60000"/>
+                        <a:lumOff val="40000"/>
+                      </a:schemeClr>
+                    </a:solidFill>
+                  </a:tcPr>
                 </a:tc>
                 <a:extLst>
                   <a:ext uri="{0D108BD9-81ED-4DB2-BD59-A6C34878D82A}">
@@ -7089,7 +11466,7 @@
           <p:nvPr>
             <p:extLst>
               <p:ext uri="{D42A27DB-BD31-4B8C-83A1-F6EECF244321}">
-                <p14:modId xmlns:p14="http://schemas.microsoft.com/office/powerpoint/2010/main" val="2894603650"/>
+                <p14:modId xmlns:p14="http://schemas.microsoft.com/office/powerpoint/2010/main" val="2176923863"/>
               </p:ext>
             </p:extLst>
           </p:nvPr>
@@ -7218,7 +11595,17 @@
                       <a:endParaRPr lang="ko-KR" altLang="en-US" dirty="0"/>
                     </a:p>
                   </a:txBody>
-                  <a:tcPr anchor="ctr"/>
+                  <a:tcPr anchor="ctr">
+                    <a:lnB w="12700" cap="flat" cmpd="sng" algn="ctr">
+                      <a:solidFill>
+                        <a:schemeClr val="tx1"/>
+                      </a:solidFill>
+                      <a:prstDash val="solid"/>
+                      <a:round/>
+                      <a:headEnd type="none" w="med" len="med"/>
+                      <a:tailEnd type="none" w="med" len="med"/>
+                    </a:lnB>
+                  </a:tcPr>
                 </a:tc>
                 <a:extLst>
                   <a:ext uri="{0D108BD9-81ED-4DB2-BD59-A6C34878D82A}">
@@ -7282,16 +11669,26 @@
                       </a:r>
                     </a:p>
                   </a:txBody>
-                  <a:tcPr marL="7620" marR="7620" marT="7620" marB="0" anchor="ctr"/>
-                </a:tc>
-                <a:tc>
-                  <a:txBody>
-                    <a:bodyPr/>
-                    <a:lstStyle/>
-                    <a:p>
-                      <a:pPr algn="ctr" fontAlgn="ctr"/>
-                      <a:r>
-                        <a:rPr lang="en-US" altLang="ko-KR" sz="1100" b="0" i="0" u="none" strike="noStrike">
+                  <a:tcPr marL="7620" marR="7620" marT="7620" marB="0" anchor="ctr">
+                    <a:lnR w="12700" cap="flat" cmpd="sng" algn="ctr">
+                      <a:solidFill>
+                        <a:schemeClr val="tx1"/>
+                      </a:solidFill>
+                      <a:prstDash val="solid"/>
+                      <a:round/>
+                      <a:headEnd type="none" w="med" len="med"/>
+                      <a:tailEnd type="none" w="med" len="med"/>
+                    </a:lnR>
+                  </a:tcPr>
+                </a:tc>
+                <a:tc>
+                  <a:txBody>
+                    <a:bodyPr/>
+                    <a:lstStyle/>
+                    <a:p>
+                      <a:pPr algn="ctr" fontAlgn="ctr"/>
+                      <a:r>
+                        <a:rPr lang="en-US" altLang="ko-KR" sz="1100" b="0" i="0" u="none" strike="noStrike" dirty="0">
                           <a:solidFill>
                             <a:srgbClr val="000000"/>
                           </a:solidFill>
@@ -7303,7 +11700,58 @@
                       </a:r>
                     </a:p>
                   </a:txBody>
-                  <a:tcPr marL="7620" marR="7620" marT="7620" marB="0" anchor="ctr"/>
+                  <a:tcPr marL="7620" marR="7620" marT="7620" marB="0" anchor="ctr">
+                    <a:lnL w="12700" cap="flat" cmpd="sng" algn="ctr">
+                      <a:solidFill>
+                        <a:schemeClr val="tx1"/>
+                      </a:solidFill>
+                      <a:prstDash val="solid"/>
+                      <a:round/>
+                      <a:headEnd type="none" w="med" len="med"/>
+                      <a:tailEnd type="none" w="med" len="med"/>
+                    </a:lnL>
+                    <a:lnR w="12700" cap="flat" cmpd="sng" algn="ctr">
+                      <a:solidFill>
+                        <a:schemeClr val="tx1"/>
+                      </a:solidFill>
+                      <a:prstDash val="solid"/>
+                      <a:round/>
+                      <a:headEnd type="none" w="med" len="med"/>
+                      <a:tailEnd type="none" w="med" len="med"/>
+                    </a:lnR>
+                    <a:lnT w="12700" cap="flat" cmpd="sng" algn="ctr">
+                      <a:solidFill>
+                        <a:schemeClr val="tx1"/>
+                      </a:solidFill>
+                      <a:prstDash val="solid"/>
+                      <a:round/>
+                      <a:headEnd type="none" w="med" len="med"/>
+                      <a:tailEnd type="none" w="med" len="med"/>
+                    </a:lnT>
+                    <a:lnB w="12700" cap="flat" cmpd="sng" algn="ctr">
+                      <a:solidFill>
+                        <a:schemeClr val="tx1"/>
+                      </a:solidFill>
+                      <a:prstDash val="solid"/>
+                      <a:round/>
+                      <a:headEnd type="none" w="med" len="med"/>
+                      <a:tailEnd type="none" w="med" len="med"/>
+                    </a:lnB>
+                    <a:lnTlToBr w="12700" cmpd="sng">
+                      <a:noFill/>
+                      <a:prstDash val="solid"/>
+                    </a:lnTlToBr>
+                    <a:lnBlToTr w="12700" cmpd="sng">
+                      <a:noFill/>
+                      <a:prstDash val="solid"/>
+                    </a:lnBlToTr>
+                    <a:solidFill>
+                      <a:schemeClr val="accent4">
+                        <a:lumMod val="60000"/>
+                        <a:lumOff val="40000"/>
+                      </a:schemeClr>
+                    </a:solidFill>
+                  </a:tcPr>
                 </a:tc>
                 <a:extLst>
                   <a:ext uri="{0D108BD9-81ED-4DB2-BD59-A6C34878D82A}">
@@ -7367,7 +11815,17 @@
                       </a:r>
                     </a:p>
                   </a:txBody>
-                  <a:tcPr marL="7620" marR="7620" marT="7620" marB="0" anchor="ctr"/>
+                  <a:tcPr marL="7620" marR="7620" marT="7620" marB="0" anchor="ctr">
+                    <a:lnR w="12700" cap="flat" cmpd="sng" algn="ctr">
+                      <a:solidFill>
+                        <a:schemeClr val="tx1"/>
+                      </a:solidFill>
+                      <a:prstDash val="solid"/>
+                      <a:round/>
+                      <a:headEnd type="none" w="med" len="med"/>
+                      <a:tailEnd type="none" w="med" len="med"/>
+                    </a:lnR>
+                  </a:tcPr>
                 </a:tc>
                 <a:tc>
                   <a:txBody>
@@ -7388,7 +11846,58 @@
                       </a:r>
                     </a:p>
                   </a:txBody>
-                  <a:tcPr marL="7620" marR="7620" marT="7620" marB="0" anchor="ctr"/>
+                  <a:tcPr marL="7620" marR="7620" marT="7620" marB="0" anchor="ctr">
+                    <a:lnL w="12700" cap="flat" cmpd="sng" algn="ctr">
+                      <a:solidFill>
+                        <a:schemeClr val="tx1"/>
+                      </a:solidFill>
+                      <a:prstDash val="solid"/>
+                      <a:round/>
+                      <a:headEnd type="none" w="med" len="med"/>
+                      <a:tailEnd type="none" w="med" len="med"/>
+                    </a:lnL>
+                    <a:lnR w="12700" cap="flat" cmpd="sng" algn="ctr">
+                      <a:solidFill>
+                        <a:schemeClr val="tx1"/>
+                      </a:solidFill>
+                      <a:prstDash val="solid"/>
+                      <a:round/>
+                      <a:headEnd type="none" w="med" len="med"/>
+                      <a:tailEnd type="none" w="med" len="med"/>
+                    </a:lnR>
+                    <a:lnT w="12700" cap="flat" cmpd="sng" algn="ctr">
+                      <a:solidFill>
+                        <a:schemeClr val="tx1"/>
+                      </a:solidFill>
+                      <a:prstDash val="solid"/>
+                      <a:round/>
+                      <a:headEnd type="none" w="med" len="med"/>
+                      <a:tailEnd type="none" w="med" len="med"/>
+                    </a:lnT>
+                    <a:lnB w="12700" cap="flat" cmpd="sng" algn="ctr">
+                      <a:solidFill>
+                        <a:schemeClr val="tx1"/>
+                      </a:solidFill>
+                      <a:prstDash val="solid"/>
+                      <a:round/>
+                      <a:headEnd type="none" w="med" len="med"/>
+                      <a:tailEnd type="none" w="med" len="med"/>
+                    </a:lnB>
+                    <a:lnTlToBr w="12700" cmpd="sng">
+                      <a:noFill/>
+                      <a:prstDash val="solid"/>
+                    </a:lnTlToBr>
+                    <a:lnBlToTr w="12700" cmpd="sng">
+                      <a:noFill/>
+                      <a:prstDash val="solid"/>
+                    </a:lnBlToTr>
+                    <a:solidFill>
+                      <a:schemeClr val="accent4">
+                        <a:lumMod val="60000"/>
+                        <a:lumOff val="40000"/>
+                      </a:schemeClr>
+                    </a:solidFill>
+                  </a:tcPr>
                 </a:tc>
                 <a:extLst>
                   <a:ext uri="{0D108BD9-81ED-4DB2-BD59-A6C34878D82A}">
@@ -7452,7 +11961,17 @@
                       </a:r>
                     </a:p>
                   </a:txBody>
-                  <a:tcPr marL="7620" marR="7620" marT="7620" marB="0" anchor="ctr"/>
+                  <a:tcPr marL="7620" marR="7620" marT="7620" marB="0" anchor="ctr">
+                    <a:lnR w="12700" cap="flat" cmpd="sng" algn="ctr">
+                      <a:solidFill>
+                        <a:schemeClr val="tx1"/>
+                      </a:solidFill>
+                      <a:prstDash val="solid"/>
+                      <a:round/>
+                      <a:headEnd type="none" w="med" len="med"/>
+                      <a:tailEnd type="none" w="med" len="med"/>
+                    </a:lnR>
+                  </a:tcPr>
                 </a:tc>
                 <a:tc>
                   <a:txBody>
@@ -7473,7 +11992,58 @@
                       </a:r>
                     </a:p>
                   </a:txBody>
-                  <a:tcPr marL="7620" marR="7620" marT="7620" marB="0" anchor="ctr"/>
+                  <a:tcPr marL="7620" marR="7620" marT="7620" marB="0" anchor="ctr">
+                    <a:lnL w="12700" cap="flat" cmpd="sng" algn="ctr">
+                      <a:solidFill>
+                        <a:schemeClr val="tx1"/>
+                      </a:solidFill>
+                      <a:prstDash val="solid"/>
+                      <a:round/>
+                      <a:headEnd type="none" w="med" len="med"/>
+                      <a:tailEnd type="none" w="med" len="med"/>
+                    </a:lnL>
+                    <a:lnR w="12700" cap="flat" cmpd="sng" algn="ctr">
+                      <a:solidFill>
+                        <a:schemeClr val="tx1"/>
+                      </a:solidFill>
+                      <a:prstDash val="solid"/>
+                      <a:round/>
+                      <a:headEnd type="none" w="med" len="med"/>
+                      <a:tailEnd type="none" w="med" len="med"/>
+                    </a:lnR>
+                    <a:lnT w="12700" cap="flat" cmpd="sng" algn="ctr">
+                      <a:solidFill>
+                        <a:schemeClr val="tx1"/>
+                      </a:solidFill>
+                      <a:prstDash val="solid"/>
+                      <a:round/>
+                      <a:headEnd type="none" w="med" len="med"/>
+                      <a:tailEnd type="none" w="med" len="med"/>
+                    </a:lnT>
+                    <a:lnB w="12700" cap="flat" cmpd="sng" algn="ctr">
+                      <a:solidFill>
+                        <a:schemeClr val="tx1"/>
+                      </a:solidFill>
+                      <a:prstDash val="solid"/>
+                      <a:round/>
+                      <a:headEnd type="none" w="med" len="med"/>
+                      <a:tailEnd type="none" w="med" len="med"/>
+                    </a:lnB>
+                    <a:lnTlToBr w="12700" cmpd="sng">
+                      <a:noFill/>
+                      <a:prstDash val="solid"/>
+                    </a:lnTlToBr>
+                    <a:lnBlToTr w="12700" cmpd="sng">
+                      <a:noFill/>
+                      <a:prstDash val="solid"/>
+                    </a:lnBlToTr>
+                    <a:solidFill>
+                      <a:schemeClr val="accent4">
+                        <a:lumMod val="60000"/>
+                        <a:lumOff val="40000"/>
+                      </a:schemeClr>
+                    </a:solidFill>
+                  </a:tcPr>
                 </a:tc>
                 <a:extLst>
                   <a:ext uri="{0D108BD9-81ED-4DB2-BD59-A6C34878D82A}">
@@ -7537,7 +12107,17 @@
                       </a:r>
                     </a:p>
                   </a:txBody>
-                  <a:tcPr marL="7620" marR="7620" marT="7620" marB="0" anchor="ctr"/>
+                  <a:tcPr marL="7620" marR="7620" marT="7620" marB="0" anchor="ctr">
+                    <a:lnR w="12700" cap="flat" cmpd="sng" algn="ctr">
+                      <a:solidFill>
+                        <a:schemeClr val="tx1"/>
+                      </a:solidFill>
+                      <a:prstDash val="solid"/>
+                      <a:round/>
+                      <a:headEnd type="none" w="med" len="med"/>
+                      <a:tailEnd type="none" w="med" len="med"/>
+                    </a:lnR>
+                  </a:tcPr>
                 </a:tc>
                 <a:tc>
                   <a:txBody>
@@ -7558,7 +12138,58 @@
                       </a:r>
                     </a:p>
                   </a:txBody>
-                  <a:tcPr marL="7620" marR="7620" marT="7620" marB="0" anchor="ctr"/>
+                  <a:tcPr marL="7620" marR="7620" marT="7620" marB="0" anchor="ctr">
+                    <a:lnL w="12700" cap="flat" cmpd="sng" algn="ctr">
+                      <a:solidFill>
+                        <a:schemeClr val="tx1"/>
+                      </a:solidFill>
+                      <a:prstDash val="solid"/>
+                      <a:round/>
+                      <a:headEnd type="none" w="med" len="med"/>
+                      <a:tailEnd type="none" w="med" len="med"/>
+                    </a:lnL>
+                    <a:lnR w="12700" cap="flat" cmpd="sng" algn="ctr">
+                      <a:solidFill>
+                        <a:schemeClr val="tx1"/>
+                      </a:solidFill>
+                      <a:prstDash val="solid"/>
+                      <a:round/>
+                      <a:headEnd type="none" w="med" len="med"/>
+                      <a:tailEnd type="none" w="med" len="med"/>
+                    </a:lnR>
+                    <a:lnT w="12700" cap="flat" cmpd="sng" algn="ctr">
+                      <a:solidFill>
+                        <a:schemeClr val="tx1"/>
+                      </a:solidFill>
+                      <a:prstDash val="solid"/>
+                      <a:round/>
+                      <a:headEnd type="none" w="med" len="med"/>
+                      <a:tailEnd type="none" w="med" len="med"/>
+                    </a:lnT>
+                    <a:lnB w="12700" cap="flat" cmpd="sng" algn="ctr">
+                      <a:solidFill>
+                        <a:schemeClr val="tx1"/>
+                      </a:solidFill>
+                      <a:prstDash val="solid"/>
+                      <a:round/>
+                      <a:headEnd type="none" w="med" len="med"/>
+                      <a:tailEnd type="none" w="med" len="med"/>
+                    </a:lnB>
+                    <a:lnTlToBr w="12700" cmpd="sng">
+                      <a:noFill/>
+                      <a:prstDash val="solid"/>
+                    </a:lnTlToBr>
+                    <a:lnBlToTr w="12700" cmpd="sng">
+                      <a:noFill/>
+                      <a:prstDash val="solid"/>
+                    </a:lnBlToTr>
+                    <a:solidFill>
+                      <a:schemeClr val="accent4">
+                        <a:lumMod val="60000"/>
+                        <a:lumOff val="40000"/>
+                      </a:schemeClr>
+                    </a:solidFill>
+                  </a:tcPr>
                 </a:tc>
                 <a:extLst>
                   <a:ext uri="{0D108BD9-81ED-4DB2-BD59-A6C34878D82A}">
@@ -7622,7 +12253,17 @@
                       </a:r>
                     </a:p>
                   </a:txBody>
-                  <a:tcPr marL="7620" marR="7620" marT="7620" marB="0" anchor="ctr"/>
+                  <a:tcPr marL="7620" marR="7620" marT="7620" marB="0" anchor="ctr">
+                    <a:lnR w="12700" cap="flat" cmpd="sng" algn="ctr">
+                      <a:solidFill>
+                        <a:schemeClr val="tx1"/>
+                      </a:solidFill>
+                      <a:prstDash val="solid"/>
+                      <a:round/>
+                      <a:headEnd type="none" w="med" len="med"/>
+                      <a:tailEnd type="none" w="med" len="med"/>
+                    </a:lnR>
+                  </a:tcPr>
                 </a:tc>
                 <a:tc>
                   <a:txBody>
@@ -7643,7 +12284,58 @@
                       </a:r>
                     </a:p>
                   </a:txBody>
-                  <a:tcPr marL="7620" marR="7620" marT="7620" marB="0" anchor="ctr"/>
+                  <a:tcPr marL="7620" marR="7620" marT="7620" marB="0" anchor="ctr">
+                    <a:lnL w="12700" cap="flat" cmpd="sng" algn="ctr">
+                      <a:solidFill>
+                        <a:schemeClr val="tx1"/>
+                      </a:solidFill>
+                      <a:prstDash val="solid"/>
+                      <a:round/>
+                      <a:headEnd type="none" w="med" len="med"/>
+                      <a:tailEnd type="none" w="med" len="med"/>
+                    </a:lnL>
+                    <a:lnR w="12700" cap="flat" cmpd="sng" algn="ctr">
+                      <a:solidFill>
+                        <a:schemeClr val="tx1"/>
+                      </a:solidFill>
+                      <a:prstDash val="solid"/>
+                      <a:round/>
+                      <a:headEnd type="none" w="med" len="med"/>
+                      <a:tailEnd type="none" w="med" len="med"/>
+                    </a:lnR>
+                    <a:lnT w="12700" cap="flat" cmpd="sng" algn="ctr">
+                      <a:solidFill>
+                        <a:schemeClr val="tx1"/>
+                      </a:solidFill>
+                      <a:prstDash val="solid"/>
+                      <a:round/>
+                      <a:headEnd type="none" w="med" len="med"/>
+                      <a:tailEnd type="none" w="med" len="med"/>
+                    </a:lnT>
+                    <a:lnB w="12700" cap="flat" cmpd="sng" algn="ctr">
+                      <a:solidFill>
+                        <a:schemeClr val="tx1"/>
+                      </a:solidFill>
+                      <a:prstDash val="solid"/>
+                      <a:round/>
+                      <a:headEnd type="none" w="med" len="med"/>
+                      <a:tailEnd type="none" w="med" len="med"/>
+                    </a:lnB>
+                    <a:lnTlToBr w="12700" cmpd="sng">
+                      <a:noFill/>
+                      <a:prstDash val="solid"/>
+                    </a:lnTlToBr>
+                    <a:lnBlToTr w="12700" cmpd="sng">
+                      <a:noFill/>
+                      <a:prstDash val="solid"/>
+                    </a:lnBlToTr>
+                    <a:solidFill>
+                      <a:schemeClr val="accent4">
+                        <a:lumMod val="60000"/>
+                        <a:lumOff val="40000"/>
+                      </a:schemeClr>
+                    </a:solidFill>
+                  </a:tcPr>
                 </a:tc>
                 <a:extLst>
                   <a:ext uri="{0D108BD9-81ED-4DB2-BD59-A6C34878D82A}">
@@ -7707,7 +12399,17 @@
                       </a:r>
                     </a:p>
                   </a:txBody>
-                  <a:tcPr marL="7620" marR="7620" marT="7620" marB="0" anchor="ctr"/>
+                  <a:tcPr marL="7620" marR="7620" marT="7620" marB="0" anchor="ctr">
+                    <a:lnR w="12700" cap="flat" cmpd="sng" algn="ctr">
+                      <a:solidFill>
+                        <a:schemeClr val="tx1"/>
+                      </a:solidFill>
+                      <a:prstDash val="solid"/>
+                      <a:round/>
+                      <a:headEnd type="none" w="med" len="med"/>
+                      <a:tailEnd type="none" w="med" len="med"/>
+                    </a:lnR>
+                  </a:tcPr>
                 </a:tc>
                 <a:tc>
                   <a:txBody>
@@ -7728,7 +12430,58 @@
                       </a:r>
                     </a:p>
                   </a:txBody>
-                  <a:tcPr marL="7620" marR="7620" marT="7620" marB="0" anchor="ctr"/>
+                  <a:tcPr marL="7620" marR="7620" marT="7620" marB="0" anchor="ctr">
+                    <a:lnL w="12700" cap="flat" cmpd="sng" algn="ctr">
+                      <a:solidFill>
+                        <a:schemeClr val="tx1"/>
+                      </a:solidFill>
+                      <a:prstDash val="solid"/>
+                      <a:round/>
+                      <a:headEnd type="none" w="med" len="med"/>
+                      <a:tailEnd type="none" w="med" len="med"/>
+                    </a:lnL>
+                    <a:lnR w="12700" cap="flat" cmpd="sng" algn="ctr">
+                      <a:solidFill>
+                        <a:schemeClr val="tx1"/>
+                      </a:solidFill>
+                      <a:prstDash val="solid"/>
+                      <a:round/>
+                      <a:headEnd type="none" w="med" len="med"/>
+                      <a:tailEnd type="none" w="med" len="med"/>
+                    </a:lnR>
+                    <a:lnT w="12700" cap="flat" cmpd="sng" algn="ctr">
+                      <a:solidFill>
+                        <a:schemeClr val="tx1"/>
+                      </a:solidFill>
+                      <a:prstDash val="solid"/>
+                      <a:round/>
+                      <a:headEnd type="none" w="med" len="med"/>
+                      <a:tailEnd type="none" w="med" len="med"/>
+                    </a:lnT>
+                    <a:lnB w="12700" cap="flat" cmpd="sng" algn="ctr">
+                      <a:solidFill>
+                        <a:schemeClr val="tx1"/>
+                      </a:solidFill>
+                      <a:prstDash val="solid"/>
+                      <a:round/>
+                      <a:headEnd type="none" w="med" len="med"/>
+                      <a:tailEnd type="none" w="med" len="med"/>
+                    </a:lnB>
+                    <a:lnTlToBr w="12700" cmpd="sng">
+                      <a:noFill/>
+                      <a:prstDash val="solid"/>
+                    </a:lnTlToBr>
+                    <a:lnBlToTr w="12700" cmpd="sng">
+                      <a:noFill/>
+                      <a:prstDash val="solid"/>
+                    </a:lnBlToTr>
+                    <a:solidFill>
+                      <a:schemeClr val="accent4">
+                        <a:lumMod val="60000"/>
+                        <a:lumOff val="40000"/>
+                      </a:schemeClr>
+                    </a:solidFill>
+                  </a:tcPr>
                 </a:tc>
                 <a:extLst>
                   <a:ext uri="{0D108BD9-81ED-4DB2-BD59-A6C34878D82A}">
@@ -7792,7 +12545,17 @@
                       </a:r>
                     </a:p>
                   </a:txBody>
-                  <a:tcPr marL="7620" marR="7620" marT="7620" marB="0" anchor="ctr"/>
+                  <a:tcPr marL="7620" marR="7620" marT="7620" marB="0" anchor="ctr">
+                    <a:lnR w="12700" cap="flat" cmpd="sng" algn="ctr">
+                      <a:solidFill>
+                        <a:schemeClr val="tx1"/>
+                      </a:solidFill>
+                      <a:prstDash val="solid"/>
+                      <a:round/>
+                      <a:headEnd type="none" w="med" len="med"/>
+                      <a:tailEnd type="none" w="med" len="med"/>
+                    </a:lnR>
+                  </a:tcPr>
                 </a:tc>
                 <a:tc>
                   <a:txBody>
@@ -7813,7 +12576,58 @@
                       </a:r>
                     </a:p>
                   </a:txBody>
-                  <a:tcPr marL="7620" marR="7620" marT="7620" marB="0" anchor="ctr"/>
+                  <a:tcPr marL="7620" marR="7620" marT="7620" marB="0" anchor="ctr">
+                    <a:lnL w="12700" cap="flat" cmpd="sng" algn="ctr">
+                      <a:solidFill>
+                        <a:schemeClr val="tx1"/>
+                      </a:solidFill>
+                      <a:prstDash val="solid"/>
+                      <a:round/>
+                      <a:headEnd type="none" w="med" len="med"/>
+                      <a:tailEnd type="none" w="med" len="med"/>
+                    </a:lnL>
+                    <a:lnR w="12700" cap="flat" cmpd="sng" algn="ctr">
+                      <a:solidFill>
+                        <a:schemeClr val="tx1"/>
+                      </a:solidFill>
+                      <a:prstDash val="solid"/>
+                      <a:round/>
+                      <a:headEnd type="none" w="med" len="med"/>
+                      <a:tailEnd type="none" w="med" len="med"/>
+                    </a:lnR>
+                    <a:lnT w="12700" cap="flat" cmpd="sng" algn="ctr">
+                      <a:solidFill>
+                        <a:schemeClr val="tx1"/>
+                      </a:solidFill>
+                      <a:prstDash val="solid"/>
+                      <a:round/>
+                      <a:headEnd type="none" w="med" len="med"/>
+                      <a:tailEnd type="none" w="med" len="med"/>
+                    </a:lnT>
+                    <a:lnB w="12700" cap="flat" cmpd="sng" algn="ctr">
+                      <a:solidFill>
+                        <a:schemeClr val="tx1"/>
+                      </a:solidFill>
+                      <a:prstDash val="solid"/>
+                      <a:round/>
+                      <a:headEnd type="none" w="med" len="med"/>
+                      <a:tailEnd type="none" w="med" len="med"/>
+                    </a:lnB>
+                    <a:lnTlToBr w="12700" cmpd="sng">
+                      <a:noFill/>
+                      <a:prstDash val="solid"/>
+                    </a:lnTlToBr>
+                    <a:lnBlToTr w="12700" cmpd="sng">
+                      <a:noFill/>
+                      <a:prstDash val="solid"/>
+                    </a:lnBlToTr>
+                    <a:solidFill>
+                      <a:schemeClr val="accent4">
+                        <a:lumMod val="60000"/>
+                        <a:lumOff val="40000"/>
+                      </a:schemeClr>
+                    </a:solidFill>
+                  </a:tcPr>
                 </a:tc>
                 <a:extLst>
                   <a:ext uri="{0D108BD9-81ED-4DB2-BD59-A6C34878D82A}">
@@ -8257,7 +13071,7 @@
           <a:p>
             <a:r>
               <a:rPr lang="ko-KR" altLang="en-US" dirty="0"/>
-              <a:t>모델 목표 기능 </a:t>
+              <a:t>목표 기능 </a:t>
             </a:r>
             <a:r>
               <a:rPr lang="en-US" altLang="ko-KR" dirty="0"/>
@@ -8306,6 +13120,14 @@
             <a:r>
               <a:rPr lang="ko-KR" altLang="en-US" dirty="0"/>
               <a:t>중에서 어떤 항목에 속하는지를 판별</a:t>
+            </a:r>
+            <a:r>
+              <a:rPr lang="en-US" altLang="ko-KR" dirty="0"/>
+              <a:t>, </a:t>
+            </a:r>
+            <a:r>
+              <a:rPr lang="ko-KR" altLang="en-US" dirty="0"/>
+              <a:t>이후 해당하는 영역을 반환</a:t>
             </a:r>
           </a:p>
         </p:txBody>
@@ -8324,7 +13146,7 @@
         </p:nvSpPr>
         <p:spPr>
           <a:xfrm>
-            <a:off x="4920389" y="4304842"/>
+            <a:off x="4077790" y="4066724"/>
             <a:ext cx="2210540" cy="1265242"/>
           </a:xfrm>
           <a:prstGeom prst="roundRect">
@@ -8379,7 +13201,7 @@
         </p:nvSpPr>
         <p:spPr>
           <a:xfrm>
-            <a:off x="3648673" y="4791721"/>
+            <a:off x="2718133" y="4519345"/>
             <a:ext cx="1080000" cy="360000"/>
           </a:xfrm>
           <a:prstGeom prst="homePlate">
@@ -8434,7 +13256,7 @@
         </p:nvSpPr>
         <p:spPr>
           <a:xfrm>
-            <a:off x="7322645" y="4791721"/>
+            <a:off x="6567987" y="4519345"/>
             <a:ext cx="1080000" cy="360000"/>
           </a:xfrm>
           <a:prstGeom prst="homePlate">
@@ -8477,10 +13299,10 @@
       </p:sp>
       <p:pic>
         <p:nvPicPr>
-          <p:cNvPr id="6" name="그림 5">
+          <p:cNvPr id="5" name="그림 4">
             <a:extLst>
               <a:ext uri="{FF2B5EF4-FFF2-40B4-BE49-F238E27FC236}">
-                <a16:creationId xmlns:a16="http://schemas.microsoft.com/office/drawing/2014/main" id="{6E70BB59-04F8-49C4-4810-0E80CAEF2635}"/>
+                <a16:creationId xmlns:a16="http://schemas.microsoft.com/office/drawing/2014/main" id="{B7D7FBE8-49D2-74A8-FE01-22C741E31F6E}"/>
               </a:ext>
             </a:extLst>
           </p:cNvPr>
@@ -8503,8 +13325,8 @@
         </p:blipFill>
         <p:spPr>
           <a:xfrm>
-            <a:off x="780034" y="3095524"/>
-            <a:ext cx="2676923" cy="3600000"/>
+            <a:off x="7927644" y="2719345"/>
+            <a:ext cx="1650000" cy="3960000"/>
           </a:xfrm>
           <a:prstGeom prst="rect">
             <a:avLst/>
@@ -8513,10 +13335,10 @@
       </p:pic>
       <p:pic>
         <p:nvPicPr>
-          <p:cNvPr id="11" name="그림 10">
+          <p:cNvPr id="8" name="그림 7">
             <a:extLst>
               <a:ext uri="{FF2B5EF4-FFF2-40B4-BE49-F238E27FC236}">
-                <a16:creationId xmlns:a16="http://schemas.microsoft.com/office/drawing/2014/main" id="{F645D48E-D152-C86A-5572-EB07ACDEFF29}"/>
+                <a16:creationId xmlns:a16="http://schemas.microsoft.com/office/drawing/2014/main" id="{D33C4686-ACA5-EAC9-A524-40B0336F4441}"/>
               </a:ext>
             </a:extLst>
           </p:cNvPr>
@@ -8539,14 +13361,197 @@
         </p:blipFill>
         <p:spPr>
           <a:xfrm>
-            <a:off x="8594363" y="3095524"/>
-            <a:ext cx="2676923" cy="3600000"/>
+            <a:off x="788477" y="2719345"/>
+            <a:ext cx="1650000" cy="3960000"/>
           </a:xfrm>
           <a:prstGeom prst="rect">
             <a:avLst/>
           </a:prstGeom>
         </p:spPr>
       </p:pic>
+      <p:grpSp>
+        <p:nvGrpSpPr>
+          <p:cNvPr id="17" name="그룹 16">
+            <a:extLst>
+              <a:ext uri="{FF2B5EF4-FFF2-40B4-BE49-F238E27FC236}">
+                <a16:creationId xmlns:a16="http://schemas.microsoft.com/office/drawing/2014/main" id="{3500E33A-6761-3030-B14F-3D138B378578}"/>
+              </a:ext>
+            </a:extLst>
+          </p:cNvPr>
+          <p:cNvGrpSpPr/>
+          <p:nvPr/>
+        </p:nvGrpSpPr>
+        <p:grpSpPr>
+          <a:xfrm>
+            <a:off x="10035195" y="2719345"/>
+            <a:ext cx="1318605" cy="3960000"/>
+            <a:chOff x="9147224" y="2719345"/>
+            <a:chExt cx="1318605" cy="3960000"/>
+          </a:xfrm>
+        </p:grpSpPr>
+        <p:pic>
+          <p:nvPicPr>
+            <p:cNvPr id="14" name="그림 13">
+              <a:extLst>
+                <a:ext uri="{FF2B5EF4-FFF2-40B4-BE49-F238E27FC236}">
+                  <a16:creationId xmlns:a16="http://schemas.microsoft.com/office/drawing/2014/main" id="{DDAEA819-075B-E0CA-E667-3E3F18BCCEB5}"/>
+                </a:ext>
+              </a:extLst>
+            </p:cNvPr>
+            <p:cNvPicPr>
+              <a:picLocks noChangeAspect="1"/>
+            </p:cNvPicPr>
+            <p:nvPr/>
+          </p:nvPicPr>
+          <p:blipFill>
+            <a:blip r:embed="rId4">
+              <a:extLst>
+                <a:ext uri="{28A0092B-C50C-407E-A947-70E740481C1C}">
+                  <a14:useLocalDpi xmlns:a14="http://schemas.microsoft.com/office/drawing/2010/main" val="0"/>
+                </a:ext>
+              </a:extLst>
+            </a:blip>
+            <a:stretch>
+              <a:fillRect/>
+            </a:stretch>
+          </p:blipFill>
+          <p:spPr>
+            <a:xfrm>
+              <a:off x="9147224" y="2719345"/>
+              <a:ext cx="1318605" cy="1800000"/>
+            </a:xfrm>
+            <a:prstGeom prst="rect">
+              <a:avLst/>
+            </a:prstGeom>
+          </p:spPr>
+        </p:pic>
+        <p:pic>
+          <p:nvPicPr>
+            <p:cNvPr id="16" name="그림 15">
+              <a:extLst>
+                <a:ext uri="{FF2B5EF4-FFF2-40B4-BE49-F238E27FC236}">
+                  <a16:creationId xmlns:a16="http://schemas.microsoft.com/office/drawing/2014/main" id="{11DE0615-2751-8468-4B81-AB46218DB627}"/>
+                </a:ext>
+              </a:extLst>
+            </p:cNvPr>
+            <p:cNvPicPr>
+              <a:picLocks noChangeAspect="1"/>
+            </p:cNvPicPr>
+            <p:nvPr/>
+          </p:nvPicPr>
+          <p:blipFill>
+            <a:blip r:embed="rId5">
+              <a:extLst>
+                <a:ext uri="{28A0092B-C50C-407E-A947-70E740481C1C}">
+                  <a14:useLocalDpi xmlns:a14="http://schemas.microsoft.com/office/drawing/2010/main" val="0"/>
+                </a:ext>
+              </a:extLst>
+            </a:blip>
+            <a:stretch>
+              <a:fillRect/>
+            </a:stretch>
+          </p:blipFill>
+          <p:spPr>
+            <a:xfrm>
+              <a:off x="9147224" y="4879345"/>
+              <a:ext cx="1233943" cy="1800000"/>
+            </a:xfrm>
+            <a:prstGeom prst="rect">
+              <a:avLst/>
+            </a:prstGeom>
+          </p:spPr>
+        </p:pic>
+      </p:grpSp>
+      <p:cxnSp>
+        <p:nvCxnSpPr>
+          <p:cNvPr id="21" name="직선 화살표 연결선 20">
+            <a:extLst>
+              <a:ext uri="{FF2B5EF4-FFF2-40B4-BE49-F238E27FC236}">
+                <a16:creationId xmlns:a16="http://schemas.microsoft.com/office/drawing/2014/main" id="{5E93EF02-0207-DB65-66FC-AB72FC629E5D}"/>
+              </a:ext>
+            </a:extLst>
+          </p:cNvPr>
+          <p:cNvCxnSpPr>
+            <a:cxnSpLocks/>
+            <a:endCxn id="16" idx="1"/>
+          </p:cNvCxnSpPr>
+          <p:nvPr/>
+        </p:nvCxnSpPr>
+        <p:spPr>
+          <a:xfrm>
+            <a:off x="8752644" y="5145932"/>
+            <a:ext cx="1282551" cy="633413"/>
+          </a:xfrm>
+          <a:prstGeom prst="straightConnector1">
+            <a:avLst/>
+          </a:prstGeom>
+          <a:ln w="25400">
+            <a:solidFill>
+              <a:srgbClr val="0070C0"/>
+            </a:solidFill>
+            <a:tailEnd type="triangle"/>
+          </a:ln>
+        </p:spPr>
+        <p:style>
+          <a:lnRef idx="1">
+            <a:schemeClr val="accent1"/>
+          </a:lnRef>
+          <a:fillRef idx="0">
+            <a:schemeClr val="accent1"/>
+          </a:fillRef>
+          <a:effectRef idx="0">
+            <a:schemeClr val="accent1"/>
+          </a:effectRef>
+          <a:fontRef idx="minor">
+            <a:schemeClr val="tx1"/>
+          </a:fontRef>
+        </p:style>
+      </p:cxnSp>
+      <p:cxnSp>
+        <p:nvCxnSpPr>
+          <p:cNvPr id="23" name="직선 화살표 연결선 22">
+            <a:extLst>
+              <a:ext uri="{FF2B5EF4-FFF2-40B4-BE49-F238E27FC236}">
+                <a16:creationId xmlns:a16="http://schemas.microsoft.com/office/drawing/2014/main" id="{B729EE96-1995-D7CB-3C61-1A137681391B}"/>
+              </a:ext>
+            </a:extLst>
+          </p:cNvPr>
+          <p:cNvCxnSpPr>
+            <a:cxnSpLocks/>
+            <a:endCxn id="14" idx="1"/>
+          </p:cNvCxnSpPr>
+          <p:nvPr/>
+        </p:nvCxnSpPr>
+        <p:spPr>
+          <a:xfrm flipV="1">
+            <a:off x="8752644" y="3619345"/>
+            <a:ext cx="1282551" cy="360000"/>
+          </a:xfrm>
+          <a:prstGeom prst="straightConnector1">
+            <a:avLst/>
+          </a:prstGeom>
+          <a:ln w="25400">
+            <a:solidFill>
+              <a:srgbClr val="FF0000"/>
+            </a:solidFill>
+            <a:tailEnd type="triangle"/>
+          </a:ln>
+        </p:spPr>
+        <p:style>
+          <a:lnRef idx="1">
+            <a:schemeClr val="accent1"/>
+          </a:lnRef>
+          <a:fillRef idx="0">
+            <a:schemeClr val="accent1"/>
+          </a:fillRef>
+          <a:effectRef idx="0">
+            <a:schemeClr val="accent1"/>
+          </a:effectRef>
+          <a:fontRef idx="minor">
+            <a:schemeClr val="tx1"/>
+          </a:fontRef>
+        </p:style>
+      </p:cxnSp>
     </p:spTree>
     <p:extLst>
       <p:ext uri="{BB962C8B-B14F-4D97-AF65-F5344CB8AC3E}">
@@ -9531,524 +14536,6 @@
         </p:blipFill>
         <p:spPr>
           <a:xfrm>
-            <a:off x="7766215" y="1378747"/>
-            <a:ext cx="3996534" cy="5400000"/>
-          </a:xfrm>
-          <a:prstGeom prst="rect">
-            <a:avLst/>
-          </a:prstGeom>
-        </p:spPr>
-      </p:pic>
-      <p:sp>
-        <p:nvSpPr>
-          <p:cNvPr id="2" name="제목 1">
-            <a:extLst>
-              <a:ext uri="{FF2B5EF4-FFF2-40B4-BE49-F238E27FC236}">
-                <a16:creationId xmlns:a16="http://schemas.microsoft.com/office/drawing/2014/main" id="{4E0613C6-CBA0-6C3E-1958-DD34668FC85D}"/>
-              </a:ext>
-            </a:extLst>
-          </p:cNvPr>
-          <p:cNvSpPr>
-            <a:spLocks noGrp="1"/>
-          </p:cNvSpPr>
-          <p:nvPr>
-            <p:ph type="title"/>
-          </p:nvPr>
-        </p:nvSpPr>
-        <p:spPr/>
-        <p:txBody>
-          <a:bodyPr/>
-          <a:lstStyle/>
-          <a:p>
-            <a:r>
-              <a:rPr lang="ko-KR" altLang="en-US" dirty="0" err="1"/>
-              <a:t>무신사</a:t>
-            </a:r>
-            <a:r>
-              <a:rPr lang="ko-KR" altLang="en-US" dirty="0"/>
-              <a:t> </a:t>
-            </a:r>
-            <a:r>
-              <a:rPr lang="ko-KR" altLang="en-US" dirty="0" err="1"/>
-              <a:t>크롤링</a:t>
-            </a:r>
-            <a:r>
-              <a:rPr lang="ko-KR" altLang="en-US" dirty="0"/>
-              <a:t> 이미지 </a:t>
-            </a:r>
-            <a:r>
-              <a:rPr lang="en-US" altLang="ko-KR" dirty="0"/>
-              <a:t>Dataset</a:t>
-            </a:r>
-            <a:endParaRPr lang="ko-KR" altLang="en-US" dirty="0"/>
-          </a:p>
-        </p:txBody>
-      </p:sp>
-      <p:sp>
-        <p:nvSpPr>
-          <p:cNvPr id="3" name="내용 개체 틀 2">
-            <a:extLst>
-              <a:ext uri="{FF2B5EF4-FFF2-40B4-BE49-F238E27FC236}">
-                <a16:creationId xmlns:a16="http://schemas.microsoft.com/office/drawing/2014/main" id="{84EE457F-56E6-C472-8BCA-C6836E8811A9}"/>
-              </a:ext>
-            </a:extLst>
-          </p:cNvPr>
-          <p:cNvSpPr>
-            <a:spLocks noGrp="1"/>
-          </p:cNvSpPr>
-          <p:nvPr>
-            <p:ph idx="1"/>
-          </p:nvPr>
-        </p:nvSpPr>
-        <p:spPr/>
-        <p:txBody>
-          <a:bodyPr>
-            <a:normAutofit fontScale="85000" lnSpcReduction="20000"/>
-          </a:bodyPr>
-          <a:lstStyle/>
-          <a:p>
-            <a:r>
-              <a:rPr lang="ko-KR" altLang="en-US" dirty="0"/>
-              <a:t>수집 방법 </a:t>
-            </a:r>
-            <a:r>
-              <a:rPr lang="en-US" altLang="ko-KR" dirty="0"/>
-              <a:t>: </a:t>
-            </a:r>
-            <a:r>
-              <a:rPr lang="ko-KR" altLang="en-US" dirty="0"/>
-              <a:t>카테고리별 상품을 판매순으로</a:t>
-            </a:r>
-            <a:br>
-              <a:rPr lang="en-US" altLang="ko-KR" dirty="0"/>
-            </a:br>
-            <a:r>
-              <a:rPr lang="en-US" altLang="ko-KR" dirty="0"/>
-              <a:t>		</a:t>
-            </a:r>
-            <a:r>
-              <a:rPr lang="ko-KR" altLang="en-US" dirty="0" err="1"/>
-              <a:t>정렬후</a:t>
-            </a:r>
-            <a:r>
-              <a:rPr lang="ko-KR" altLang="en-US" dirty="0"/>
-              <a:t> </a:t>
-            </a:r>
-            <a:r>
-              <a:rPr lang="ko-KR" altLang="en-US" dirty="0" err="1"/>
-              <a:t>크롤링</a:t>
-            </a:r>
-            <a:endParaRPr lang="en-US" altLang="ko-KR" dirty="0"/>
-          </a:p>
-          <a:p>
-            <a:r>
-              <a:rPr lang="ko-KR" altLang="en-US" dirty="0"/>
-              <a:t>데이터셋 구성</a:t>
-            </a:r>
-            <a:endParaRPr lang="en-US" altLang="ko-KR" dirty="0"/>
-          </a:p>
-          <a:p>
-            <a:pPr lvl="1"/>
-            <a:r>
-              <a:rPr lang="ko-KR" altLang="en-US" dirty="0"/>
-              <a:t>상의 </a:t>
-            </a:r>
-            <a:r>
-              <a:rPr lang="en-US" altLang="ko-KR" dirty="0"/>
-              <a:t>: </a:t>
-            </a:r>
-            <a:r>
-              <a:rPr lang="ko-KR" altLang="en-US" dirty="0"/>
-              <a:t>총 </a:t>
-            </a:r>
-            <a:r>
-              <a:rPr lang="en-US" altLang="ko-KR" dirty="0"/>
-              <a:t>25000</a:t>
-            </a:r>
-            <a:r>
-              <a:rPr lang="ko-KR" altLang="en-US" dirty="0"/>
-              <a:t>장</a:t>
-            </a:r>
-            <a:endParaRPr lang="en-US" altLang="ko-KR" dirty="0"/>
-          </a:p>
-          <a:p>
-            <a:pPr lvl="2"/>
-            <a:r>
-              <a:rPr lang="ko-KR" altLang="en-US" dirty="0" err="1"/>
-              <a:t>긴소매</a:t>
-            </a:r>
-            <a:r>
-              <a:rPr lang="en-US" altLang="ko-KR" dirty="0"/>
-              <a:t>(</a:t>
-            </a:r>
-            <a:r>
-              <a:rPr lang="ko-KR" altLang="en-US" dirty="0"/>
-              <a:t>맨투맨</a:t>
-            </a:r>
-            <a:r>
-              <a:rPr lang="en-US" altLang="ko-KR" dirty="0"/>
-              <a:t>, </a:t>
-            </a:r>
-            <a:r>
-              <a:rPr lang="ko-KR" altLang="en-US" dirty="0"/>
-              <a:t>후드</a:t>
-            </a:r>
-            <a:r>
-              <a:rPr lang="en-US" altLang="ko-KR" dirty="0"/>
-              <a:t>, </a:t>
-            </a:r>
-            <a:r>
-              <a:rPr lang="ko-KR" altLang="en-US" dirty="0" err="1"/>
-              <a:t>긴소매</a:t>
-            </a:r>
-            <a:r>
-              <a:rPr lang="en-US" altLang="ko-KR" dirty="0"/>
-              <a:t>) : 9000</a:t>
-            </a:r>
-            <a:r>
-              <a:rPr lang="ko-KR" altLang="en-US" dirty="0"/>
-              <a:t>장</a:t>
-            </a:r>
-            <a:endParaRPr lang="en-US" altLang="ko-KR" dirty="0"/>
-          </a:p>
-          <a:p>
-            <a:pPr lvl="2"/>
-            <a:r>
-              <a:rPr lang="ko-KR" altLang="en-US" dirty="0"/>
-              <a:t>셔츠</a:t>
-            </a:r>
-            <a:r>
-              <a:rPr lang="en-US" altLang="ko-KR" dirty="0"/>
-              <a:t>&amp;</a:t>
-            </a:r>
-            <a:r>
-              <a:rPr lang="ko-KR" altLang="en-US" dirty="0"/>
-              <a:t>블라우스 </a:t>
-            </a:r>
-            <a:r>
-              <a:rPr lang="en-US" altLang="ko-KR" dirty="0"/>
-              <a:t>: 4000</a:t>
-            </a:r>
-            <a:r>
-              <a:rPr lang="ko-KR" altLang="en-US" dirty="0"/>
-              <a:t>장</a:t>
-            </a:r>
-            <a:endParaRPr lang="en-US" altLang="ko-KR" dirty="0"/>
-          </a:p>
-          <a:p>
-            <a:pPr lvl="2"/>
-            <a:r>
-              <a:rPr lang="ko-KR" altLang="en-US" dirty="0"/>
-              <a:t>반소매 </a:t>
-            </a:r>
-            <a:r>
-              <a:rPr lang="en-US" altLang="ko-KR" dirty="0"/>
-              <a:t>: 4000</a:t>
-            </a:r>
-            <a:r>
-              <a:rPr lang="ko-KR" altLang="en-US" dirty="0"/>
-              <a:t>장</a:t>
-            </a:r>
-            <a:endParaRPr lang="en-US" altLang="ko-KR" dirty="0"/>
-          </a:p>
-          <a:p>
-            <a:pPr lvl="2"/>
-            <a:r>
-              <a:rPr lang="ko-KR" altLang="en-US" dirty="0"/>
-              <a:t>민소매 </a:t>
-            </a:r>
-            <a:r>
-              <a:rPr lang="en-US" altLang="ko-KR" dirty="0"/>
-              <a:t>: 4000</a:t>
-            </a:r>
-            <a:r>
-              <a:rPr lang="ko-KR" altLang="en-US" dirty="0"/>
-              <a:t>장</a:t>
-            </a:r>
-            <a:endParaRPr lang="en-US" altLang="ko-KR" dirty="0"/>
-          </a:p>
-          <a:p>
-            <a:pPr lvl="2"/>
-            <a:r>
-              <a:rPr lang="ko-KR" altLang="en-US" dirty="0"/>
-              <a:t>니트</a:t>
-            </a:r>
-            <a:r>
-              <a:rPr lang="en-US" altLang="ko-KR" dirty="0"/>
-              <a:t>&amp;</a:t>
-            </a:r>
-            <a:r>
-              <a:rPr lang="ko-KR" altLang="en-US" dirty="0"/>
-              <a:t>스웨터 </a:t>
-            </a:r>
-            <a:r>
-              <a:rPr lang="en-US" altLang="ko-KR" dirty="0"/>
-              <a:t>: 4000</a:t>
-            </a:r>
-            <a:r>
-              <a:rPr lang="ko-KR" altLang="en-US" dirty="0"/>
-              <a:t>장</a:t>
-            </a:r>
-            <a:endParaRPr lang="en-US" altLang="ko-KR" dirty="0"/>
-          </a:p>
-          <a:p>
-            <a:pPr lvl="1"/>
-            <a:r>
-              <a:rPr lang="ko-KR" altLang="en-US" dirty="0"/>
-              <a:t>하의 </a:t>
-            </a:r>
-            <a:r>
-              <a:rPr lang="en-US" altLang="ko-KR" dirty="0"/>
-              <a:t>: </a:t>
-            </a:r>
-            <a:r>
-              <a:rPr lang="ko-KR" altLang="en-US" dirty="0"/>
-              <a:t>총 </a:t>
-            </a:r>
-            <a:r>
-              <a:rPr lang="en-US" altLang="ko-KR" dirty="0"/>
-              <a:t>20000</a:t>
-            </a:r>
-            <a:r>
-              <a:rPr lang="ko-KR" altLang="en-US" dirty="0"/>
-              <a:t>장</a:t>
-            </a:r>
-            <a:endParaRPr lang="en-US" altLang="ko-KR" dirty="0"/>
-          </a:p>
-          <a:p>
-            <a:pPr lvl="2"/>
-            <a:r>
-              <a:rPr lang="ko-KR" altLang="en-US" dirty="0" err="1"/>
-              <a:t>긴바지</a:t>
-            </a:r>
-            <a:r>
-              <a:rPr lang="en-US" altLang="ko-KR" dirty="0"/>
-              <a:t>(</a:t>
-            </a:r>
-            <a:r>
-              <a:rPr lang="ko-KR" altLang="en-US" dirty="0"/>
-              <a:t>데님</a:t>
-            </a:r>
-            <a:r>
-              <a:rPr lang="en-US" altLang="ko-KR" dirty="0"/>
-              <a:t>, </a:t>
-            </a:r>
-            <a:r>
-              <a:rPr lang="ko-KR" altLang="en-US" dirty="0"/>
-              <a:t>코튼</a:t>
-            </a:r>
-            <a:r>
-              <a:rPr lang="en-US" altLang="ko-KR" dirty="0"/>
-              <a:t>, </a:t>
-            </a:r>
-            <a:r>
-              <a:rPr lang="ko-KR" altLang="en-US" dirty="0" err="1"/>
-              <a:t>슬랙스</a:t>
-            </a:r>
-            <a:r>
-              <a:rPr lang="en-US" altLang="ko-KR" dirty="0"/>
-              <a:t>) : 9000</a:t>
-            </a:r>
-            <a:r>
-              <a:rPr lang="ko-KR" altLang="en-US" dirty="0"/>
-              <a:t>장</a:t>
-            </a:r>
-            <a:endParaRPr lang="en-US" altLang="ko-KR" dirty="0"/>
-          </a:p>
-          <a:p>
-            <a:pPr lvl="2"/>
-            <a:r>
-              <a:rPr lang="ko-KR" altLang="en-US" dirty="0"/>
-              <a:t>반바지 </a:t>
-            </a:r>
-            <a:r>
-              <a:rPr lang="en-US" altLang="ko-KR" dirty="0"/>
-              <a:t>: 5000</a:t>
-            </a:r>
-            <a:r>
-              <a:rPr lang="ko-KR" altLang="en-US" dirty="0"/>
-              <a:t>장</a:t>
-            </a:r>
-            <a:endParaRPr lang="en-US" altLang="ko-KR" dirty="0"/>
-          </a:p>
-          <a:p>
-            <a:pPr lvl="2"/>
-            <a:r>
-              <a:rPr lang="ko-KR" altLang="en-US" dirty="0"/>
-              <a:t>스커트</a:t>
-            </a:r>
-            <a:r>
-              <a:rPr lang="en-US" altLang="ko-KR" dirty="0"/>
-              <a:t>(</a:t>
-            </a:r>
-            <a:r>
-              <a:rPr lang="ko-KR" altLang="en-US" dirty="0"/>
-              <a:t>미니</a:t>
-            </a:r>
-            <a:r>
-              <a:rPr lang="en-US" altLang="ko-KR" dirty="0"/>
-              <a:t>, </a:t>
-            </a:r>
-            <a:r>
-              <a:rPr lang="ko-KR" altLang="en-US" dirty="0"/>
-              <a:t>미디</a:t>
-            </a:r>
-            <a:r>
-              <a:rPr lang="en-US" altLang="ko-KR" dirty="0"/>
-              <a:t>, </a:t>
-            </a:r>
-            <a:r>
-              <a:rPr lang="ko-KR" altLang="en-US" dirty="0"/>
-              <a:t>롱</a:t>
-            </a:r>
-            <a:r>
-              <a:rPr lang="en-US" altLang="ko-KR" dirty="0"/>
-              <a:t>) : 6000</a:t>
-            </a:r>
-            <a:r>
-              <a:rPr lang="ko-KR" altLang="en-US" dirty="0"/>
-              <a:t>장</a:t>
-            </a:r>
-            <a:endParaRPr lang="en-US" altLang="ko-KR" dirty="0"/>
-          </a:p>
-          <a:p>
-            <a:pPr lvl="1"/>
-            <a:r>
-              <a:rPr lang="ko-KR" altLang="en-US" dirty="0"/>
-              <a:t>원피스 </a:t>
-            </a:r>
-            <a:r>
-              <a:rPr lang="en-US" altLang="ko-KR" dirty="0"/>
-              <a:t>: </a:t>
-            </a:r>
-            <a:r>
-              <a:rPr lang="ko-KR" altLang="en-US" dirty="0"/>
-              <a:t>총 </a:t>
-            </a:r>
-            <a:r>
-              <a:rPr lang="en-US" altLang="ko-KR" dirty="0"/>
-              <a:t>7000</a:t>
-            </a:r>
-            <a:r>
-              <a:rPr lang="ko-KR" altLang="en-US" dirty="0"/>
-              <a:t>장</a:t>
-            </a:r>
-            <a:endParaRPr lang="en-US" altLang="ko-KR" dirty="0"/>
-          </a:p>
-          <a:p>
-            <a:pPr lvl="2"/>
-            <a:r>
-              <a:rPr lang="ko-KR" altLang="en-US" dirty="0"/>
-              <a:t>원피스</a:t>
-            </a:r>
-            <a:r>
-              <a:rPr lang="en-US" altLang="ko-KR" dirty="0"/>
-              <a:t>(</a:t>
-            </a:r>
-            <a:r>
-              <a:rPr lang="ko-KR" altLang="en-US" dirty="0"/>
-              <a:t>미니</a:t>
-            </a:r>
-            <a:r>
-              <a:rPr lang="en-US" altLang="ko-KR" dirty="0"/>
-              <a:t>, </a:t>
-            </a:r>
-            <a:r>
-              <a:rPr lang="ko-KR" altLang="en-US" dirty="0"/>
-              <a:t>미디</a:t>
-            </a:r>
-            <a:r>
-              <a:rPr lang="en-US" altLang="ko-KR" dirty="0"/>
-              <a:t>, </a:t>
-            </a:r>
-            <a:r>
-              <a:rPr lang="ko-KR" altLang="en-US" dirty="0" err="1"/>
-              <a:t>맥시</a:t>
-            </a:r>
-            <a:r>
-              <a:rPr lang="en-US" altLang="ko-KR" dirty="0"/>
-              <a:t>) : 6000</a:t>
-            </a:r>
-            <a:r>
-              <a:rPr lang="ko-KR" altLang="en-US" dirty="0"/>
-              <a:t>장</a:t>
-            </a:r>
-            <a:endParaRPr lang="en-US" altLang="ko-KR" dirty="0"/>
-          </a:p>
-          <a:p>
-            <a:pPr lvl="2"/>
-            <a:r>
-              <a:rPr lang="ko-KR" altLang="en-US" dirty="0" err="1"/>
-              <a:t>점프슈트</a:t>
-            </a:r>
-            <a:r>
-              <a:rPr lang="ko-KR" altLang="en-US" dirty="0"/>
-              <a:t> </a:t>
-            </a:r>
-            <a:r>
-              <a:rPr lang="en-US" altLang="ko-KR" dirty="0"/>
-              <a:t>: 1000</a:t>
-            </a:r>
-            <a:r>
-              <a:rPr lang="ko-KR" altLang="en-US" dirty="0"/>
-              <a:t>장</a:t>
-            </a:r>
-            <a:endParaRPr lang="en-US" altLang="ko-KR" dirty="0"/>
-          </a:p>
-        </p:txBody>
-      </p:sp>
-    </p:spTree>
-    <p:extLst>
-      <p:ext uri="{BB962C8B-B14F-4D97-AF65-F5344CB8AC3E}">
-        <p14:creationId xmlns:p14="http://schemas.microsoft.com/office/powerpoint/2010/main" val="4266526553"/>
-      </p:ext>
-    </p:extLst>
-  </p:cSld>
-  <p:clrMapOvr>
-    <a:masterClrMapping/>
-  </p:clrMapOvr>
-</p:sld>
-</file>
-
-<file path=ppt/slides/slide7.xml><?xml version="1.0" encoding="utf-8"?>
-<p:sld xmlns:a="http://schemas.openxmlformats.org/drawingml/2006/main" xmlns:r="http://schemas.openxmlformats.org/officeDocument/2006/relationships" xmlns:p="http://schemas.openxmlformats.org/presentationml/2006/main">
-  <p:cSld>
-    <p:spTree>
-      <p:nvGrpSpPr>
-        <p:cNvPr id="1" name=""/>
-        <p:cNvGrpSpPr/>
-        <p:nvPr/>
-      </p:nvGrpSpPr>
-      <p:grpSpPr>
-        <a:xfrm>
-          <a:off x="0" y="0"/>
-          <a:ext cx="0" cy="0"/>
-          <a:chOff x="0" y="0"/>
-          <a:chExt cx="0" cy="0"/>
-        </a:xfrm>
-      </p:grpSpPr>
-      <p:pic>
-        <p:nvPicPr>
-          <p:cNvPr id="8" name="그림 7">
-            <a:extLst>
-              <a:ext uri="{FF2B5EF4-FFF2-40B4-BE49-F238E27FC236}">
-                <a16:creationId xmlns:a16="http://schemas.microsoft.com/office/drawing/2014/main" id="{80A8E9EC-425F-8CD6-20A4-5759C2752B72}"/>
-              </a:ext>
-            </a:extLst>
-          </p:cNvPr>
-          <p:cNvPicPr>
-            <a:picLocks noChangeAspect="1"/>
-          </p:cNvPicPr>
-          <p:nvPr/>
-        </p:nvPicPr>
-        <p:blipFill>
-          <a:blip r:embed="rId2"/>
-          <a:stretch>
-            <a:fillRect/>
-          </a:stretch>
-        </p:blipFill>
-        <p:spPr>
-          <a:xfrm>
             <a:off x="8032547" y="1378747"/>
             <a:ext cx="3996534" cy="5400000"/>
           </a:xfrm>
@@ -10118,7 +14605,12 @@
             <p:ph idx="1"/>
           </p:nvPr>
         </p:nvSpPr>
-        <p:spPr/>
+        <p:spPr>
+          <a:xfrm>
+            <a:off x="964659" y="1690688"/>
+            <a:ext cx="10515600" cy="4351338"/>
+          </a:xfrm>
+        </p:spPr>
         <p:txBody>
           <a:bodyPr>
             <a:normAutofit/>
@@ -10161,7 +14653,23 @@
           <a:p>
             <a:r>
               <a:rPr lang="ko-KR" altLang="en-US" dirty="0"/>
-              <a:t>데이터셋 구성</a:t>
+              <a:t>데이터셋 구성 </a:t>
+            </a:r>
+            <a:r>
+              <a:rPr lang="en-US" altLang="ko-KR" dirty="0"/>
+              <a:t>: </a:t>
+            </a:r>
+            <a:r>
+              <a:rPr lang="ko-KR" altLang="en-US" dirty="0"/>
+              <a:t>제품 사진 </a:t>
+            </a:r>
+            <a:r>
+              <a:rPr lang="en-US" altLang="ko-KR" dirty="0"/>
+              <a:t>+</a:t>
+            </a:r>
+            <a:r>
+              <a:rPr lang="ko-KR" altLang="en-US" dirty="0"/>
+              <a:t> 착용 사진</a:t>
             </a:r>
             <a:endParaRPr lang="en-US" altLang="ko-KR" dirty="0"/>
           </a:p>
@@ -10179,13 +14687,7 @@
           <p:cNvGraphicFramePr>
             <a:graphicFrameLocks noGrp="1"/>
           </p:cNvGraphicFramePr>
-          <p:nvPr>
-            <p:extLst>
-              <p:ext uri="{D42A27DB-BD31-4B8C-83A1-F6EECF244321}">
-                <p14:modId xmlns:p14="http://schemas.microsoft.com/office/powerpoint/2010/main" val="3484027533"/>
-              </p:ext>
-            </p:extLst>
-          </p:nvPr>
+          <p:nvPr/>
         </p:nvGraphicFramePr>
         <p:xfrm>
           <a:off x="197488" y="3642065"/>
@@ -10549,13 +15051,7 @@
           <p:cNvGraphicFramePr>
             <a:graphicFrameLocks noGrp="1"/>
           </p:cNvGraphicFramePr>
-          <p:nvPr>
-            <p:extLst>
-              <p:ext uri="{D42A27DB-BD31-4B8C-83A1-F6EECF244321}">
-                <p14:modId xmlns:p14="http://schemas.microsoft.com/office/powerpoint/2010/main" val="3657537788"/>
-              </p:ext>
-            </p:extLst>
-          </p:nvPr>
+          <p:nvPr/>
         </p:nvGraphicFramePr>
         <p:xfrm>
           <a:off x="3224194" y="3642065"/>
@@ -10791,13 +15287,7 @@
           <p:cNvGraphicFramePr>
             <a:graphicFrameLocks noGrp="1"/>
           </p:cNvGraphicFramePr>
-          <p:nvPr>
-            <p:extLst>
-              <p:ext uri="{D42A27DB-BD31-4B8C-83A1-F6EECF244321}">
-                <p14:modId xmlns:p14="http://schemas.microsoft.com/office/powerpoint/2010/main" val="4022152555"/>
-              </p:ext>
-            </p:extLst>
-          </p:nvPr>
+          <p:nvPr/>
         </p:nvGraphicFramePr>
         <p:xfrm>
           <a:off x="5521837" y="3642065"/>
@@ -11210,7 +15700,7 @@
     </p:spTree>
     <p:extLst>
       <p:ext uri="{BB962C8B-B14F-4D97-AF65-F5344CB8AC3E}">
-        <p14:creationId xmlns:p14="http://schemas.microsoft.com/office/powerpoint/2010/main" val="3084134744"/>
+        <p14:creationId xmlns:p14="http://schemas.microsoft.com/office/powerpoint/2010/main" val="1689120690"/>
       </p:ext>
     </p:extLst>
   </p:cSld>
@@ -11220,1515 +15710,7 @@
 </p:sld>
 </file>
 
-<file path=ppt/slides/slide8.xml><?xml version="1.0" encoding="utf-8"?>
-<p:sld xmlns:a="http://schemas.openxmlformats.org/drawingml/2006/main" xmlns:r="http://schemas.openxmlformats.org/officeDocument/2006/relationships" xmlns:p="http://schemas.openxmlformats.org/presentationml/2006/main">
-  <p:cSld>
-    <p:spTree>
-      <p:nvGrpSpPr>
-        <p:cNvPr id="1" name=""/>
-        <p:cNvGrpSpPr/>
-        <p:nvPr/>
-      </p:nvGrpSpPr>
-      <p:grpSpPr>
-        <a:xfrm>
-          <a:off x="0" y="0"/>
-          <a:ext cx="0" cy="0"/>
-          <a:chOff x="0" y="0"/>
-          <a:chExt cx="0" cy="0"/>
-        </a:xfrm>
-      </p:grpSpPr>
-      <p:sp>
-        <p:nvSpPr>
-          <p:cNvPr id="2" name="제목 1">
-            <a:extLst>
-              <a:ext uri="{FF2B5EF4-FFF2-40B4-BE49-F238E27FC236}">
-                <a16:creationId xmlns:a16="http://schemas.microsoft.com/office/drawing/2014/main" id="{F378FA14-A79C-3954-4948-BC513F375E21}"/>
-              </a:ext>
-            </a:extLst>
-          </p:cNvPr>
-          <p:cNvSpPr>
-            <a:spLocks noGrp="1"/>
-          </p:cNvSpPr>
-          <p:nvPr>
-            <p:ph type="title"/>
-          </p:nvPr>
-        </p:nvSpPr>
-        <p:spPr/>
-        <p:txBody>
-          <a:bodyPr/>
-          <a:lstStyle/>
-          <a:p>
-            <a:r>
-              <a:rPr lang="en-US" altLang="ko-KR" dirty="0"/>
-              <a:t>Test set</a:t>
-            </a:r>
-            <a:endParaRPr lang="ko-KR" altLang="en-US" dirty="0"/>
-          </a:p>
-        </p:txBody>
-      </p:sp>
-      <p:sp>
-        <p:nvSpPr>
-          <p:cNvPr id="3" name="내용 개체 틀 2">
-            <a:extLst>
-              <a:ext uri="{FF2B5EF4-FFF2-40B4-BE49-F238E27FC236}">
-                <a16:creationId xmlns:a16="http://schemas.microsoft.com/office/drawing/2014/main" id="{C1B77F40-F836-8FD5-A90C-488403ED00E2}"/>
-              </a:ext>
-            </a:extLst>
-          </p:cNvPr>
-          <p:cNvSpPr>
-            <a:spLocks noGrp="1"/>
-          </p:cNvSpPr>
-          <p:nvPr>
-            <p:ph idx="1"/>
-          </p:nvPr>
-        </p:nvSpPr>
-        <p:spPr/>
-        <p:txBody>
-          <a:bodyPr/>
-          <a:lstStyle/>
-          <a:p>
-            <a:r>
-              <a:rPr lang="ko-KR" altLang="en-US" dirty="0" err="1"/>
-              <a:t>무신사</a:t>
-            </a:r>
-            <a:r>
-              <a:rPr lang="ko-KR" altLang="en-US" dirty="0"/>
-              <a:t> </a:t>
-            </a:r>
-            <a:r>
-              <a:rPr lang="ko-KR" altLang="en-US" dirty="0" err="1"/>
-              <a:t>크롤링</a:t>
-            </a:r>
-            <a:r>
-              <a:rPr lang="ko-KR" altLang="en-US" dirty="0"/>
-              <a:t> </a:t>
-            </a:r>
-            <a:r>
-              <a:rPr lang="en-US" altLang="ko-KR" dirty="0"/>
-              <a:t>Dataset</a:t>
-            </a:r>
-            <a:r>
-              <a:rPr lang="ko-KR" altLang="en-US" dirty="0"/>
-              <a:t>중 </a:t>
-            </a:r>
-            <a:r>
-              <a:rPr lang="en-US" altLang="ko-KR" dirty="0"/>
-              <a:t>1000</a:t>
-            </a:r>
-            <a:r>
-              <a:rPr lang="ko-KR" altLang="en-US" dirty="0"/>
-              <a:t>장을 테스트셋으로 구성</a:t>
-            </a:r>
-            <a:endParaRPr lang="en-US" altLang="ko-KR" dirty="0"/>
-          </a:p>
-          <a:p>
-            <a:pPr lvl="1"/>
-            <a:r>
-              <a:rPr lang="ko-KR" altLang="en-US" dirty="0"/>
-              <a:t>상의 </a:t>
-            </a:r>
-            <a:r>
-              <a:rPr lang="en-US" altLang="ko-KR" dirty="0"/>
-              <a:t>: 420</a:t>
-            </a:r>
-            <a:r>
-              <a:rPr lang="ko-KR" altLang="en-US" dirty="0"/>
-              <a:t>장</a:t>
-            </a:r>
-            <a:r>
-              <a:rPr lang="en-US" altLang="ko-KR" dirty="0"/>
-              <a:t>, </a:t>
-            </a:r>
-            <a:r>
-              <a:rPr lang="ko-KR" altLang="en-US" dirty="0"/>
-              <a:t>하의 </a:t>
-            </a:r>
-            <a:r>
-              <a:rPr lang="en-US" altLang="ko-KR" dirty="0"/>
-              <a:t>: 420</a:t>
-            </a:r>
-            <a:r>
-              <a:rPr lang="ko-KR" altLang="en-US" dirty="0"/>
-              <a:t>장</a:t>
-            </a:r>
-            <a:r>
-              <a:rPr lang="en-US" altLang="ko-KR" dirty="0"/>
-              <a:t>, </a:t>
-            </a:r>
-            <a:r>
-              <a:rPr lang="ko-KR" altLang="en-US" dirty="0"/>
-              <a:t>원피스 </a:t>
-            </a:r>
-            <a:r>
-              <a:rPr lang="en-US" altLang="ko-KR" dirty="0"/>
-              <a:t>: 160</a:t>
-            </a:r>
-            <a:r>
-              <a:rPr lang="ko-KR" altLang="en-US" dirty="0"/>
-              <a:t>장</a:t>
-            </a:r>
-          </a:p>
-        </p:txBody>
-      </p:sp>
-      <p:graphicFrame>
-        <p:nvGraphicFramePr>
-          <p:cNvPr id="5" name="표 4">
-            <a:extLst>
-              <a:ext uri="{FF2B5EF4-FFF2-40B4-BE49-F238E27FC236}">
-                <a16:creationId xmlns:a16="http://schemas.microsoft.com/office/drawing/2014/main" id="{7531C64C-BCFB-F983-C0D8-B766A81BCF67}"/>
-              </a:ext>
-            </a:extLst>
-          </p:cNvPr>
-          <p:cNvGraphicFramePr>
-            <a:graphicFrameLocks noGrp="1"/>
-          </p:cNvGraphicFramePr>
-          <p:nvPr>
-            <p:extLst>
-              <p:ext uri="{D42A27DB-BD31-4B8C-83A1-F6EECF244321}">
-                <p14:modId xmlns:p14="http://schemas.microsoft.com/office/powerpoint/2010/main" val="936814984"/>
-              </p:ext>
-            </p:extLst>
-          </p:nvPr>
-        </p:nvGraphicFramePr>
-        <p:xfrm>
-          <a:off x="1094134" y="3269200"/>
-          <a:ext cx="2819979" cy="3117450"/>
-        </p:xfrm>
-        <a:graphic>
-          <a:graphicData uri="http://schemas.openxmlformats.org/drawingml/2006/table">
-            <a:tbl>
-              <a:tblPr firstRow="1" bandRow="1">
-                <a:tableStyleId>{5C22544A-7EE6-4342-B048-85BDC9FD1C3A}</a:tableStyleId>
-              </a:tblPr>
-              <a:tblGrid>
-                <a:gridCol w="1471514">
-                  <a:extLst>
-                    <a:ext uri="{9D8B030D-6E8A-4147-A177-3AD203B41FA5}">
-                      <a16:colId xmlns:a16="http://schemas.microsoft.com/office/drawing/2014/main" val="140004327"/>
-                    </a:ext>
-                  </a:extLst>
-                </a:gridCol>
-                <a:gridCol w="701336">
-                  <a:extLst>
-                    <a:ext uri="{9D8B030D-6E8A-4147-A177-3AD203B41FA5}">
-                      <a16:colId xmlns:a16="http://schemas.microsoft.com/office/drawing/2014/main" val="2101237556"/>
-                    </a:ext>
-                  </a:extLst>
-                </a:gridCol>
-                <a:gridCol w="647129">
-                  <a:extLst>
-                    <a:ext uri="{9D8B030D-6E8A-4147-A177-3AD203B41FA5}">
-                      <a16:colId xmlns:a16="http://schemas.microsoft.com/office/drawing/2014/main" val="92448449"/>
-                    </a:ext>
-                  </a:extLst>
-                </a:gridCol>
-              </a:tblGrid>
-              <a:tr h="559406">
-                <a:tc>
-                  <a:txBody>
-                    <a:bodyPr/>
-                    <a:lstStyle/>
-                    <a:p>
-                      <a:pPr algn="l" latinLnBrk="1"/>
-                      <a:r>
-                        <a:rPr lang="ko-KR" altLang="en-US" sz="1600" dirty="0">
-                          <a:solidFill>
-                            <a:schemeClr val="tx1"/>
-                          </a:solidFill>
-                        </a:rPr>
-                        <a:t>품목</a:t>
-                      </a:r>
-                    </a:p>
-                  </a:txBody>
-                  <a:tcPr anchor="ctr"/>
-                </a:tc>
-                <a:tc>
-                  <a:txBody>
-                    <a:bodyPr/>
-                    <a:lstStyle/>
-                    <a:p>
-                      <a:pPr algn="l" latinLnBrk="1"/>
-                      <a:r>
-                        <a:rPr lang="ko-KR" altLang="en-US" sz="1600" dirty="0">
-                          <a:solidFill>
-                            <a:schemeClr val="tx1"/>
-                          </a:solidFill>
-                        </a:rPr>
-                        <a:t>착용 사진</a:t>
-                      </a:r>
-                    </a:p>
-                  </a:txBody>
-                  <a:tcPr anchor="ctr"/>
-                </a:tc>
-                <a:tc>
-                  <a:txBody>
-                    <a:bodyPr/>
-                    <a:lstStyle/>
-                    <a:p>
-                      <a:pPr algn="l" latinLnBrk="1"/>
-                      <a:r>
-                        <a:rPr lang="ko-KR" altLang="en-US" sz="1600" dirty="0">
-                          <a:solidFill>
-                            <a:schemeClr val="tx1"/>
-                          </a:solidFill>
-                        </a:rPr>
-                        <a:t>제품 사진</a:t>
-                      </a:r>
-                    </a:p>
-                  </a:txBody>
-                  <a:tcPr anchor="ctr"/>
-                </a:tc>
-                <a:extLst>
-                  <a:ext uri="{0D108BD9-81ED-4DB2-BD59-A6C34878D82A}">
-                    <a16:rowId xmlns:a16="http://schemas.microsoft.com/office/drawing/2014/main" val="1816367046"/>
-                  </a:ext>
-                </a:extLst>
-              </a:tr>
-              <a:tr h="503001">
-                <a:tc>
-                  <a:txBody>
-                    <a:bodyPr/>
-                    <a:lstStyle/>
-                    <a:p>
-                      <a:pPr algn="l" latinLnBrk="1"/>
-                      <a:r>
-                        <a:rPr lang="ko-KR" altLang="en-US" sz="1400" dirty="0" err="1">
-                          <a:solidFill>
-                            <a:schemeClr val="tx1"/>
-                          </a:solidFill>
-                        </a:rPr>
-                        <a:t>긴소매</a:t>
-                      </a:r>
-                      <a:endParaRPr lang="ko-KR" altLang="en-US" sz="1400" dirty="0">
-                        <a:solidFill>
-                          <a:schemeClr val="tx1"/>
-                        </a:solidFill>
-                      </a:endParaRPr>
-                    </a:p>
-                  </a:txBody>
-                  <a:tcPr anchor="ctr"/>
-                </a:tc>
-                <a:tc>
-                  <a:txBody>
-                    <a:bodyPr/>
-                    <a:lstStyle/>
-                    <a:p>
-                      <a:pPr algn="l" latinLnBrk="1"/>
-                      <a:r>
-                        <a:rPr lang="en-US" altLang="ko-KR" sz="1400" dirty="0">
-                          <a:solidFill>
-                            <a:schemeClr val="tx1"/>
-                          </a:solidFill>
-                        </a:rPr>
-                        <a:t>90</a:t>
-                      </a:r>
-                      <a:endParaRPr lang="ko-KR" altLang="en-US" sz="1400" dirty="0">
-                        <a:solidFill>
-                          <a:schemeClr val="tx1"/>
-                        </a:solidFill>
-                      </a:endParaRPr>
-                    </a:p>
-                  </a:txBody>
-                  <a:tcPr anchor="ctr"/>
-                </a:tc>
-                <a:tc>
-                  <a:txBody>
-                    <a:bodyPr/>
-                    <a:lstStyle/>
-                    <a:p>
-                      <a:pPr algn="l" latinLnBrk="1"/>
-                      <a:r>
-                        <a:rPr lang="en-US" altLang="ko-KR" sz="1400" dirty="0">
-                          <a:solidFill>
-                            <a:schemeClr val="tx1"/>
-                          </a:solidFill>
-                        </a:rPr>
-                        <a:t>90</a:t>
-                      </a:r>
-                      <a:endParaRPr lang="ko-KR" altLang="en-US" sz="1400" dirty="0">
-                        <a:solidFill>
-                          <a:schemeClr val="tx1"/>
-                        </a:solidFill>
-                      </a:endParaRPr>
-                    </a:p>
-                  </a:txBody>
-                  <a:tcPr anchor="ctr"/>
-                </a:tc>
-                <a:extLst>
-                  <a:ext uri="{0D108BD9-81ED-4DB2-BD59-A6C34878D82A}">
-                    <a16:rowId xmlns:a16="http://schemas.microsoft.com/office/drawing/2014/main" val="1030267779"/>
-                  </a:ext>
-                </a:extLst>
-              </a:tr>
-              <a:tr h="526326">
-                <a:tc>
-                  <a:txBody>
-                    <a:bodyPr/>
-                    <a:lstStyle/>
-                    <a:p>
-                      <a:pPr algn="l" latinLnBrk="1"/>
-                      <a:r>
-                        <a:rPr lang="ko-KR" altLang="en-US" sz="1400" dirty="0">
-                          <a:solidFill>
-                            <a:schemeClr val="tx1"/>
-                          </a:solidFill>
-                        </a:rPr>
-                        <a:t>셔츠</a:t>
-                      </a:r>
-                      <a:r>
-                        <a:rPr lang="en-US" altLang="ko-KR" sz="1400" dirty="0">
-                          <a:solidFill>
-                            <a:schemeClr val="tx1"/>
-                          </a:solidFill>
-                        </a:rPr>
-                        <a:t>&amp;</a:t>
-                      </a:r>
-                      <a:r>
-                        <a:rPr lang="ko-KR" altLang="en-US" sz="1400" dirty="0">
-                          <a:solidFill>
-                            <a:schemeClr val="tx1"/>
-                          </a:solidFill>
-                        </a:rPr>
-                        <a:t>블라우스</a:t>
-                      </a:r>
-                    </a:p>
-                  </a:txBody>
-                  <a:tcPr anchor="ctr"/>
-                </a:tc>
-                <a:tc>
-                  <a:txBody>
-                    <a:bodyPr/>
-                    <a:lstStyle/>
-                    <a:p>
-                      <a:pPr algn="l" latinLnBrk="1"/>
-                      <a:r>
-                        <a:rPr lang="en-US" altLang="ko-KR" sz="1400" dirty="0">
-                          <a:solidFill>
-                            <a:schemeClr val="tx1"/>
-                          </a:solidFill>
-                        </a:rPr>
-                        <a:t>30</a:t>
-                      </a:r>
-                      <a:endParaRPr lang="ko-KR" altLang="en-US" sz="1400" dirty="0">
-                        <a:solidFill>
-                          <a:schemeClr val="tx1"/>
-                        </a:solidFill>
-                      </a:endParaRPr>
-                    </a:p>
-                  </a:txBody>
-                  <a:tcPr anchor="ctr"/>
-                </a:tc>
-                <a:tc>
-                  <a:txBody>
-                    <a:bodyPr/>
-                    <a:lstStyle/>
-                    <a:p>
-                      <a:pPr algn="l" latinLnBrk="1"/>
-                      <a:r>
-                        <a:rPr lang="en-US" altLang="ko-KR" sz="1400" dirty="0">
-                          <a:solidFill>
-                            <a:schemeClr val="tx1"/>
-                          </a:solidFill>
-                        </a:rPr>
-                        <a:t>30</a:t>
-                      </a:r>
-                      <a:endParaRPr lang="ko-KR" altLang="en-US" sz="1400" dirty="0">
-                        <a:solidFill>
-                          <a:schemeClr val="tx1"/>
-                        </a:solidFill>
-                      </a:endParaRPr>
-                    </a:p>
-                  </a:txBody>
-                  <a:tcPr anchor="ctr"/>
-                </a:tc>
-                <a:extLst>
-                  <a:ext uri="{0D108BD9-81ED-4DB2-BD59-A6C34878D82A}">
-                    <a16:rowId xmlns:a16="http://schemas.microsoft.com/office/drawing/2014/main" val="1989455618"/>
-                  </a:ext>
-                </a:extLst>
-              </a:tr>
-              <a:tr h="503001">
-                <a:tc>
-                  <a:txBody>
-                    <a:bodyPr/>
-                    <a:lstStyle/>
-                    <a:p>
-                      <a:pPr algn="l" latinLnBrk="1"/>
-                      <a:r>
-                        <a:rPr lang="ko-KR" altLang="en-US" sz="1400" dirty="0">
-                          <a:solidFill>
-                            <a:schemeClr val="tx1"/>
-                          </a:solidFill>
-                        </a:rPr>
-                        <a:t>반소매</a:t>
-                      </a:r>
-                    </a:p>
-                  </a:txBody>
-                  <a:tcPr anchor="ctr"/>
-                </a:tc>
-                <a:tc>
-                  <a:txBody>
-                    <a:bodyPr/>
-                    <a:lstStyle/>
-                    <a:p>
-                      <a:pPr algn="l" latinLnBrk="1"/>
-                      <a:r>
-                        <a:rPr lang="en-US" altLang="ko-KR" sz="1400" dirty="0">
-                          <a:solidFill>
-                            <a:schemeClr val="tx1"/>
-                          </a:solidFill>
-                        </a:rPr>
-                        <a:t>30</a:t>
-                      </a:r>
-                      <a:endParaRPr lang="ko-KR" altLang="en-US" sz="1400" dirty="0">
-                        <a:solidFill>
-                          <a:schemeClr val="tx1"/>
-                        </a:solidFill>
-                      </a:endParaRPr>
-                    </a:p>
-                  </a:txBody>
-                  <a:tcPr anchor="ctr"/>
-                </a:tc>
-                <a:tc>
-                  <a:txBody>
-                    <a:bodyPr/>
-                    <a:lstStyle/>
-                    <a:p>
-                      <a:pPr algn="l" latinLnBrk="1"/>
-                      <a:r>
-                        <a:rPr lang="en-US" altLang="ko-KR" sz="1400" dirty="0">
-                          <a:solidFill>
-                            <a:schemeClr val="tx1"/>
-                          </a:solidFill>
-                        </a:rPr>
-                        <a:t>30</a:t>
-                      </a:r>
-                      <a:endParaRPr lang="ko-KR" altLang="en-US" sz="1400" dirty="0">
-                        <a:solidFill>
-                          <a:schemeClr val="tx1"/>
-                        </a:solidFill>
-                      </a:endParaRPr>
-                    </a:p>
-                  </a:txBody>
-                  <a:tcPr anchor="ctr"/>
-                </a:tc>
-                <a:extLst>
-                  <a:ext uri="{0D108BD9-81ED-4DB2-BD59-A6C34878D82A}">
-                    <a16:rowId xmlns:a16="http://schemas.microsoft.com/office/drawing/2014/main" val="688975556"/>
-                  </a:ext>
-                </a:extLst>
-              </a:tr>
-              <a:tr h="503001">
-                <a:tc>
-                  <a:txBody>
-                    <a:bodyPr/>
-                    <a:lstStyle/>
-                    <a:p>
-                      <a:pPr algn="l" latinLnBrk="1"/>
-                      <a:r>
-                        <a:rPr lang="ko-KR" altLang="en-US" sz="1400" dirty="0">
-                          <a:solidFill>
-                            <a:schemeClr val="tx1"/>
-                          </a:solidFill>
-                        </a:rPr>
-                        <a:t>민소매</a:t>
-                      </a:r>
-                    </a:p>
-                  </a:txBody>
-                  <a:tcPr anchor="ctr"/>
-                </a:tc>
-                <a:tc>
-                  <a:txBody>
-                    <a:bodyPr/>
-                    <a:lstStyle/>
-                    <a:p>
-                      <a:pPr algn="l" latinLnBrk="1"/>
-                      <a:r>
-                        <a:rPr lang="en-US" altLang="ko-KR" sz="1400" dirty="0">
-                          <a:solidFill>
-                            <a:schemeClr val="tx1"/>
-                          </a:solidFill>
-                        </a:rPr>
-                        <a:t>30</a:t>
-                      </a:r>
-                      <a:endParaRPr lang="ko-KR" altLang="en-US" sz="1400" dirty="0">
-                        <a:solidFill>
-                          <a:schemeClr val="tx1"/>
-                        </a:solidFill>
-                      </a:endParaRPr>
-                    </a:p>
-                  </a:txBody>
-                  <a:tcPr anchor="ctr"/>
-                </a:tc>
-                <a:tc>
-                  <a:txBody>
-                    <a:bodyPr/>
-                    <a:lstStyle/>
-                    <a:p>
-                      <a:pPr algn="l" latinLnBrk="1"/>
-                      <a:r>
-                        <a:rPr lang="en-US" altLang="ko-KR" sz="1400" dirty="0">
-                          <a:solidFill>
-                            <a:schemeClr val="tx1"/>
-                          </a:solidFill>
-                        </a:rPr>
-                        <a:t>30</a:t>
-                      </a:r>
-                      <a:endParaRPr lang="ko-KR" altLang="en-US" sz="1400" dirty="0">
-                        <a:solidFill>
-                          <a:schemeClr val="tx1"/>
-                        </a:solidFill>
-                      </a:endParaRPr>
-                    </a:p>
-                  </a:txBody>
-                  <a:tcPr anchor="ctr"/>
-                </a:tc>
-                <a:extLst>
-                  <a:ext uri="{0D108BD9-81ED-4DB2-BD59-A6C34878D82A}">
-                    <a16:rowId xmlns:a16="http://schemas.microsoft.com/office/drawing/2014/main" val="3916408024"/>
-                  </a:ext>
-                </a:extLst>
-              </a:tr>
-              <a:tr h="503001">
-                <a:tc>
-                  <a:txBody>
-                    <a:bodyPr/>
-                    <a:lstStyle/>
-                    <a:p>
-                      <a:pPr algn="l" latinLnBrk="1"/>
-                      <a:r>
-                        <a:rPr lang="ko-KR" altLang="en-US" sz="1400" dirty="0">
-                          <a:solidFill>
-                            <a:schemeClr val="tx1"/>
-                          </a:solidFill>
-                        </a:rPr>
-                        <a:t>니트</a:t>
-                      </a:r>
-                      <a:r>
-                        <a:rPr lang="en-US" altLang="ko-KR" sz="1400" dirty="0">
-                          <a:solidFill>
-                            <a:schemeClr val="tx1"/>
-                          </a:solidFill>
-                        </a:rPr>
-                        <a:t>&amp;</a:t>
-                      </a:r>
-                      <a:r>
-                        <a:rPr lang="ko-KR" altLang="en-US" sz="1400" dirty="0">
-                          <a:solidFill>
-                            <a:schemeClr val="tx1"/>
-                          </a:solidFill>
-                        </a:rPr>
-                        <a:t>스웨터</a:t>
-                      </a:r>
-                    </a:p>
-                  </a:txBody>
-                  <a:tcPr anchor="ctr"/>
-                </a:tc>
-                <a:tc>
-                  <a:txBody>
-                    <a:bodyPr/>
-                    <a:lstStyle/>
-                    <a:p>
-                      <a:pPr algn="l" latinLnBrk="1"/>
-                      <a:r>
-                        <a:rPr lang="en-US" altLang="ko-KR" sz="1400" dirty="0">
-                          <a:solidFill>
-                            <a:schemeClr val="tx1"/>
-                          </a:solidFill>
-                        </a:rPr>
-                        <a:t>30</a:t>
-                      </a:r>
-                      <a:endParaRPr lang="ko-KR" altLang="en-US" sz="1400" dirty="0">
-                        <a:solidFill>
-                          <a:schemeClr val="tx1"/>
-                        </a:solidFill>
-                      </a:endParaRPr>
-                    </a:p>
-                  </a:txBody>
-                  <a:tcPr anchor="ctr"/>
-                </a:tc>
-                <a:tc>
-                  <a:txBody>
-                    <a:bodyPr/>
-                    <a:lstStyle/>
-                    <a:p>
-                      <a:pPr algn="l" latinLnBrk="1"/>
-                      <a:r>
-                        <a:rPr lang="en-US" altLang="ko-KR" sz="1400" dirty="0">
-                          <a:solidFill>
-                            <a:schemeClr val="tx1"/>
-                          </a:solidFill>
-                        </a:rPr>
-                        <a:t>30</a:t>
-                      </a:r>
-                      <a:endParaRPr lang="ko-KR" altLang="en-US" sz="1400" dirty="0">
-                        <a:solidFill>
-                          <a:schemeClr val="tx1"/>
-                        </a:solidFill>
-                      </a:endParaRPr>
-                    </a:p>
-                  </a:txBody>
-                  <a:tcPr anchor="ctr"/>
-                </a:tc>
-                <a:extLst>
-                  <a:ext uri="{0D108BD9-81ED-4DB2-BD59-A6C34878D82A}">
-                    <a16:rowId xmlns:a16="http://schemas.microsoft.com/office/drawing/2014/main" val="1995027558"/>
-                  </a:ext>
-                </a:extLst>
-              </a:tr>
-            </a:tbl>
-          </a:graphicData>
-        </a:graphic>
-      </p:graphicFrame>
-      <p:graphicFrame>
-        <p:nvGraphicFramePr>
-          <p:cNvPr id="6" name="표 5">
-            <a:extLst>
-              <a:ext uri="{FF2B5EF4-FFF2-40B4-BE49-F238E27FC236}">
-                <a16:creationId xmlns:a16="http://schemas.microsoft.com/office/drawing/2014/main" id="{E022739B-6CF6-4D06-63D0-84E4A1D57CC3}"/>
-              </a:ext>
-            </a:extLst>
-          </p:cNvPr>
-          <p:cNvGraphicFramePr>
-            <a:graphicFrameLocks noGrp="1"/>
-          </p:cNvGraphicFramePr>
-          <p:nvPr>
-            <p:extLst>
-              <p:ext uri="{D42A27DB-BD31-4B8C-83A1-F6EECF244321}">
-                <p14:modId xmlns:p14="http://schemas.microsoft.com/office/powerpoint/2010/main" val="1506066533"/>
-              </p:ext>
-            </p:extLst>
-          </p:nvPr>
-        </p:nvGraphicFramePr>
-        <p:xfrm>
-          <a:off x="4607942" y="3271418"/>
-          <a:ext cx="2090915" cy="2111448"/>
-        </p:xfrm>
-        <a:graphic>
-          <a:graphicData uri="http://schemas.openxmlformats.org/drawingml/2006/table">
-            <a:tbl>
-              <a:tblPr firstRow="1" bandRow="1">
-                <a:tableStyleId>{5C22544A-7EE6-4342-B048-85BDC9FD1C3A}</a:tableStyleId>
-              </a:tblPr>
-              <a:tblGrid>
-                <a:gridCol w="770757">
-                  <a:extLst>
-                    <a:ext uri="{9D8B030D-6E8A-4147-A177-3AD203B41FA5}">
-                      <a16:colId xmlns:a16="http://schemas.microsoft.com/office/drawing/2014/main" val="140004327"/>
-                    </a:ext>
-                  </a:extLst>
-                </a:gridCol>
-                <a:gridCol w="656948">
-                  <a:extLst>
-                    <a:ext uri="{9D8B030D-6E8A-4147-A177-3AD203B41FA5}">
-                      <a16:colId xmlns:a16="http://schemas.microsoft.com/office/drawing/2014/main" val="2101237556"/>
-                    </a:ext>
-                  </a:extLst>
-                </a:gridCol>
-                <a:gridCol w="663210">
-                  <a:extLst>
-                    <a:ext uri="{9D8B030D-6E8A-4147-A177-3AD203B41FA5}">
-                      <a16:colId xmlns:a16="http://schemas.microsoft.com/office/drawing/2014/main" val="4001694859"/>
-                    </a:ext>
-                  </a:extLst>
-                </a:gridCol>
-              </a:tblGrid>
-              <a:tr h="559406">
-                <a:tc>
-                  <a:txBody>
-                    <a:bodyPr/>
-                    <a:lstStyle/>
-                    <a:p>
-                      <a:pPr algn="l" latinLnBrk="1"/>
-                      <a:r>
-                        <a:rPr lang="ko-KR" altLang="en-US" sz="1600" dirty="0">
-                          <a:solidFill>
-                            <a:schemeClr val="tx1"/>
-                          </a:solidFill>
-                        </a:rPr>
-                        <a:t>품목</a:t>
-                      </a:r>
-                    </a:p>
-                  </a:txBody>
-                  <a:tcPr anchor="ctr"/>
-                </a:tc>
-                <a:tc>
-                  <a:txBody>
-                    <a:bodyPr/>
-                    <a:lstStyle/>
-                    <a:p>
-                      <a:pPr algn="l" latinLnBrk="1"/>
-                      <a:r>
-                        <a:rPr lang="ko-KR" altLang="en-US" sz="1600" dirty="0">
-                          <a:solidFill>
-                            <a:schemeClr val="tx1"/>
-                          </a:solidFill>
-                        </a:rPr>
-                        <a:t>착용 사진</a:t>
-                      </a:r>
-                    </a:p>
-                  </a:txBody>
-                  <a:tcPr anchor="ctr"/>
-                </a:tc>
-                <a:tc>
-                  <a:txBody>
-                    <a:bodyPr/>
-                    <a:lstStyle/>
-                    <a:p>
-                      <a:pPr algn="l" latinLnBrk="1"/>
-                      <a:r>
-                        <a:rPr lang="ko-KR" altLang="en-US" sz="1600" dirty="0">
-                          <a:solidFill>
-                            <a:schemeClr val="tx1"/>
-                          </a:solidFill>
-                        </a:rPr>
-                        <a:t>제품 사진</a:t>
-                      </a:r>
-                    </a:p>
-                  </a:txBody>
-                  <a:tcPr anchor="ctr"/>
-                </a:tc>
-                <a:extLst>
-                  <a:ext uri="{0D108BD9-81ED-4DB2-BD59-A6C34878D82A}">
-                    <a16:rowId xmlns:a16="http://schemas.microsoft.com/office/drawing/2014/main" val="1816367046"/>
-                  </a:ext>
-                </a:extLst>
-              </a:tr>
-              <a:tr h="503001">
-                <a:tc>
-                  <a:txBody>
-                    <a:bodyPr/>
-                    <a:lstStyle/>
-                    <a:p>
-                      <a:pPr algn="l" latinLnBrk="1"/>
-                      <a:r>
-                        <a:rPr lang="ko-KR" altLang="en-US" sz="1400" dirty="0" err="1">
-                          <a:solidFill>
-                            <a:schemeClr val="tx1"/>
-                          </a:solidFill>
-                        </a:rPr>
-                        <a:t>긴바지</a:t>
-                      </a:r>
-                      <a:endParaRPr lang="ko-KR" altLang="en-US" sz="1400" dirty="0">
-                        <a:solidFill>
-                          <a:schemeClr val="tx1"/>
-                        </a:solidFill>
-                      </a:endParaRPr>
-                    </a:p>
-                  </a:txBody>
-                  <a:tcPr anchor="ctr"/>
-                </a:tc>
-                <a:tc>
-                  <a:txBody>
-                    <a:bodyPr/>
-                    <a:lstStyle/>
-                    <a:p>
-                      <a:pPr algn="l" latinLnBrk="1"/>
-                      <a:r>
-                        <a:rPr lang="en-US" altLang="ko-KR" sz="1400" dirty="0">
-                          <a:solidFill>
-                            <a:schemeClr val="tx1"/>
-                          </a:solidFill>
-                        </a:rPr>
-                        <a:t>90</a:t>
-                      </a:r>
-                      <a:endParaRPr lang="ko-KR" altLang="en-US" sz="1400" dirty="0">
-                        <a:solidFill>
-                          <a:schemeClr val="tx1"/>
-                        </a:solidFill>
-                      </a:endParaRPr>
-                    </a:p>
-                  </a:txBody>
-                  <a:tcPr anchor="ctr"/>
-                </a:tc>
-                <a:tc>
-                  <a:txBody>
-                    <a:bodyPr/>
-                    <a:lstStyle/>
-                    <a:p>
-                      <a:pPr algn="l" latinLnBrk="1"/>
-                      <a:r>
-                        <a:rPr lang="en-US" altLang="ko-KR" sz="1400" dirty="0">
-                          <a:solidFill>
-                            <a:schemeClr val="tx1"/>
-                          </a:solidFill>
-                        </a:rPr>
-                        <a:t>90</a:t>
-                      </a:r>
-                      <a:endParaRPr lang="ko-KR" altLang="en-US" sz="1400" dirty="0">
-                        <a:solidFill>
-                          <a:schemeClr val="tx1"/>
-                        </a:solidFill>
-                      </a:endParaRPr>
-                    </a:p>
-                  </a:txBody>
-                  <a:tcPr anchor="ctr"/>
-                </a:tc>
-                <a:extLst>
-                  <a:ext uri="{0D108BD9-81ED-4DB2-BD59-A6C34878D82A}">
-                    <a16:rowId xmlns:a16="http://schemas.microsoft.com/office/drawing/2014/main" val="1030267779"/>
-                  </a:ext>
-                </a:extLst>
-              </a:tr>
-              <a:tr h="526326">
-                <a:tc>
-                  <a:txBody>
-                    <a:bodyPr/>
-                    <a:lstStyle/>
-                    <a:p>
-                      <a:pPr algn="l" latinLnBrk="1"/>
-                      <a:r>
-                        <a:rPr lang="ko-KR" altLang="en-US" sz="1400" dirty="0">
-                          <a:solidFill>
-                            <a:schemeClr val="tx1"/>
-                          </a:solidFill>
-                        </a:rPr>
-                        <a:t>반바지</a:t>
-                      </a:r>
-                    </a:p>
-                  </a:txBody>
-                  <a:tcPr anchor="ctr"/>
-                </a:tc>
-                <a:tc>
-                  <a:txBody>
-                    <a:bodyPr/>
-                    <a:lstStyle/>
-                    <a:p>
-                      <a:pPr algn="l" latinLnBrk="1"/>
-                      <a:r>
-                        <a:rPr lang="en-US" altLang="ko-KR" sz="1400" dirty="0">
-                          <a:solidFill>
-                            <a:schemeClr val="tx1"/>
-                          </a:solidFill>
-                        </a:rPr>
-                        <a:t>30</a:t>
-                      </a:r>
-                      <a:endParaRPr lang="ko-KR" altLang="en-US" sz="1400" dirty="0">
-                        <a:solidFill>
-                          <a:schemeClr val="tx1"/>
-                        </a:solidFill>
-                      </a:endParaRPr>
-                    </a:p>
-                  </a:txBody>
-                  <a:tcPr anchor="ctr"/>
-                </a:tc>
-                <a:tc>
-                  <a:txBody>
-                    <a:bodyPr/>
-                    <a:lstStyle/>
-                    <a:p>
-                      <a:pPr algn="l" latinLnBrk="1"/>
-                      <a:r>
-                        <a:rPr lang="en-US" altLang="ko-KR" sz="1400" dirty="0">
-                          <a:solidFill>
-                            <a:schemeClr val="tx1"/>
-                          </a:solidFill>
-                        </a:rPr>
-                        <a:t>30</a:t>
-                      </a:r>
-                      <a:endParaRPr lang="ko-KR" altLang="en-US" sz="1400" dirty="0">
-                        <a:solidFill>
-                          <a:schemeClr val="tx1"/>
-                        </a:solidFill>
-                      </a:endParaRPr>
-                    </a:p>
-                  </a:txBody>
-                  <a:tcPr anchor="ctr"/>
-                </a:tc>
-                <a:extLst>
-                  <a:ext uri="{0D108BD9-81ED-4DB2-BD59-A6C34878D82A}">
-                    <a16:rowId xmlns:a16="http://schemas.microsoft.com/office/drawing/2014/main" val="1989455618"/>
-                  </a:ext>
-                </a:extLst>
-              </a:tr>
-              <a:tr h="503001">
-                <a:tc>
-                  <a:txBody>
-                    <a:bodyPr/>
-                    <a:lstStyle/>
-                    <a:p>
-                      <a:pPr algn="l" latinLnBrk="1"/>
-                      <a:r>
-                        <a:rPr lang="ko-KR" altLang="en-US" sz="1400" dirty="0">
-                          <a:solidFill>
-                            <a:schemeClr val="tx1"/>
-                          </a:solidFill>
-                        </a:rPr>
-                        <a:t>스커트</a:t>
-                      </a:r>
-                    </a:p>
-                  </a:txBody>
-                  <a:tcPr anchor="ctr"/>
-                </a:tc>
-                <a:tc>
-                  <a:txBody>
-                    <a:bodyPr/>
-                    <a:lstStyle/>
-                    <a:p>
-                      <a:pPr algn="l" latinLnBrk="1"/>
-                      <a:r>
-                        <a:rPr lang="en-US" altLang="ko-KR" sz="1400" dirty="0">
-                          <a:solidFill>
-                            <a:schemeClr val="tx1"/>
-                          </a:solidFill>
-                        </a:rPr>
-                        <a:t>90</a:t>
-                      </a:r>
-                      <a:endParaRPr lang="ko-KR" altLang="en-US" sz="1400" dirty="0">
-                        <a:solidFill>
-                          <a:schemeClr val="tx1"/>
-                        </a:solidFill>
-                      </a:endParaRPr>
-                    </a:p>
-                  </a:txBody>
-                  <a:tcPr anchor="ctr"/>
-                </a:tc>
-                <a:tc>
-                  <a:txBody>
-                    <a:bodyPr/>
-                    <a:lstStyle/>
-                    <a:p>
-                      <a:pPr algn="l" latinLnBrk="1"/>
-                      <a:r>
-                        <a:rPr lang="en-US" altLang="ko-KR" sz="1400" dirty="0">
-                          <a:solidFill>
-                            <a:schemeClr val="tx1"/>
-                          </a:solidFill>
-                        </a:rPr>
-                        <a:t>90</a:t>
-                      </a:r>
-                      <a:endParaRPr lang="ko-KR" altLang="en-US" sz="1400" dirty="0">
-                        <a:solidFill>
-                          <a:schemeClr val="tx1"/>
-                        </a:solidFill>
-                      </a:endParaRPr>
-                    </a:p>
-                  </a:txBody>
-                  <a:tcPr anchor="ctr"/>
-                </a:tc>
-                <a:extLst>
-                  <a:ext uri="{0D108BD9-81ED-4DB2-BD59-A6C34878D82A}">
-                    <a16:rowId xmlns:a16="http://schemas.microsoft.com/office/drawing/2014/main" val="688975556"/>
-                  </a:ext>
-                </a:extLst>
-              </a:tr>
-            </a:tbl>
-          </a:graphicData>
-        </a:graphic>
-      </p:graphicFrame>
-      <p:graphicFrame>
-        <p:nvGraphicFramePr>
-          <p:cNvPr id="7" name="표 6">
-            <a:extLst>
-              <a:ext uri="{FF2B5EF4-FFF2-40B4-BE49-F238E27FC236}">
-                <a16:creationId xmlns:a16="http://schemas.microsoft.com/office/drawing/2014/main" id="{D2EB6F0C-0CA8-301E-F72F-1592EE8169ED}"/>
-              </a:ext>
-            </a:extLst>
-          </p:cNvPr>
-          <p:cNvGraphicFramePr>
-            <a:graphicFrameLocks noGrp="1"/>
-          </p:cNvGraphicFramePr>
-          <p:nvPr>
-            <p:extLst>
-              <p:ext uri="{D42A27DB-BD31-4B8C-83A1-F6EECF244321}">
-                <p14:modId xmlns:p14="http://schemas.microsoft.com/office/powerpoint/2010/main" val="2326276889"/>
-              </p:ext>
-            </p:extLst>
-          </p:nvPr>
-        </p:nvGraphicFramePr>
-        <p:xfrm>
-          <a:off x="7392685" y="3269200"/>
-          <a:ext cx="2303983" cy="1608447"/>
-        </p:xfrm>
-        <a:graphic>
-          <a:graphicData uri="http://schemas.openxmlformats.org/drawingml/2006/table">
-            <a:tbl>
-              <a:tblPr firstRow="1" bandRow="1">
-                <a:tableStyleId>{5C22544A-7EE6-4342-B048-85BDC9FD1C3A}</a:tableStyleId>
-              </a:tblPr>
-              <a:tblGrid>
-                <a:gridCol w="896718">
-                  <a:extLst>
-                    <a:ext uri="{9D8B030D-6E8A-4147-A177-3AD203B41FA5}">
-                      <a16:colId xmlns:a16="http://schemas.microsoft.com/office/drawing/2014/main" val="140004327"/>
-                    </a:ext>
-                  </a:extLst>
-                </a:gridCol>
-                <a:gridCol w="630315">
-                  <a:extLst>
-                    <a:ext uri="{9D8B030D-6E8A-4147-A177-3AD203B41FA5}">
-                      <a16:colId xmlns:a16="http://schemas.microsoft.com/office/drawing/2014/main" val="2101237556"/>
-                    </a:ext>
-                  </a:extLst>
-                </a:gridCol>
-                <a:gridCol w="776950">
-                  <a:extLst>
-                    <a:ext uri="{9D8B030D-6E8A-4147-A177-3AD203B41FA5}">
-                      <a16:colId xmlns:a16="http://schemas.microsoft.com/office/drawing/2014/main" val="3722193491"/>
-                    </a:ext>
-                  </a:extLst>
-                </a:gridCol>
-              </a:tblGrid>
-              <a:tr h="559406">
-                <a:tc>
-                  <a:txBody>
-                    <a:bodyPr/>
-                    <a:lstStyle/>
-                    <a:p>
-                      <a:pPr algn="l" latinLnBrk="1"/>
-                      <a:r>
-                        <a:rPr lang="ko-KR" altLang="en-US" sz="1600" dirty="0">
-                          <a:solidFill>
-                            <a:schemeClr val="tx1"/>
-                          </a:solidFill>
-                        </a:rPr>
-                        <a:t>품목</a:t>
-                      </a:r>
-                    </a:p>
-                  </a:txBody>
-                  <a:tcPr anchor="ctr"/>
-                </a:tc>
-                <a:tc>
-                  <a:txBody>
-                    <a:bodyPr/>
-                    <a:lstStyle/>
-                    <a:p>
-                      <a:pPr algn="l" latinLnBrk="1"/>
-                      <a:r>
-                        <a:rPr lang="ko-KR" altLang="en-US" sz="1600" dirty="0">
-                          <a:solidFill>
-                            <a:schemeClr val="tx1"/>
-                          </a:solidFill>
-                        </a:rPr>
-                        <a:t>착용 사진</a:t>
-                      </a:r>
-                    </a:p>
-                  </a:txBody>
-                  <a:tcPr anchor="ctr"/>
-                </a:tc>
-                <a:tc>
-                  <a:txBody>
-                    <a:bodyPr/>
-                    <a:lstStyle/>
-                    <a:p>
-                      <a:pPr algn="l" latinLnBrk="1"/>
-                      <a:r>
-                        <a:rPr lang="ko-KR" altLang="en-US" sz="1600" dirty="0">
-                          <a:solidFill>
-                            <a:schemeClr val="tx1"/>
-                          </a:solidFill>
-                        </a:rPr>
-                        <a:t>제품 사진</a:t>
-                      </a:r>
-                    </a:p>
-                  </a:txBody>
-                  <a:tcPr anchor="ctr"/>
-                </a:tc>
-                <a:extLst>
-                  <a:ext uri="{0D108BD9-81ED-4DB2-BD59-A6C34878D82A}">
-                    <a16:rowId xmlns:a16="http://schemas.microsoft.com/office/drawing/2014/main" val="1816367046"/>
-                  </a:ext>
-                </a:extLst>
-              </a:tr>
-              <a:tr h="503001">
-                <a:tc>
-                  <a:txBody>
-                    <a:bodyPr/>
-                    <a:lstStyle/>
-                    <a:p>
-                      <a:pPr algn="l" latinLnBrk="1"/>
-                      <a:r>
-                        <a:rPr lang="ko-KR" altLang="en-US" sz="1400" dirty="0">
-                          <a:solidFill>
-                            <a:schemeClr val="tx1"/>
-                          </a:solidFill>
-                        </a:rPr>
-                        <a:t>원피스</a:t>
-                      </a:r>
-                    </a:p>
-                  </a:txBody>
-                  <a:tcPr anchor="ctr"/>
-                </a:tc>
-                <a:tc>
-                  <a:txBody>
-                    <a:bodyPr/>
-                    <a:lstStyle/>
-                    <a:p>
-                      <a:pPr algn="l" latinLnBrk="1"/>
-                      <a:r>
-                        <a:rPr lang="en-US" altLang="ko-KR" sz="1400" dirty="0">
-                          <a:solidFill>
-                            <a:schemeClr val="tx1"/>
-                          </a:solidFill>
-                        </a:rPr>
-                        <a:t>60</a:t>
-                      </a:r>
-                      <a:endParaRPr lang="ko-KR" altLang="en-US" sz="1400" dirty="0">
-                        <a:solidFill>
-                          <a:schemeClr val="tx1"/>
-                        </a:solidFill>
-                      </a:endParaRPr>
-                    </a:p>
-                  </a:txBody>
-                  <a:tcPr anchor="ctr"/>
-                </a:tc>
-                <a:tc>
-                  <a:txBody>
-                    <a:bodyPr/>
-                    <a:lstStyle/>
-                    <a:p>
-                      <a:pPr algn="l" latinLnBrk="1"/>
-                      <a:r>
-                        <a:rPr lang="en-US" altLang="ko-KR" sz="1400" dirty="0">
-                          <a:solidFill>
-                            <a:schemeClr val="tx1"/>
-                          </a:solidFill>
-                        </a:rPr>
-                        <a:t>60</a:t>
-                      </a:r>
-                      <a:endParaRPr lang="ko-KR" altLang="en-US" sz="1400" dirty="0">
-                        <a:solidFill>
-                          <a:schemeClr val="tx1"/>
-                        </a:solidFill>
-                      </a:endParaRPr>
-                    </a:p>
-                  </a:txBody>
-                  <a:tcPr anchor="ctr"/>
-                </a:tc>
-                <a:extLst>
-                  <a:ext uri="{0D108BD9-81ED-4DB2-BD59-A6C34878D82A}">
-                    <a16:rowId xmlns:a16="http://schemas.microsoft.com/office/drawing/2014/main" val="1030267779"/>
-                  </a:ext>
-                </a:extLst>
-              </a:tr>
-              <a:tr h="526326">
-                <a:tc>
-                  <a:txBody>
-                    <a:bodyPr/>
-                    <a:lstStyle/>
-                    <a:p>
-                      <a:pPr algn="l" latinLnBrk="1"/>
-                      <a:r>
-                        <a:rPr lang="ko-KR" altLang="en-US" sz="1400" dirty="0" err="1">
-                          <a:solidFill>
-                            <a:schemeClr val="tx1"/>
-                          </a:solidFill>
-                        </a:rPr>
-                        <a:t>점프슈트</a:t>
-                      </a:r>
-                      <a:endParaRPr lang="ko-KR" altLang="en-US" sz="1400" dirty="0">
-                        <a:solidFill>
-                          <a:schemeClr val="tx1"/>
-                        </a:solidFill>
-                      </a:endParaRPr>
-                    </a:p>
-                  </a:txBody>
-                  <a:tcPr anchor="ctr"/>
-                </a:tc>
-                <a:tc>
-                  <a:txBody>
-                    <a:bodyPr/>
-                    <a:lstStyle/>
-                    <a:p>
-                      <a:pPr algn="l" latinLnBrk="1"/>
-                      <a:r>
-                        <a:rPr lang="en-US" altLang="ko-KR" sz="1400" dirty="0">
-                          <a:solidFill>
-                            <a:schemeClr val="tx1"/>
-                          </a:solidFill>
-                        </a:rPr>
-                        <a:t>20</a:t>
-                      </a:r>
-                      <a:endParaRPr lang="ko-KR" altLang="en-US" sz="1400" dirty="0">
-                        <a:solidFill>
-                          <a:schemeClr val="tx1"/>
-                        </a:solidFill>
-                      </a:endParaRPr>
-                    </a:p>
-                  </a:txBody>
-                  <a:tcPr anchor="ctr"/>
-                </a:tc>
-                <a:tc>
-                  <a:txBody>
-                    <a:bodyPr/>
-                    <a:lstStyle/>
-                    <a:p>
-                      <a:pPr algn="l" latinLnBrk="1"/>
-                      <a:r>
-                        <a:rPr lang="en-US" altLang="ko-KR" sz="1400" dirty="0">
-                          <a:solidFill>
-                            <a:schemeClr val="tx1"/>
-                          </a:solidFill>
-                        </a:rPr>
-                        <a:t>20</a:t>
-                      </a:r>
-                      <a:endParaRPr lang="ko-KR" altLang="en-US" sz="1400" dirty="0">
-                        <a:solidFill>
-                          <a:schemeClr val="tx1"/>
-                        </a:solidFill>
-                      </a:endParaRPr>
-                    </a:p>
-                  </a:txBody>
-                  <a:tcPr anchor="ctr"/>
-                </a:tc>
-                <a:extLst>
-                  <a:ext uri="{0D108BD9-81ED-4DB2-BD59-A6C34878D82A}">
-                    <a16:rowId xmlns:a16="http://schemas.microsoft.com/office/drawing/2014/main" val="1989455618"/>
-                  </a:ext>
-                </a:extLst>
-              </a:tr>
-            </a:tbl>
-          </a:graphicData>
-        </a:graphic>
-      </p:graphicFrame>
-      <p:sp>
-        <p:nvSpPr>
-          <p:cNvPr id="8" name="직사각형 7">
-            <a:extLst>
-              <a:ext uri="{FF2B5EF4-FFF2-40B4-BE49-F238E27FC236}">
-                <a16:creationId xmlns:a16="http://schemas.microsoft.com/office/drawing/2014/main" id="{86009A31-45C3-4C9A-E1AC-0B5BC6E76B97}"/>
-              </a:ext>
-            </a:extLst>
-          </p:cNvPr>
-          <p:cNvSpPr/>
-          <p:nvPr/>
-        </p:nvSpPr>
-        <p:spPr>
-          <a:xfrm>
-            <a:off x="1895652" y="2880011"/>
-            <a:ext cx="1216942" cy="309291"/>
-          </a:xfrm>
-          <a:prstGeom prst="rect">
-            <a:avLst/>
-          </a:prstGeom>
-          <a:noFill/>
-          <a:ln>
-            <a:noFill/>
-          </a:ln>
-        </p:spPr>
-        <p:style>
-          <a:lnRef idx="2">
-            <a:schemeClr val="accent1">
-              <a:shade val="15000"/>
-            </a:schemeClr>
-          </a:lnRef>
-          <a:fillRef idx="1">
-            <a:schemeClr val="accent1"/>
-          </a:fillRef>
-          <a:effectRef idx="0">
-            <a:schemeClr val="accent1"/>
-          </a:effectRef>
-          <a:fontRef idx="minor">
-            <a:schemeClr val="lt1"/>
-          </a:fontRef>
-        </p:style>
-        <p:txBody>
-          <a:bodyPr rtlCol="0" anchor="ctr"/>
-          <a:lstStyle/>
-          <a:p>
-            <a:pPr algn="ctr"/>
-            <a:r>
-              <a:rPr lang="en-US" altLang="ko-KR" sz="1400" dirty="0">
-                <a:solidFill>
-                  <a:schemeClr val="tx1"/>
-                </a:solidFill>
-              </a:rPr>
-              <a:t>[</a:t>
-            </a:r>
-            <a:r>
-              <a:rPr lang="ko-KR" altLang="en-US" sz="1400" dirty="0">
-                <a:solidFill>
-                  <a:schemeClr val="tx1"/>
-                </a:solidFill>
-              </a:rPr>
-              <a:t>상의</a:t>
-            </a:r>
-            <a:r>
-              <a:rPr lang="en-US" altLang="ko-KR" sz="1400" dirty="0">
-                <a:solidFill>
-                  <a:schemeClr val="tx1"/>
-                </a:solidFill>
-              </a:rPr>
-              <a:t>]</a:t>
-            </a:r>
-            <a:endParaRPr lang="ko-KR" altLang="en-US" sz="1400" dirty="0">
-              <a:solidFill>
-                <a:schemeClr val="tx1"/>
-              </a:solidFill>
-            </a:endParaRPr>
-          </a:p>
-        </p:txBody>
-      </p:sp>
-      <p:sp>
-        <p:nvSpPr>
-          <p:cNvPr id="9" name="직사각형 8">
-            <a:extLst>
-              <a:ext uri="{FF2B5EF4-FFF2-40B4-BE49-F238E27FC236}">
-                <a16:creationId xmlns:a16="http://schemas.microsoft.com/office/drawing/2014/main" id="{C265E369-F7E3-F068-21F9-54471F02EF84}"/>
-              </a:ext>
-            </a:extLst>
-          </p:cNvPr>
-          <p:cNvSpPr/>
-          <p:nvPr/>
-        </p:nvSpPr>
-        <p:spPr>
-          <a:xfrm>
-            <a:off x="5091359" y="2880010"/>
-            <a:ext cx="1124080" cy="309291"/>
-          </a:xfrm>
-          <a:prstGeom prst="rect">
-            <a:avLst/>
-          </a:prstGeom>
-          <a:noFill/>
-          <a:ln>
-            <a:noFill/>
-          </a:ln>
-        </p:spPr>
-        <p:style>
-          <a:lnRef idx="2">
-            <a:schemeClr val="accent1">
-              <a:shade val="15000"/>
-            </a:schemeClr>
-          </a:lnRef>
-          <a:fillRef idx="1">
-            <a:schemeClr val="accent1"/>
-          </a:fillRef>
-          <a:effectRef idx="0">
-            <a:schemeClr val="accent1"/>
-          </a:effectRef>
-          <a:fontRef idx="minor">
-            <a:schemeClr val="lt1"/>
-          </a:fontRef>
-        </p:style>
-        <p:txBody>
-          <a:bodyPr rtlCol="0" anchor="ctr"/>
-          <a:lstStyle/>
-          <a:p>
-            <a:pPr algn="ctr"/>
-            <a:r>
-              <a:rPr lang="en-US" altLang="ko-KR" sz="1400" dirty="0">
-                <a:solidFill>
-                  <a:schemeClr val="tx1"/>
-                </a:solidFill>
-              </a:rPr>
-              <a:t>[</a:t>
-            </a:r>
-            <a:r>
-              <a:rPr lang="ko-KR" altLang="en-US" sz="1400" dirty="0">
-                <a:solidFill>
-                  <a:schemeClr val="tx1"/>
-                </a:solidFill>
-              </a:rPr>
-              <a:t>하의</a:t>
-            </a:r>
-            <a:r>
-              <a:rPr lang="en-US" altLang="ko-KR" sz="1400" dirty="0">
-                <a:solidFill>
-                  <a:schemeClr val="tx1"/>
-                </a:solidFill>
-              </a:rPr>
-              <a:t>]</a:t>
-            </a:r>
-            <a:endParaRPr lang="ko-KR" altLang="en-US" sz="1400" dirty="0">
-              <a:solidFill>
-                <a:schemeClr val="tx1"/>
-              </a:solidFill>
-            </a:endParaRPr>
-          </a:p>
-        </p:txBody>
-      </p:sp>
-      <p:sp>
-        <p:nvSpPr>
-          <p:cNvPr id="10" name="직사각형 9">
-            <a:extLst>
-              <a:ext uri="{FF2B5EF4-FFF2-40B4-BE49-F238E27FC236}">
-                <a16:creationId xmlns:a16="http://schemas.microsoft.com/office/drawing/2014/main" id="{8EF761B5-96B7-D868-0AD0-9D787FF92C8E}"/>
-              </a:ext>
-            </a:extLst>
-          </p:cNvPr>
-          <p:cNvSpPr/>
-          <p:nvPr/>
-        </p:nvSpPr>
-        <p:spPr>
-          <a:xfrm>
-            <a:off x="8007333" y="2880010"/>
-            <a:ext cx="1074685" cy="309291"/>
-          </a:xfrm>
-          <a:prstGeom prst="rect">
-            <a:avLst/>
-          </a:prstGeom>
-          <a:noFill/>
-          <a:ln>
-            <a:noFill/>
-          </a:ln>
-        </p:spPr>
-        <p:style>
-          <a:lnRef idx="2">
-            <a:schemeClr val="accent1">
-              <a:shade val="15000"/>
-            </a:schemeClr>
-          </a:lnRef>
-          <a:fillRef idx="1">
-            <a:schemeClr val="accent1"/>
-          </a:fillRef>
-          <a:effectRef idx="0">
-            <a:schemeClr val="accent1"/>
-          </a:effectRef>
-          <a:fontRef idx="minor">
-            <a:schemeClr val="lt1"/>
-          </a:fontRef>
-        </p:style>
-        <p:txBody>
-          <a:bodyPr rtlCol="0" anchor="ctr"/>
-          <a:lstStyle/>
-          <a:p>
-            <a:pPr algn="ctr"/>
-            <a:r>
-              <a:rPr lang="en-US" altLang="ko-KR" sz="1400" dirty="0">
-                <a:solidFill>
-                  <a:schemeClr val="tx1"/>
-                </a:solidFill>
-              </a:rPr>
-              <a:t>[</a:t>
-            </a:r>
-            <a:r>
-              <a:rPr lang="ko-KR" altLang="en-US" sz="1400" dirty="0">
-                <a:solidFill>
-                  <a:schemeClr val="tx1"/>
-                </a:solidFill>
-              </a:rPr>
-              <a:t>원피스</a:t>
-            </a:r>
-            <a:r>
-              <a:rPr lang="en-US" altLang="ko-KR" sz="1400" dirty="0">
-                <a:solidFill>
-                  <a:schemeClr val="tx1"/>
-                </a:solidFill>
-              </a:rPr>
-              <a:t>]</a:t>
-            </a:r>
-            <a:endParaRPr lang="ko-KR" altLang="en-US" sz="1400" dirty="0">
-              <a:solidFill>
-                <a:schemeClr val="tx1"/>
-              </a:solidFill>
-            </a:endParaRPr>
-          </a:p>
-        </p:txBody>
-      </p:sp>
-    </p:spTree>
-    <p:extLst>
-      <p:ext uri="{BB962C8B-B14F-4D97-AF65-F5344CB8AC3E}">
-        <p14:creationId xmlns:p14="http://schemas.microsoft.com/office/powerpoint/2010/main" val="1715171892"/>
-      </p:ext>
-    </p:extLst>
-  </p:cSld>
-  <p:clrMapOvr>
-    <a:masterClrMapping/>
-  </p:clrMapOvr>
-</p:sld>
-</file>
-
-<file path=ppt/slides/slide9.xml><?xml version="1.0" encoding="utf-8"?>
+<file path=ppt/slides/slide7.xml><?xml version="1.0" encoding="utf-8"?>
 <p:sld xmlns:a="http://schemas.openxmlformats.org/drawingml/2006/main" xmlns:r="http://schemas.openxmlformats.org/officeDocument/2006/relationships" xmlns:p="http://schemas.openxmlformats.org/presentationml/2006/main">
   <p:cSld>
     <p:spTree>
@@ -12806,65 +15788,84 @@
               <a:rPr lang="en-US" altLang="ko-KR" dirty="0"/>
               <a:t>fine-tuning</a:t>
             </a:r>
-            <a:br>
+          </a:p>
+          <a:p>
+            <a:r>
               <a:rPr lang="en-US" altLang="ko-KR" dirty="0"/>
-            </a:br>
+              <a:t>Model1 : K-Fashion </a:t>
+            </a:r>
+            <a:r>
+              <a:rPr lang="ko-KR" altLang="en-US" dirty="0"/>
+              <a:t>데이터 총 </a:t>
+            </a:r>
+            <a:r>
+              <a:rPr lang="en-US" altLang="ko-KR" dirty="0"/>
+              <a:t>10000</a:t>
+            </a:r>
+            <a:r>
+              <a:rPr lang="ko-KR" altLang="en-US" dirty="0"/>
+              <a:t>장 사용하여 학습</a:t>
+            </a:r>
             <a:endParaRPr lang="en-US" altLang="ko-KR" dirty="0"/>
           </a:p>
           <a:p>
             <a:r>
               <a:rPr lang="en-US" altLang="ko-KR" dirty="0"/>
-              <a:t>Model1 : </a:t>
+              <a:t>Model2 : K-Fashion</a:t>
             </a:r>
             <a:r>
               <a:rPr lang="ko-KR" altLang="en-US" dirty="0"/>
-              <a:t>데이터 </a:t>
+              <a:t> 데이터 총 </a:t>
             </a:r>
             <a:r>
               <a:rPr lang="en-US" altLang="ko-KR" dirty="0"/>
-              <a:t>2</a:t>
+              <a:t>20000</a:t>
             </a:r>
             <a:r>
               <a:rPr lang="ko-KR" altLang="en-US" dirty="0"/>
-              <a:t>만장 사용</a:t>
+              <a:t>장 사용하여 학습</a:t>
             </a:r>
             <a:endParaRPr lang="en-US" altLang="ko-KR" dirty="0"/>
           </a:p>
           <a:p>
             <a:r>
               <a:rPr lang="en-US" altLang="ko-KR" dirty="0"/>
-              <a:t>Model2 : </a:t>
+              <a:t>Model3 : K-Fashion</a:t>
             </a:r>
             <a:r>
               <a:rPr lang="ko-KR" altLang="en-US" dirty="0"/>
-              <a:t>데이터 </a:t>
+              <a:t> 데이터 총 </a:t>
             </a:r>
             <a:r>
               <a:rPr lang="en-US" altLang="ko-KR" dirty="0"/>
-              <a:t>4</a:t>
+              <a:t>40000</a:t>
             </a:r>
             <a:r>
               <a:rPr lang="ko-KR" altLang="en-US" dirty="0"/>
-              <a:t>만장 사용</a:t>
+              <a:t>장 사용하여 학습</a:t>
             </a:r>
             <a:endParaRPr lang="en-US" altLang="ko-KR" dirty="0"/>
           </a:p>
           <a:p>
             <a:r>
+              <a:rPr lang="ko-KR" altLang="en-US" dirty="0"/>
+              <a:t>비교를 위해 </a:t>
+            </a:r>
+            <a:r>
               <a:rPr lang="en-US" altLang="ko-KR" dirty="0"/>
-              <a:t>Model3 : </a:t>
+              <a:t>Validation set</a:t>
             </a:r>
             <a:r>
               <a:rPr lang="ko-KR" altLang="en-US" dirty="0"/>
-              <a:t>데이터 </a:t>
+              <a:t>은 동일하게 </a:t>
             </a:r>
             <a:r>
               <a:rPr lang="en-US" altLang="ko-KR" dirty="0"/>
-              <a:t>5</a:t>
+              <a:t>10000</a:t>
             </a:r>
             <a:r>
               <a:rPr lang="ko-KR" altLang="en-US" dirty="0"/>
-              <a:t>만장 사용</a:t>
+              <a:t>장</a:t>
             </a:r>
             <a:endParaRPr lang="en-US" altLang="ko-KR" dirty="0"/>
           </a:p>
@@ -12874,6 +15875,368 @@
     <p:extLst>
       <p:ext uri="{BB962C8B-B14F-4D97-AF65-F5344CB8AC3E}">
         <p14:creationId xmlns:p14="http://schemas.microsoft.com/office/powerpoint/2010/main" val="2367859997"/>
+      </p:ext>
+    </p:extLst>
+  </p:cSld>
+  <p:clrMapOvr>
+    <a:masterClrMapping/>
+  </p:clrMapOvr>
+</p:sld>
+</file>
+
+<file path=ppt/slides/slide8.xml><?xml version="1.0" encoding="utf-8"?>
+<p:sld xmlns:a="http://schemas.openxmlformats.org/drawingml/2006/main" xmlns:r="http://schemas.openxmlformats.org/officeDocument/2006/relationships" xmlns:p="http://schemas.openxmlformats.org/presentationml/2006/main">
+  <p:cSld>
+    <p:spTree>
+      <p:nvGrpSpPr>
+        <p:cNvPr id="1" name=""/>
+        <p:cNvGrpSpPr/>
+        <p:nvPr/>
+      </p:nvGrpSpPr>
+      <p:grpSpPr>
+        <a:xfrm>
+          <a:off x="0" y="0"/>
+          <a:ext cx="0" cy="0"/>
+          <a:chOff x="0" y="0"/>
+          <a:chExt cx="0" cy="0"/>
+        </a:xfrm>
+      </p:grpSpPr>
+      <p:sp>
+        <p:nvSpPr>
+          <p:cNvPr id="2" name="제목 1">
+            <a:extLst>
+              <a:ext uri="{FF2B5EF4-FFF2-40B4-BE49-F238E27FC236}">
+                <a16:creationId xmlns:a16="http://schemas.microsoft.com/office/drawing/2014/main" id="{54F328E3-AC92-8A0D-02C5-68CFD3DC600E}"/>
+              </a:ext>
+            </a:extLst>
+          </p:cNvPr>
+          <p:cNvSpPr>
+            <a:spLocks noGrp="1"/>
+          </p:cNvSpPr>
+          <p:nvPr>
+            <p:ph type="title"/>
+          </p:nvPr>
+        </p:nvSpPr>
+        <p:spPr/>
+        <p:txBody>
+          <a:bodyPr/>
+          <a:lstStyle/>
+          <a:p>
+            <a:r>
+              <a:rPr lang="ko-KR" altLang="en-US" dirty="0"/>
+              <a:t>학습 결과</a:t>
+            </a:r>
+          </a:p>
+        </p:txBody>
+      </p:sp>
+      <p:sp>
+        <p:nvSpPr>
+          <p:cNvPr id="3" name="내용 개체 틀 2">
+            <a:extLst>
+              <a:ext uri="{FF2B5EF4-FFF2-40B4-BE49-F238E27FC236}">
+                <a16:creationId xmlns:a16="http://schemas.microsoft.com/office/drawing/2014/main" id="{9A069B31-CF4B-3476-CC22-FF2ABA9822DE}"/>
+              </a:ext>
+            </a:extLst>
+          </p:cNvPr>
+          <p:cNvSpPr>
+            <a:spLocks noGrp="1"/>
+          </p:cNvSpPr>
+          <p:nvPr>
+            <p:ph idx="1"/>
+          </p:nvPr>
+        </p:nvSpPr>
+        <p:spPr/>
+        <p:txBody>
+          <a:bodyPr/>
+          <a:lstStyle/>
+          <a:p>
+            <a:r>
+              <a:rPr lang="en-US" altLang="ko-KR" dirty="0"/>
+              <a:t>Box loss : </a:t>
+            </a:r>
+            <a:r>
+              <a:rPr lang="ko-KR" altLang="en-US" dirty="0"/>
+              <a:t>검출된 </a:t>
+            </a:r>
+            <a:r>
+              <a:rPr lang="en-US" altLang="ko-KR" dirty="0"/>
+              <a:t>Bounding Box</a:t>
+            </a:r>
+            <a:r>
+              <a:rPr lang="ko-KR" altLang="en-US" dirty="0"/>
+              <a:t>의 좌표에 대한 오차 </a:t>
+            </a:r>
+          </a:p>
+          <a:p>
+            <a:r>
+              <a:rPr lang="ko-KR" altLang="en-US" dirty="0"/>
+              <a:t>결과 분석 </a:t>
+            </a:r>
+            <a:r>
+              <a:rPr lang="en-US" altLang="ko-KR" dirty="0"/>
+              <a:t>: </a:t>
+            </a:r>
+            <a:endParaRPr lang="ko-KR" altLang="en-US" dirty="0"/>
+          </a:p>
+        </p:txBody>
+      </p:sp>
+      <p:pic>
+        <p:nvPicPr>
+          <p:cNvPr id="5" name="그림 4">
+            <a:extLst>
+              <a:ext uri="{FF2B5EF4-FFF2-40B4-BE49-F238E27FC236}">
+                <a16:creationId xmlns:a16="http://schemas.microsoft.com/office/drawing/2014/main" id="{45EFF5AC-14F2-B835-B18A-475220AD2F3A}"/>
+              </a:ext>
+            </a:extLst>
+          </p:cNvPr>
+          <p:cNvPicPr>
+            <a:picLocks noChangeAspect="1"/>
+          </p:cNvPicPr>
+          <p:nvPr/>
+        </p:nvPicPr>
+        <p:blipFill>
+          <a:blip r:embed="rId2">
+            <a:extLst>
+              <a:ext uri="{28A0092B-C50C-407E-A947-70E740481C1C}">
+                <a14:useLocalDpi xmlns:a14="http://schemas.microsoft.com/office/drawing/2010/main" val="0"/>
+              </a:ext>
+            </a:extLst>
+          </a:blip>
+          <a:stretch>
+            <a:fillRect/>
+          </a:stretch>
+        </p:blipFill>
+        <p:spPr>
+          <a:xfrm>
+            <a:off x="721934" y="2898000"/>
+            <a:ext cx="5013099" cy="3960000"/>
+          </a:xfrm>
+          <a:prstGeom prst="rect">
+            <a:avLst/>
+          </a:prstGeom>
+        </p:spPr>
+      </p:pic>
+      <p:pic>
+        <p:nvPicPr>
+          <p:cNvPr id="7" name="그림 6">
+            <a:extLst>
+              <a:ext uri="{FF2B5EF4-FFF2-40B4-BE49-F238E27FC236}">
+                <a16:creationId xmlns:a16="http://schemas.microsoft.com/office/drawing/2014/main" id="{61789A49-7A26-DA91-042C-17DBD1E909D1}"/>
+              </a:ext>
+            </a:extLst>
+          </p:cNvPr>
+          <p:cNvPicPr>
+            <a:picLocks noChangeAspect="1"/>
+          </p:cNvPicPr>
+          <p:nvPr/>
+        </p:nvPicPr>
+        <p:blipFill>
+          <a:blip r:embed="rId3">
+            <a:extLst>
+              <a:ext uri="{28A0092B-C50C-407E-A947-70E740481C1C}">
+                <a14:useLocalDpi xmlns:a14="http://schemas.microsoft.com/office/drawing/2010/main" val="0"/>
+              </a:ext>
+            </a:extLst>
+          </a:blip>
+          <a:stretch>
+            <a:fillRect/>
+          </a:stretch>
+        </p:blipFill>
+        <p:spPr>
+          <a:xfrm>
+            <a:off x="6456967" y="2898000"/>
+            <a:ext cx="5013099" cy="3960000"/>
+          </a:xfrm>
+          <a:prstGeom prst="rect">
+            <a:avLst/>
+          </a:prstGeom>
+        </p:spPr>
+      </p:pic>
+    </p:spTree>
+    <p:extLst>
+      <p:ext uri="{BB962C8B-B14F-4D97-AF65-F5344CB8AC3E}">
+        <p14:creationId xmlns:p14="http://schemas.microsoft.com/office/powerpoint/2010/main" val="2787881786"/>
+      </p:ext>
+    </p:extLst>
+  </p:cSld>
+  <p:clrMapOvr>
+    <a:masterClrMapping/>
+  </p:clrMapOvr>
+</p:sld>
+</file>
+
+<file path=ppt/slides/slide9.xml><?xml version="1.0" encoding="utf-8"?>
+<p:sld xmlns:a="http://schemas.openxmlformats.org/drawingml/2006/main" xmlns:r="http://schemas.openxmlformats.org/officeDocument/2006/relationships" xmlns:p="http://schemas.openxmlformats.org/presentationml/2006/main">
+  <p:cSld>
+    <p:spTree>
+      <p:nvGrpSpPr>
+        <p:cNvPr id="1" name=""/>
+        <p:cNvGrpSpPr/>
+        <p:nvPr/>
+      </p:nvGrpSpPr>
+      <p:grpSpPr>
+        <a:xfrm>
+          <a:off x="0" y="0"/>
+          <a:ext cx="0" cy="0"/>
+          <a:chOff x="0" y="0"/>
+          <a:chExt cx="0" cy="0"/>
+        </a:xfrm>
+      </p:grpSpPr>
+      <p:sp>
+        <p:nvSpPr>
+          <p:cNvPr id="2" name="제목 1">
+            <a:extLst>
+              <a:ext uri="{FF2B5EF4-FFF2-40B4-BE49-F238E27FC236}">
+                <a16:creationId xmlns:a16="http://schemas.microsoft.com/office/drawing/2014/main" id="{54F328E3-AC92-8A0D-02C5-68CFD3DC600E}"/>
+              </a:ext>
+            </a:extLst>
+          </p:cNvPr>
+          <p:cNvSpPr>
+            <a:spLocks noGrp="1"/>
+          </p:cNvSpPr>
+          <p:nvPr>
+            <p:ph type="title"/>
+          </p:nvPr>
+        </p:nvSpPr>
+        <p:spPr/>
+        <p:txBody>
+          <a:bodyPr/>
+          <a:lstStyle/>
+          <a:p>
+            <a:r>
+              <a:rPr lang="ko-KR" altLang="en-US" dirty="0"/>
+              <a:t>학습 결과</a:t>
+            </a:r>
+          </a:p>
+        </p:txBody>
+      </p:sp>
+      <p:sp>
+        <p:nvSpPr>
+          <p:cNvPr id="3" name="내용 개체 틀 2">
+            <a:extLst>
+              <a:ext uri="{FF2B5EF4-FFF2-40B4-BE49-F238E27FC236}">
+                <a16:creationId xmlns:a16="http://schemas.microsoft.com/office/drawing/2014/main" id="{9A069B31-CF4B-3476-CC22-FF2ABA9822DE}"/>
+              </a:ext>
+            </a:extLst>
+          </p:cNvPr>
+          <p:cNvSpPr>
+            <a:spLocks noGrp="1"/>
+          </p:cNvSpPr>
+          <p:nvPr>
+            <p:ph idx="1"/>
+          </p:nvPr>
+        </p:nvSpPr>
+        <p:spPr/>
+        <p:txBody>
+          <a:bodyPr/>
+          <a:lstStyle/>
+          <a:p>
+            <a:r>
+              <a:rPr lang="en-US" altLang="ko-KR" dirty="0"/>
+              <a:t>Class loss : </a:t>
+            </a:r>
+            <a:r>
+              <a:rPr lang="ko-KR" altLang="en-US" dirty="0"/>
+              <a:t>예측한 </a:t>
+            </a:r>
+            <a:r>
+              <a:rPr lang="en-US" altLang="ko-KR" dirty="0"/>
+              <a:t>Class</a:t>
+            </a:r>
+            <a:r>
+              <a:rPr lang="ko-KR" altLang="en-US" dirty="0"/>
+              <a:t>에 대한 오차</a:t>
+            </a:r>
+          </a:p>
+          <a:p>
+            <a:r>
+              <a:rPr lang="ko-KR" altLang="en-US" dirty="0"/>
+              <a:t>결과 분석 </a:t>
+            </a:r>
+            <a:r>
+              <a:rPr lang="en-US" altLang="ko-KR" dirty="0"/>
+              <a:t>: </a:t>
+            </a:r>
+            <a:endParaRPr lang="ko-KR" altLang="en-US" dirty="0"/>
+          </a:p>
+        </p:txBody>
+      </p:sp>
+      <p:pic>
+        <p:nvPicPr>
+          <p:cNvPr id="5" name="그림 4">
+            <a:extLst>
+              <a:ext uri="{FF2B5EF4-FFF2-40B4-BE49-F238E27FC236}">
+                <a16:creationId xmlns:a16="http://schemas.microsoft.com/office/drawing/2014/main" id="{9DFAFB76-7B2B-0CD4-40F0-57AB6C907962}"/>
+              </a:ext>
+            </a:extLst>
+          </p:cNvPr>
+          <p:cNvPicPr>
+            <a:picLocks noChangeAspect="1"/>
+          </p:cNvPicPr>
+          <p:nvPr/>
+        </p:nvPicPr>
+        <p:blipFill>
+          <a:blip r:embed="rId2">
+            <a:extLst>
+              <a:ext uri="{28A0092B-C50C-407E-A947-70E740481C1C}">
+                <a14:useLocalDpi xmlns:a14="http://schemas.microsoft.com/office/drawing/2010/main" val="0"/>
+              </a:ext>
+            </a:extLst>
+          </a:blip>
+          <a:stretch>
+            <a:fillRect/>
+          </a:stretch>
+        </p:blipFill>
+        <p:spPr>
+          <a:xfrm>
+            <a:off x="675517" y="2898000"/>
+            <a:ext cx="5082725" cy="3960000"/>
+          </a:xfrm>
+          <a:prstGeom prst="rect">
+            <a:avLst/>
+          </a:prstGeom>
+        </p:spPr>
+      </p:pic>
+      <p:pic>
+        <p:nvPicPr>
+          <p:cNvPr id="7" name="그림 6">
+            <a:extLst>
+              <a:ext uri="{FF2B5EF4-FFF2-40B4-BE49-F238E27FC236}">
+                <a16:creationId xmlns:a16="http://schemas.microsoft.com/office/drawing/2014/main" id="{1A0074A0-2CC6-5540-D135-C06C5F2C2DD9}"/>
+              </a:ext>
+            </a:extLst>
+          </p:cNvPr>
+          <p:cNvPicPr>
+            <a:picLocks noChangeAspect="1"/>
+          </p:cNvPicPr>
+          <p:nvPr/>
+        </p:nvPicPr>
+        <p:blipFill>
+          <a:blip r:embed="rId3">
+            <a:extLst>
+              <a:ext uri="{28A0092B-C50C-407E-A947-70E740481C1C}">
+                <a14:useLocalDpi xmlns:a14="http://schemas.microsoft.com/office/drawing/2010/main" val="0"/>
+              </a:ext>
+            </a:extLst>
+          </a:blip>
+          <a:stretch>
+            <a:fillRect/>
+          </a:stretch>
+        </p:blipFill>
+        <p:spPr>
+          <a:xfrm>
+            <a:off x="6433759" y="2898000"/>
+            <a:ext cx="5082725" cy="3960000"/>
+          </a:xfrm>
+          <a:prstGeom prst="rect">
+            <a:avLst/>
+          </a:prstGeom>
+        </p:spPr>
+      </p:pic>
+    </p:spTree>
+    <p:extLst>
+      <p:ext uri="{BB962C8B-B14F-4D97-AF65-F5344CB8AC3E}">
+        <p14:creationId xmlns:p14="http://schemas.microsoft.com/office/powerpoint/2010/main" val="1094572235"/>
       </p:ext>
     </p:extLst>
   </p:cSld>

--- a/documents/Clothes Detection 모델 보고서.pptx
+++ b/documents/Clothes Detection 모델 보고서.pptx
@@ -1,27 +1,27 @@
 
 <file path=ppt/presentation.xml><?xml version="1.0" encoding="utf-8"?>
-<p:presentation xmlns:a="http://schemas.openxmlformats.org/drawingml/2006/main" xmlns:r="http://schemas.openxmlformats.org/officeDocument/2006/relationships" xmlns:p="http://schemas.openxmlformats.org/presentationml/2006/main" saveSubsetFonts="1">
+<p:presentation xmlns:r="http://schemas.openxmlformats.org/officeDocument/2006/relationships" xmlns:c="http://schemas.openxmlformats.org/drawingml/2006/chart" xmlns:a="http://schemas.openxmlformats.org/drawingml/2006/main" xmlns:dgm="http://schemas.openxmlformats.org/drawingml/2006/diagram" xmlns:dsp="http://schemas.microsoft.com/office/drawing/2008/diagram" xmlns:p="http://schemas.openxmlformats.org/presentationml/2006/main">
   <p:sldMasterIdLst>
-    <p:sldMasterId id="2147483648" r:id="rId1"/>
+    <p:sldMasterId id="2147483665" r:id="rId1"/>
   </p:sldMasterIdLst>
   <p:sldIdLst>
     <p:sldId id="256" r:id="rId2"/>
     <p:sldId id="257" r:id="rId3"/>
-    <p:sldId id="266" r:id="rId4"/>
-    <p:sldId id="267" r:id="rId5"/>
-    <p:sldId id="258" r:id="rId6"/>
-    <p:sldId id="269" r:id="rId7"/>
-    <p:sldId id="259" r:id="rId8"/>
-    <p:sldId id="271" r:id="rId9"/>
-    <p:sldId id="268" r:id="rId10"/>
-    <p:sldId id="264" r:id="rId11"/>
-    <p:sldId id="274" r:id="rId12"/>
-    <p:sldId id="265" r:id="rId13"/>
-    <p:sldId id="260" r:id="rId14"/>
-    <p:sldId id="273" r:id="rId15"/>
-    <p:sldId id="272" r:id="rId16"/>
-    <p:sldId id="261" r:id="rId17"/>
-    <p:sldId id="262" r:id="rId18"/>
+    <p:sldId id="258" r:id="rId4"/>
+    <p:sldId id="259" r:id="rId5"/>
+    <p:sldId id="260" r:id="rId6"/>
+    <p:sldId id="261" r:id="rId7"/>
+    <p:sldId id="262" r:id="rId8"/>
+    <p:sldId id="263" r:id="rId9"/>
+    <p:sldId id="264" r:id="rId10"/>
+    <p:sldId id="265" r:id="rId11"/>
+    <p:sldId id="266" r:id="rId12"/>
+    <p:sldId id="267" r:id="rId13"/>
+    <p:sldId id="268" r:id="rId14"/>
+    <p:sldId id="269" r:id="rId15"/>
+    <p:sldId id="270" r:id="rId16"/>
+    <p:sldId id="271" r:id="rId17"/>
+    <p:sldId id="272" r:id="rId18"/>
   </p:sldIdLst>
   <p:sldSz cx="12192000" cy="6858000"/>
   <p:notesSz cx="6858000" cy="9144000"/>
@@ -120,11 +120,6 @@
       </a:defRPr>
     </a:lvl9pPr>
   </p:defaultTextStyle>
-  <p:extLst>
-    <p:ext uri="{EFAFB233-063F-42B5-8137-9DF3F51BA10A}">
-      <p15:sldGuideLst xmlns:p15="http://schemas.microsoft.com/office/powerpoint/2012/main"/>
-    </p:ext>
-  </p:extLst>
 </p:presentation>
 </file>
 
@@ -12826,7 +12821,7 @@
 </file>
 
 <file path=ppt/slides/slide2.xml><?xml version="1.0" encoding="utf-8"?>
-<p:sld xmlns:a="http://schemas.openxmlformats.org/drawingml/2006/main" xmlns:r="http://schemas.openxmlformats.org/officeDocument/2006/relationships" xmlns:p="http://schemas.openxmlformats.org/presentationml/2006/main">
+<p:sld xmlns:r="http://schemas.openxmlformats.org/officeDocument/2006/relationships" xmlns:c="http://schemas.openxmlformats.org/drawingml/2006/chart" xmlns:a="http://schemas.openxmlformats.org/drawingml/2006/main" xmlns:dgm="http://schemas.openxmlformats.org/drawingml/2006/diagram" xmlns:dsp="http://schemas.microsoft.com/office/drawing/2008/diagram" xmlns:p="http://schemas.openxmlformats.org/presentationml/2006/main">
   <p:cSld>
     <p:spTree>
       <p:nvGrpSpPr>
@@ -12844,18 +12839,12 @@
       </p:grpSpPr>
       <p:sp>
         <p:nvSpPr>
-          <p:cNvPr id="2" name="제목 1">
-            <a:extLst>
-              <a:ext uri="{FF2B5EF4-FFF2-40B4-BE49-F238E27FC236}">
-                <a16:creationId xmlns:a16="http://schemas.microsoft.com/office/drawing/2014/main" id="{026688CA-A487-545D-75BE-5B5ECD0D2221}"/>
-              </a:ext>
-            </a:extLst>
-          </p:cNvPr>
+          <p:cNvPr id="2" name="제목 1"/>
           <p:cNvSpPr>
             <a:spLocks noGrp="1"/>
           </p:cNvSpPr>
           <p:nvPr>
-            <p:ph type="title"/>
+            <p:ph type="title" idx="0"/>
           </p:nvPr>
         </p:nvSpPr>
         <p:spPr/>
@@ -12863,23 +12852,20 @@
           <a:bodyPr/>
           <a:lstStyle/>
           <a:p>
-            <a:r>
-              <a:rPr lang="en-US" altLang="ko-KR" dirty="0"/>
+            <a:pPr lvl="0">
+              <a:defRPr/>
+            </a:pPr>
+            <a:r>
+              <a:rPr lang="en-US" altLang="ko-KR"/>
               <a:t>Modeling</a:t>
             </a:r>
-            <a:endParaRPr lang="ko-KR" altLang="en-US" dirty="0"/>
+            <a:endParaRPr lang="ko-KR" altLang="en-US"/>
           </a:p>
         </p:txBody>
       </p:sp>
       <p:sp>
         <p:nvSpPr>
-          <p:cNvPr id="3" name="내용 개체 틀 2">
-            <a:extLst>
-              <a:ext uri="{FF2B5EF4-FFF2-40B4-BE49-F238E27FC236}">
-                <a16:creationId xmlns:a16="http://schemas.microsoft.com/office/drawing/2014/main" id="{92E92E5C-E684-B989-EDE0-B60E075224A2}"/>
-              </a:ext>
-            </a:extLst>
-          </p:cNvPr>
+          <p:cNvPr id="3" name="내용 개체 틀 2"/>
           <p:cNvSpPr>
             <a:spLocks noGrp="1"/>
           </p:cNvSpPr>
@@ -12892,76 +12878,67 @@
           <a:bodyPr/>
           <a:lstStyle/>
           <a:p>
-            <a:r>
-              <a:rPr lang="ko-KR" altLang="en-US" dirty="0"/>
+            <a:pPr lvl="0">
+              <a:defRPr/>
+            </a:pPr>
+            <a:r>
+              <a:rPr lang="ko-KR" altLang="en-US"/>
               <a:t>모델 선정 배경</a:t>
             </a:r>
             <a:r>
-              <a:rPr lang="en-US" altLang="ko-KR" dirty="0"/>
+              <a:rPr lang="en-US" altLang="ko-KR"/>
               <a:t> : object detection </a:t>
             </a:r>
             <a:r>
-              <a:rPr lang="ko-KR" altLang="en-US" dirty="0"/>
+              <a:rPr lang="ko-KR" altLang="en-US"/>
               <a:t>모델들 중 속도와 성능이 모두 우수한 </a:t>
             </a:r>
             <a:r>
-              <a:rPr lang="en-US" altLang="ko-KR" dirty="0"/>
+              <a:rPr lang="en-US" altLang="ko-KR"/>
               <a:t>yolo</a:t>
             </a:r>
             <a:r>
-              <a:rPr lang="ko-KR" altLang="en-US" dirty="0"/>
+              <a:rPr lang="ko-KR" altLang="en-US"/>
               <a:t>를 선택</a:t>
             </a:r>
             <a:r>
-              <a:rPr lang="en-US" altLang="ko-KR" dirty="0"/>
+              <a:rPr lang="en-US" altLang="ko-KR"/>
               <a:t>, </a:t>
             </a:r>
             <a:r>
-              <a:rPr lang="ko-KR" altLang="en-US" dirty="0"/>
+              <a:rPr lang="ko-KR" altLang="en-US"/>
               <a:t>그 중 실행시간의 이점과 학습의 용이성을 위해 가장 가벼운 </a:t>
             </a:r>
             <a:r>
-              <a:rPr lang="en-US" altLang="ko-KR" dirty="0"/>
+              <a:rPr lang="en-US" altLang="ko-KR"/>
               <a:t>yolov5s </a:t>
             </a:r>
             <a:r>
-              <a:rPr lang="ko-KR" altLang="en-US" dirty="0"/>
+              <a:rPr lang="ko-KR" altLang="en-US"/>
               <a:t>모델을 학습하기로 결정</a:t>
             </a:r>
-            <a:endParaRPr lang="en-US" altLang="ko-KR" dirty="0"/>
+            <a:endParaRPr lang="en-US" altLang="ko-KR"/>
           </a:p>
         </p:txBody>
       </p:sp>
       <p:pic>
         <p:nvPicPr>
-          <p:cNvPr id="1026" name="Picture 2">
-            <a:extLst>
-              <a:ext uri="{FF2B5EF4-FFF2-40B4-BE49-F238E27FC236}">
-                <a16:creationId xmlns:a16="http://schemas.microsoft.com/office/drawing/2014/main" id="{AAE4B044-7142-7BDB-C849-2C71521C5BF6}"/>
-              </a:ext>
-            </a:extLst>
-          </p:cNvPr>
+          <p:cNvPr id="1026" name="Picture 2"/>
           <p:cNvPicPr>
             <a:picLocks noChangeAspect="1" noChangeArrowheads="1"/>
           </p:cNvPicPr>
           <p:nvPr/>
         </p:nvPicPr>
-        <p:blipFill>
-          <a:blip r:embed="rId2">
-            <a:extLst>
-              <a:ext uri="{28A0092B-C50C-407E-A947-70E740481C1C}">
-                <a14:useLocalDpi xmlns:a14="http://schemas.microsoft.com/office/drawing/2010/main" val="0"/>
-              </a:ext>
-            </a:extLst>
-          </a:blip>
+        <p:blipFill rotWithShape="1">
+          <a:blip r:embed="rId2"/>
           <a:srcRect/>
           <a:stretch>
             <a:fillRect/>
           </a:stretch>
         </p:blipFill>
-        <p:spPr bwMode="auto">
+        <p:spPr>
           <a:xfrm>
-            <a:off x="2771313" y="3429000"/>
+            <a:off x="2039683" y="3594653"/>
             <a:ext cx="6649375" cy="2531349"/>
           </a:xfrm>
           <a:prstGeom prst="rect">
@@ -12973,32 +12950,26 @@
               <a:schemeClr val="tx1"/>
             </a:solidFill>
           </a:ln>
-          <a:extLst>
-            <a:ext uri="{909E8E84-426E-40DD-AFC4-6F175D3DCCD1}">
-              <a14:hiddenFill xmlns:a14="http://schemas.microsoft.com/office/drawing/2010/main">
-                <a:solidFill>
-                  <a:srgbClr val="FFFFFF"/>
-                </a:solidFill>
-              </a14:hiddenFill>
-            </a:ext>
-          </a:extLst>
         </p:spPr>
       </p:pic>
     </p:spTree>
-    <p:extLst>
-      <p:ext uri="{BB962C8B-B14F-4D97-AF65-F5344CB8AC3E}">
-        <p14:creationId xmlns:p14="http://schemas.microsoft.com/office/powerpoint/2010/main" val="3152933637"/>
-      </p:ext>
-    </p:extLst>
   </p:cSld>
   <p:clrMapOvr>
     <a:masterClrMapping/>
   </p:clrMapOvr>
+  <mc:AlternateContent xmlns:mc="http://schemas.openxmlformats.org/markup-compatibility/2006">
+    <mc:Choice xmlns:p14="http://schemas.microsoft.com/office/powerpoint/2010/main" Requires="p14">
+      <p:transition xmlns:mc="http://schemas.openxmlformats.org/markup-compatibility/2006" xmlns:p14="http://schemas.microsoft.com/office/powerpoint/2010/main" mc:Ignorable="p14" p14:dur="500"/>
+    </mc:Choice>
+    <mc:Fallback>
+      <p:transition/>
+    </mc:Fallback>
+  </mc:AlternateContent>
 </p:sld>
 </file>
 
 <file path=ppt/slides/slide3.xml><?xml version="1.0" encoding="utf-8"?>
-<p:sld xmlns:a="http://schemas.openxmlformats.org/drawingml/2006/main" xmlns:r="http://schemas.openxmlformats.org/officeDocument/2006/relationships" xmlns:p="http://schemas.openxmlformats.org/presentationml/2006/main">
+<p:sld xmlns:r="http://schemas.openxmlformats.org/officeDocument/2006/relationships" xmlns:c="http://schemas.openxmlformats.org/drawingml/2006/chart" xmlns:a="http://schemas.openxmlformats.org/drawingml/2006/main" xmlns:dgm="http://schemas.openxmlformats.org/drawingml/2006/diagram" xmlns:dsp="http://schemas.microsoft.com/office/drawing/2008/diagram" xmlns:p="http://schemas.openxmlformats.org/presentationml/2006/main">
   <p:cSld>
     <p:spTree>
       <p:nvGrpSpPr>
@@ -13016,18 +12987,12 @@
       </p:grpSpPr>
       <p:sp>
         <p:nvSpPr>
-          <p:cNvPr id="2" name="제목 1">
-            <a:extLst>
-              <a:ext uri="{FF2B5EF4-FFF2-40B4-BE49-F238E27FC236}">
-                <a16:creationId xmlns:a16="http://schemas.microsoft.com/office/drawing/2014/main" id="{026688CA-A487-545D-75BE-5B5ECD0D2221}"/>
-              </a:ext>
-            </a:extLst>
-          </p:cNvPr>
+          <p:cNvPr id="2" name="제목 1"/>
           <p:cNvSpPr>
             <a:spLocks noGrp="1"/>
           </p:cNvSpPr>
           <p:nvPr>
-            <p:ph type="title"/>
+            <p:ph type="title" idx="0"/>
           </p:nvPr>
         </p:nvSpPr>
         <p:spPr/>
@@ -13035,23 +13000,20 @@
           <a:bodyPr/>
           <a:lstStyle/>
           <a:p>
-            <a:r>
-              <a:rPr lang="en-US" altLang="ko-KR" dirty="0"/>
+            <a:pPr lvl="0">
+              <a:defRPr/>
+            </a:pPr>
+            <a:r>
+              <a:rPr lang="en-US" altLang="ko-KR"/>
               <a:t>Modeling</a:t>
             </a:r>
-            <a:endParaRPr lang="ko-KR" altLang="en-US" dirty="0"/>
+            <a:endParaRPr lang="ko-KR" altLang="en-US"/>
           </a:p>
         </p:txBody>
       </p:sp>
       <p:sp>
         <p:nvSpPr>
-          <p:cNvPr id="3" name="내용 개체 틀 2">
-            <a:extLst>
-              <a:ext uri="{FF2B5EF4-FFF2-40B4-BE49-F238E27FC236}">
-                <a16:creationId xmlns:a16="http://schemas.microsoft.com/office/drawing/2014/main" id="{92E92E5C-E684-B989-EDE0-B60E075224A2}"/>
-              </a:ext>
-            </a:extLst>
-          </p:cNvPr>
+          <p:cNvPr id="3" name="내용 개체 틀 2"/>
           <p:cNvSpPr>
             <a:spLocks noGrp="1"/>
           </p:cNvSpPr>
@@ -13069,78 +13031,76 @@
           <a:bodyPr/>
           <a:lstStyle/>
           <a:p>
-            <a:r>
-              <a:rPr lang="ko-KR" altLang="en-US" dirty="0"/>
+            <a:pPr lvl="0">
+              <a:defRPr/>
+            </a:pPr>
+            <a:r>
+              <a:rPr lang="ko-KR" altLang="en-US"/>
               <a:t>목표 기능 </a:t>
             </a:r>
             <a:r>
-              <a:rPr lang="en-US" altLang="ko-KR" dirty="0"/>
+              <a:rPr lang="en-US" altLang="ko-KR"/>
               <a:t>: </a:t>
             </a:r>
             <a:r>
-              <a:rPr lang="ko-KR" altLang="en-US" dirty="0"/>
+              <a:rPr lang="ko-KR" altLang="en-US"/>
               <a:t>사용자가 사진을 입력했을 때</a:t>
             </a:r>
             <a:r>
-              <a:rPr lang="en-US" altLang="ko-KR" dirty="0"/>
+              <a:rPr lang="en-US" altLang="ko-KR"/>
               <a:t>, </a:t>
             </a:r>
             <a:r>
-              <a:rPr lang="ko-KR" altLang="en-US" dirty="0"/>
+              <a:rPr lang="ko-KR" altLang="en-US"/>
               <a:t>옷에 해당하는 영역을 검출하고</a:t>
             </a:r>
             <a:r>
-              <a:rPr lang="en-US" altLang="ko-KR" dirty="0"/>
+              <a:rPr lang="en-US" altLang="ko-KR"/>
               <a:t> (</a:t>
             </a:r>
             <a:r>
-              <a:rPr lang="ko-KR" altLang="en-US" dirty="0"/>
+              <a:rPr lang="ko-KR" altLang="en-US"/>
               <a:t>상의</a:t>
             </a:r>
             <a:r>
-              <a:rPr lang="en-US" altLang="ko-KR" dirty="0"/>
+              <a:rPr lang="en-US" altLang="ko-KR"/>
               <a:t>, </a:t>
             </a:r>
             <a:r>
-              <a:rPr lang="ko-KR" altLang="en-US" dirty="0"/>
+              <a:rPr lang="ko-KR" altLang="en-US"/>
               <a:t>하의</a:t>
             </a:r>
             <a:r>
-              <a:rPr lang="en-US" altLang="ko-KR" dirty="0"/>
+              <a:rPr lang="en-US" altLang="ko-KR"/>
               <a:t>, </a:t>
             </a:r>
             <a:r>
-              <a:rPr lang="ko-KR" altLang="en-US" dirty="0"/>
+              <a:rPr lang="ko-KR" altLang="en-US"/>
               <a:t>원피스</a:t>
             </a:r>
             <a:r>
-              <a:rPr lang="en-US" altLang="ko-KR" dirty="0"/>
+              <a:rPr lang="en-US" altLang="ko-KR"/>
               <a:t>) </a:t>
             </a:r>
             <a:r>
-              <a:rPr lang="ko-KR" altLang="en-US" dirty="0"/>
+              <a:rPr lang="ko-KR" altLang="en-US"/>
               <a:t>중에서 어떤 항목에 속하는지를 판별</a:t>
             </a:r>
             <a:r>
-              <a:rPr lang="en-US" altLang="ko-KR" dirty="0"/>
+              <a:rPr lang="en-US" altLang="ko-KR"/>
               <a:t>, </a:t>
             </a:r>
             <a:r>
-              <a:rPr lang="ko-KR" altLang="en-US" dirty="0"/>
+              <a:rPr lang="ko-KR" altLang="en-US"/>
               <a:t>이후 해당하는 영역을 반환</a:t>
             </a:r>
+            <a:endParaRPr lang="ko-KR" altLang="en-US"/>
           </a:p>
         </p:txBody>
       </p:sp>
       <p:sp>
         <p:nvSpPr>
-          <p:cNvPr id="9" name="사각형: 둥근 모서리 8">
-            <a:extLst>
-              <a:ext uri="{FF2B5EF4-FFF2-40B4-BE49-F238E27FC236}">
-                <a16:creationId xmlns:a16="http://schemas.microsoft.com/office/drawing/2014/main" id="{EC377521-3D8C-F260-BE98-39122E63F69A}"/>
-              </a:ext>
-            </a:extLst>
-          </p:cNvPr>
+          <p:cNvPr id="9" name="사각형: 둥근 모서리 8"/>
           <p:cNvSpPr/>
           <p:nvPr/>
         </p:nvSpPr>
@@ -13150,7 +13110,9 @@
             <a:ext cx="2210540" cy="1265242"/>
           </a:xfrm>
           <a:prstGeom prst="roundRect">
-            <a:avLst/>
+            <a:avLst>
+              <a:gd name="adj" fmla="val 16667"/>
+            </a:avLst>
           </a:prstGeom>
           <a:solidFill>
             <a:schemeClr val="bg2">
@@ -13175,27 +13137,23 @@
           </a:fontRef>
         </p:style>
         <p:txBody>
-          <a:bodyPr rtlCol="0" anchor="ctr"/>
+          <a:bodyPr anchor="ctr"/>
           <a:lstStyle/>
           <a:p>
-            <a:pPr algn="ctr"/>
-            <a:r>
-              <a:rPr lang="en-US" altLang="ko-KR" dirty="0"/>
+            <a:pPr algn="ctr">
+              <a:defRPr/>
+            </a:pPr>
+            <a:r>
+              <a:rPr lang="en-US" altLang="ko-KR"/>
               <a:t>Model</a:t>
             </a:r>
-            <a:endParaRPr lang="ko-KR" altLang="en-US" dirty="0"/>
+            <a:endParaRPr lang="ko-KR" altLang="en-US"/>
           </a:p>
         </p:txBody>
       </p:sp>
       <p:sp>
         <p:nvSpPr>
-          <p:cNvPr id="10" name="화살표: 오각형 9">
-            <a:extLst>
-              <a:ext uri="{FF2B5EF4-FFF2-40B4-BE49-F238E27FC236}">
-                <a16:creationId xmlns:a16="http://schemas.microsoft.com/office/drawing/2014/main" id="{EA5D03D5-1BC2-9C9E-617E-1584877FE499}"/>
-              </a:ext>
-            </a:extLst>
-          </p:cNvPr>
+          <p:cNvPr id="10" name="화살표: 오각형 9"/>
           <p:cNvSpPr/>
           <p:nvPr/>
         </p:nvSpPr>
@@ -13205,7 +13163,9 @@
             <a:ext cx="1080000" cy="360000"/>
           </a:xfrm>
           <a:prstGeom prst="homePlate">
-            <a:avLst/>
+            <a:avLst>
+              <a:gd name="adj" fmla="val 50000"/>
+            </a:avLst>
           </a:prstGeom>
           <a:solidFill>
             <a:schemeClr val="bg2">
@@ -13230,27 +13190,23 @@
           </a:fontRef>
         </p:style>
         <p:txBody>
-          <a:bodyPr rtlCol="0" anchor="ctr"/>
+          <a:bodyPr anchor="ctr"/>
           <a:lstStyle/>
           <a:p>
-            <a:pPr algn="ctr"/>
-            <a:r>
-              <a:rPr lang="en-US" altLang="ko-KR" dirty="0"/>
+            <a:pPr algn="ctr">
+              <a:defRPr/>
+            </a:pPr>
+            <a:r>
+              <a:rPr lang="en-US" altLang="ko-KR"/>
               <a:t>Input</a:t>
             </a:r>
-            <a:endParaRPr lang="ko-KR" altLang="en-US" dirty="0"/>
+            <a:endParaRPr lang="ko-KR" altLang="en-US"/>
           </a:p>
         </p:txBody>
       </p:sp>
       <p:sp>
         <p:nvSpPr>
-          <p:cNvPr id="12" name="화살표: 오각형 11">
-            <a:extLst>
-              <a:ext uri="{FF2B5EF4-FFF2-40B4-BE49-F238E27FC236}">
-                <a16:creationId xmlns:a16="http://schemas.microsoft.com/office/drawing/2014/main" id="{B816D342-DC2F-92FE-AD46-C25E7AFF0E75}"/>
-              </a:ext>
-            </a:extLst>
-          </p:cNvPr>
+          <p:cNvPr id="12" name="화살표: 오각형 11"/>
           <p:cNvSpPr/>
           <p:nvPr/>
         </p:nvSpPr>
@@ -13260,7 +13216,9 @@
             <a:ext cx="1080000" cy="360000"/>
           </a:xfrm>
           <a:prstGeom prst="homePlate">
-            <a:avLst/>
+            <a:avLst>
+              <a:gd name="adj" fmla="val 50000"/>
+            </a:avLst>
           </a:prstGeom>
           <a:solidFill>
             <a:schemeClr val="bg2">
@@ -13285,40 +13243,30 @@
           </a:fontRef>
         </p:style>
         <p:txBody>
-          <a:bodyPr rtlCol="0" anchor="ctr"/>
+          <a:bodyPr anchor="ctr"/>
           <a:lstStyle/>
           <a:p>
-            <a:pPr algn="ctr"/>
-            <a:r>
-              <a:rPr lang="en-US" altLang="ko-KR" dirty="0"/>
+            <a:pPr algn="ctr">
+              <a:defRPr/>
+            </a:pPr>
+            <a:r>
+              <a:rPr lang="en-US" altLang="ko-KR"/>
               <a:t>Output</a:t>
             </a:r>
-            <a:endParaRPr lang="ko-KR" altLang="en-US" dirty="0"/>
+            <a:endParaRPr lang="ko-KR" altLang="en-US"/>
           </a:p>
         </p:txBody>
       </p:sp>
       <p:pic>
         <p:nvPicPr>
-          <p:cNvPr id="5" name="그림 4">
-            <a:extLst>
-              <a:ext uri="{FF2B5EF4-FFF2-40B4-BE49-F238E27FC236}">
-                <a16:creationId xmlns:a16="http://schemas.microsoft.com/office/drawing/2014/main" id="{B7D7FBE8-49D2-74A8-FE01-22C741E31F6E}"/>
-              </a:ext>
-            </a:extLst>
-          </p:cNvPr>
+          <p:cNvPr id="5" name="그림 4"/>
           <p:cNvPicPr>
             <a:picLocks noChangeAspect="1"/>
           </p:cNvPicPr>
           <p:nvPr/>
         </p:nvPicPr>
-        <p:blipFill>
-          <a:blip r:embed="rId2">
-            <a:extLst>
-              <a:ext uri="{28A0092B-C50C-407E-A947-70E740481C1C}">
-                <a14:useLocalDpi xmlns:a14="http://schemas.microsoft.com/office/drawing/2010/main" val="0"/>
-              </a:ext>
-            </a:extLst>
-          </a:blip>
+        <p:blipFill rotWithShape="1">
+          <a:blip r:embed="rId2"/>
           <a:stretch>
             <a:fillRect/>
           </a:stretch>
@@ -13335,26 +13283,14 @@
       </p:pic>
       <p:pic>
         <p:nvPicPr>
-          <p:cNvPr id="8" name="그림 7">
-            <a:extLst>
-              <a:ext uri="{FF2B5EF4-FFF2-40B4-BE49-F238E27FC236}">
-                <a16:creationId xmlns:a16="http://schemas.microsoft.com/office/drawing/2014/main" id="{D33C4686-ACA5-EAC9-A524-40B0336F4441}"/>
-              </a:ext>
-            </a:extLst>
-          </p:cNvPr>
+          <p:cNvPr id="8" name="그림 7"/>
           <p:cNvPicPr>
             <a:picLocks noChangeAspect="1"/>
           </p:cNvPicPr>
           <p:nvPr/>
         </p:nvPicPr>
-        <p:blipFill>
-          <a:blip r:embed="rId3">
-            <a:extLst>
-              <a:ext uri="{28A0092B-C50C-407E-A947-70E740481C1C}">
-                <a14:useLocalDpi xmlns:a14="http://schemas.microsoft.com/office/drawing/2010/main" val="0"/>
-              </a:ext>
-            </a:extLst>
-          </a:blip>
+        <p:blipFill rotWithShape="1">
+          <a:blip r:embed="rId3"/>
           <a:stretch>
             <a:fillRect/>
           </a:stretch>
@@ -13369,110 +13305,58 @@
           </a:prstGeom>
         </p:spPr>
       </p:pic>
-      <p:grpSp>
-        <p:nvGrpSpPr>
-          <p:cNvPr id="17" name="그룹 16">
-            <a:extLst>
-              <a:ext uri="{FF2B5EF4-FFF2-40B4-BE49-F238E27FC236}">
-                <a16:creationId xmlns:a16="http://schemas.microsoft.com/office/drawing/2014/main" id="{3500E33A-6761-3030-B14F-3D138B378578}"/>
-              </a:ext>
-            </a:extLst>
-          </p:cNvPr>
-          <p:cNvGrpSpPr/>
+      <p:pic>
+        <p:nvPicPr>
+          <p:cNvPr id="14" name="그림 13"/>
+          <p:cNvPicPr>
+            <a:picLocks noChangeAspect="1"/>
+          </p:cNvPicPr>
           <p:nvPr/>
-        </p:nvGrpSpPr>
-        <p:grpSpPr>
+        </p:nvPicPr>
+        <p:blipFill rotWithShape="1">
+          <a:blip r:embed="rId4"/>
+          <a:stretch>
+            <a:fillRect/>
+          </a:stretch>
+        </p:blipFill>
+        <p:spPr>
           <a:xfrm>
-            <a:off x="10035195" y="2719345"/>
-            <a:ext cx="1318605" cy="3960000"/>
-            <a:chOff x="9147224" y="2719345"/>
-            <a:chExt cx="1318605" cy="3960000"/>
+            <a:off x="10090412" y="2898000"/>
+            <a:ext cx="1318605" cy="1800000"/>
           </a:xfrm>
-        </p:grpSpPr>
-        <p:pic>
-          <p:nvPicPr>
-            <p:cNvPr id="14" name="그림 13">
-              <a:extLst>
-                <a:ext uri="{FF2B5EF4-FFF2-40B4-BE49-F238E27FC236}">
-                  <a16:creationId xmlns:a16="http://schemas.microsoft.com/office/drawing/2014/main" id="{DDAEA819-075B-E0CA-E667-3E3F18BCCEB5}"/>
-                </a:ext>
-              </a:extLst>
-            </p:cNvPr>
-            <p:cNvPicPr>
-              <a:picLocks noChangeAspect="1"/>
-            </p:cNvPicPr>
-            <p:nvPr/>
-          </p:nvPicPr>
-          <p:blipFill>
-            <a:blip r:embed="rId4">
-              <a:extLst>
-                <a:ext uri="{28A0092B-C50C-407E-A947-70E740481C1C}">
-                  <a14:useLocalDpi xmlns:a14="http://schemas.microsoft.com/office/drawing/2010/main" val="0"/>
-                </a:ext>
-              </a:extLst>
-            </a:blip>
-            <a:stretch>
-              <a:fillRect/>
-            </a:stretch>
-          </p:blipFill>
-          <p:spPr>
-            <a:xfrm>
-              <a:off x="9147224" y="2719345"/>
-              <a:ext cx="1318605" cy="1800000"/>
-            </a:xfrm>
-            <a:prstGeom prst="rect">
-              <a:avLst/>
-            </a:prstGeom>
-          </p:spPr>
-        </p:pic>
-        <p:pic>
-          <p:nvPicPr>
-            <p:cNvPr id="16" name="그림 15">
-              <a:extLst>
-                <a:ext uri="{FF2B5EF4-FFF2-40B4-BE49-F238E27FC236}">
-                  <a16:creationId xmlns:a16="http://schemas.microsoft.com/office/drawing/2014/main" id="{11DE0615-2751-8468-4B81-AB46218DB627}"/>
-                </a:ext>
-              </a:extLst>
-            </p:cNvPr>
-            <p:cNvPicPr>
-              <a:picLocks noChangeAspect="1"/>
-            </p:cNvPicPr>
-            <p:nvPr/>
-          </p:nvPicPr>
-          <p:blipFill>
-            <a:blip r:embed="rId5">
-              <a:extLst>
-                <a:ext uri="{28A0092B-C50C-407E-A947-70E740481C1C}">
-                  <a14:useLocalDpi xmlns:a14="http://schemas.microsoft.com/office/drawing/2010/main" val="0"/>
-                </a:ext>
-              </a:extLst>
-            </a:blip>
-            <a:stretch>
-              <a:fillRect/>
-            </a:stretch>
-          </p:blipFill>
-          <p:spPr>
-            <a:xfrm>
-              <a:off x="9147224" y="4879345"/>
-              <a:ext cx="1233943" cy="1800000"/>
-            </a:xfrm>
-            <a:prstGeom prst="rect">
-              <a:avLst/>
-            </a:prstGeom>
-          </p:spPr>
-        </p:pic>
-      </p:grpSp>
+          <a:prstGeom prst="rect">
+            <a:avLst/>
+          </a:prstGeom>
+        </p:spPr>
+      </p:pic>
+      <p:pic>
+        <p:nvPicPr>
+          <p:cNvPr id="16" name="그림 15"/>
+          <p:cNvPicPr>
+            <a:picLocks noChangeAspect="1"/>
+          </p:cNvPicPr>
+          <p:nvPr/>
+        </p:nvPicPr>
+        <p:blipFill rotWithShape="1">
+          <a:blip r:embed="rId5"/>
+          <a:stretch>
+            <a:fillRect/>
+          </a:stretch>
+        </p:blipFill>
+        <p:spPr>
+          <a:xfrm>
+            <a:off x="10090412" y="5058000"/>
+            <a:ext cx="1233943" cy="1800000"/>
+          </a:xfrm>
+          <a:prstGeom prst="rect">
+            <a:avLst/>
+          </a:prstGeom>
+        </p:spPr>
+      </p:pic>
       <p:cxnSp>
         <p:nvCxnSpPr>
-          <p:cNvPr id="21" name="직선 화살표 연결선 20">
-            <a:extLst>
-              <a:ext uri="{FF2B5EF4-FFF2-40B4-BE49-F238E27FC236}">
-                <a16:creationId xmlns:a16="http://schemas.microsoft.com/office/drawing/2014/main" id="{5E93EF02-0207-DB65-66FC-AB72FC629E5D}"/>
-              </a:ext>
-            </a:extLst>
-          </p:cNvPr>
+          <p:cNvPr id="21" name="직선 화살표 연결선 20"/>
           <p:cNvCxnSpPr>
-            <a:cxnSpLocks/>
             <a:endCxn id="16" idx="1"/>
           </p:cNvCxnSpPr>
           <p:nvPr/>
@@ -13480,14 +13364,14 @@
         <p:spPr>
           <a:xfrm>
             <a:off x="8752644" y="5145932"/>
-            <a:ext cx="1282551" cy="633413"/>
+            <a:ext cx="1337768" cy="812068"/>
           </a:xfrm>
           <a:prstGeom prst="straightConnector1">
             <a:avLst/>
           </a:prstGeom>
           <a:ln w="25400">
             <a:solidFill>
-              <a:srgbClr val="0070C0"/>
+              <a:srgbClr val="0070c0"/>
             </a:solidFill>
             <a:tailEnd type="triangle"/>
           </a:ln>
@@ -13509,30 +13393,23 @@
       </p:cxnSp>
       <p:cxnSp>
         <p:nvCxnSpPr>
-          <p:cNvPr id="23" name="직선 화살표 연결선 22">
-            <a:extLst>
-              <a:ext uri="{FF2B5EF4-FFF2-40B4-BE49-F238E27FC236}">
-                <a16:creationId xmlns:a16="http://schemas.microsoft.com/office/drawing/2014/main" id="{B729EE96-1995-D7CB-3C61-1A137681391B}"/>
-              </a:ext>
-            </a:extLst>
-          </p:cNvPr>
+          <p:cNvPr id="23" name="직선 화살표 연결선 22"/>
           <p:cNvCxnSpPr>
-            <a:cxnSpLocks/>
             <a:endCxn id="14" idx="1"/>
           </p:cNvCxnSpPr>
           <p:nvPr/>
         </p:nvCxnSpPr>
         <p:spPr>
           <a:xfrm flipV="1">
-            <a:off x="8752644" y="3619345"/>
-            <a:ext cx="1282551" cy="360000"/>
+            <a:off x="8752644" y="3798000"/>
+            <a:ext cx="1337768" cy="181345"/>
           </a:xfrm>
           <a:prstGeom prst="straightConnector1">
             <a:avLst/>
           </a:prstGeom>
           <a:ln w="25400">
             <a:solidFill>
-              <a:srgbClr val="FF0000"/>
+              <a:srgbClr val="ff0000"/>
             </a:solidFill>
             <a:tailEnd type="triangle"/>
           </a:ln>
@@ -13553,20 +13430,23 @@
         </p:style>
       </p:cxnSp>
     </p:spTree>
-    <p:extLst>
-      <p:ext uri="{BB962C8B-B14F-4D97-AF65-F5344CB8AC3E}">
-        <p14:creationId xmlns:p14="http://schemas.microsoft.com/office/powerpoint/2010/main" val="3720125307"/>
-      </p:ext>
-    </p:extLst>
   </p:cSld>
   <p:clrMapOvr>
     <a:masterClrMapping/>
   </p:clrMapOvr>
+  <mc:AlternateContent xmlns:mc="http://schemas.openxmlformats.org/markup-compatibility/2006">
+    <mc:Choice xmlns:p14="http://schemas.microsoft.com/office/powerpoint/2010/main" Requires="p14">
+      <p:transition xmlns:mc="http://schemas.openxmlformats.org/markup-compatibility/2006" xmlns:p14="http://schemas.microsoft.com/office/powerpoint/2010/main" mc:Ignorable="p14" p14:dur="500"/>
+    </mc:Choice>
+    <mc:Fallback>
+      <p:transition/>
+    </mc:Fallback>
+  </mc:AlternateContent>
 </p:sld>
 </file>
 
 <file path=ppt/slides/slide4.xml><?xml version="1.0" encoding="utf-8"?>
-<p:sld xmlns:a="http://schemas.openxmlformats.org/drawingml/2006/main" xmlns:r="http://schemas.openxmlformats.org/officeDocument/2006/relationships" xmlns:p="http://schemas.openxmlformats.org/presentationml/2006/main">
+<p:sld xmlns:r="http://schemas.openxmlformats.org/officeDocument/2006/relationships" xmlns:c="http://schemas.openxmlformats.org/drawingml/2006/chart" xmlns:a="http://schemas.openxmlformats.org/drawingml/2006/main" xmlns:dgm="http://schemas.openxmlformats.org/drawingml/2006/diagram" xmlns:dsp="http://schemas.microsoft.com/office/drawing/2008/diagram" xmlns:p="http://schemas.openxmlformats.org/presentationml/2006/main">
   <p:cSld>
     <p:spTree>
       <p:nvGrpSpPr>
@@ -13584,18 +13464,12 @@
       </p:grpSpPr>
       <p:sp>
         <p:nvSpPr>
-          <p:cNvPr id="2" name="제목 1">
-            <a:extLst>
-              <a:ext uri="{FF2B5EF4-FFF2-40B4-BE49-F238E27FC236}">
-                <a16:creationId xmlns:a16="http://schemas.microsoft.com/office/drawing/2014/main" id="{C296E329-0FD2-2F08-5195-8DAF3815BD5C}"/>
-              </a:ext>
-            </a:extLst>
-          </p:cNvPr>
+          <p:cNvPr id="2" name="제목 1"/>
           <p:cNvSpPr>
             <a:spLocks noGrp="1"/>
           </p:cNvSpPr>
           <p:nvPr>
-            <p:ph type="title"/>
+            <p:ph type="title" idx="0"/>
           </p:nvPr>
         </p:nvSpPr>
         <p:spPr/>
@@ -13603,27 +13477,24 @@
           <a:bodyPr/>
           <a:lstStyle/>
           <a:p>
-            <a:r>
-              <a:rPr lang="ko-KR" altLang="en-US" dirty="0"/>
+            <a:pPr lvl="0">
+              <a:defRPr/>
+            </a:pPr>
+            <a:r>
+              <a:rPr lang="ko-KR" altLang="en-US"/>
               <a:t>사용 </a:t>
             </a:r>
             <a:r>
-              <a:rPr lang="en-US" altLang="ko-KR" dirty="0"/>
+              <a:rPr lang="en-US" altLang="ko-KR"/>
               <a:t>Dataset</a:t>
             </a:r>
-            <a:endParaRPr lang="ko-KR" altLang="en-US" dirty="0"/>
+            <a:endParaRPr lang="ko-KR" altLang="en-US"/>
           </a:p>
         </p:txBody>
       </p:sp>
       <p:sp>
         <p:nvSpPr>
-          <p:cNvPr id="3" name="내용 개체 틀 2">
-            <a:extLst>
-              <a:ext uri="{FF2B5EF4-FFF2-40B4-BE49-F238E27FC236}">
-                <a16:creationId xmlns:a16="http://schemas.microsoft.com/office/drawing/2014/main" id="{D8F1FD15-7CB7-F309-77DB-EC079A317206}"/>
-              </a:ext>
-            </a:extLst>
-          </p:cNvPr>
+          <p:cNvPr id="3" name="내용 개체 틀 2"/>
           <p:cNvSpPr>
             <a:spLocks noGrp="1"/>
           </p:cNvSpPr>
@@ -13636,68 +13507,65 @@
           <a:bodyPr/>
           <a:lstStyle/>
           <a:p>
-            <a:r>
-              <a:rPr lang="en-US" altLang="ko-KR" dirty="0"/>
+            <a:pPr lvl="0">
+              <a:defRPr/>
+            </a:pPr>
+            <a:r>
+              <a:rPr lang="en-US" altLang="ko-KR"/>
               <a:t>K-Fashion </a:t>
             </a:r>
             <a:r>
-              <a:rPr lang="ko-KR" altLang="en-US" dirty="0"/>
+              <a:rPr lang="ko-KR" altLang="en-US"/>
               <a:t>이미지 </a:t>
             </a:r>
             <a:r>
-              <a:rPr lang="en-US" altLang="ko-KR" dirty="0"/>
+              <a:rPr lang="en-US" altLang="ko-KR"/>
               <a:t>Dataset : 4</a:t>
             </a:r>
             <a:r>
-              <a:rPr lang="ko-KR" altLang="en-US" dirty="0"/>
+              <a:rPr lang="ko-KR" altLang="en-US"/>
               <a:t>만장 사용</a:t>
             </a:r>
-            <a:endParaRPr lang="en-US" altLang="ko-KR" dirty="0"/>
-          </a:p>
-          <a:p>
-            <a:r>
-              <a:rPr lang="ko-KR" altLang="en-US" dirty="0" err="1"/>
-              <a:t>무신사</a:t>
-            </a:r>
-            <a:r>
-              <a:rPr lang="ko-KR" altLang="en-US" dirty="0"/>
-              <a:t> </a:t>
-            </a:r>
-            <a:r>
-              <a:rPr lang="ko-KR" altLang="en-US" dirty="0" err="1"/>
-              <a:t>크롤링</a:t>
-            </a:r>
-            <a:r>
-              <a:rPr lang="ko-KR" altLang="en-US" dirty="0"/>
-              <a:t> 이미지 </a:t>
-            </a:r>
-            <a:r>
-              <a:rPr lang="en-US" altLang="ko-KR" dirty="0"/>
+            <a:endParaRPr lang="ko-KR" altLang="en-US"/>
+          </a:p>
+          <a:p>
+            <a:pPr lvl="0">
+              <a:defRPr/>
+            </a:pPr>
+            <a:r>
+              <a:rPr lang="ko-KR" altLang="en-US"/>
+              <a:t>무신사 크롤링 이미지 </a:t>
+            </a:r>
+            <a:r>
+              <a:rPr lang="en-US" altLang="ko-KR"/>
               <a:t>Dataset : 5</a:t>
             </a:r>
             <a:r>
-              <a:rPr lang="ko-KR" altLang="en-US" dirty="0"/>
+              <a:rPr lang="ko-KR" altLang="en-US"/>
               <a:t>천장 사용</a:t>
             </a:r>
-            <a:endParaRPr lang="en-US" altLang="ko-KR" dirty="0"/>
+            <a:endParaRPr lang="en-US" altLang="ko-KR"/>
           </a:p>
         </p:txBody>
       </p:sp>
     </p:spTree>
-    <p:extLst>
-      <p:ext uri="{BB962C8B-B14F-4D97-AF65-F5344CB8AC3E}">
-        <p14:creationId xmlns:p14="http://schemas.microsoft.com/office/powerpoint/2010/main" val="1446655059"/>
-      </p:ext>
-    </p:extLst>
   </p:cSld>
   <p:clrMapOvr>
     <a:masterClrMapping/>
   </p:clrMapOvr>
+  <mc:AlternateContent xmlns:mc="http://schemas.openxmlformats.org/markup-compatibility/2006">
+    <mc:Choice xmlns:p14="http://schemas.microsoft.com/office/powerpoint/2010/main" Requires="p14">
+      <p:transition xmlns:mc="http://schemas.openxmlformats.org/markup-compatibility/2006" xmlns:p14="http://schemas.microsoft.com/office/powerpoint/2010/main" mc:Ignorable="p14" p14:dur="500"/>
+    </mc:Choice>
+    <mc:Fallback>
+      <p:transition/>
+    </mc:Fallback>
+  </mc:AlternateContent>
 </p:sld>
 </file>
 
 <file path=ppt/slides/slide5.xml><?xml version="1.0" encoding="utf-8"?>
-<p:sld xmlns:a="http://schemas.openxmlformats.org/drawingml/2006/main" xmlns:r="http://schemas.openxmlformats.org/officeDocument/2006/relationships" xmlns:p="http://schemas.openxmlformats.org/presentationml/2006/main">
+<p:sld xmlns:r="http://schemas.openxmlformats.org/officeDocument/2006/relationships" xmlns:c="http://schemas.openxmlformats.org/drawingml/2006/chart" xmlns:a="http://schemas.openxmlformats.org/drawingml/2006/main" xmlns:dgm="http://schemas.openxmlformats.org/drawingml/2006/diagram" xmlns:dsp="http://schemas.microsoft.com/office/drawing/2008/diagram" xmlns:p="http://schemas.openxmlformats.org/presentationml/2006/main">
   <p:cSld>
     <p:spTree>
       <p:nvGrpSpPr>
@@ -13715,19 +13583,13 @@
       </p:grpSpPr>
       <p:pic>
         <p:nvPicPr>
-          <p:cNvPr id="10" name="그림 9">
-            <a:extLst>
-              <a:ext uri="{FF2B5EF4-FFF2-40B4-BE49-F238E27FC236}">
-                <a16:creationId xmlns:a16="http://schemas.microsoft.com/office/drawing/2014/main" id="{D39FF206-3386-AB2B-1952-FA89C3EAF8EA}"/>
-              </a:ext>
-            </a:extLst>
-          </p:cNvPr>
+          <p:cNvPr id="10" name="그림 9"/>
           <p:cNvPicPr>
             <a:picLocks noChangeAspect="1"/>
           </p:cNvPicPr>
           <p:nvPr/>
         </p:nvPicPr>
-        <p:blipFill>
+        <p:blipFill rotWithShape="1">
           <a:blip r:embed="rId2"/>
           <a:stretch>
             <a:fillRect/>
@@ -13745,18 +13607,12 @@
       </p:pic>
       <p:sp>
         <p:nvSpPr>
-          <p:cNvPr id="2" name="제목 1">
-            <a:extLst>
-              <a:ext uri="{FF2B5EF4-FFF2-40B4-BE49-F238E27FC236}">
-                <a16:creationId xmlns:a16="http://schemas.microsoft.com/office/drawing/2014/main" id="{4E0613C6-CBA0-6C3E-1958-DD34668FC85D}"/>
-              </a:ext>
-            </a:extLst>
-          </p:cNvPr>
+          <p:cNvPr id="2" name="제목 1"/>
           <p:cNvSpPr>
             <a:spLocks noGrp="1"/>
           </p:cNvSpPr>
           <p:nvPr>
-            <p:ph type="title"/>
+            <p:ph type="title" idx="0"/>
           </p:nvPr>
         </p:nvSpPr>
         <p:spPr/>
@@ -13764,30 +13620,28 @@
           <a:bodyPr/>
           <a:lstStyle/>
           <a:p>
-            <a:r>
-              <a:rPr lang="en-US" altLang="ko-KR" dirty="0"/>
+            <a:pPr lvl="0">
+              <a:defRPr/>
+            </a:pPr>
+            <a:r>
+              <a:rPr lang="en-US" altLang="ko-KR"/>
               <a:t>AI-hub K-Fashion </a:t>
             </a:r>
             <a:r>
-              <a:rPr lang="ko-KR" altLang="en-US" dirty="0"/>
+              <a:rPr lang="ko-KR" altLang="en-US"/>
               <a:t>이미지 </a:t>
             </a:r>
             <a:r>
-              <a:rPr lang="en-US" altLang="ko-KR" dirty="0"/>
+              <a:rPr lang="en-US" altLang="ko-KR"/>
               <a:t>Dataset</a:t>
             </a:r>
+            <a:endParaRPr lang="en-US" altLang="ko-KR"/>
           </a:p>
         </p:txBody>
       </p:sp>
       <p:sp>
         <p:nvSpPr>
-          <p:cNvPr id="3" name="내용 개체 틀 2">
-            <a:extLst>
-              <a:ext uri="{FF2B5EF4-FFF2-40B4-BE49-F238E27FC236}">
-                <a16:creationId xmlns:a16="http://schemas.microsoft.com/office/drawing/2014/main" id="{84EE457F-56E6-C472-8BCA-C6836E8811A9}"/>
-              </a:ext>
-            </a:extLst>
-          </p:cNvPr>
+          <p:cNvPr id="3" name="내용 개체 틀 2"/>
           <p:cNvSpPr>
             <a:spLocks noGrp="1"/>
           </p:cNvSpPr>
@@ -13805,124 +13659,122 @@
           <a:bodyPr/>
           <a:lstStyle/>
           <a:p>
-            <a:r>
-              <a:rPr lang="ko-KR" altLang="en-US" dirty="0"/>
+            <a:pPr lvl="0">
+              <a:defRPr/>
+            </a:pPr>
+            <a:r>
+              <a:rPr lang="ko-KR" altLang="en-US"/>
               <a:t>데이터셋 구성 </a:t>
             </a:r>
             <a:r>
-              <a:rPr lang="en-US" altLang="ko-KR" dirty="0"/>
+              <a:rPr lang="en-US" altLang="ko-KR"/>
               <a:t>: </a:t>
             </a:r>
             <a:r>
-              <a:rPr lang="ko-KR" altLang="en-US" dirty="0"/>
+              <a:rPr lang="ko-KR" altLang="en-US"/>
               <a:t>총 </a:t>
             </a:r>
             <a:r>
-              <a:rPr lang="en-US" altLang="ko-KR" dirty="0"/>
+              <a:rPr lang="en-US" altLang="ko-KR"/>
               <a:t>120</a:t>
             </a:r>
             <a:r>
-              <a:rPr lang="ko-KR" altLang="en-US" dirty="0"/>
+              <a:rPr lang="ko-KR" altLang="en-US"/>
               <a:t>만장의 이미지로 구성</a:t>
             </a:r>
-            <a:endParaRPr lang="en-US" altLang="ko-KR" dirty="0"/>
-          </a:p>
-          <a:p>
-            <a:r>
-              <a:rPr lang="ko-KR" altLang="en-US" dirty="0"/>
+            <a:endParaRPr lang="ko-KR" altLang="en-US"/>
+          </a:p>
+          <a:p>
+            <a:pPr lvl="0">
+              <a:defRPr/>
+            </a:pPr>
+            <a:r>
+              <a:rPr lang="ko-KR" altLang="en-US"/>
               <a:t>포함 정보 </a:t>
             </a:r>
             <a:r>
-              <a:rPr lang="en-US" altLang="ko-KR" dirty="0"/>
+              <a:rPr lang="en-US" altLang="ko-KR"/>
               <a:t>: </a:t>
             </a:r>
             <a:r>
-              <a:rPr lang="ko-KR" altLang="en-US" dirty="0"/>
+              <a:rPr lang="ko-KR" altLang="en-US"/>
               <a:t>의류 영역 직사각형 좌표</a:t>
             </a:r>
             <a:r>
-              <a:rPr lang="en-US" altLang="ko-KR" dirty="0"/>
+              <a:rPr lang="en-US" altLang="ko-KR"/>
               <a:t>, </a:t>
             </a:r>
             <a:r>
-              <a:rPr lang="ko-KR" altLang="en-US" dirty="0" err="1"/>
-              <a:t>폴리곤</a:t>
-            </a:r>
-            <a:r>
-              <a:rPr lang="ko-KR" altLang="en-US" dirty="0"/>
-              <a:t> 좌표</a:t>
-            </a:r>
-            <a:r>
-              <a:rPr lang="en-US" altLang="ko-KR" dirty="0"/>
+              <a:rPr lang="ko-KR" altLang="en-US"/>
+              <a:t>폴리곤 좌표</a:t>
+            </a:r>
+            <a:r>
+              <a:rPr lang="en-US" altLang="ko-KR"/>
               <a:t>, </a:t>
             </a:r>
             <a:r>
-              <a:rPr lang="ko-KR" altLang="en-US" dirty="0"/>
+              <a:rPr lang="ko-KR" altLang="en-US"/>
               <a:t>대분류 </a:t>
             </a:r>
             <a:r>
-              <a:rPr lang="en-US" altLang="ko-KR" dirty="0"/>
+              <a:rPr lang="en-US" altLang="ko-KR"/>
               <a:t>10</a:t>
             </a:r>
             <a:r>
-              <a:rPr lang="ko-KR" altLang="en-US" dirty="0"/>
+              <a:rPr lang="ko-KR" altLang="en-US"/>
               <a:t>가지</a:t>
             </a:r>
             <a:r>
-              <a:rPr lang="en-US" altLang="ko-KR" dirty="0"/>
+              <a:rPr lang="en-US" altLang="ko-KR"/>
               <a:t>, </a:t>
             </a:r>
             <a:r>
-              <a:rPr lang="ko-KR" altLang="en-US" dirty="0"/>
+              <a:rPr lang="ko-KR" altLang="en-US"/>
               <a:t>세부속성 </a:t>
             </a:r>
             <a:r>
-              <a:rPr lang="en-US" altLang="ko-KR" dirty="0"/>
+              <a:rPr lang="en-US" altLang="ko-KR"/>
               <a:t>186</a:t>
             </a:r>
             <a:r>
-              <a:rPr lang="ko-KR" altLang="en-US" dirty="0"/>
+              <a:rPr lang="ko-KR" altLang="en-US"/>
               <a:t>가지</a:t>
             </a:r>
             <a:r>
-              <a:rPr lang="en-US" altLang="ko-KR" dirty="0"/>
+              <a:rPr lang="en-US" altLang="ko-KR"/>
               <a:t>, </a:t>
             </a:r>
             <a:r>
-              <a:rPr lang="ko-KR" altLang="en-US" dirty="0"/>
+              <a:rPr lang="ko-KR" altLang="en-US"/>
               <a:t>스타일 </a:t>
             </a:r>
             <a:r>
-              <a:rPr lang="en-US" altLang="ko-KR" dirty="0"/>
+              <a:rPr lang="en-US" altLang="ko-KR"/>
               <a:t>23</a:t>
             </a:r>
             <a:r>
-              <a:rPr lang="ko-KR" altLang="en-US" dirty="0"/>
+              <a:rPr lang="ko-KR" altLang="en-US"/>
               <a:t>가지</a:t>
             </a:r>
-            <a:endParaRPr lang="en-US" altLang="ko-KR" dirty="0"/>
-          </a:p>
-          <a:p>
-            <a:pPr lvl="2"/>
-            <a:endParaRPr lang="en-US" altLang="ko-KR" dirty="0"/>
+            <a:endParaRPr lang="ko-KR" altLang="en-US"/>
+          </a:p>
+          <a:p>
+            <a:pPr lvl="2">
+              <a:defRPr/>
+            </a:pPr>
+            <a:endParaRPr lang="en-US" altLang="ko-KR"/>
           </a:p>
         </p:txBody>
       </p:sp>
       <p:sp>
         <p:nvSpPr>
-          <p:cNvPr id="4" name="직사각형 3">
-            <a:extLst>
-              <a:ext uri="{FF2B5EF4-FFF2-40B4-BE49-F238E27FC236}">
-                <a16:creationId xmlns:a16="http://schemas.microsoft.com/office/drawing/2014/main" id="{4B1BB422-8D55-A051-26F9-E60C8349550A}"/>
-              </a:ext>
-            </a:extLst>
-          </p:cNvPr>
+          <p:cNvPr id="4" name="직사각형 3"/>
           <p:cNvSpPr/>
           <p:nvPr/>
         </p:nvSpPr>
         <p:spPr>
           <a:xfrm>
-            <a:off x="1054192" y="6684886"/>
+            <a:off x="2848756" y="5332059"/>
             <a:ext cx="10083616" cy="181979"/>
           </a:xfrm>
           <a:prstGeom prst="rect">
@@ -13950,12 +13802,14 @@
           </a:fontRef>
         </p:style>
         <p:txBody>
-          <a:bodyPr rtlCol="0" anchor="ctr"/>
+          <a:bodyPr anchor="ctr"/>
           <a:lstStyle/>
           <a:p>
-            <a:pPr algn="ctr"/>
-            <a:r>
-              <a:rPr lang="ko-KR" altLang="en-US" sz="1400" dirty="0">
+            <a:pPr algn="ctr">
+              <a:defRPr/>
+            </a:pPr>
+            <a:r>
+              <a:rPr lang="ko-KR" altLang="en-US" sz="1400">
                 <a:solidFill>
                   <a:schemeClr val="tx1"/>
                 </a:solidFill>
@@ -13963,14 +13817,14 @@
               <a:t>출처 </a:t>
             </a:r>
             <a:r>
-              <a:rPr lang="en-US" altLang="ko-KR" sz="1400" dirty="0">
+              <a:rPr lang="en-US" altLang="ko-KR" sz="1400">
                 <a:solidFill>
                   <a:schemeClr val="tx1"/>
                 </a:solidFill>
               </a:rPr>
               <a:t>: https://aihub.or.kr/aihubdata/data/view.do?currMenu=115&amp;topMenu=100&amp;aihubDataSe=realm&amp;dataSetSn=51</a:t>
             </a:r>
-            <a:endParaRPr lang="ko-KR" altLang="en-US" sz="1400" dirty="0">
+            <a:endParaRPr lang="ko-KR" altLang="en-US" sz="1400">
               <a:solidFill>
                 <a:schemeClr val="tx1"/>
               </a:solidFill>
@@ -13980,26 +13834,14 @@
       </p:sp>
       <p:pic>
         <p:nvPicPr>
-          <p:cNvPr id="6" name="그림 5">
-            <a:extLst>
-              <a:ext uri="{FF2B5EF4-FFF2-40B4-BE49-F238E27FC236}">
-                <a16:creationId xmlns:a16="http://schemas.microsoft.com/office/drawing/2014/main" id="{38C4A4B5-AC23-7DF1-ADA0-3669B2ED9CEB}"/>
-              </a:ext>
-            </a:extLst>
-          </p:cNvPr>
+          <p:cNvPr id="6" name="그림 5"/>
           <p:cNvPicPr>
             <a:picLocks noChangeAspect="1"/>
           </p:cNvPicPr>
           <p:nvPr/>
         </p:nvPicPr>
-        <p:blipFill>
-          <a:blip r:embed="rId3">
-            <a:extLst>
-              <a:ext uri="{28A0092B-C50C-407E-A947-70E740481C1C}">
-                <a14:useLocalDpi xmlns:a14="http://schemas.microsoft.com/office/drawing/2010/main" val="0"/>
-              </a:ext>
-            </a:extLst>
-          </a:blip>
+        <p:blipFill rotWithShape="1">
+          <a:blip r:embed="rId3"/>
           <a:stretch>
             <a:fillRect/>
           </a:stretch>
@@ -14016,13 +13858,7 @@
       </p:pic>
       <p:sp>
         <p:nvSpPr>
-          <p:cNvPr id="7" name="직사각형 6">
-            <a:extLst>
-              <a:ext uri="{FF2B5EF4-FFF2-40B4-BE49-F238E27FC236}">
-                <a16:creationId xmlns:a16="http://schemas.microsoft.com/office/drawing/2014/main" id="{9604F638-A2FF-BE6F-1EA2-2DD63616E331}"/>
-              </a:ext>
-            </a:extLst>
-          </p:cNvPr>
+          <p:cNvPr id="7" name="직사각형 6"/>
           <p:cNvSpPr/>
           <p:nvPr/>
         </p:nvSpPr>
@@ -14056,12 +13892,14 @@
           </a:fontRef>
         </p:style>
         <p:txBody>
-          <a:bodyPr rtlCol="0" anchor="ctr"/>
+          <a:bodyPr anchor="ctr"/>
           <a:lstStyle/>
           <a:p>
-            <a:pPr algn="ctr"/>
-            <a:r>
-              <a:rPr lang="en-US" altLang="ko-KR" sz="1400" dirty="0">
+            <a:pPr algn="ctr">
+              <a:defRPr/>
+            </a:pPr>
+            <a:r>
+              <a:rPr lang="en-US" altLang="ko-KR" sz="1400">
                 <a:solidFill>
                   <a:schemeClr val="tx1"/>
                 </a:solidFill>
@@ -14069,7 +13907,7 @@
               <a:t>[</a:t>
             </a:r>
             <a:r>
-              <a:rPr lang="ko-KR" altLang="en-US" sz="1400" dirty="0">
+              <a:rPr lang="ko-KR" altLang="en-US" sz="1400">
                 <a:solidFill>
                   <a:schemeClr val="tx1"/>
                 </a:solidFill>
@@ -14077,14 +13915,14 @@
               <a:t>예시 이미지</a:t>
             </a:r>
             <a:r>
-              <a:rPr lang="en-US" altLang="ko-KR" sz="1400" dirty="0">
+              <a:rPr lang="en-US" altLang="ko-KR" sz="1400">
                 <a:solidFill>
                   <a:schemeClr val="tx1"/>
                 </a:solidFill>
               </a:rPr>
               <a:t>]</a:t>
             </a:r>
-            <a:endParaRPr lang="ko-KR" altLang="en-US" sz="1400" dirty="0">
+            <a:endParaRPr lang="ko-KR" altLang="en-US" sz="1400">
               <a:solidFill>
                 <a:schemeClr val="tx1"/>
               </a:solidFill>
@@ -14094,27 +13932,15 @@
       </p:sp>
       <p:graphicFrame>
         <p:nvGraphicFramePr>
-          <p:cNvPr id="8" name="표 7">
-            <a:extLst>
-              <a:ext uri="{FF2B5EF4-FFF2-40B4-BE49-F238E27FC236}">
-                <a16:creationId xmlns:a16="http://schemas.microsoft.com/office/drawing/2014/main" id="{95B1FC3A-53BD-6A55-14BF-CE841CB2B5AC}"/>
-              </a:ext>
-            </a:extLst>
-          </p:cNvPr>
+          <p:cNvPr id="8" name="표 7"/>
           <p:cNvGraphicFramePr>
             <a:graphicFrameLocks noGrp="1"/>
           </p:cNvGraphicFramePr>
-          <p:nvPr>
-            <p:extLst>
-              <p:ext uri="{D42A27DB-BD31-4B8C-83A1-F6EECF244321}">
-                <p14:modId xmlns:p14="http://schemas.microsoft.com/office/powerpoint/2010/main" val="1769912584"/>
-              </p:ext>
-            </p:extLst>
-          </p:nvPr>
+          <p:nvPr/>
         </p:nvGraphicFramePr>
         <p:xfrm>
           <a:off x="5726098" y="4048820"/>
-          <a:ext cx="6027937" cy="1462828"/>
+          <a:ext cx="6027937" cy="1382284"/>
         </p:xfrm>
         <a:graphic>
           <a:graphicData uri="http://schemas.openxmlformats.org/drawingml/2006/table">
@@ -14123,232 +13949,226 @@
                 <a:tableStyleId>{F5AB1C69-6EDB-4FF4-983F-18BD219EF322}</a:tableStyleId>
               </a:tblPr>
               <a:tblGrid>
-                <a:gridCol w="927469">
-                  <a:extLst>
-                    <a:ext uri="{9D8B030D-6E8A-4147-A177-3AD203B41FA5}">
-                      <a16:colId xmlns:a16="http://schemas.microsoft.com/office/drawing/2014/main" val="3430683312"/>
-                    </a:ext>
-                  </a:extLst>
-                </a:gridCol>
-                <a:gridCol w="5100468">
-                  <a:extLst>
-                    <a:ext uri="{9D8B030D-6E8A-4147-A177-3AD203B41FA5}">
-                      <a16:colId xmlns:a16="http://schemas.microsoft.com/office/drawing/2014/main" val="2577341238"/>
-                    </a:ext>
-                  </a:extLst>
-                </a:gridCol>
+                <a:gridCol w="1258773"/>
+                <a:gridCol w="4769163"/>
               </a:tblGrid>
               <a:tr h="441854">
                 <a:tc>
                   <a:txBody>
-                    <a:bodyPr/>
-                    <a:lstStyle/>
-                    <a:p>
-                      <a:pPr latinLnBrk="1"/>
-                      <a:r>
-                        <a:rPr lang="ko-KR" altLang="en-US" sz="1600" dirty="0">
+                    <a:bodyPr vert="horz" lIns="91440" tIns="45720" rIns="91440" bIns="45720" anchor="ctr" anchorCtr="0"/>
+                    <a:p>
+                      <a:pPr latinLnBrk="1">
+                        <a:defRPr/>
+                      </a:pPr>
+                      <a:r>
+                        <a:rPr lang="ko-KR" altLang="en-US" sz="1600">
                           <a:solidFill>
                             <a:sysClr val="windowText" lastClr="000000"/>
                           </a:solidFill>
                         </a:rPr>
                         <a:t>대분류</a:t>
                       </a:r>
-                    </a:p>
-                  </a:txBody>
-                  <a:tcPr anchor="ctr"/>
-                </a:tc>
-                <a:tc>
-                  <a:txBody>
-                    <a:bodyPr/>
-                    <a:lstStyle/>
-                    <a:p>
-                      <a:pPr latinLnBrk="1"/>
-                      <a:r>
-                        <a:rPr lang="ko-KR" altLang="en-US" sz="1400" dirty="0"/>
+                      <a:endParaRPr lang="ko-KR" altLang="en-US" sz="1600">
+                        <a:solidFill>
+                          <a:sysClr val="windowText" lastClr="000000"/>
+                        </a:solidFill>
+                      </a:endParaRPr>
+                    </a:p>
+                  </a:txBody>
+                  <a:tcPr marL="91440" marR="91440" anchor="ctr"/>
+                </a:tc>
+                <a:tc>
+                  <a:txBody>
+                    <a:bodyPr vert="horz" lIns="91440" tIns="45720" rIns="91440" bIns="45720" anchor="ctr" anchorCtr="0"/>
+                    <a:p>
+                      <a:pPr latinLnBrk="1">
+                        <a:defRPr/>
+                      </a:pPr>
+                      <a:r>
+                        <a:rPr lang="ko-KR" altLang="en-US" sz="1400"/>
                         <a:t>카테고리</a:t>
                       </a:r>
                       <a:r>
-                        <a:rPr lang="en-US" altLang="ko-KR" sz="1400" dirty="0"/>
+                        <a:rPr lang="en-US" altLang="ko-KR" sz="1400"/>
                         <a:t>, </a:t>
                       </a:r>
                       <a:r>
-                        <a:rPr lang="ko-KR" altLang="en-US" sz="1400" dirty="0"/>
+                        <a:rPr lang="ko-KR" altLang="en-US" sz="1400"/>
                         <a:t>컬러</a:t>
                       </a:r>
                       <a:r>
-                        <a:rPr lang="en-US" altLang="ko-KR" sz="1400" dirty="0"/>
+                        <a:rPr lang="en-US" altLang="ko-KR" sz="1400"/>
                         <a:t>, </a:t>
                       </a:r>
                       <a:r>
-                        <a:rPr lang="ko-KR" altLang="en-US" sz="1400" dirty="0"/>
+                        <a:rPr lang="ko-KR" altLang="en-US" sz="1400"/>
                         <a:t>프린트</a:t>
                       </a:r>
                       <a:r>
-                        <a:rPr lang="en-US" altLang="ko-KR" sz="1400" dirty="0"/>
+                        <a:rPr lang="en-US" altLang="ko-KR" sz="1400"/>
                         <a:t>, </a:t>
                       </a:r>
                       <a:r>
-                        <a:rPr lang="ko-KR" altLang="en-US" sz="1400" dirty="0"/>
+                        <a:rPr lang="ko-KR" altLang="en-US" sz="1400"/>
                         <a:t>소재</a:t>
                       </a:r>
                       <a:r>
-                        <a:rPr lang="en-US" altLang="ko-KR" sz="1400" dirty="0"/>
+                        <a:rPr lang="en-US" altLang="ko-KR" sz="1400"/>
                         <a:t>, </a:t>
                       </a:r>
                       <a:r>
-                        <a:rPr lang="ko-KR" altLang="en-US" sz="1400" dirty="0"/>
+                        <a:rPr lang="ko-KR" altLang="en-US" sz="1400"/>
                         <a:t>기장</a:t>
                       </a:r>
                       <a:r>
-                        <a:rPr lang="en-US" altLang="ko-KR" sz="1400" dirty="0"/>
+                        <a:rPr lang="en-US" altLang="ko-KR" sz="1400"/>
                         <a:t>, …</a:t>
                       </a:r>
-                      <a:endParaRPr lang="ko-KR" altLang="en-US" sz="1400" dirty="0"/>
-                    </a:p>
-                  </a:txBody>
-                  <a:tcPr anchor="ctr"/>
-                </a:tc>
-                <a:extLst>
-                  <a:ext uri="{0D108BD9-81ED-4DB2-BD59-A6C34878D82A}">
-                    <a16:rowId xmlns:a16="http://schemas.microsoft.com/office/drawing/2014/main" val="3126553447"/>
-                  </a:ext>
-                </a:extLst>
+                      <a:endParaRPr lang="ko-KR" altLang="en-US" sz="1400"/>
+                    </a:p>
+                  </a:txBody>
+                  <a:tcPr marL="91440" marR="91440" anchor="ctr"/>
+                </a:tc>
               </a:tr>
               <a:tr h="498576">
                 <a:tc>
                   <a:txBody>
-                    <a:bodyPr/>
-                    <a:lstStyle/>
-                    <a:p>
-                      <a:pPr latinLnBrk="1"/>
-                      <a:r>
-                        <a:rPr lang="ko-KR" altLang="en-US" sz="1600" dirty="0">
+                    <a:bodyPr vert="horz" lIns="91440" tIns="45720" rIns="91440" bIns="45720" anchor="ctr" anchorCtr="0"/>
+                    <a:p>
+                      <a:pPr latinLnBrk="1">
+                        <a:defRPr/>
+                      </a:pPr>
+                      <a:r>
+                        <a:rPr lang="ko-KR" altLang="en-US" sz="1600">
                           <a:solidFill>
                             <a:sysClr val="windowText" lastClr="000000"/>
                           </a:solidFill>
                         </a:rPr>
                         <a:t>세부속성</a:t>
                       </a:r>
-                    </a:p>
-                  </a:txBody>
-                  <a:tcPr anchor="ctr"/>
-                </a:tc>
-                <a:tc>
-                  <a:txBody>
-                    <a:bodyPr/>
-                    <a:lstStyle/>
-                    <a:p>
-                      <a:pPr latinLnBrk="1"/>
-                      <a:r>
-                        <a:rPr lang="ko-KR" altLang="en-US" sz="1400" dirty="0"/>
+                      <a:endParaRPr lang="ko-KR" altLang="en-US" sz="1600">
+                        <a:solidFill>
+                          <a:sysClr val="windowText" lastClr="000000"/>
+                        </a:solidFill>
+                      </a:endParaRPr>
+                    </a:p>
+                  </a:txBody>
+                  <a:tcPr marL="91440" marR="91440" anchor="ctr"/>
+                </a:tc>
+                <a:tc>
+                  <a:txBody>
+                    <a:bodyPr vert="horz" lIns="91440" tIns="45720" rIns="91440" bIns="45720" anchor="ctr" anchorCtr="0"/>
+                    <a:p>
+                      <a:pPr latinLnBrk="1">
+                        <a:defRPr/>
+                      </a:pPr>
+                      <a:r>
+                        <a:rPr lang="ko-KR" altLang="en-US" sz="1400"/>
                         <a:t>각 대분류에 대한 세부 속성들</a:t>
                       </a:r>
                       <a:r>
-                        <a:rPr lang="en-US" altLang="ko-KR" sz="1400" dirty="0"/>
+                        <a:rPr lang="en-US" altLang="ko-KR" sz="1400"/>
                         <a:t> ex) </a:t>
                       </a:r>
                       <a:r>
-                        <a:rPr lang="ko-KR" altLang="en-US" sz="1400" dirty="0"/>
+                        <a:rPr lang="ko-KR" altLang="en-US" sz="1400"/>
                         <a:t>컬러 </a:t>
                       </a:r>
                       <a:r>
-                        <a:rPr lang="en-US" altLang="ko-KR" sz="1400" dirty="0"/>
+                        <a:rPr lang="en-US" altLang="ko-KR" sz="1400"/>
                         <a:t>-&gt; </a:t>
                       </a:r>
                       <a:r>
-                        <a:rPr lang="ko-KR" altLang="en-US" sz="1400" dirty="0"/>
+                        <a:rPr lang="ko-KR" altLang="en-US" sz="1400"/>
                         <a:t>블랙</a:t>
                       </a:r>
                       <a:r>
-                        <a:rPr lang="en-US" altLang="ko-KR" sz="1400" dirty="0"/>
+                        <a:rPr lang="en-US" altLang="ko-KR" sz="1400"/>
                         <a:t>, </a:t>
                       </a:r>
                       <a:r>
-                        <a:rPr lang="ko-KR" altLang="en-US" sz="1400" dirty="0"/>
+                        <a:rPr lang="ko-KR" altLang="en-US" sz="1400"/>
                         <a:t>레드</a:t>
                       </a:r>
                       <a:r>
-                        <a:rPr lang="en-US" altLang="ko-KR" sz="1400" dirty="0"/>
+                        <a:rPr lang="en-US" altLang="ko-KR" sz="1400"/>
                         <a:t>, …</a:t>
                       </a:r>
-                      <a:endParaRPr lang="ko-KR" altLang="en-US" sz="1400" dirty="0"/>
-                    </a:p>
-                  </a:txBody>
-                  <a:tcPr anchor="ctr"/>
-                </a:tc>
-                <a:extLst>
-                  <a:ext uri="{0D108BD9-81ED-4DB2-BD59-A6C34878D82A}">
-                    <a16:rowId xmlns:a16="http://schemas.microsoft.com/office/drawing/2014/main" val="1196027579"/>
-                  </a:ext>
-                </a:extLst>
+                      <a:endParaRPr lang="ko-KR" altLang="en-US" sz="1400"/>
+                    </a:p>
+                  </a:txBody>
+                  <a:tcPr marL="91440" marR="91440" anchor="ctr"/>
+                </a:tc>
               </a:tr>
               <a:tr h="441854">
                 <a:tc>
                   <a:txBody>
-                    <a:bodyPr/>
-                    <a:lstStyle/>
-                    <a:p>
-                      <a:pPr latinLnBrk="1"/>
-                      <a:r>
-                        <a:rPr lang="ko-KR" altLang="en-US" sz="1600" dirty="0">
+                    <a:bodyPr vert="horz" lIns="91440" tIns="45720" rIns="91440" bIns="45720" anchor="ctr" anchorCtr="0"/>
+                    <a:p>
+                      <a:pPr latinLnBrk="1">
+                        <a:defRPr/>
+                      </a:pPr>
+                      <a:r>
+                        <a:rPr lang="ko-KR" altLang="en-US" sz="1600">
                           <a:solidFill>
                             <a:sysClr val="windowText" lastClr="000000"/>
                           </a:solidFill>
                         </a:rPr>
                         <a:t>스타일</a:t>
                       </a:r>
-                    </a:p>
-                  </a:txBody>
-                  <a:tcPr anchor="ctr"/>
-                </a:tc>
-                <a:tc>
-                  <a:txBody>
-                    <a:bodyPr/>
-                    <a:lstStyle/>
-                    <a:p>
-                      <a:pPr latinLnBrk="1"/>
-                      <a:r>
-                        <a:rPr lang="ko-KR" altLang="en-US" sz="1400" dirty="0"/>
+                      <a:endParaRPr lang="ko-KR" altLang="en-US" sz="1600">
+                        <a:solidFill>
+                          <a:sysClr val="windowText" lastClr="000000"/>
+                        </a:solidFill>
+                      </a:endParaRPr>
+                    </a:p>
+                  </a:txBody>
+                  <a:tcPr marL="91440" marR="91440" anchor="ctr"/>
+                </a:tc>
+                <a:tc>
+                  <a:txBody>
+                    <a:bodyPr vert="horz" lIns="91440" tIns="45720" rIns="91440" bIns="45720" anchor="ctr" anchorCtr="0"/>
+                    <a:p>
+                      <a:pPr latinLnBrk="1">
+                        <a:defRPr/>
+                      </a:pPr>
+                      <a:r>
+                        <a:rPr lang="ko-KR" altLang="en-US" sz="1400"/>
                         <a:t>모던</a:t>
                       </a:r>
                       <a:r>
-                        <a:rPr lang="en-US" altLang="ko-KR" sz="1400" dirty="0"/>
+                        <a:rPr lang="en-US" altLang="ko-KR" sz="1400"/>
                         <a:t>, </a:t>
                       </a:r>
                       <a:r>
-                        <a:rPr lang="ko-KR" altLang="en-US" sz="1400" dirty="0"/>
+                        <a:rPr lang="ko-KR" altLang="en-US" sz="1400"/>
                         <a:t>컨트리</a:t>
                       </a:r>
                       <a:r>
-                        <a:rPr lang="en-US" altLang="ko-KR" sz="1400" dirty="0"/>
+                        <a:rPr lang="en-US" altLang="ko-KR" sz="1400"/>
                         <a:t>, </a:t>
                       </a:r>
                       <a:r>
-                        <a:rPr lang="ko-KR" altLang="en-US" sz="1400" dirty="0"/>
+                        <a:rPr lang="ko-KR" altLang="en-US" sz="1400"/>
                         <a:t>히피</a:t>
                       </a:r>
                       <a:r>
-                        <a:rPr lang="en-US" altLang="ko-KR" sz="1400" dirty="0"/>
+                        <a:rPr lang="en-US" altLang="ko-KR" sz="1400"/>
                         <a:t>, </a:t>
                       </a:r>
                       <a:r>
-                        <a:rPr lang="ko-KR" altLang="en-US" sz="1400" dirty="0" err="1"/>
+                        <a:rPr lang="ko-KR" altLang="en-US" sz="1400"/>
                         <a:t>레트로</a:t>
                       </a:r>
                       <a:r>
-                        <a:rPr lang="en-US" altLang="ko-KR" sz="1400" dirty="0"/>
+                        <a:rPr lang="en-US" altLang="ko-KR" sz="1400"/>
                         <a:t>, …</a:t>
                       </a:r>
-                      <a:endParaRPr lang="ko-KR" altLang="en-US" sz="1400" dirty="0"/>
-                    </a:p>
-                  </a:txBody>
-                  <a:tcPr anchor="ctr"/>
-                </a:tc>
-                <a:extLst>
-                  <a:ext uri="{0D108BD9-81ED-4DB2-BD59-A6C34878D82A}">
-                    <a16:rowId xmlns:a16="http://schemas.microsoft.com/office/drawing/2014/main" val="1149812622"/>
-                  </a:ext>
-                </a:extLst>
+                      <a:endParaRPr lang="ko-KR" altLang="en-US" sz="1400"/>
+                    </a:p>
+                  </a:txBody>
+                  <a:tcPr marL="91440" marR="91440" anchor="ctr"/>
+                </a:tc>
               </a:tr>
             </a:tbl>
           </a:graphicData>
@@ -14356,13 +14176,7 @@
       </p:graphicFrame>
       <p:sp>
         <p:nvSpPr>
-          <p:cNvPr id="11" name="직사각형 10">
-            <a:extLst>
-              <a:ext uri="{FF2B5EF4-FFF2-40B4-BE49-F238E27FC236}">
-                <a16:creationId xmlns:a16="http://schemas.microsoft.com/office/drawing/2014/main" id="{4D8C4C4F-A077-C0C7-4048-6804A146A3D6}"/>
-              </a:ext>
-            </a:extLst>
-          </p:cNvPr>
+          <p:cNvPr id="11" name="직사각형 10"/>
           <p:cNvSpPr/>
           <p:nvPr/>
         </p:nvSpPr>
@@ -14377,7 +14191,7 @@
           <a:noFill/>
           <a:ln w="31750">
             <a:solidFill>
-              <a:srgbClr val="00B0F0"/>
+              <a:srgbClr val="00b0f0"/>
             </a:solidFill>
           </a:ln>
         </p:spPr>
@@ -14398,23 +14212,19 @@
           </a:fontRef>
         </p:style>
         <p:txBody>
-          <a:bodyPr rtlCol="0" anchor="ctr"/>
+          <a:bodyPr anchor="ctr"/>
           <a:lstStyle/>
           <a:p>
-            <a:pPr algn="ctr"/>
+            <a:pPr algn="ctr">
+              <a:defRPr/>
+            </a:pPr>
             <a:endParaRPr lang="ko-KR" altLang="en-US"/>
           </a:p>
         </p:txBody>
       </p:sp>
       <p:sp>
         <p:nvSpPr>
-          <p:cNvPr id="5" name="직사각형 4">
-            <a:extLst>
-              <a:ext uri="{FF2B5EF4-FFF2-40B4-BE49-F238E27FC236}">
-                <a16:creationId xmlns:a16="http://schemas.microsoft.com/office/drawing/2014/main" id="{5CABBA9D-8EAC-F9C5-96D5-3490DEFC6871}"/>
-              </a:ext>
-            </a:extLst>
-          </p:cNvPr>
+          <p:cNvPr id="5" name="직사각형 4"/>
           <p:cNvSpPr/>
           <p:nvPr/>
         </p:nvSpPr>
@@ -14448,12 +14258,14 @@
           </a:fontRef>
         </p:style>
         <p:txBody>
-          <a:bodyPr rtlCol="0" anchor="ctr"/>
+          <a:bodyPr anchor="ctr"/>
           <a:lstStyle/>
           <a:p>
-            <a:pPr algn="ctr"/>
-            <a:r>
-              <a:rPr lang="en-US" altLang="ko-KR" sz="1400" dirty="0">
+            <a:pPr algn="ctr">
+              <a:defRPr/>
+            </a:pPr>
+            <a:r>
+              <a:rPr lang="en-US" altLang="ko-KR" sz="1400">
                 <a:solidFill>
                   <a:schemeClr val="tx1"/>
                 </a:solidFill>
@@ -14461,7 +14273,7 @@
               <a:t>[</a:t>
             </a:r>
             <a:r>
-              <a:rPr lang="ko-KR" altLang="en-US" sz="1400" dirty="0">
+              <a:rPr lang="ko-KR" altLang="en-US" sz="1400">
                 <a:solidFill>
                   <a:schemeClr val="tx1"/>
                 </a:solidFill>
@@ -14469,14 +14281,14 @@
               <a:t>의류 영역 좌표 이미지</a:t>
             </a:r>
             <a:r>
-              <a:rPr lang="en-US" altLang="ko-KR" sz="1400" dirty="0">
+              <a:rPr lang="en-US" altLang="ko-KR" sz="1400">
                 <a:solidFill>
                   <a:schemeClr val="tx1"/>
                 </a:solidFill>
               </a:rPr>
               <a:t>]</a:t>
             </a:r>
-            <a:endParaRPr lang="ko-KR" altLang="en-US" sz="1400" dirty="0">
+            <a:endParaRPr lang="ko-KR" altLang="en-US" sz="1400">
               <a:solidFill>
                 <a:schemeClr val="tx1"/>
               </a:solidFill>
@@ -14485,15 +14297,18 @@
         </p:txBody>
       </p:sp>
     </p:spTree>
-    <p:extLst>
-      <p:ext uri="{BB962C8B-B14F-4D97-AF65-F5344CB8AC3E}">
-        <p14:creationId xmlns:p14="http://schemas.microsoft.com/office/powerpoint/2010/main" val="2466211048"/>
-      </p:ext>
-    </p:extLst>
   </p:cSld>
   <p:clrMapOvr>
     <a:masterClrMapping/>
   </p:clrMapOvr>
+  <mc:AlternateContent xmlns:mc="http://schemas.openxmlformats.org/markup-compatibility/2006">
+    <mc:Choice xmlns:p14="http://schemas.microsoft.com/office/powerpoint/2010/main" Requires="p14">
+      <p:transition xmlns:mc="http://schemas.openxmlformats.org/markup-compatibility/2006" xmlns:p14="http://schemas.microsoft.com/office/powerpoint/2010/main" mc:Ignorable="p14" p14:dur="500"/>
+    </mc:Choice>
+    <mc:Fallback>
+      <p:transition/>
+    </mc:Fallback>
+  </mc:AlternateContent>
 </p:sld>
 </file>
 
@@ -16247,44 +16062,44 @@
 </file>
 
 <file path=ppt/theme/theme1.xml><?xml version="1.0" encoding="utf-8"?>
-<a:theme xmlns:a="http://schemas.openxmlformats.org/drawingml/2006/main" name="Office 테마">
+<a:theme xmlns:r="http://schemas.openxmlformats.org/officeDocument/2006/relationships" xmlns:c="http://schemas.openxmlformats.org/drawingml/2006/chart" xmlns:dgm="http://schemas.openxmlformats.org/drawingml/2006/diagram" xmlns:dsp="http://schemas.microsoft.com/office/drawing/2008/diagram" xmlns:a="http://schemas.openxmlformats.org/drawingml/2006/main" xmlns:pic="http://schemas.openxmlformats.org/drawingml/2006/picture" xmlns:wp="http://schemas.openxmlformats.org/drawingml/2006/wordprocessingDrawing" xmlns:xdr="http://schemas.openxmlformats.org/drawingml/2006/spreadsheetDrawing" xmlns:lc="http://schemas.openxmlformats.org/drawingml/2006/lockedCanvas" xmlns:p="http://schemas.openxmlformats.org/presentationml/2006/main" name="Office 테마">
   <a:themeElements>
     <a:clrScheme name="Office">
       <a:dk1>
         <a:sysClr val="windowText" lastClr="000000"/>
       </a:dk1>
       <a:lt1>
-        <a:sysClr val="window" lastClr="FFFFFF"/>
+        <a:sysClr val="window" lastClr="ffffff"/>
       </a:lt1>
       <a:dk2>
-        <a:srgbClr val="44546A"/>
+        <a:srgbClr val="44546a"/>
       </a:dk2>
       <a:lt2>
-        <a:srgbClr val="E7E6E6"/>
+        <a:srgbClr val="e7e6e6"/>
       </a:lt2>
       <a:accent1>
-        <a:srgbClr val="4472C4"/>
+        <a:srgbClr val="4472c4"/>
       </a:accent1>
       <a:accent2>
-        <a:srgbClr val="ED7D31"/>
+        <a:srgbClr val="ed7d31"/>
       </a:accent2>
       <a:accent3>
-        <a:srgbClr val="A5A5A5"/>
+        <a:srgbClr val="a5a5a5"/>
       </a:accent3>
       <a:accent4>
-        <a:srgbClr val="FFC000"/>
+        <a:srgbClr val="ffc000"/>
       </a:accent4>
       <a:accent5>
-        <a:srgbClr val="5B9BD5"/>
+        <a:srgbClr val="5b9bd5"/>
       </a:accent5>
       <a:accent6>
-        <a:srgbClr val="70AD47"/>
+        <a:srgbClr val="70ad47"/>
       </a:accent6>
       <a:hlink>
-        <a:srgbClr val="0563C1"/>
+        <a:srgbClr val="0563c1"/>
       </a:hlink>
       <a:folHlink>
-        <a:srgbClr val="954F72"/>
+        <a:srgbClr val="954f72"/>
       </a:folHlink>
     </a:clrScheme>
     <a:fontScheme name="Office">
@@ -16292,7 +16107,7 @@
         <a:latin typeface="맑은 고딕" panose="020F0302020204030204"/>
         <a:ea typeface=""/>
         <a:cs typeface=""/>
-        <a:font script="Jpan" typeface="游ゴシック Light"/>
+        <a:font script="Jpan" typeface="Yu Gothic Light"/>
         <a:font script="Hang" typeface="맑은 고딕"/>
         <a:font script="Hans" typeface="等线 Light"/>
         <a:font script="Hant" typeface="新細明體"/>
@@ -16344,7 +16159,7 @@
         <a:latin typeface="맑은 고딕" panose="020F0502020204030204"/>
         <a:ea typeface=""/>
         <a:cs typeface=""/>
-        <a:font script="Jpan" typeface="游ゴシック"/>
+        <a:font script="Jpan" typeface="Yu Gothic"/>
         <a:font script="Hang" typeface="맑은 고딕"/>
         <a:font script="Hans" typeface="等线"/>
         <a:font script="Hant" typeface="新細明體"/>
@@ -16457,21 +16272,21 @@
             <a:schemeClr val="phClr"/>
           </a:solidFill>
           <a:prstDash val="solid"/>
-          <a:miter lim="800000"/>
+          <a:miter/>
         </a:ln>
         <a:ln w="12700" cap="flat" cmpd="sng" algn="ctr">
           <a:solidFill>
             <a:schemeClr val="phClr"/>
           </a:solidFill>
           <a:prstDash val="solid"/>
-          <a:miter lim="800000"/>
+          <a:miter/>
         </a:ln>
         <a:ln w="19050" cap="flat" cmpd="sng" algn="ctr">
           <a:solidFill>
             <a:schemeClr val="phClr"/>
           </a:solidFill>
           <a:prstDash val="solid"/>
-          <a:miter lim="800000"/>
+          <a:miter/>
         </a:ln>
       </a:lnStyleLst>
       <a:effectStyleLst>
@@ -16531,12 +16346,5 @@
       </a:bgFillStyleLst>
     </a:fmtScheme>
   </a:themeElements>
-  <a:objectDefaults/>
-  <a:extraClrSchemeLst/>
-  <a:extLst>
-    <a:ext uri="{05A4C25C-085E-4340-85A3-A5531E510DB2}">
-      <thm15:themeFamily xmlns:thm15="http://schemas.microsoft.com/office/thememl/2012/main" name="Office Theme" id="{62F939B6-93AF-4DB8-9C6B-D6C7DFDC589F}" vid="{4A3C46E8-61CC-4603-A589-7422A47A8E4A}"/>
-    </a:ext>
-  </a:extLst>
 </a:theme>
 </file>